--- a/V2V DQN Study/C-V2X 3GPP Release 14 채널 시뮬레이션 ppt/20210915_C-V2X 3GPP Release 14 채널 시뮬레이션_한동희_발표자료.pptx
+++ b/V2V DQN Study/C-V2X 3GPP Release 14 채널 시뮬레이션 ppt/20210915_C-V2X 3GPP Release 14 채널 시뮬레이션_한동희_발표자료.pptx
@@ -2,7 +2,7 @@
 <file path=ppt/presentation.xml><?xml version="1.0" encoding="utf-8"?>
 <p:presentation xmlns:r="http://schemas.openxmlformats.org/officeDocument/2006/relationships" xmlns:c="http://schemas.openxmlformats.org/drawingml/2006/chart" xmlns:a="http://schemas.openxmlformats.org/drawingml/2006/main" xmlns:dgm="http://schemas.openxmlformats.org/drawingml/2006/diagram" xmlns:dsp="http://schemas.microsoft.com/office/drawing/2008/diagram" xmlns:p="http://schemas.openxmlformats.org/presentationml/2006/main">
   <p:sldMasterIdLst>
-    <p:sldMasterId id="2147484288" r:id="rId1"/>
+    <p:sldMasterId id="2147484257" r:id="rId1"/>
   </p:sldMasterIdLst>
   <p:notesMasterIdLst>
     <p:notesMasterId r:id="rId2"/>
@@ -20,9 +20,13 @@
     <p:sldId id="304" r:id="rId10"/>
     <p:sldId id="305" r:id="rId11"/>
     <p:sldId id="306" r:id="rId12"/>
-    <p:sldId id="280" r:id="rId13"/>
-    <p:sldId id="266" r:id="rId14"/>
-    <p:sldId id="307" r:id="rId15"/>
+    <p:sldId id="308" r:id="rId13"/>
+    <p:sldId id="309" r:id="rId14"/>
+    <p:sldId id="310" r:id="rId15"/>
+    <p:sldId id="311" r:id="rId16"/>
+    <p:sldId id="280" r:id="rId17"/>
+    <p:sldId id="266" r:id="rId18"/>
+    <p:sldId id="307" r:id="rId19"/>
   </p:sldIdLst>
   <p:sldSz cx="9144000" cy="6858000" type="screen4x3"/>
   <p:notesSz cx="9926638" cy="6797675"/>
@@ -923,10 +927,10 @@
               <a:defRPr/>
             </a:pPr>
             <a:r>
-              <a:rPr lang="en-US" altLang="ko-KR"/>
+              <a:rPr lang="ko-KR" altLang="en-US"/>
               <a:t/>
             </a:r>
-            <a:endParaRPr lang="en-US" altLang="ko-KR"/>
+            <a:endParaRPr lang="ko-KR" altLang="en-US"/>
           </a:p>
         </p:txBody>
       </p:sp>
@@ -987,7 +991,17 @@
             </a:pPr>
             <a:r>
               <a:rPr lang="en-US" altLang="ko-KR"/>
-              <a:t/>
+              <a:t>3GPP TR 36.885 V14.0.0 (2016-06) p64</a:t>
+            </a:r>
+            <a:endParaRPr lang="en-US" altLang="ko-KR"/>
+          </a:p>
+          <a:p>
+            <a:pPr lvl="0">
+              <a:defRPr/>
+            </a:pPr>
+            <a:r>
+              <a:rPr lang="en-US" altLang="ko-KR"/>
+              <a:t>Table A.1.2-1: Details of vehicle UE drop and mobility model</a:t>
             </a:r>
             <a:endParaRPr lang="en-US" altLang="ko-KR"/>
           </a:p>
@@ -1016,7 +1030,7 @@
               <a:pPr lvl="0">
                 <a:defRPr/>
               </a:pPr>
-              <a:t>6</a:t>
+              <a:t>10</a:t>
             </a:fld>
             <a:endParaRPr lang="en-US" altLang="en-US"/>
           </a:p>
@@ -1078,6 +1092,358 @@
               <a:defRPr/>
             </a:pPr>
             <a:r>
+              <a:rPr lang="en-US" altLang="ko-KR"/>
+              <a:t>3GPP TR 36.885 V14.0.0 (2016-06) p7 Table A.1.4-1: Assumptions for vehicle-to-vehicle channel</a:t>
+            </a:r>
+            <a:endParaRPr lang="en-US" altLang="ko-KR"/>
+          </a:p>
+          <a:p>
+            <a:pPr lvl="0">
+              <a:defRPr/>
+            </a:pPr>
+            <a:r>
+              <a:rPr lang="en-US" altLang="ko-KR"/>
+              <a:t>WINNER II channel models (Febuary 2008) Page 44 Table 4-4 Summary table of the path-loss models</a:t>
+            </a:r>
+            <a:endParaRPr lang="en-US" altLang="ko-KR"/>
+          </a:p>
+          <a:p>
+            <a:pPr lvl="0">
+              <a:defRPr/>
+            </a:pPr>
+            <a:endParaRPr lang="en-US" altLang="ko-KR"/>
+          </a:p>
+          <a:p>
+            <a:pPr lvl="0">
+              <a:defRPr/>
+            </a:pPr>
+            <a:endParaRPr lang="en-US" altLang="ko-KR"/>
+          </a:p>
+          <a:p>
+            <a:pPr lvl="0">
+              <a:defRPr/>
+            </a:pPr>
+            <a:endParaRPr lang="en-US" altLang="ko-KR"/>
+          </a:p>
+        </p:txBody>
+      </p:sp>
+      <p:sp>
+        <p:nvSpPr>
+          <p:cNvPr id="4" name="슬라이드 번호 개체 틀 3"/>
+          <p:cNvSpPr>
+            <a:spLocks noGrp="1"/>
+          </p:cNvSpPr>
+          <p:nvPr>
+            <p:ph type="sldNum" sz="quarter" idx="5"/>
+          </p:nvPr>
+        </p:nvSpPr>
+        <p:spPr/>
+        <p:txBody>
+          <a:bodyPr/>
+          <a:lstStyle/>
+          <a:p>
+            <a:pPr lvl="0">
+              <a:defRPr/>
+            </a:pPr>
+            <a:fld id="{C0EA918C-B119-4499-AB94-F10A27BF33A4}" type="slidenum">
+              <a:rPr lang="en-US" altLang="en-US"/>
+              <a:pPr lvl="0">
+                <a:defRPr/>
+              </a:pPr>
+              <a:t>11</a:t>
+            </a:fld>
+            <a:endParaRPr lang="en-US" altLang="en-US"/>
+          </a:p>
+        </p:txBody>
+      </p:sp>
+    </p:spTree>
+  </p:cSld>
+  <p:clrMapOvr>
+    <a:masterClrMapping/>
+  </p:clrMapOvr>
+</p:notes>
+</file>
+
+<file path=ppt/notesSlides/notesSlide12.xml><?xml version="1.0" encoding="utf-8"?>
+<p:notes xmlns:r="http://schemas.openxmlformats.org/officeDocument/2006/relationships" xmlns:c="http://schemas.openxmlformats.org/drawingml/2006/chart" xmlns:a="http://schemas.openxmlformats.org/drawingml/2006/main" xmlns:dgm="http://schemas.openxmlformats.org/drawingml/2006/diagram" xmlns:dsp="http://schemas.microsoft.com/office/drawing/2008/diagram" xmlns:p="http://schemas.openxmlformats.org/presentationml/2006/main">
+  <p:cSld>
+    <p:spTree>
+      <p:nvGrpSpPr>
+        <p:cNvPr id="1" name=""/>
+        <p:cNvGrpSpPr/>
+        <p:nvPr/>
+      </p:nvGrpSpPr>
+      <p:grpSpPr>
+        <a:xfrm>
+          <a:off x="0" y="0"/>
+          <a:ext cx="0" cy="0"/>
+          <a:chOff x="0" y="0"/>
+          <a:chExt cx="0" cy="0"/>
+        </a:xfrm>
+      </p:grpSpPr>
+      <p:sp>
+        <p:nvSpPr>
+          <p:cNvPr id="2" name="슬라이드 이미지 개체 틀 1"/>
+          <p:cNvSpPr>
+            <a:spLocks noGrp="1" noRot="1" noChangeAspect="1" noTextEdit="1"/>
+          </p:cNvSpPr>
+          <p:nvPr>
+            <p:ph type="sldImg" idx="0"/>
+          </p:nvPr>
+        </p:nvSpPr>
+        <p:spPr/>
+      </p:sp>
+      <p:sp>
+        <p:nvSpPr>
+          <p:cNvPr id="3" name="슬라이드 노트 개체 틀 2"/>
+          <p:cNvSpPr>
+            <a:spLocks noGrp="1"/>
+          </p:cNvSpPr>
+          <p:nvPr>
+            <p:ph type="body" idx="1"/>
+          </p:nvPr>
+        </p:nvSpPr>
+        <p:spPr/>
+        <p:txBody>
+          <a:bodyPr/>
+          <a:lstStyle/>
+          <a:p>
+            <a:pPr lvl="0">
+              <a:defRPr/>
+            </a:pPr>
+            <a:r>
+              <a:rPr lang="en-US" altLang="ko-KR"/>
+              <a:t>WINNER II channel models (Febuary 2008) Page 44 Table 4-4 Summary table of the path-loss models</a:t>
+            </a:r>
+            <a:endParaRPr lang="en-US" altLang="ko-KR"/>
+          </a:p>
+          <a:p>
+            <a:pPr lvl="0">
+              <a:defRPr/>
+            </a:pPr>
+            <a:endParaRPr lang="en-US" altLang="ko-KR"/>
+          </a:p>
+          <a:p>
+            <a:pPr lvl="0">
+              <a:defRPr/>
+            </a:pPr>
+            <a:endParaRPr lang="en-US" altLang="ko-KR"/>
+          </a:p>
+          <a:p>
+            <a:pPr lvl="0">
+              <a:defRPr/>
+            </a:pPr>
+            <a:endParaRPr lang="en-US" altLang="ko-KR"/>
+          </a:p>
+          <a:p>
+            <a:pPr lvl="0">
+              <a:defRPr/>
+            </a:pPr>
+            <a:endParaRPr lang="en-US" altLang="ko-KR"/>
+          </a:p>
+        </p:txBody>
+      </p:sp>
+      <p:sp>
+        <p:nvSpPr>
+          <p:cNvPr id="4" name="슬라이드 번호 개체 틀 3"/>
+          <p:cNvSpPr>
+            <a:spLocks noGrp="1"/>
+          </p:cNvSpPr>
+          <p:nvPr>
+            <p:ph type="sldNum" sz="quarter" idx="5"/>
+          </p:nvPr>
+        </p:nvSpPr>
+        <p:spPr/>
+        <p:txBody>
+          <a:bodyPr/>
+          <a:lstStyle/>
+          <a:p>
+            <a:pPr lvl="0">
+              <a:defRPr/>
+            </a:pPr>
+            <a:fld id="{C0EA918C-B119-4499-AB94-F10A27BF33A4}" type="slidenum">
+              <a:rPr lang="en-US" altLang="en-US"/>
+              <a:pPr lvl="0">
+                <a:defRPr/>
+              </a:pPr>
+              <a:t>12</a:t>
+            </a:fld>
+            <a:endParaRPr lang="en-US" altLang="en-US"/>
+          </a:p>
+        </p:txBody>
+      </p:sp>
+    </p:spTree>
+  </p:cSld>
+  <p:clrMapOvr>
+    <a:masterClrMapping/>
+  </p:clrMapOvr>
+</p:notes>
+</file>
+
+<file path=ppt/notesSlides/notesSlide13.xml><?xml version="1.0" encoding="utf-8"?>
+<p:notes xmlns:r="http://schemas.openxmlformats.org/officeDocument/2006/relationships" xmlns:c="http://schemas.openxmlformats.org/drawingml/2006/chart" xmlns:a="http://schemas.openxmlformats.org/drawingml/2006/main" xmlns:dgm="http://schemas.openxmlformats.org/drawingml/2006/diagram" xmlns:dsp="http://schemas.microsoft.com/office/drawing/2008/diagram" xmlns:p="http://schemas.openxmlformats.org/presentationml/2006/main">
+  <p:cSld>
+    <p:spTree>
+      <p:nvGrpSpPr>
+        <p:cNvPr id="1" name=""/>
+        <p:cNvGrpSpPr/>
+        <p:nvPr/>
+      </p:nvGrpSpPr>
+      <p:grpSpPr>
+        <a:xfrm>
+          <a:off x="0" y="0"/>
+          <a:ext cx="0" cy="0"/>
+          <a:chOff x="0" y="0"/>
+          <a:chExt cx="0" cy="0"/>
+        </a:xfrm>
+      </p:grpSpPr>
+      <p:sp>
+        <p:nvSpPr>
+          <p:cNvPr id="2" name="슬라이드 이미지 개체 틀 1"/>
+          <p:cNvSpPr>
+            <a:spLocks noGrp="1" noRot="1" noChangeAspect="1" noTextEdit="1"/>
+          </p:cNvSpPr>
+          <p:nvPr>
+            <p:ph type="sldImg" idx="0"/>
+          </p:nvPr>
+        </p:nvSpPr>
+        <p:spPr/>
+      </p:sp>
+      <p:sp>
+        <p:nvSpPr>
+          <p:cNvPr id="3" name="슬라이드 노트 개체 틀 2"/>
+          <p:cNvSpPr>
+            <a:spLocks noGrp="1"/>
+          </p:cNvSpPr>
+          <p:nvPr>
+            <p:ph type="body" idx="1"/>
+          </p:nvPr>
+        </p:nvSpPr>
+        <p:spPr/>
+        <p:txBody>
+          <a:bodyPr/>
+          <a:lstStyle/>
+          <a:p>
+            <a:pPr lvl="0">
+              <a:defRPr/>
+            </a:pPr>
+            <a:r>
+              <a:rPr lang="en-US" altLang="ko-KR"/>
+              <a:t>WINNER II channel models (Febuary 2008) Page 44 Table 4-4 Summary table of the path-loss models</a:t>
+            </a:r>
+            <a:endParaRPr lang="en-US" altLang="ko-KR"/>
+          </a:p>
+          <a:p>
+            <a:pPr lvl="0">
+              <a:defRPr/>
+            </a:pPr>
+            <a:endParaRPr lang="en-US" altLang="ko-KR"/>
+          </a:p>
+          <a:p>
+            <a:pPr lvl="0">
+              <a:defRPr/>
+            </a:pPr>
+            <a:endParaRPr lang="en-US" altLang="ko-KR"/>
+          </a:p>
+          <a:p>
+            <a:pPr lvl="0">
+              <a:defRPr/>
+            </a:pPr>
+            <a:endParaRPr lang="en-US" altLang="ko-KR"/>
+          </a:p>
+          <a:p>
+            <a:pPr lvl="0">
+              <a:defRPr/>
+            </a:pPr>
+            <a:endParaRPr lang="en-US" altLang="ko-KR"/>
+          </a:p>
+        </p:txBody>
+      </p:sp>
+      <p:sp>
+        <p:nvSpPr>
+          <p:cNvPr id="4" name="슬라이드 번호 개체 틀 3"/>
+          <p:cNvSpPr>
+            <a:spLocks noGrp="1"/>
+          </p:cNvSpPr>
+          <p:nvPr>
+            <p:ph type="sldNum" sz="quarter" idx="5"/>
+          </p:nvPr>
+        </p:nvSpPr>
+        <p:spPr/>
+        <p:txBody>
+          <a:bodyPr/>
+          <a:lstStyle/>
+          <a:p>
+            <a:pPr lvl="0">
+              <a:defRPr/>
+            </a:pPr>
+            <a:fld id="{C0EA918C-B119-4499-AB94-F10A27BF33A4}" type="slidenum">
+              <a:rPr lang="en-US" altLang="en-US"/>
+              <a:pPr lvl="0">
+                <a:defRPr/>
+              </a:pPr>
+              <a:t>13</a:t>
+            </a:fld>
+            <a:endParaRPr lang="en-US" altLang="en-US"/>
+          </a:p>
+        </p:txBody>
+      </p:sp>
+    </p:spTree>
+  </p:cSld>
+  <p:clrMapOvr>
+    <a:masterClrMapping/>
+  </p:clrMapOvr>
+</p:notes>
+</file>
+
+<file path=ppt/notesSlides/notesSlide14.xml><?xml version="1.0" encoding="utf-8"?>
+<p:notes xmlns:r="http://schemas.openxmlformats.org/officeDocument/2006/relationships" xmlns:c="http://schemas.openxmlformats.org/drawingml/2006/chart" xmlns:a="http://schemas.openxmlformats.org/drawingml/2006/main" xmlns:dgm="http://schemas.openxmlformats.org/drawingml/2006/diagram" xmlns:dsp="http://schemas.microsoft.com/office/drawing/2008/diagram" xmlns:p="http://schemas.openxmlformats.org/presentationml/2006/main">
+  <p:cSld>
+    <p:spTree>
+      <p:nvGrpSpPr>
+        <p:cNvPr id="1" name=""/>
+        <p:cNvGrpSpPr/>
+        <p:nvPr/>
+      </p:nvGrpSpPr>
+      <p:grpSpPr>
+        <a:xfrm>
+          <a:off x="0" y="0"/>
+          <a:ext cx="0" cy="0"/>
+          <a:chOff x="0" y="0"/>
+          <a:chExt cx="0" cy="0"/>
+        </a:xfrm>
+      </p:grpSpPr>
+      <p:sp>
+        <p:nvSpPr>
+          <p:cNvPr id="2" name="슬라이드 이미지 개체 틀 1"/>
+          <p:cNvSpPr>
+            <a:spLocks noGrp="1" noRot="1" noChangeAspect="1" noTextEdit="1"/>
+          </p:cNvSpPr>
+          <p:nvPr>
+            <p:ph type="sldImg" idx="0"/>
+          </p:nvPr>
+        </p:nvSpPr>
+        <p:spPr/>
+      </p:sp>
+      <p:sp>
+        <p:nvSpPr>
+          <p:cNvPr id="3" name="슬라이드 노트 개체 틀 2"/>
+          <p:cNvSpPr>
+            <a:spLocks noGrp="1"/>
+          </p:cNvSpPr>
+          <p:nvPr>
+            <p:ph type="body" idx="1"/>
+          </p:nvPr>
+        </p:nvSpPr>
+        <p:spPr/>
+        <p:txBody>
+          <a:bodyPr/>
+          <a:lstStyle/>
+          <a:p>
+            <a:pPr lvl="0">
+              <a:defRPr/>
+            </a:pPr>
+            <a:r>
               <a:rPr lang="ko-KR" altLang="en-US"/>
               <a:t/>
             </a:r>
@@ -1108,7 +1474,99 @@
               <a:pPr lvl="0">
                 <a:defRPr/>
               </a:pPr>
-              <a:t>7</a:t>
+              <a:t>10</a:t>
+            </a:fld>
+            <a:endParaRPr lang="en-US" altLang="en-US"/>
+          </a:p>
+        </p:txBody>
+      </p:sp>
+    </p:spTree>
+  </p:cSld>
+  <p:clrMapOvr>
+    <a:masterClrMapping/>
+  </p:clrMapOvr>
+</p:notes>
+</file>
+
+<file path=ppt/notesSlides/notesSlide15.xml><?xml version="1.0" encoding="utf-8"?>
+<p:notes xmlns:r="http://schemas.openxmlformats.org/officeDocument/2006/relationships" xmlns:c="http://schemas.openxmlformats.org/drawingml/2006/chart" xmlns:a="http://schemas.openxmlformats.org/drawingml/2006/main" xmlns:dgm="http://schemas.openxmlformats.org/drawingml/2006/diagram" xmlns:dsp="http://schemas.microsoft.com/office/drawing/2008/diagram" xmlns:p="http://schemas.openxmlformats.org/presentationml/2006/main">
+  <p:cSld>
+    <p:spTree>
+      <p:nvGrpSpPr>
+        <p:cNvPr id="1" name=""/>
+        <p:cNvGrpSpPr/>
+        <p:nvPr/>
+      </p:nvGrpSpPr>
+      <p:grpSpPr>
+        <a:xfrm>
+          <a:off x="0" y="0"/>
+          <a:ext cx="0" cy="0"/>
+          <a:chOff x="0" y="0"/>
+          <a:chExt cx="0" cy="0"/>
+        </a:xfrm>
+      </p:grpSpPr>
+      <p:sp>
+        <p:nvSpPr>
+          <p:cNvPr id="2" name="슬라이드 이미지 개체 틀 1"/>
+          <p:cNvSpPr>
+            <a:spLocks noGrp="1" noRot="1" noChangeAspect="1" noTextEdit="1"/>
+          </p:cNvSpPr>
+          <p:nvPr>
+            <p:ph type="sldImg" idx="0"/>
+          </p:nvPr>
+        </p:nvSpPr>
+        <p:spPr/>
+      </p:sp>
+      <p:sp>
+        <p:nvSpPr>
+          <p:cNvPr id="3" name="슬라이드 노트 개체 틀 2"/>
+          <p:cNvSpPr>
+            <a:spLocks noGrp="1"/>
+          </p:cNvSpPr>
+          <p:nvPr>
+            <p:ph type="body" idx="1"/>
+          </p:nvPr>
+        </p:nvSpPr>
+        <p:spPr/>
+        <p:txBody>
+          <a:bodyPr/>
+          <a:lstStyle/>
+          <a:p>
+            <a:pPr lvl="0">
+              <a:defRPr/>
+            </a:pPr>
+            <a:r>
+              <a:rPr lang="ko-KR" altLang="en-US"/>
+              <a:t/>
+            </a:r>
+            <a:endParaRPr lang="ko-KR" altLang="en-US"/>
+          </a:p>
+        </p:txBody>
+      </p:sp>
+      <p:sp>
+        <p:nvSpPr>
+          <p:cNvPr id="4" name="슬라이드 번호 개체 틀 3"/>
+          <p:cNvSpPr>
+            <a:spLocks noGrp="1"/>
+          </p:cNvSpPr>
+          <p:nvPr>
+            <p:ph type="sldNum" sz="quarter" idx="5"/>
+          </p:nvPr>
+        </p:nvSpPr>
+        <p:spPr/>
+        <p:txBody>
+          <a:bodyPr/>
+          <a:lstStyle/>
+          <a:p>
+            <a:pPr lvl="0">
+              <a:defRPr/>
+            </a:pPr>
+            <a:fld id="{C0EA918C-B119-4499-AB94-F10A27BF33A4}" type="slidenum">
+              <a:rPr lang="en-US" altLang="en-US"/>
+              <a:pPr lvl="0">
+                <a:defRPr/>
+              </a:pPr>
+              <a:t>11</a:t>
             </a:fld>
             <a:endParaRPr lang="en-US" altLang="en-US"/>
           </a:p>
@@ -1170,10 +1628,10 @@
               <a:defRPr/>
             </a:pPr>
             <a:r>
-              <a:rPr lang="en-US" altLang="ko-KR"/>
+              <a:rPr lang="ko-KR" altLang="en-US"/>
               <a:t/>
             </a:r>
-            <a:endParaRPr lang="en-US" altLang="ko-KR"/>
+            <a:endParaRPr lang="ko-KR" altLang="en-US"/>
           </a:p>
         </p:txBody>
       </p:sp>
@@ -1262,10 +1720,10 @@
               <a:defRPr/>
             </a:pPr>
             <a:r>
-              <a:rPr lang="en-US" altLang="ko-KR"/>
+              <a:rPr lang="ko-KR" altLang="en-US"/>
               <a:t/>
             </a:r>
-            <a:endParaRPr lang="en-US" altLang="ko-KR"/>
+            <a:endParaRPr lang="ko-KR" altLang="en-US"/>
           </a:p>
         </p:txBody>
       </p:sp>
@@ -3648,6 +4106,8105 @@
 </file>
 
 <file path=ppt/slides/slide10.xml><?xml version="1.0" encoding="utf-8"?>
+<p:sld xmlns:r="http://schemas.openxmlformats.org/officeDocument/2006/relationships" xmlns:c="http://schemas.openxmlformats.org/drawingml/2006/chart" xmlns:a="http://schemas.openxmlformats.org/drawingml/2006/main" xmlns:dgm="http://schemas.openxmlformats.org/drawingml/2006/diagram" xmlns:dsp="http://schemas.microsoft.com/office/drawing/2008/diagram" xmlns:p="http://schemas.openxmlformats.org/presentationml/2006/main">
+  <p:cSld>
+    <p:spTree>
+      <p:nvGrpSpPr>
+        <p:cNvPr id="1" name=""/>
+        <p:cNvGrpSpPr/>
+        <p:nvPr/>
+      </p:nvGrpSpPr>
+      <p:grpSpPr>
+        <a:xfrm>
+          <a:off x="0" y="0"/>
+          <a:ext cx="0" cy="0"/>
+          <a:chOff x="0" y="0"/>
+          <a:chExt cx="0" cy="0"/>
+        </a:xfrm>
+      </p:grpSpPr>
+      <p:sp>
+        <p:nvSpPr>
+          <p:cNvPr id="2" name="제목 1"/>
+          <p:cNvSpPr>
+            <a:spLocks noGrp="1"/>
+          </p:cNvSpPr>
+          <p:nvPr>
+            <p:ph type="title" idx="0"/>
+          </p:nvPr>
+        </p:nvSpPr>
+        <p:spPr/>
+        <p:txBody>
+          <a:bodyPr/>
+          <a:lstStyle/>
+          <a:p>
+            <a:pPr marL="0" marR="0" indent="0" defTabSz="914400" rtl="0" eaLnBrk="1" latinLnBrk="0" hangingPunct="1">
+              <a:lnSpc>
+                <a:spcPct val="100000"/>
+              </a:lnSpc>
+              <a:spcBef>
+                <a:spcPct val="0"/>
+              </a:spcBef>
+              <a:spcAft>
+                <a:spcPct val="0"/>
+              </a:spcAft>
+              <a:buClrTx/>
+              <a:buFontTx/>
+              <a:buNone/>
+              <a:defRPr/>
+            </a:pPr>
+            <a:r>
+              <a:rPr lang="en-US" altLang="ko-KR" sz="2700">
+                <a:solidFill>
+                  <a:schemeClr val="tx2"/>
+                </a:solidFill>
+                <a:latin typeface="+mj-lt"/>
+                <a:ea typeface="맑은 고딕"/>
+              </a:rPr>
+              <a:t>Initialize V2V(Vehicle to Vehicle) link  </a:t>
+            </a:r>
+            <a:endParaRPr lang="en-US" altLang="ko-KR" sz="2700">
+              <a:solidFill>
+                <a:schemeClr val="tx2"/>
+              </a:solidFill>
+              <a:latin typeface="+mj-lt"/>
+              <a:ea typeface="맑은 고딕"/>
+            </a:endParaRPr>
+          </a:p>
+        </p:txBody>
+      </p:sp>
+      <p:grpSp>
+        <p:nvGrpSpPr>
+          <p:cNvPr id="302" name=""/>
+          <p:cNvGrpSpPr/>
+          <p:nvPr/>
+        </p:nvGrpSpPr>
+        <p:grpSpPr>
+          <a:xfrm rot="0">
+            <a:off x="179512" y="1628800"/>
+            <a:ext cx="4644516" cy="4140460"/>
+            <a:chOff x="3617893" y="1024967"/>
+            <a:chExt cx="1908213" cy="2124236"/>
+          </a:xfrm>
+        </p:grpSpPr>
+        <p:pic>
+          <p:nvPicPr>
+            <p:cNvPr id="278" name=""/>
+            <p:cNvPicPr>
+              <a:picLocks noChangeAspect="1"/>
+            </p:cNvPicPr>
+            <p:nvPr/>
+          </p:nvPicPr>
+          <p:blipFill rotWithShape="1">
+            <a:blip r:embed="rId3"/>
+            <a:srcRect l="37020" t="16430" r="19630" b="41430"/>
+            <a:stretch>
+              <a:fillRect/>
+            </a:stretch>
+          </p:blipFill>
+          <p:spPr>
+            <a:xfrm>
+              <a:off x="3617893" y="1024967"/>
+              <a:ext cx="1908213" cy="2124236"/>
+            </a:xfrm>
+            <a:prstGeom prst="rect">
+              <a:avLst/>
+            </a:prstGeom>
+          </p:spPr>
+        </p:pic>
+        <p:grpSp>
+          <p:nvGrpSpPr>
+            <p:cNvPr id="279" name=""/>
+            <p:cNvGrpSpPr/>
+            <p:nvPr/>
+          </p:nvGrpSpPr>
+          <p:grpSpPr>
+            <a:xfrm rot="0">
+              <a:off x="3905926" y="1700808"/>
+              <a:ext cx="119384" cy="80243"/>
+              <a:chOff x="1439652" y="1484784"/>
+              <a:chExt cx="1152128" cy="576064"/>
+            </a:xfrm>
+          </p:grpSpPr>
+          <p:sp>
+            <p:nvSpPr>
+              <p:cNvPr id="280" name=""/>
+              <p:cNvSpPr/>
+              <p:nvPr/>
+            </p:nvSpPr>
+            <p:spPr>
+              <a:xfrm>
+                <a:off x="1439652" y="1628800"/>
+                <a:ext cx="1152128" cy="360040"/>
+              </a:xfrm>
+              <a:prstGeom prst="flowChartAlternateProcess">
+                <a:avLst/>
+              </a:prstGeom>
+              <a:solidFill>
+                <a:srgbClr val="ff0000"/>
+              </a:solidFill>
+              <a:ln w="12700" cap="flat" cmpd="sng" algn="ctr">
+                <a:noFill/>
+                <a:prstDash val="solid"/>
+                <a:round/>
+              </a:ln>
+              <a:effectLst/>
+            </p:spPr>
+            <p:txBody>
+              <a:bodyPr vert="horz" wrap="square" lIns="91440" tIns="45720" rIns="91440" bIns="45720" anchor="t" anchorCtr="0">
+                <a:prstTxWarp prst="textNoShape">
+                  <a:avLst/>
+                </a:prstTxWarp>
+              </a:bodyPr>
+              <a:lstStyle/>
+              <a:p>
+                <a:pPr marL="0" marR="0" indent="0" algn="ctr" defTabSz="914400" rtl="0" eaLnBrk="1" latinLnBrk="0" hangingPunct="1">
+                  <a:lnSpc>
+                    <a:spcPct val="100000"/>
+                  </a:lnSpc>
+                  <a:spcBef>
+                    <a:spcPct val="0"/>
+                  </a:spcBef>
+                  <a:spcAft>
+                    <a:spcPct val="0"/>
+                  </a:spcAft>
+                  <a:buClrTx/>
+                  <a:buFontTx/>
+                  <a:buNone/>
+                  <a:defRPr/>
+                </a:pPr>
+                <a:endParaRPr>
+                  <a:solidFill>
+                    <a:schemeClr val="tx2"/>
+                  </a:solidFill>
+                  <a:latin typeface="+mj-lt"/>
+                  <a:ea typeface="맑은 고딕"/>
+                </a:endParaRPr>
+              </a:p>
+            </p:txBody>
+          </p:sp>
+          <p:sp>
+            <p:nvSpPr>
+              <p:cNvPr id="281" name=""/>
+              <p:cNvSpPr/>
+              <p:nvPr/>
+            </p:nvSpPr>
+            <p:spPr>
+              <a:xfrm>
+                <a:off x="1655676" y="1484784"/>
+                <a:ext cx="828092" cy="324036"/>
+              </a:xfrm>
+              <a:prstGeom prst="flowChartAlternateProcess">
+                <a:avLst/>
+              </a:prstGeom>
+              <a:solidFill>
+                <a:srgbClr val="ff0000"/>
+              </a:solidFill>
+              <a:ln w="12700" cap="flat" cmpd="sng" algn="ctr">
+                <a:noFill/>
+                <a:prstDash val="solid"/>
+                <a:round/>
+              </a:ln>
+              <a:effectLst/>
+            </p:spPr>
+            <p:txBody>
+              <a:bodyPr vert="horz" wrap="square" lIns="91440" tIns="45720" rIns="91440" bIns="45720" anchor="t" anchorCtr="0">
+                <a:prstTxWarp prst="textNoShape">
+                  <a:avLst/>
+                </a:prstTxWarp>
+              </a:bodyPr>
+              <a:lstStyle/>
+              <a:p>
+                <a:pPr marL="0" marR="0" indent="0" algn="ctr" defTabSz="914400" rtl="0" eaLnBrk="1" latinLnBrk="0" hangingPunct="1">
+                  <a:lnSpc>
+                    <a:spcPct val="100000"/>
+                  </a:lnSpc>
+                  <a:spcBef>
+                    <a:spcPct val="0"/>
+                  </a:spcBef>
+                  <a:spcAft>
+                    <a:spcPct val="0"/>
+                  </a:spcAft>
+                  <a:buClrTx/>
+                  <a:buFontTx/>
+                  <a:buNone/>
+                  <a:defRPr/>
+                </a:pPr>
+                <a:endParaRPr>
+                  <a:solidFill>
+                    <a:schemeClr val="tx2"/>
+                  </a:solidFill>
+                  <a:latin typeface="+mj-lt"/>
+                  <a:ea typeface="맑은 고딕"/>
+                </a:endParaRPr>
+              </a:p>
+            </p:txBody>
+          </p:sp>
+          <p:sp>
+            <p:nvSpPr>
+              <p:cNvPr id="282" name=""/>
+              <p:cNvSpPr/>
+              <p:nvPr/>
+            </p:nvSpPr>
+            <p:spPr>
+              <a:xfrm>
+                <a:off x="1727684" y="1880828"/>
+                <a:ext cx="252028" cy="180020"/>
+              </a:xfrm>
+              <a:prstGeom prst="ellipse">
+                <a:avLst/>
+              </a:prstGeom>
+              <a:solidFill>
+                <a:schemeClr val="dk2"/>
+              </a:solidFill>
+              <a:ln w="12700" cap="flat" cmpd="sng" algn="ctr">
+                <a:solidFill>
+                  <a:schemeClr val="tx2"/>
+                </a:solidFill>
+                <a:prstDash val="solid"/>
+                <a:round/>
+              </a:ln>
+              <a:effectLst/>
+            </p:spPr>
+            <p:txBody>
+              <a:bodyPr vert="horz" wrap="square" lIns="91440" tIns="45720" rIns="91440" bIns="45720" anchor="t" anchorCtr="0">
+                <a:prstTxWarp prst="textNoShape">
+                  <a:avLst/>
+                </a:prstTxWarp>
+              </a:bodyPr>
+              <a:lstStyle/>
+              <a:p>
+                <a:pPr marL="0" marR="0" indent="0" algn="ctr" defTabSz="914400" rtl="0" eaLnBrk="1" latinLnBrk="0" hangingPunct="1">
+                  <a:lnSpc>
+                    <a:spcPct val="100000"/>
+                  </a:lnSpc>
+                  <a:spcBef>
+                    <a:spcPct val="0"/>
+                  </a:spcBef>
+                  <a:spcAft>
+                    <a:spcPct val="0"/>
+                  </a:spcAft>
+                  <a:buClrTx/>
+                  <a:buFontTx/>
+                  <a:buNone/>
+                  <a:defRPr/>
+                </a:pPr>
+                <a:endParaRPr>
+                  <a:solidFill>
+                    <a:schemeClr val="tx2"/>
+                  </a:solidFill>
+                  <a:latin typeface="+mj-lt"/>
+                  <a:ea typeface="맑은 고딕"/>
+                </a:endParaRPr>
+              </a:p>
+            </p:txBody>
+          </p:sp>
+          <p:sp>
+            <p:nvSpPr>
+              <p:cNvPr id="283" name=""/>
+              <p:cNvSpPr/>
+              <p:nvPr/>
+            </p:nvSpPr>
+            <p:spPr>
+              <a:xfrm>
+                <a:off x="2159732" y="1880828"/>
+                <a:ext cx="252028" cy="180020"/>
+              </a:xfrm>
+              <a:prstGeom prst="ellipse">
+                <a:avLst/>
+              </a:prstGeom>
+              <a:solidFill>
+                <a:schemeClr val="dk2"/>
+              </a:solidFill>
+              <a:ln w="12700" cap="flat" cmpd="sng" algn="ctr">
+                <a:solidFill>
+                  <a:schemeClr val="tx2"/>
+                </a:solidFill>
+                <a:prstDash val="solid"/>
+                <a:round/>
+              </a:ln>
+              <a:effectLst/>
+            </p:spPr>
+            <p:txBody>
+              <a:bodyPr vert="horz" wrap="square" lIns="91440" tIns="45720" rIns="91440" bIns="45720" anchor="t" anchorCtr="0">
+                <a:prstTxWarp prst="textNoShape">
+                  <a:avLst/>
+                </a:prstTxWarp>
+              </a:bodyPr>
+              <a:lstStyle/>
+              <a:p>
+                <a:pPr marL="0" marR="0" indent="0" algn="ctr" defTabSz="914400" rtl="0" eaLnBrk="1" latinLnBrk="0" hangingPunct="1">
+                  <a:lnSpc>
+                    <a:spcPct val="100000"/>
+                  </a:lnSpc>
+                  <a:spcBef>
+                    <a:spcPct val="0"/>
+                  </a:spcBef>
+                  <a:spcAft>
+                    <a:spcPct val="0"/>
+                  </a:spcAft>
+                  <a:buClrTx/>
+                  <a:buFontTx/>
+                  <a:buNone/>
+                  <a:defRPr/>
+                </a:pPr>
+                <a:endParaRPr>
+                  <a:solidFill>
+                    <a:schemeClr val="tx2"/>
+                  </a:solidFill>
+                  <a:latin typeface="+mj-lt"/>
+                  <a:ea typeface="맑은 고딕"/>
+                </a:endParaRPr>
+              </a:p>
+            </p:txBody>
+          </p:sp>
+          <p:sp>
+            <p:nvSpPr>
+              <p:cNvPr id="284" name=""/>
+              <p:cNvSpPr/>
+              <p:nvPr/>
+            </p:nvSpPr>
+            <p:spPr>
+              <a:xfrm>
+                <a:off x="1763688" y="1556792"/>
+                <a:ext cx="288032" cy="108012"/>
+              </a:xfrm>
+              <a:prstGeom prst="roundRect">
+                <a:avLst>
+                  <a:gd name="adj" fmla="val 16667"/>
+                </a:avLst>
+              </a:prstGeom>
+              <a:solidFill>
+                <a:srgbClr val="42c7f1"/>
+              </a:solidFill>
+              <a:ln w="12700" cap="flat" cmpd="sng" algn="ctr">
+                <a:solidFill>
+                  <a:schemeClr val="tx2"/>
+                </a:solidFill>
+                <a:prstDash val="solid"/>
+                <a:round/>
+              </a:ln>
+              <a:effectLst/>
+            </p:spPr>
+            <p:txBody>
+              <a:bodyPr vert="horz" wrap="square" lIns="91440" tIns="45720" rIns="91440" bIns="45720" anchor="t" anchorCtr="0">
+                <a:prstTxWarp prst="textNoShape">
+                  <a:avLst/>
+                </a:prstTxWarp>
+              </a:bodyPr>
+              <a:lstStyle/>
+              <a:p>
+                <a:pPr marL="0" marR="0" indent="0" algn="ctr" defTabSz="914400" rtl="0" eaLnBrk="1" latinLnBrk="0" hangingPunct="1">
+                  <a:lnSpc>
+                    <a:spcPct val="100000"/>
+                  </a:lnSpc>
+                  <a:spcBef>
+                    <a:spcPct val="0"/>
+                  </a:spcBef>
+                  <a:spcAft>
+                    <a:spcPct val="0"/>
+                  </a:spcAft>
+                  <a:buClrTx/>
+                  <a:buFontTx/>
+                  <a:buNone/>
+                  <a:defRPr/>
+                </a:pPr>
+                <a:endParaRPr>
+                  <a:solidFill>
+                    <a:schemeClr val="tx2"/>
+                  </a:solidFill>
+                  <a:latin typeface="+mj-lt"/>
+                  <a:ea typeface="맑은 고딕"/>
+                </a:endParaRPr>
+              </a:p>
+            </p:txBody>
+          </p:sp>
+          <p:sp>
+            <p:nvSpPr>
+              <p:cNvPr id="285" name=""/>
+              <p:cNvSpPr/>
+              <p:nvPr/>
+            </p:nvSpPr>
+            <p:spPr>
+              <a:xfrm>
+                <a:off x="2123728" y="1556792"/>
+                <a:ext cx="288032" cy="108012"/>
+              </a:xfrm>
+              <a:prstGeom prst="roundRect">
+                <a:avLst>
+                  <a:gd name="adj" fmla="val 16667"/>
+                </a:avLst>
+              </a:prstGeom>
+              <a:solidFill>
+                <a:srgbClr val="42c7f1"/>
+              </a:solidFill>
+              <a:ln w="12700" cap="flat" cmpd="sng" algn="ctr">
+                <a:solidFill>
+                  <a:schemeClr val="tx2"/>
+                </a:solidFill>
+                <a:prstDash val="solid"/>
+                <a:round/>
+              </a:ln>
+              <a:effectLst/>
+            </p:spPr>
+            <p:txBody>
+              <a:bodyPr vert="horz" wrap="square" lIns="91440" tIns="45720" rIns="91440" bIns="45720" anchor="t" anchorCtr="0">
+                <a:prstTxWarp prst="textNoShape">
+                  <a:avLst/>
+                </a:prstTxWarp>
+              </a:bodyPr>
+              <a:lstStyle/>
+              <a:p>
+                <a:pPr marL="0" marR="0" indent="0" algn="ctr" defTabSz="914400" rtl="0" eaLnBrk="1" latinLnBrk="0" hangingPunct="1">
+                  <a:lnSpc>
+                    <a:spcPct val="100000"/>
+                  </a:lnSpc>
+                  <a:spcBef>
+                    <a:spcPct val="0"/>
+                  </a:spcBef>
+                  <a:spcAft>
+                    <a:spcPct val="0"/>
+                  </a:spcAft>
+                  <a:buClrTx/>
+                  <a:buFontTx/>
+                  <a:buNone/>
+                  <a:defRPr/>
+                </a:pPr>
+                <a:endParaRPr>
+                  <a:solidFill>
+                    <a:schemeClr val="tx2"/>
+                  </a:solidFill>
+                  <a:latin typeface="+mj-lt"/>
+                  <a:ea typeface="맑은 고딕"/>
+                </a:endParaRPr>
+              </a:p>
+            </p:txBody>
+          </p:sp>
+        </p:grpSp>
+        <p:grpSp>
+          <p:nvGrpSpPr>
+            <p:cNvPr id="286" name=""/>
+            <p:cNvGrpSpPr/>
+            <p:nvPr/>
+          </p:nvGrpSpPr>
+          <p:grpSpPr>
+            <a:xfrm rot="0">
+              <a:off x="5010677" y="1132979"/>
+              <a:ext cx="119384" cy="80243"/>
+              <a:chOff x="1439652" y="1484784"/>
+              <a:chExt cx="1152128" cy="576064"/>
+            </a:xfrm>
+          </p:grpSpPr>
+          <p:sp>
+            <p:nvSpPr>
+              <p:cNvPr id="287" name=""/>
+              <p:cNvSpPr/>
+              <p:nvPr/>
+            </p:nvSpPr>
+            <p:spPr>
+              <a:xfrm>
+                <a:off x="1439652" y="1628800"/>
+                <a:ext cx="1152128" cy="360040"/>
+              </a:xfrm>
+              <a:prstGeom prst="flowChartAlternateProcess">
+                <a:avLst/>
+              </a:prstGeom>
+              <a:solidFill>
+                <a:srgbClr val="ff0000"/>
+              </a:solidFill>
+              <a:ln w="12700" cap="flat" cmpd="sng" algn="ctr">
+                <a:noFill/>
+                <a:prstDash val="solid"/>
+                <a:round/>
+              </a:ln>
+              <a:effectLst/>
+            </p:spPr>
+            <p:txBody>
+              <a:bodyPr vert="horz" wrap="square" lIns="91440" tIns="45720" rIns="91440" bIns="45720" anchor="t" anchorCtr="0">
+                <a:prstTxWarp prst="textNoShape">
+                  <a:avLst/>
+                </a:prstTxWarp>
+              </a:bodyPr>
+              <a:lstStyle/>
+              <a:p>
+                <a:pPr marL="0" marR="0" indent="0" algn="ctr" defTabSz="914400" rtl="0" eaLnBrk="1" latinLnBrk="0" hangingPunct="1">
+                  <a:lnSpc>
+                    <a:spcPct val="100000"/>
+                  </a:lnSpc>
+                  <a:spcBef>
+                    <a:spcPct val="0"/>
+                  </a:spcBef>
+                  <a:spcAft>
+                    <a:spcPct val="0"/>
+                  </a:spcAft>
+                  <a:buClrTx/>
+                  <a:buFontTx/>
+                  <a:buNone/>
+                  <a:defRPr/>
+                </a:pPr>
+                <a:endParaRPr>
+                  <a:solidFill>
+                    <a:schemeClr val="tx2"/>
+                  </a:solidFill>
+                  <a:latin typeface="+mj-lt"/>
+                  <a:ea typeface="맑은 고딕"/>
+                </a:endParaRPr>
+              </a:p>
+            </p:txBody>
+          </p:sp>
+          <p:sp>
+            <p:nvSpPr>
+              <p:cNvPr id="288" name=""/>
+              <p:cNvSpPr/>
+              <p:nvPr/>
+            </p:nvSpPr>
+            <p:spPr>
+              <a:xfrm>
+                <a:off x="1655676" y="1484784"/>
+                <a:ext cx="828092" cy="324036"/>
+              </a:xfrm>
+              <a:prstGeom prst="flowChartAlternateProcess">
+                <a:avLst/>
+              </a:prstGeom>
+              <a:solidFill>
+                <a:srgbClr val="ff0000"/>
+              </a:solidFill>
+              <a:ln w="12700" cap="flat" cmpd="sng" algn="ctr">
+                <a:noFill/>
+                <a:prstDash val="solid"/>
+                <a:round/>
+              </a:ln>
+              <a:effectLst/>
+            </p:spPr>
+            <p:txBody>
+              <a:bodyPr vert="horz" wrap="square" lIns="91440" tIns="45720" rIns="91440" bIns="45720" anchor="t" anchorCtr="0">
+                <a:prstTxWarp prst="textNoShape">
+                  <a:avLst/>
+                </a:prstTxWarp>
+              </a:bodyPr>
+              <a:lstStyle/>
+              <a:p>
+                <a:pPr marL="0" marR="0" indent="0" algn="ctr" defTabSz="914400" rtl="0" eaLnBrk="1" latinLnBrk="0" hangingPunct="1">
+                  <a:lnSpc>
+                    <a:spcPct val="100000"/>
+                  </a:lnSpc>
+                  <a:spcBef>
+                    <a:spcPct val="0"/>
+                  </a:spcBef>
+                  <a:spcAft>
+                    <a:spcPct val="0"/>
+                  </a:spcAft>
+                  <a:buClrTx/>
+                  <a:buFontTx/>
+                  <a:buNone/>
+                  <a:defRPr/>
+                </a:pPr>
+                <a:endParaRPr>
+                  <a:solidFill>
+                    <a:schemeClr val="tx2"/>
+                  </a:solidFill>
+                  <a:latin typeface="+mj-lt"/>
+                  <a:ea typeface="맑은 고딕"/>
+                </a:endParaRPr>
+              </a:p>
+            </p:txBody>
+          </p:sp>
+          <p:sp>
+            <p:nvSpPr>
+              <p:cNvPr id="289" name=""/>
+              <p:cNvSpPr/>
+              <p:nvPr/>
+            </p:nvSpPr>
+            <p:spPr>
+              <a:xfrm>
+                <a:off x="1727684" y="1880828"/>
+                <a:ext cx="252028" cy="180020"/>
+              </a:xfrm>
+              <a:prstGeom prst="ellipse">
+                <a:avLst/>
+              </a:prstGeom>
+              <a:solidFill>
+                <a:schemeClr val="dk2"/>
+              </a:solidFill>
+              <a:ln w="12700" cap="flat" cmpd="sng" algn="ctr">
+                <a:solidFill>
+                  <a:schemeClr val="tx2"/>
+                </a:solidFill>
+                <a:prstDash val="solid"/>
+                <a:round/>
+              </a:ln>
+              <a:effectLst/>
+            </p:spPr>
+            <p:txBody>
+              <a:bodyPr vert="horz" wrap="square" lIns="91440" tIns="45720" rIns="91440" bIns="45720" anchor="t" anchorCtr="0">
+                <a:prstTxWarp prst="textNoShape">
+                  <a:avLst/>
+                </a:prstTxWarp>
+              </a:bodyPr>
+              <a:lstStyle/>
+              <a:p>
+                <a:pPr marL="0" marR="0" indent="0" algn="ctr" defTabSz="914400" rtl="0" eaLnBrk="1" latinLnBrk="0" hangingPunct="1">
+                  <a:lnSpc>
+                    <a:spcPct val="100000"/>
+                  </a:lnSpc>
+                  <a:spcBef>
+                    <a:spcPct val="0"/>
+                  </a:spcBef>
+                  <a:spcAft>
+                    <a:spcPct val="0"/>
+                  </a:spcAft>
+                  <a:buClrTx/>
+                  <a:buFontTx/>
+                  <a:buNone/>
+                  <a:defRPr/>
+                </a:pPr>
+                <a:endParaRPr>
+                  <a:solidFill>
+                    <a:schemeClr val="tx2"/>
+                  </a:solidFill>
+                  <a:latin typeface="+mj-lt"/>
+                  <a:ea typeface="맑은 고딕"/>
+                </a:endParaRPr>
+              </a:p>
+            </p:txBody>
+          </p:sp>
+          <p:sp>
+            <p:nvSpPr>
+              <p:cNvPr id="290" name=""/>
+              <p:cNvSpPr/>
+              <p:nvPr/>
+            </p:nvSpPr>
+            <p:spPr>
+              <a:xfrm>
+                <a:off x="2159732" y="1880828"/>
+                <a:ext cx="252028" cy="180020"/>
+              </a:xfrm>
+              <a:prstGeom prst="ellipse">
+                <a:avLst/>
+              </a:prstGeom>
+              <a:solidFill>
+                <a:schemeClr val="dk2"/>
+              </a:solidFill>
+              <a:ln w="12700" cap="flat" cmpd="sng" algn="ctr">
+                <a:solidFill>
+                  <a:schemeClr val="tx2"/>
+                </a:solidFill>
+                <a:prstDash val="solid"/>
+                <a:round/>
+              </a:ln>
+              <a:effectLst/>
+            </p:spPr>
+            <p:txBody>
+              <a:bodyPr vert="horz" wrap="square" lIns="91440" tIns="45720" rIns="91440" bIns="45720" anchor="t" anchorCtr="0">
+                <a:prstTxWarp prst="textNoShape">
+                  <a:avLst/>
+                </a:prstTxWarp>
+              </a:bodyPr>
+              <a:lstStyle/>
+              <a:p>
+                <a:pPr marL="0" marR="0" indent="0" algn="ctr" defTabSz="914400" rtl="0" eaLnBrk="1" latinLnBrk="0" hangingPunct="1">
+                  <a:lnSpc>
+                    <a:spcPct val="100000"/>
+                  </a:lnSpc>
+                  <a:spcBef>
+                    <a:spcPct val="0"/>
+                  </a:spcBef>
+                  <a:spcAft>
+                    <a:spcPct val="0"/>
+                  </a:spcAft>
+                  <a:buClrTx/>
+                  <a:buFontTx/>
+                  <a:buNone/>
+                  <a:defRPr/>
+                </a:pPr>
+                <a:endParaRPr>
+                  <a:solidFill>
+                    <a:schemeClr val="tx2"/>
+                  </a:solidFill>
+                  <a:latin typeface="+mj-lt"/>
+                  <a:ea typeface="맑은 고딕"/>
+                </a:endParaRPr>
+              </a:p>
+            </p:txBody>
+          </p:sp>
+          <p:sp>
+            <p:nvSpPr>
+              <p:cNvPr id="291" name=""/>
+              <p:cNvSpPr/>
+              <p:nvPr/>
+            </p:nvSpPr>
+            <p:spPr>
+              <a:xfrm>
+                <a:off x="1763688" y="1556792"/>
+                <a:ext cx="288032" cy="108012"/>
+              </a:xfrm>
+              <a:prstGeom prst="roundRect">
+                <a:avLst>
+                  <a:gd name="adj" fmla="val 16667"/>
+                </a:avLst>
+              </a:prstGeom>
+              <a:solidFill>
+                <a:srgbClr val="42c7f1"/>
+              </a:solidFill>
+              <a:ln w="12700" cap="flat" cmpd="sng" algn="ctr">
+                <a:solidFill>
+                  <a:schemeClr val="tx2"/>
+                </a:solidFill>
+                <a:prstDash val="solid"/>
+                <a:round/>
+              </a:ln>
+              <a:effectLst/>
+            </p:spPr>
+            <p:txBody>
+              <a:bodyPr vert="horz" wrap="square" lIns="91440" tIns="45720" rIns="91440" bIns="45720" anchor="t" anchorCtr="0">
+                <a:prstTxWarp prst="textNoShape">
+                  <a:avLst/>
+                </a:prstTxWarp>
+              </a:bodyPr>
+              <a:lstStyle/>
+              <a:p>
+                <a:pPr marL="0" marR="0" indent="0" algn="ctr" defTabSz="914400" rtl="0" eaLnBrk="1" latinLnBrk="0" hangingPunct="1">
+                  <a:lnSpc>
+                    <a:spcPct val="100000"/>
+                  </a:lnSpc>
+                  <a:spcBef>
+                    <a:spcPct val="0"/>
+                  </a:spcBef>
+                  <a:spcAft>
+                    <a:spcPct val="0"/>
+                  </a:spcAft>
+                  <a:buClrTx/>
+                  <a:buFontTx/>
+                  <a:buNone/>
+                  <a:defRPr/>
+                </a:pPr>
+                <a:endParaRPr>
+                  <a:solidFill>
+                    <a:schemeClr val="tx2"/>
+                  </a:solidFill>
+                  <a:latin typeface="+mj-lt"/>
+                  <a:ea typeface="맑은 고딕"/>
+                </a:endParaRPr>
+              </a:p>
+            </p:txBody>
+          </p:sp>
+          <p:sp>
+            <p:nvSpPr>
+              <p:cNvPr id="292" name=""/>
+              <p:cNvSpPr/>
+              <p:nvPr/>
+            </p:nvSpPr>
+            <p:spPr>
+              <a:xfrm>
+                <a:off x="2123728" y="1556792"/>
+                <a:ext cx="288032" cy="108012"/>
+              </a:xfrm>
+              <a:prstGeom prst="roundRect">
+                <a:avLst>
+                  <a:gd name="adj" fmla="val 16667"/>
+                </a:avLst>
+              </a:prstGeom>
+              <a:solidFill>
+                <a:srgbClr val="42c7f1"/>
+              </a:solidFill>
+              <a:ln w="12700" cap="flat" cmpd="sng" algn="ctr">
+                <a:solidFill>
+                  <a:schemeClr val="tx2"/>
+                </a:solidFill>
+                <a:prstDash val="solid"/>
+                <a:round/>
+              </a:ln>
+              <a:effectLst/>
+            </p:spPr>
+            <p:txBody>
+              <a:bodyPr vert="horz" wrap="square" lIns="91440" tIns="45720" rIns="91440" bIns="45720" anchor="t" anchorCtr="0">
+                <a:prstTxWarp prst="textNoShape">
+                  <a:avLst/>
+                </a:prstTxWarp>
+              </a:bodyPr>
+              <a:lstStyle/>
+              <a:p>
+                <a:pPr marL="0" marR="0" indent="0" algn="ctr" defTabSz="914400" rtl="0" eaLnBrk="1" latinLnBrk="0" hangingPunct="1">
+                  <a:lnSpc>
+                    <a:spcPct val="100000"/>
+                  </a:lnSpc>
+                  <a:spcBef>
+                    <a:spcPct val="0"/>
+                  </a:spcBef>
+                  <a:spcAft>
+                    <a:spcPct val="0"/>
+                  </a:spcAft>
+                  <a:buClrTx/>
+                  <a:buFontTx/>
+                  <a:buNone/>
+                  <a:defRPr/>
+                </a:pPr>
+                <a:endParaRPr>
+                  <a:solidFill>
+                    <a:schemeClr val="tx2"/>
+                  </a:solidFill>
+                  <a:latin typeface="+mj-lt"/>
+                  <a:ea typeface="맑은 고딕"/>
+                </a:endParaRPr>
+              </a:p>
+            </p:txBody>
+          </p:sp>
+        </p:grpSp>
+        <p:grpSp>
+          <p:nvGrpSpPr>
+            <p:cNvPr id="295" name=""/>
+            <p:cNvGrpSpPr/>
+            <p:nvPr/>
+          </p:nvGrpSpPr>
+          <p:grpSpPr>
+            <a:xfrm rot="0">
+              <a:off x="4218589" y="2636912"/>
+              <a:ext cx="119384" cy="80243"/>
+              <a:chOff x="1439652" y="1484784"/>
+              <a:chExt cx="1152128" cy="576064"/>
+            </a:xfrm>
+          </p:grpSpPr>
+          <p:sp>
+            <p:nvSpPr>
+              <p:cNvPr id="296" name=""/>
+              <p:cNvSpPr/>
+              <p:nvPr/>
+            </p:nvSpPr>
+            <p:spPr>
+              <a:xfrm>
+                <a:off x="1439652" y="1628800"/>
+                <a:ext cx="1152128" cy="360040"/>
+              </a:xfrm>
+              <a:prstGeom prst="flowChartAlternateProcess">
+                <a:avLst/>
+              </a:prstGeom>
+              <a:solidFill>
+                <a:srgbClr val="ff0000"/>
+              </a:solidFill>
+              <a:ln w="12700" cap="flat" cmpd="sng" algn="ctr">
+                <a:noFill/>
+                <a:prstDash val="solid"/>
+                <a:round/>
+              </a:ln>
+              <a:effectLst/>
+            </p:spPr>
+            <p:txBody>
+              <a:bodyPr vert="horz" wrap="square" lIns="91440" tIns="45720" rIns="91440" bIns="45720" anchor="t" anchorCtr="0">
+                <a:prstTxWarp prst="textNoShape">
+                  <a:avLst/>
+                </a:prstTxWarp>
+              </a:bodyPr>
+              <a:lstStyle/>
+              <a:p>
+                <a:pPr marL="0" marR="0" indent="0" algn="ctr" defTabSz="914400" rtl="0" eaLnBrk="1" latinLnBrk="0" hangingPunct="1">
+                  <a:lnSpc>
+                    <a:spcPct val="100000"/>
+                  </a:lnSpc>
+                  <a:spcBef>
+                    <a:spcPct val="0"/>
+                  </a:spcBef>
+                  <a:spcAft>
+                    <a:spcPct val="0"/>
+                  </a:spcAft>
+                  <a:buClrTx/>
+                  <a:buFontTx/>
+                  <a:buNone/>
+                  <a:defRPr/>
+                </a:pPr>
+                <a:endParaRPr>
+                  <a:solidFill>
+                    <a:schemeClr val="tx2"/>
+                  </a:solidFill>
+                  <a:latin typeface="+mj-lt"/>
+                  <a:ea typeface="맑은 고딕"/>
+                </a:endParaRPr>
+              </a:p>
+            </p:txBody>
+          </p:sp>
+          <p:sp>
+            <p:nvSpPr>
+              <p:cNvPr id="297" name=""/>
+              <p:cNvSpPr/>
+              <p:nvPr/>
+            </p:nvSpPr>
+            <p:spPr>
+              <a:xfrm>
+                <a:off x="1655676" y="1484784"/>
+                <a:ext cx="828092" cy="324036"/>
+              </a:xfrm>
+              <a:prstGeom prst="flowChartAlternateProcess">
+                <a:avLst/>
+              </a:prstGeom>
+              <a:solidFill>
+                <a:srgbClr val="ff0000"/>
+              </a:solidFill>
+              <a:ln w="12700" cap="flat" cmpd="sng" algn="ctr">
+                <a:noFill/>
+                <a:prstDash val="solid"/>
+                <a:round/>
+              </a:ln>
+              <a:effectLst/>
+            </p:spPr>
+            <p:txBody>
+              <a:bodyPr vert="horz" wrap="square" lIns="91440" tIns="45720" rIns="91440" bIns="45720" anchor="t" anchorCtr="0">
+                <a:prstTxWarp prst="textNoShape">
+                  <a:avLst/>
+                </a:prstTxWarp>
+              </a:bodyPr>
+              <a:lstStyle/>
+              <a:p>
+                <a:pPr marL="0" marR="0" indent="0" algn="ctr" defTabSz="914400" rtl="0" eaLnBrk="1" latinLnBrk="0" hangingPunct="1">
+                  <a:lnSpc>
+                    <a:spcPct val="100000"/>
+                  </a:lnSpc>
+                  <a:spcBef>
+                    <a:spcPct val="0"/>
+                  </a:spcBef>
+                  <a:spcAft>
+                    <a:spcPct val="0"/>
+                  </a:spcAft>
+                  <a:buClrTx/>
+                  <a:buFontTx/>
+                  <a:buNone/>
+                  <a:defRPr/>
+                </a:pPr>
+                <a:endParaRPr>
+                  <a:solidFill>
+                    <a:schemeClr val="tx2"/>
+                  </a:solidFill>
+                  <a:latin typeface="+mj-lt"/>
+                  <a:ea typeface="맑은 고딕"/>
+                </a:endParaRPr>
+              </a:p>
+            </p:txBody>
+          </p:sp>
+          <p:sp>
+            <p:nvSpPr>
+              <p:cNvPr id="298" name=""/>
+              <p:cNvSpPr/>
+              <p:nvPr/>
+            </p:nvSpPr>
+            <p:spPr>
+              <a:xfrm>
+                <a:off x="1727684" y="1880828"/>
+                <a:ext cx="252028" cy="180020"/>
+              </a:xfrm>
+              <a:prstGeom prst="ellipse">
+                <a:avLst/>
+              </a:prstGeom>
+              <a:solidFill>
+                <a:schemeClr val="dk2"/>
+              </a:solidFill>
+              <a:ln w="12700" cap="flat" cmpd="sng" algn="ctr">
+                <a:solidFill>
+                  <a:schemeClr val="tx2"/>
+                </a:solidFill>
+                <a:prstDash val="solid"/>
+                <a:round/>
+              </a:ln>
+              <a:effectLst/>
+            </p:spPr>
+            <p:txBody>
+              <a:bodyPr vert="horz" wrap="square" lIns="91440" tIns="45720" rIns="91440" bIns="45720" anchor="t" anchorCtr="0">
+                <a:prstTxWarp prst="textNoShape">
+                  <a:avLst/>
+                </a:prstTxWarp>
+              </a:bodyPr>
+              <a:lstStyle/>
+              <a:p>
+                <a:pPr marL="0" marR="0" indent="0" algn="ctr" defTabSz="914400" rtl="0" eaLnBrk="1" latinLnBrk="0" hangingPunct="1">
+                  <a:lnSpc>
+                    <a:spcPct val="100000"/>
+                  </a:lnSpc>
+                  <a:spcBef>
+                    <a:spcPct val="0"/>
+                  </a:spcBef>
+                  <a:spcAft>
+                    <a:spcPct val="0"/>
+                  </a:spcAft>
+                  <a:buClrTx/>
+                  <a:buFontTx/>
+                  <a:buNone/>
+                  <a:defRPr/>
+                </a:pPr>
+                <a:endParaRPr>
+                  <a:solidFill>
+                    <a:schemeClr val="tx2"/>
+                  </a:solidFill>
+                  <a:latin typeface="+mj-lt"/>
+                  <a:ea typeface="맑은 고딕"/>
+                </a:endParaRPr>
+              </a:p>
+            </p:txBody>
+          </p:sp>
+          <p:sp>
+            <p:nvSpPr>
+              <p:cNvPr id="299" name=""/>
+              <p:cNvSpPr/>
+              <p:nvPr/>
+            </p:nvSpPr>
+            <p:spPr>
+              <a:xfrm>
+                <a:off x="2159732" y="1880828"/>
+                <a:ext cx="252028" cy="180020"/>
+              </a:xfrm>
+              <a:prstGeom prst="ellipse">
+                <a:avLst/>
+              </a:prstGeom>
+              <a:solidFill>
+                <a:schemeClr val="dk2"/>
+              </a:solidFill>
+              <a:ln w="12700" cap="flat" cmpd="sng" algn="ctr">
+                <a:solidFill>
+                  <a:schemeClr val="tx2"/>
+                </a:solidFill>
+                <a:prstDash val="solid"/>
+                <a:round/>
+              </a:ln>
+              <a:effectLst/>
+            </p:spPr>
+            <p:txBody>
+              <a:bodyPr vert="horz" wrap="square" lIns="91440" tIns="45720" rIns="91440" bIns="45720" anchor="t" anchorCtr="0">
+                <a:prstTxWarp prst="textNoShape">
+                  <a:avLst/>
+                </a:prstTxWarp>
+              </a:bodyPr>
+              <a:lstStyle/>
+              <a:p>
+                <a:pPr marL="0" marR="0" indent="0" algn="ctr" defTabSz="914400" rtl="0" eaLnBrk="1" latinLnBrk="0" hangingPunct="1">
+                  <a:lnSpc>
+                    <a:spcPct val="100000"/>
+                  </a:lnSpc>
+                  <a:spcBef>
+                    <a:spcPct val="0"/>
+                  </a:spcBef>
+                  <a:spcAft>
+                    <a:spcPct val="0"/>
+                  </a:spcAft>
+                  <a:buClrTx/>
+                  <a:buFontTx/>
+                  <a:buNone/>
+                  <a:defRPr/>
+                </a:pPr>
+                <a:endParaRPr>
+                  <a:solidFill>
+                    <a:schemeClr val="tx2"/>
+                  </a:solidFill>
+                  <a:latin typeface="+mj-lt"/>
+                  <a:ea typeface="맑은 고딕"/>
+                </a:endParaRPr>
+              </a:p>
+            </p:txBody>
+          </p:sp>
+          <p:sp>
+            <p:nvSpPr>
+              <p:cNvPr id="300" name=""/>
+              <p:cNvSpPr/>
+              <p:nvPr/>
+            </p:nvSpPr>
+            <p:spPr>
+              <a:xfrm>
+                <a:off x="1763688" y="1556792"/>
+                <a:ext cx="288032" cy="108012"/>
+              </a:xfrm>
+              <a:prstGeom prst="roundRect">
+                <a:avLst>
+                  <a:gd name="adj" fmla="val 16667"/>
+                </a:avLst>
+              </a:prstGeom>
+              <a:solidFill>
+                <a:srgbClr val="42c7f1"/>
+              </a:solidFill>
+              <a:ln w="12700" cap="flat" cmpd="sng" algn="ctr">
+                <a:solidFill>
+                  <a:schemeClr val="tx2"/>
+                </a:solidFill>
+                <a:prstDash val="solid"/>
+                <a:round/>
+              </a:ln>
+              <a:effectLst/>
+            </p:spPr>
+            <p:txBody>
+              <a:bodyPr vert="horz" wrap="square" lIns="91440" tIns="45720" rIns="91440" bIns="45720" anchor="t" anchorCtr="0">
+                <a:prstTxWarp prst="textNoShape">
+                  <a:avLst/>
+                </a:prstTxWarp>
+              </a:bodyPr>
+              <a:lstStyle/>
+              <a:p>
+                <a:pPr marL="0" marR="0" indent="0" algn="ctr" defTabSz="914400" rtl="0" eaLnBrk="1" latinLnBrk="0" hangingPunct="1">
+                  <a:lnSpc>
+                    <a:spcPct val="100000"/>
+                  </a:lnSpc>
+                  <a:spcBef>
+                    <a:spcPct val="0"/>
+                  </a:spcBef>
+                  <a:spcAft>
+                    <a:spcPct val="0"/>
+                  </a:spcAft>
+                  <a:buClrTx/>
+                  <a:buFontTx/>
+                  <a:buNone/>
+                  <a:defRPr/>
+                </a:pPr>
+                <a:endParaRPr>
+                  <a:solidFill>
+                    <a:schemeClr val="tx2"/>
+                  </a:solidFill>
+                  <a:latin typeface="+mj-lt"/>
+                  <a:ea typeface="맑은 고딕"/>
+                </a:endParaRPr>
+              </a:p>
+            </p:txBody>
+          </p:sp>
+          <p:sp>
+            <p:nvSpPr>
+              <p:cNvPr id="301" name=""/>
+              <p:cNvSpPr/>
+              <p:nvPr/>
+            </p:nvSpPr>
+            <p:spPr>
+              <a:xfrm>
+                <a:off x="2123728" y="1556792"/>
+                <a:ext cx="288032" cy="108012"/>
+              </a:xfrm>
+              <a:prstGeom prst="roundRect">
+                <a:avLst>
+                  <a:gd name="adj" fmla="val 16667"/>
+                </a:avLst>
+              </a:prstGeom>
+              <a:solidFill>
+                <a:srgbClr val="42c7f1"/>
+              </a:solidFill>
+              <a:ln w="12700" cap="flat" cmpd="sng" algn="ctr">
+                <a:solidFill>
+                  <a:schemeClr val="tx2"/>
+                </a:solidFill>
+                <a:prstDash val="solid"/>
+                <a:round/>
+              </a:ln>
+              <a:effectLst/>
+            </p:spPr>
+            <p:txBody>
+              <a:bodyPr vert="horz" wrap="square" lIns="91440" tIns="45720" rIns="91440" bIns="45720" anchor="t" anchorCtr="0">
+                <a:prstTxWarp prst="textNoShape">
+                  <a:avLst/>
+                </a:prstTxWarp>
+              </a:bodyPr>
+              <a:lstStyle/>
+              <a:p>
+                <a:pPr marL="0" marR="0" indent="0" algn="ctr" defTabSz="914400" rtl="0" eaLnBrk="1" latinLnBrk="0" hangingPunct="1">
+                  <a:lnSpc>
+                    <a:spcPct val="100000"/>
+                  </a:lnSpc>
+                  <a:spcBef>
+                    <a:spcPct val="0"/>
+                  </a:spcBef>
+                  <a:spcAft>
+                    <a:spcPct val="0"/>
+                  </a:spcAft>
+                  <a:buClrTx/>
+                  <a:buFontTx/>
+                  <a:buNone/>
+                  <a:defRPr/>
+                </a:pPr>
+                <a:endParaRPr>
+                  <a:solidFill>
+                    <a:schemeClr val="tx2"/>
+                  </a:solidFill>
+                  <a:latin typeface="+mj-lt"/>
+                  <a:ea typeface="맑은 고딕"/>
+                </a:endParaRPr>
+              </a:p>
+            </p:txBody>
+          </p:sp>
+        </p:grpSp>
+      </p:grpSp>
+      <p:sp>
+        <p:nvSpPr>
+          <p:cNvPr id="303" name=""/>
+          <p:cNvSpPr txBox="1"/>
+          <p:nvPr/>
+        </p:nvSpPr>
+        <p:spPr>
+          <a:xfrm>
+            <a:off x="4860032" y="1808910"/>
+            <a:ext cx="4283968" cy="3240179"/>
+          </a:xfrm>
+          <a:prstGeom prst="rect">
+            <a:avLst/>
+          </a:prstGeom>
+          <a:noFill/>
+          <a:ln w="9525">
+            <a:noFill/>
+            <a:miter/>
+          </a:ln>
+        </p:spPr>
+        <p:txBody>
+          <a:bodyPr vert="horz" wrap="square" lIns="91440" tIns="45720" rIns="91440" bIns="45720" anchor="t" anchorCtr="0">
+            <a:prstTxWarp prst="textNoShape">
+              <a:avLst/>
+            </a:prstTxWarp>
+            <a:spAutoFit/>
+          </a:bodyPr>
+          <a:p>
+            <a:pPr marL="342900" indent="-342900" eaLnBrk="0" hangingPunct="0">
+              <a:spcBef>
+                <a:spcPct val="20000"/>
+              </a:spcBef>
+              <a:buSzPct val="120000"/>
+              <a:buFont typeface="Wingdings"/>
+              <a:buChar char="§"/>
+              <a:defRPr/>
+            </a:pPr>
+            <a:r>
+              <a:rPr lang="ko-KR" altLang="en-US" sz="2200">
+                <a:solidFill>
+                  <a:srgbClr val="000000"/>
+                </a:solidFill>
+                <a:latin typeface="+mn-lt"/>
+                <a:ea typeface="맑은 고딕"/>
+              </a:rPr>
+              <a:t>차량의 수가 </a:t>
+            </a:r>
+            <a:r>
+              <a:rPr lang="en-US" altLang="ko-KR" sz="2200">
+                <a:solidFill>
+                  <a:srgbClr val="000000"/>
+                </a:solidFill>
+                <a:latin typeface="+mn-lt"/>
+                <a:ea typeface="맑은 고딕"/>
+              </a:rPr>
+              <a:t>N</a:t>
+            </a:r>
+            <a:r>
+              <a:rPr lang="ko-KR" altLang="en-US" sz="2200">
+                <a:solidFill>
+                  <a:srgbClr val="000000"/>
+                </a:solidFill>
+                <a:latin typeface="+mn-lt"/>
+                <a:ea typeface="맑은 고딕"/>
+              </a:rPr>
+              <a:t>대</a:t>
+            </a:r>
+            <a:endParaRPr lang="en-US" altLang="ko-KR" sz="2200">
+              <a:solidFill>
+                <a:srgbClr val="000000"/>
+              </a:solidFill>
+              <a:latin typeface="+mn-lt"/>
+              <a:ea typeface="맑은 고딕"/>
+            </a:endParaRPr>
+          </a:p>
+          <a:p>
+            <a:pPr marL="342900" indent="-342900" eaLnBrk="0" hangingPunct="0">
+              <a:spcBef>
+                <a:spcPct val="20000"/>
+              </a:spcBef>
+              <a:buSzPct val="120000"/>
+              <a:buFont typeface="Wingdings"/>
+              <a:buChar char="§"/>
+              <a:defRPr/>
+            </a:pPr>
+            <a:r>
+              <a:rPr lang="en-US" altLang="ko-KR" sz="2200">
+                <a:solidFill>
+                  <a:srgbClr val="000000"/>
+                </a:solidFill>
+                <a:latin typeface="+mn-lt"/>
+                <a:ea typeface="맑은 고딕"/>
+              </a:rPr>
+              <a:t>Resource block</a:t>
+            </a:r>
+            <a:r>
+              <a:rPr lang="ko-KR" altLang="en-US" sz="2200">
+                <a:solidFill>
+                  <a:srgbClr val="000000"/>
+                </a:solidFill>
+                <a:latin typeface="+mn-lt"/>
+                <a:ea typeface="맑은 고딕"/>
+              </a:rPr>
+              <a:t>이 </a:t>
+            </a:r>
+            <a:r>
+              <a:rPr lang="en-US" altLang="ko-KR" sz="2200">
+                <a:solidFill>
+                  <a:srgbClr val="000000"/>
+                </a:solidFill>
+                <a:latin typeface="+mn-lt"/>
+                <a:ea typeface="맑은 고딕"/>
+              </a:rPr>
+              <a:t>R</a:t>
+            </a:r>
+            <a:r>
+              <a:rPr lang="ko-KR" altLang="en-US" sz="2200">
+                <a:solidFill>
+                  <a:srgbClr val="000000"/>
+                </a:solidFill>
+                <a:latin typeface="+mn-lt"/>
+                <a:ea typeface="맑은 고딕"/>
+              </a:rPr>
+              <a:t>개</a:t>
+            </a:r>
+            <a:endParaRPr lang="en-US" altLang="ko-KR" sz="2200">
+              <a:solidFill>
+                <a:srgbClr val="000000"/>
+              </a:solidFill>
+              <a:latin typeface="+mn-lt"/>
+              <a:ea typeface="맑은 고딕"/>
+            </a:endParaRPr>
+          </a:p>
+          <a:p>
+            <a:pPr marL="342900" indent="-342900" eaLnBrk="0" hangingPunct="0">
+              <a:spcBef>
+                <a:spcPct val="20000"/>
+              </a:spcBef>
+              <a:buSzPct val="120000"/>
+              <a:buFont typeface="Wingdings"/>
+              <a:buChar char="§"/>
+              <a:defRPr/>
+            </a:pPr>
+            <a:endParaRPr lang="ko-KR" altLang="en-US" sz="2200">
+              <a:solidFill>
+                <a:srgbClr val="000000"/>
+              </a:solidFill>
+              <a:latin typeface="+mn-lt"/>
+              <a:ea typeface="맑은 고딕"/>
+            </a:endParaRPr>
+          </a:p>
+          <a:p>
+            <a:pPr marL="0" indent="0" eaLnBrk="0" hangingPunct="0">
+              <a:spcBef>
+                <a:spcPct val="20000"/>
+              </a:spcBef>
+              <a:buSzPct val="120000"/>
+              <a:buFont typeface="Wingdings"/>
+              <a:buNone/>
+              <a:defRPr/>
+            </a:pPr>
+            <a:r>
+              <a:rPr lang="en-US" altLang="ko-KR" sz="2200">
+                <a:solidFill>
+                  <a:srgbClr val="000000"/>
+                </a:solidFill>
+                <a:latin typeface="+mn-lt"/>
+                <a:ea typeface="맑은 고딕"/>
+              </a:rPr>
+              <a:t>1.</a:t>
+            </a:r>
+            <a:r>
+              <a:rPr lang="ko-KR" altLang="en-US" sz="2200">
+                <a:solidFill>
+                  <a:srgbClr val="000000"/>
+                </a:solidFill>
+                <a:latin typeface="+mn-lt"/>
+                <a:ea typeface="맑은 고딕"/>
+              </a:rPr>
+              <a:t> </a:t>
+            </a:r>
+            <a:r>
+              <a:rPr lang="en-US" altLang="ko-KR" sz="2200">
+                <a:solidFill>
+                  <a:srgbClr val="000000"/>
+                </a:solidFill>
+                <a:latin typeface="+mn-lt"/>
+                <a:ea typeface="맑은 고딕"/>
+              </a:rPr>
+              <a:t>Large scale fading</a:t>
+            </a:r>
+            <a:endParaRPr lang="en-US" altLang="ko-KR" sz="2200">
+              <a:solidFill>
+                <a:srgbClr val="000000"/>
+              </a:solidFill>
+              <a:latin typeface="+mn-lt"/>
+              <a:ea typeface="맑은 고딕"/>
+            </a:endParaRPr>
+          </a:p>
+          <a:p>
+            <a:pPr marL="0" indent="0" eaLnBrk="0" hangingPunct="0">
+              <a:spcBef>
+                <a:spcPct val="20000"/>
+              </a:spcBef>
+              <a:buSzPct val="120000"/>
+              <a:buFont typeface="Wingdings"/>
+              <a:buNone/>
+              <a:defRPr/>
+            </a:pPr>
+            <a:r>
+              <a:rPr lang="en-US" altLang="ko-KR" sz="2200">
+                <a:solidFill>
+                  <a:srgbClr val="000000"/>
+                </a:solidFill>
+                <a:latin typeface="+mn-lt"/>
+                <a:ea typeface="맑은 고딕"/>
+              </a:rPr>
+              <a:t>    - Shadow</a:t>
+            </a:r>
+            <a:r>
+              <a:rPr lang="ko-KR" altLang="en-US" sz="2200">
+                <a:solidFill>
+                  <a:srgbClr val="000000"/>
+                </a:solidFill>
+                <a:latin typeface="+mn-lt"/>
+                <a:ea typeface="맑은 고딕"/>
+              </a:rPr>
+              <a:t> </a:t>
+            </a:r>
+            <a:r>
+              <a:rPr lang="en-US" altLang="ko-KR" sz="2200">
+                <a:solidFill>
+                  <a:srgbClr val="000000"/>
+                </a:solidFill>
+                <a:latin typeface="+mn-lt"/>
+                <a:ea typeface="맑은 고딕"/>
+              </a:rPr>
+              <a:t>fading (NxN matrix)</a:t>
+            </a:r>
+            <a:endParaRPr lang="en-US" altLang="ko-KR" sz="2200">
+              <a:solidFill>
+                <a:srgbClr val="000000"/>
+              </a:solidFill>
+              <a:latin typeface="+mn-lt"/>
+              <a:ea typeface="맑은 고딕"/>
+            </a:endParaRPr>
+          </a:p>
+          <a:p>
+            <a:pPr marL="0" indent="0" eaLnBrk="0" hangingPunct="0">
+              <a:spcBef>
+                <a:spcPct val="20000"/>
+              </a:spcBef>
+              <a:buSzPct val="120000"/>
+              <a:buFont typeface="Wingdings"/>
+              <a:buNone/>
+              <a:defRPr/>
+            </a:pPr>
+            <a:r>
+              <a:rPr lang="en-US" altLang="ko-KR" sz="2200">
+                <a:solidFill>
+                  <a:srgbClr val="000000"/>
+                </a:solidFill>
+                <a:latin typeface="+mn-lt"/>
+                <a:ea typeface="맑은 고딕"/>
+              </a:rPr>
+              <a:t>    - Pathloss (NxN matrix)</a:t>
+            </a:r>
+            <a:endParaRPr lang="en-US" altLang="ko-KR" sz="2200">
+              <a:solidFill>
+                <a:srgbClr val="000000"/>
+              </a:solidFill>
+              <a:latin typeface="+mn-lt"/>
+              <a:ea typeface="맑은 고딕"/>
+            </a:endParaRPr>
+          </a:p>
+          <a:p>
+            <a:pPr marL="0" indent="0" eaLnBrk="0" hangingPunct="0">
+              <a:spcBef>
+                <a:spcPct val="20000"/>
+              </a:spcBef>
+              <a:buSzPct val="120000"/>
+              <a:buFont typeface="Wingdings"/>
+              <a:buNone/>
+              <a:defRPr/>
+            </a:pPr>
+            <a:r>
+              <a:rPr lang="en-US" altLang="ko-KR" sz="2200">
+                <a:solidFill>
+                  <a:srgbClr val="000000"/>
+                </a:solidFill>
+                <a:latin typeface="+mn-lt"/>
+                <a:ea typeface="맑은 고딕"/>
+              </a:rPr>
+              <a:t>2. Small scale fading</a:t>
+            </a:r>
+            <a:endParaRPr lang="en-US" altLang="ko-KR" sz="2200">
+              <a:solidFill>
+                <a:srgbClr val="000000"/>
+              </a:solidFill>
+              <a:latin typeface="+mn-lt"/>
+              <a:ea typeface="맑은 고딕"/>
+            </a:endParaRPr>
+          </a:p>
+          <a:p>
+            <a:pPr marL="0" indent="0" eaLnBrk="0" hangingPunct="0">
+              <a:spcBef>
+                <a:spcPct val="20000"/>
+              </a:spcBef>
+              <a:buSzPct val="120000"/>
+              <a:buFont typeface="Wingdings"/>
+              <a:buNone/>
+              <a:defRPr/>
+            </a:pPr>
+            <a:r>
+              <a:rPr lang="en-US" altLang="ko-KR" sz="2200">
+                <a:solidFill>
+                  <a:srgbClr val="000000"/>
+                </a:solidFill>
+                <a:latin typeface="+mn-lt"/>
+                <a:ea typeface="맑은 고딕"/>
+              </a:rPr>
+              <a:t>    - Fast fading (NxNxR matrix)</a:t>
+            </a:r>
+            <a:endParaRPr lang="en-US" altLang="ko-KR" sz="2200">
+              <a:solidFill>
+                <a:srgbClr val="000000"/>
+              </a:solidFill>
+              <a:latin typeface="+mn-lt"/>
+              <a:ea typeface="맑은 고딕"/>
+            </a:endParaRPr>
+          </a:p>
+        </p:txBody>
+      </p:sp>
+    </p:spTree>
+  </p:cSld>
+  <p:clrMapOvr>
+    <a:masterClrMapping/>
+  </p:clrMapOvr>
+  <mc:AlternateContent xmlns:mc="http://schemas.openxmlformats.org/markup-compatibility/2006">
+    <mc:Choice xmlns:p14="http://schemas.microsoft.com/office/powerpoint/2010/main" Requires="p14">
+      <p:transition xmlns:mc="http://schemas.openxmlformats.org/markup-compatibility/2006" xmlns:p14="http://schemas.microsoft.com/office/powerpoint/2010/main" mc:Ignorable="p14" p14:dur="500"/>
+    </mc:Choice>
+    <mc:Fallback>
+      <p:transition/>
+    </mc:Fallback>
+  </mc:AlternateContent>
+</p:sld>
+</file>
+
+<file path=ppt/slides/slide11.xml><?xml version="1.0" encoding="utf-8"?>
+<p:sld xmlns:r="http://schemas.openxmlformats.org/officeDocument/2006/relationships" xmlns:c="http://schemas.openxmlformats.org/drawingml/2006/chart" xmlns:a="http://schemas.openxmlformats.org/drawingml/2006/main" xmlns:dgm="http://schemas.openxmlformats.org/drawingml/2006/diagram" xmlns:dsp="http://schemas.microsoft.com/office/drawing/2008/diagram" xmlns:p="http://schemas.openxmlformats.org/presentationml/2006/main">
+  <p:cSld>
+    <p:spTree>
+      <p:nvGrpSpPr>
+        <p:cNvPr id="1" name=""/>
+        <p:cNvGrpSpPr/>
+        <p:nvPr/>
+      </p:nvGrpSpPr>
+      <p:grpSpPr>
+        <a:xfrm>
+          <a:off x="0" y="0"/>
+          <a:ext cx="0" cy="0"/>
+          <a:chOff x="0" y="0"/>
+          <a:chExt cx="0" cy="0"/>
+        </a:xfrm>
+      </p:grpSpPr>
+      <p:sp>
+        <p:nvSpPr>
+          <p:cNvPr id="2" name="제목 1"/>
+          <p:cNvSpPr>
+            <a:spLocks noGrp="1"/>
+          </p:cNvSpPr>
+          <p:nvPr>
+            <p:ph type="title" idx="0"/>
+          </p:nvPr>
+        </p:nvSpPr>
+        <p:spPr/>
+        <p:txBody>
+          <a:bodyPr/>
+          <a:lstStyle/>
+          <a:p>
+            <a:pPr marL="0" marR="0" indent="0" defTabSz="914400" rtl="0" eaLnBrk="1" latinLnBrk="0" hangingPunct="1">
+              <a:lnSpc>
+                <a:spcPct val="100000"/>
+              </a:lnSpc>
+              <a:spcBef>
+                <a:spcPct val="0"/>
+              </a:spcBef>
+              <a:spcAft>
+                <a:spcPct val="0"/>
+              </a:spcAft>
+              <a:buClrTx/>
+              <a:buFontTx/>
+              <a:buNone/>
+              <a:defRPr/>
+            </a:pPr>
+            <a:r>
+              <a:rPr lang="en-US" altLang="ko-KR" sz="2700">
+                <a:solidFill>
+                  <a:schemeClr val="tx2"/>
+                </a:solidFill>
+                <a:latin typeface="+mj-lt"/>
+                <a:ea typeface="맑은 고딕"/>
+              </a:rPr>
+              <a:t>Initialize V2V(Vehicle to Vehicle) link  </a:t>
+            </a:r>
+            <a:endParaRPr lang="en-US" altLang="ko-KR" sz="2700">
+              <a:solidFill>
+                <a:schemeClr val="tx2"/>
+              </a:solidFill>
+              <a:latin typeface="+mj-lt"/>
+              <a:ea typeface="맑은 고딕"/>
+            </a:endParaRPr>
+          </a:p>
+        </p:txBody>
+      </p:sp>
+      <p:grpSp>
+        <p:nvGrpSpPr>
+          <p:cNvPr id="307" name=""/>
+          <p:cNvGrpSpPr/>
+          <p:nvPr/>
+        </p:nvGrpSpPr>
+        <p:grpSpPr>
+          <a:xfrm rot="0">
+            <a:off x="635880" y="2888940"/>
+            <a:ext cx="6060356" cy="3446870"/>
+            <a:chOff x="612576" y="1160748"/>
+            <a:chExt cx="6708428" cy="3698898"/>
+          </a:xfrm>
+        </p:grpSpPr>
+        <p:pic>
+          <p:nvPicPr>
+            <p:cNvPr id="305" name=""/>
+            <p:cNvPicPr>
+              <a:picLocks noChangeAspect="1"/>
+            </p:cNvPicPr>
+            <p:nvPr/>
+          </p:nvPicPr>
+          <p:blipFill rotWithShape="1">
+            <a:blip r:embed="rId3"/>
+            <a:stretch>
+              <a:fillRect/>
+            </a:stretch>
+          </p:blipFill>
+          <p:spPr>
+            <a:xfrm>
+              <a:off x="624768" y="2204864"/>
+              <a:ext cx="6696236" cy="2654782"/>
+            </a:xfrm>
+            <a:prstGeom prst="rect">
+              <a:avLst/>
+            </a:prstGeom>
+          </p:spPr>
+        </p:pic>
+        <p:pic>
+          <p:nvPicPr>
+            <p:cNvPr id="306" name=""/>
+            <p:cNvPicPr>
+              <a:picLocks noChangeAspect="1"/>
+            </p:cNvPicPr>
+            <p:nvPr/>
+          </p:nvPicPr>
+          <p:blipFill rotWithShape="1">
+            <a:blip r:embed="rId4"/>
+            <a:stretch>
+              <a:fillRect/>
+            </a:stretch>
+          </p:blipFill>
+          <p:spPr>
+            <a:xfrm>
+              <a:off x="612576" y="1160748"/>
+              <a:ext cx="6706332" cy="1091772"/>
+            </a:xfrm>
+            <a:prstGeom prst="rect">
+              <a:avLst/>
+            </a:prstGeom>
+          </p:spPr>
+        </p:pic>
+      </p:grpSp>
+      <p:pic>
+        <p:nvPicPr>
+          <p:cNvPr id="309" name=""/>
+          <p:cNvPicPr>
+            <a:picLocks noChangeAspect="1"/>
+          </p:cNvPicPr>
+          <p:nvPr/>
+        </p:nvPicPr>
+        <p:blipFill rotWithShape="1">
+          <a:blip r:embed="rId5"/>
+          <a:stretch>
+            <a:fillRect/>
+          </a:stretch>
+        </p:blipFill>
+        <p:spPr>
+          <a:xfrm>
+            <a:off x="611560" y="864633"/>
+            <a:ext cx="6084676" cy="1772279"/>
+          </a:xfrm>
+          <a:prstGeom prst="rect">
+            <a:avLst/>
+          </a:prstGeom>
+        </p:spPr>
+      </p:pic>
+      <p:sp>
+        <p:nvSpPr>
+          <p:cNvPr id="310" name=""/>
+          <p:cNvSpPr txBox="1"/>
+          <p:nvPr/>
+        </p:nvSpPr>
+        <p:spPr>
+          <a:xfrm>
+            <a:off x="6696236" y="1520788"/>
+            <a:ext cx="1663860" cy="721015"/>
+          </a:xfrm>
+          <a:prstGeom prst="rect">
+            <a:avLst/>
+          </a:prstGeom>
+          <a:noFill/>
+          <a:ln w="9525">
+            <a:noFill/>
+            <a:miter/>
+          </a:ln>
+        </p:spPr>
+        <p:txBody>
+          <a:bodyPr vert="horz" wrap="none" lIns="91440" tIns="45720" rIns="91440" bIns="45720" anchor="t" anchorCtr="0">
+            <a:prstTxWarp prst="textNoShape">
+              <a:avLst/>
+            </a:prstTxWarp>
+            <a:spAutoFit/>
+          </a:bodyPr>
+          <a:p>
+            <a:pPr marL="0" indent="0" eaLnBrk="0" hangingPunct="0">
+              <a:spcBef>
+                <a:spcPct val="20000"/>
+              </a:spcBef>
+              <a:buSzPct val="120000"/>
+              <a:buFont typeface="Wingdings"/>
+              <a:buNone/>
+              <a:defRPr/>
+            </a:pPr>
+            <a:r>
+              <a:rPr lang="en-US" altLang="ko-KR" sz="1900">
+                <a:solidFill>
+                  <a:srgbClr val="000000"/>
+                </a:solidFill>
+                <a:latin typeface="+mn-lt"/>
+                <a:ea typeface="맑은 고딕"/>
+              </a:rPr>
+              <a:t>3GPP</a:t>
+            </a:r>
+            <a:r>
+              <a:rPr lang="ko-KR" altLang="en-US" sz="1900">
+                <a:solidFill>
+                  <a:srgbClr val="000000"/>
+                </a:solidFill>
+                <a:latin typeface="+mn-lt"/>
+                <a:ea typeface="맑은 고딕"/>
+              </a:rPr>
+              <a:t> </a:t>
+            </a:r>
+            <a:r>
+              <a:rPr lang="en-US" altLang="ko-KR" sz="1900">
+                <a:solidFill>
+                  <a:srgbClr val="000000"/>
+                </a:solidFill>
+                <a:latin typeface="+mn-lt"/>
+                <a:ea typeface="맑은 고딕"/>
+              </a:rPr>
+              <a:t>36.885</a:t>
+            </a:r>
+            <a:endParaRPr lang="en-US" altLang="ko-KR" sz="1900">
+              <a:solidFill>
+                <a:srgbClr val="000000"/>
+              </a:solidFill>
+              <a:latin typeface="+mn-lt"/>
+              <a:ea typeface="맑은 고딕"/>
+            </a:endParaRPr>
+          </a:p>
+          <a:p>
+            <a:pPr marL="0" indent="0" eaLnBrk="0" hangingPunct="0">
+              <a:spcBef>
+                <a:spcPct val="20000"/>
+              </a:spcBef>
+              <a:buSzPct val="120000"/>
+              <a:buFont typeface="Wingdings"/>
+              <a:buNone/>
+              <a:defRPr/>
+            </a:pPr>
+            <a:r>
+              <a:rPr lang="en-US" altLang="ko-KR" sz="1900">
+                <a:solidFill>
+                  <a:srgbClr val="000000"/>
+                </a:solidFill>
+                <a:latin typeface="+mn-lt"/>
+                <a:ea typeface="맑은 고딕"/>
+              </a:rPr>
+              <a:t>Release 14</a:t>
+            </a:r>
+            <a:endParaRPr lang="en-US" altLang="ko-KR" sz="1900">
+              <a:solidFill>
+                <a:srgbClr val="000000"/>
+              </a:solidFill>
+              <a:latin typeface="+mn-lt"/>
+              <a:ea typeface="맑은 고딕"/>
+            </a:endParaRPr>
+          </a:p>
+        </p:txBody>
+      </p:sp>
+      <p:sp>
+        <p:nvSpPr>
+          <p:cNvPr id="311" name=""/>
+          <p:cNvSpPr txBox="1"/>
+          <p:nvPr/>
+        </p:nvSpPr>
+        <p:spPr>
+          <a:xfrm>
+            <a:off x="6696236" y="4472181"/>
+            <a:ext cx="2553879" cy="726564"/>
+          </a:xfrm>
+          <a:prstGeom prst="rect">
+            <a:avLst/>
+          </a:prstGeom>
+          <a:noFill/>
+          <a:ln w="9525">
+            <a:noFill/>
+            <a:miter/>
+          </a:ln>
+        </p:spPr>
+        <p:txBody>
+          <a:bodyPr vert="horz" wrap="square" lIns="91440" tIns="45720" rIns="91440" bIns="45720" anchor="t" anchorCtr="0">
+            <a:prstTxWarp prst="textNoShape">
+              <a:avLst/>
+            </a:prstTxWarp>
+            <a:spAutoFit/>
+          </a:bodyPr>
+          <a:lstStyle/>
+          <a:p>
+            <a:pPr marL="0" indent="0" eaLnBrk="0" hangingPunct="0">
+              <a:spcBef>
+                <a:spcPct val="20000"/>
+              </a:spcBef>
+              <a:buSzPct val="120000"/>
+              <a:buFont typeface="Wingdings"/>
+              <a:buNone/>
+              <a:defRPr/>
+            </a:pPr>
+            <a:r>
+              <a:rPr lang="en-US" altLang="ko-KR" sz="1900">
+                <a:solidFill>
+                  <a:srgbClr val="000000"/>
+                </a:solidFill>
+                <a:latin typeface="+mn-lt"/>
+                <a:ea typeface="맑은 고딕"/>
+              </a:rPr>
+              <a:t>WINNER+ B1 </a:t>
+            </a:r>
+            <a:endParaRPr lang="en-US" altLang="ko-KR" sz="1900">
+              <a:solidFill>
+                <a:srgbClr val="000000"/>
+              </a:solidFill>
+              <a:latin typeface="+mn-lt"/>
+              <a:ea typeface="맑은 고딕"/>
+            </a:endParaRPr>
+          </a:p>
+          <a:p>
+            <a:pPr marL="0" indent="0" eaLnBrk="0" hangingPunct="0">
+              <a:spcBef>
+                <a:spcPct val="20000"/>
+              </a:spcBef>
+              <a:buSzPct val="120000"/>
+              <a:buFont typeface="Wingdings"/>
+              <a:buNone/>
+              <a:defRPr/>
+            </a:pPr>
+            <a:r>
+              <a:rPr lang="en-US" altLang="ko-KR" sz="1900">
+                <a:solidFill>
+                  <a:srgbClr val="000000"/>
+                </a:solidFill>
+                <a:latin typeface="+mn-lt"/>
+                <a:ea typeface="맑은 고딕"/>
+              </a:rPr>
+              <a:t>Manhattan grid layout</a:t>
+            </a:r>
+            <a:endParaRPr lang="en-US" altLang="ko-KR" sz="1900">
+              <a:solidFill>
+                <a:srgbClr val="000000"/>
+              </a:solidFill>
+              <a:latin typeface="+mn-lt"/>
+              <a:ea typeface="맑은 고딕"/>
+            </a:endParaRPr>
+          </a:p>
+        </p:txBody>
+      </p:sp>
+    </p:spTree>
+  </p:cSld>
+  <p:clrMapOvr>
+    <a:masterClrMapping/>
+  </p:clrMapOvr>
+  <mc:AlternateContent xmlns:mc="http://schemas.openxmlformats.org/markup-compatibility/2006">
+    <mc:Choice xmlns:p14="http://schemas.microsoft.com/office/powerpoint/2010/main" Requires="p14">
+      <p:transition xmlns:mc="http://schemas.openxmlformats.org/markup-compatibility/2006" xmlns:p14="http://schemas.microsoft.com/office/powerpoint/2010/main" mc:Ignorable="p14" p14:dur="500"/>
+    </mc:Choice>
+    <mc:Fallback>
+      <p:transition/>
+    </mc:Fallback>
+  </mc:AlternateContent>
+</p:sld>
+</file>
+
+<file path=ppt/slides/slide12.xml><?xml version="1.0" encoding="utf-8"?>
+<p:sld xmlns:r="http://schemas.openxmlformats.org/officeDocument/2006/relationships" xmlns:c="http://schemas.openxmlformats.org/drawingml/2006/chart" xmlns:a="http://schemas.openxmlformats.org/drawingml/2006/main" xmlns:dgm="http://schemas.openxmlformats.org/drawingml/2006/diagram" xmlns:dsp="http://schemas.microsoft.com/office/drawing/2008/diagram" xmlns:p="http://schemas.openxmlformats.org/presentationml/2006/main">
+  <p:cSld>
+    <p:spTree>
+      <p:nvGrpSpPr>
+        <p:cNvPr id="1" name=""/>
+        <p:cNvGrpSpPr/>
+        <p:nvPr/>
+      </p:nvGrpSpPr>
+      <p:grpSpPr>
+        <a:xfrm>
+          <a:off x="0" y="0"/>
+          <a:ext cx="0" cy="0"/>
+          <a:chOff x="0" y="0"/>
+          <a:chExt cx="0" cy="0"/>
+        </a:xfrm>
+      </p:grpSpPr>
+      <p:sp>
+        <p:nvSpPr>
+          <p:cNvPr id="2" name="제목 1"/>
+          <p:cNvSpPr>
+            <a:spLocks noGrp="1"/>
+          </p:cNvSpPr>
+          <p:nvPr>
+            <p:ph type="title" idx="0"/>
+          </p:nvPr>
+        </p:nvSpPr>
+        <p:spPr/>
+        <p:txBody>
+          <a:bodyPr/>
+          <a:lstStyle/>
+          <a:p>
+            <a:pPr marL="0" marR="0" indent="0" defTabSz="914400" rtl="0" eaLnBrk="1" latinLnBrk="0" hangingPunct="1">
+              <a:lnSpc>
+                <a:spcPct val="100000"/>
+              </a:lnSpc>
+              <a:spcBef>
+                <a:spcPct val="0"/>
+              </a:spcBef>
+              <a:spcAft>
+                <a:spcPct val="0"/>
+              </a:spcAft>
+              <a:buClrTx/>
+              <a:buFontTx/>
+              <a:buNone/>
+              <a:defRPr/>
+            </a:pPr>
+            <a:r>
+              <a:rPr lang="en-US" altLang="ko-KR" sz="2700">
+                <a:solidFill>
+                  <a:schemeClr val="tx2"/>
+                </a:solidFill>
+                <a:latin typeface="+mj-lt"/>
+                <a:ea typeface="맑은 고딕"/>
+              </a:rPr>
+              <a:t>Initialize V2V(Vehicle to Vehicle) link  </a:t>
+            </a:r>
+            <a:endParaRPr lang="en-US" altLang="ko-KR" sz="2700">
+              <a:solidFill>
+                <a:schemeClr val="tx2"/>
+              </a:solidFill>
+              <a:latin typeface="+mj-lt"/>
+              <a:ea typeface="맑은 고딕"/>
+            </a:endParaRPr>
+          </a:p>
+        </p:txBody>
+      </p:sp>
+      <p:sp>
+        <p:nvSpPr>
+          <p:cNvPr id="303" name=""/>
+          <p:cNvSpPr txBox="1"/>
+          <p:nvPr/>
+        </p:nvSpPr>
+        <p:spPr>
+          <a:xfrm>
+            <a:off x="143508" y="872715"/>
+            <a:ext cx="8820980" cy="5650005"/>
+          </a:xfrm>
+          <a:prstGeom prst="rect">
+            <a:avLst/>
+          </a:prstGeom>
+          <a:noFill/>
+          <a:ln w="9525">
+            <a:noFill/>
+            <a:miter/>
+          </a:ln>
+        </p:spPr>
+        <p:txBody>
+          <a:bodyPr vert="horz" wrap="square" lIns="91440" tIns="45720" rIns="91440" bIns="45720" anchor="t" anchorCtr="0">
+            <a:prstTxWarp prst="textNoShape">
+              <a:avLst/>
+            </a:prstTxWarp>
+            <a:spAutoFit/>
+          </a:bodyPr>
+          <a:p>
+            <a:pPr marL="342900" indent="-342900" eaLnBrk="0" hangingPunct="0">
+              <a:spcBef>
+                <a:spcPct val="20000"/>
+              </a:spcBef>
+              <a:buSzPct val="120000"/>
+              <a:buFont typeface="Wingdings"/>
+              <a:buChar char="§"/>
+              <a:defRPr/>
+            </a:pPr>
+            <a:endParaRPr lang="en-US" altLang="ko-KR" sz="2200">
+              <a:solidFill>
+                <a:srgbClr val="000000"/>
+              </a:solidFill>
+              <a:latin typeface="+mn-lt"/>
+              <a:ea typeface="맑은 고딕"/>
+            </a:endParaRPr>
+          </a:p>
+          <a:p>
+            <a:pPr marL="342900" indent="-342900" eaLnBrk="0" hangingPunct="0">
+              <a:spcBef>
+                <a:spcPct val="20000"/>
+              </a:spcBef>
+              <a:buSzPct val="120000"/>
+              <a:buFont typeface="Wingdings"/>
+              <a:buChar char="§"/>
+              <a:defRPr/>
+            </a:pPr>
+            <a:r>
+              <a:rPr lang="en-US" altLang="ko-KR" sz="2200">
+                <a:solidFill>
+                  <a:srgbClr val="000000"/>
+                </a:solidFill>
+                <a:latin typeface="+mn-lt"/>
+                <a:ea typeface="맑은 고딕"/>
+              </a:rPr>
+              <a:t>Large scale fading(N :</a:t>
+            </a:r>
+            <a:r>
+              <a:rPr lang="ko-KR" altLang="en-US" sz="2200">
+                <a:solidFill>
+                  <a:srgbClr val="000000"/>
+                </a:solidFill>
+                <a:latin typeface="+mn-lt"/>
+                <a:ea typeface="맑은 고딕"/>
+              </a:rPr>
+              <a:t>차량의 수 </a:t>
+            </a:r>
+            <a:r>
+              <a:rPr lang="en-US" altLang="ko-KR" sz="2200">
+                <a:solidFill>
+                  <a:srgbClr val="000000"/>
+                </a:solidFill>
+                <a:latin typeface="+mn-lt"/>
+                <a:ea typeface="맑은 고딕"/>
+              </a:rPr>
+              <a:t>)</a:t>
+            </a:r>
+            <a:endParaRPr lang="en-US" altLang="ko-KR" sz="2200">
+              <a:solidFill>
+                <a:srgbClr val="000000"/>
+              </a:solidFill>
+              <a:latin typeface="+mn-lt"/>
+              <a:ea typeface="맑은 고딕"/>
+            </a:endParaRPr>
+          </a:p>
+          <a:p>
+            <a:pPr marL="0" indent="0" eaLnBrk="0" hangingPunct="0">
+              <a:spcBef>
+                <a:spcPct val="20000"/>
+              </a:spcBef>
+              <a:buSzPct val="120000"/>
+              <a:buFont typeface="Wingdings"/>
+              <a:buNone/>
+              <a:defRPr/>
+            </a:pPr>
+            <a:r>
+              <a:rPr lang="en-US" altLang="ko-KR" sz="2200">
+                <a:solidFill>
+                  <a:srgbClr val="000000"/>
+                </a:solidFill>
+                <a:latin typeface="+mn-lt"/>
+                <a:ea typeface="맑은 고딕"/>
+              </a:rPr>
+              <a:t>    - Shadow fading (NxN matrix)</a:t>
+            </a:r>
+            <a:endParaRPr lang="en-US" altLang="ko-KR" sz="2200">
+              <a:solidFill>
+                <a:srgbClr val="000000"/>
+              </a:solidFill>
+              <a:latin typeface="+mn-lt"/>
+              <a:ea typeface="맑은 고딕"/>
+            </a:endParaRPr>
+          </a:p>
+          <a:p>
+            <a:pPr marL="0" indent="0" eaLnBrk="0" hangingPunct="0">
+              <a:spcBef>
+                <a:spcPct val="20000"/>
+              </a:spcBef>
+              <a:buSzPct val="120000"/>
+              <a:buFont typeface="Wingdings"/>
+              <a:buNone/>
+              <a:defRPr/>
+            </a:pPr>
+            <a:r>
+              <a:rPr lang="en-US" altLang="ko-KR" sz="2200">
+                <a:solidFill>
+                  <a:srgbClr val="000000"/>
+                </a:solidFill>
+                <a:latin typeface="+mn-lt"/>
+                <a:ea typeface="맑은 고딕"/>
+              </a:rPr>
+              <a:t>　　</a:t>
+            </a:r>
+            <a:endParaRPr lang="en-US" altLang="ko-KR" sz="2200">
+              <a:solidFill>
+                <a:srgbClr val="000000"/>
+              </a:solidFill>
+              <a:latin typeface="+mn-lt"/>
+              <a:ea typeface="맑은 고딕"/>
+            </a:endParaRPr>
+          </a:p>
+          <a:p>
+            <a:pPr marL="0" indent="0" eaLnBrk="0" hangingPunct="0">
+              <a:spcBef>
+                <a:spcPct val="20000"/>
+              </a:spcBef>
+              <a:buSzPct val="120000"/>
+              <a:buFont typeface="Wingdings"/>
+              <a:buNone/>
+              <a:defRPr/>
+            </a:pPr>
+            <a:endParaRPr lang="en-US" altLang="ko-KR" sz="2200">
+              <a:solidFill>
+                <a:srgbClr val="000000"/>
+              </a:solidFill>
+              <a:latin typeface="+mn-lt"/>
+              <a:ea typeface="맑은 고딕"/>
+            </a:endParaRPr>
+          </a:p>
+          <a:p>
+            <a:pPr marL="0" indent="0" eaLnBrk="0" hangingPunct="0">
+              <a:spcBef>
+                <a:spcPct val="20000"/>
+              </a:spcBef>
+              <a:buSzPct val="120000"/>
+              <a:buFont typeface="Wingdings"/>
+              <a:buNone/>
+              <a:defRPr/>
+            </a:pPr>
+            <a:endParaRPr lang="en-US" altLang="ko-KR" sz="2200">
+              <a:solidFill>
+                <a:srgbClr val="000000"/>
+              </a:solidFill>
+              <a:latin typeface="+mn-lt"/>
+              <a:ea typeface="맑은 고딕"/>
+            </a:endParaRPr>
+          </a:p>
+          <a:p>
+            <a:pPr marL="0" indent="0" eaLnBrk="0" hangingPunct="0">
+              <a:spcBef>
+                <a:spcPct val="20000"/>
+              </a:spcBef>
+              <a:buSzPct val="120000"/>
+              <a:buFont typeface="Wingdings"/>
+              <a:buNone/>
+              <a:defRPr/>
+            </a:pPr>
+            <a:endParaRPr lang="en-US" altLang="ko-KR" sz="2200">
+              <a:solidFill>
+                <a:srgbClr val="000000"/>
+              </a:solidFill>
+              <a:latin typeface="+mn-lt"/>
+              <a:ea typeface="맑은 고딕"/>
+            </a:endParaRPr>
+          </a:p>
+          <a:p>
+            <a:pPr marL="0" indent="0" eaLnBrk="0" hangingPunct="0">
+              <a:spcBef>
+                <a:spcPct val="20000"/>
+              </a:spcBef>
+              <a:buSzPct val="120000"/>
+              <a:buFont typeface="Wingdings"/>
+              <a:buNone/>
+              <a:defRPr/>
+            </a:pPr>
+            <a:endParaRPr lang="en-US" altLang="ko-KR" sz="2200">
+              <a:solidFill>
+                <a:srgbClr val="000000"/>
+              </a:solidFill>
+              <a:latin typeface="+mn-lt"/>
+              <a:ea typeface="맑은 고딕"/>
+            </a:endParaRPr>
+          </a:p>
+          <a:p>
+            <a:pPr marL="0" indent="0" eaLnBrk="0" hangingPunct="0">
+              <a:spcBef>
+                <a:spcPct val="20000"/>
+              </a:spcBef>
+              <a:buSzPct val="120000"/>
+              <a:buFont typeface="Wingdings"/>
+              <a:buNone/>
+              <a:defRPr/>
+            </a:pPr>
+            <a:r>
+              <a:rPr lang="en-US" altLang="ko-KR" sz="2200">
+                <a:solidFill>
+                  <a:srgbClr val="000000"/>
+                </a:solidFill>
+                <a:latin typeface="+mn-lt"/>
+                <a:ea typeface="맑은 고딕"/>
+              </a:rPr>
+              <a:t>　　</a:t>
+            </a:r>
+            <a:r>
+              <a:rPr lang="ko-KR" altLang="en-US" sz="2200">
+                <a:solidFill>
+                  <a:srgbClr val="000000"/>
+                </a:solidFill>
+                <a:latin typeface="+mn-lt"/>
+                <a:ea typeface="맑은 고딕"/>
+              </a:rPr>
+              <a:t> </a:t>
+            </a:r>
+            <a:r>
+              <a:rPr lang="en-US" altLang="ko-KR" sz="2200">
+                <a:solidFill>
+                  <a:srgbClr val="000000"/>
+                </a:solidFill>
+                <a:latin typeface="+mn-lt"/>
+                <a:ea typeface="맑은 고딕"/>
+              </a:rPr>
+              <a:t>    </a:t>
+            </a:r>
+            <a:endParaRPr lang="en-US" altLang="ko-KR" sz="2200">
+              <a:solidFill>
+                <a:srgbClr val="000000"/>
+              </a:solidFill>
+              <a:latin typeface="+mn-lt"/>
+              <a:ea typeface="맑은 고딕"/>
+            </a:endParaRPr>
+          </a:p>
+          <a:p>
+            <a:pPr marL="0" indent="0" eaLnBrk="0" hangingPunct="0">
+              <a:spcBef>
+                <a:spcPct val="20000"/>
+              </a:spcBef>
+              <a:buSzPct val="120000"/>
+              <a:buFont typeface="Wingdings"/>
+              <a:buNone/>
+              <a:defRPr/>
+            </a:pPr>
+            <a:endParaRPr lang="en-US" altLang="ko-KR" sz="2200">
+              <a:solidFill>
+                <a:srgbClr val="000000"/>
+              </a:solidFill>
+              <a:latin typeface="+mn-lt"/>
+              <a:ea typeface="맑은 고딕"/>
+            </a:endParaRPr>
+          </a:p>
+          <a:p>
+            <a:pPr marL="0" indent="0" eaLnBrk="0" hangingPunct="0">
+              <a:spcBef>
+                <a:spcPct val="20000"/>
+              </a:spcBef>
+              <a:buSzPct val="120000"/>
+              <a:buFont typeface="Wingdings"/>
+              <a:buNone/>
+              <a:defRPr/>
+            </a:pPr>
+            <a:endParaRPr lang="en-US" altLang="ko-KR" sz="2200">
+              <a:solidFill>
+                <a:srgbClr val="000000"/>
+              </a:solidFill>
+              <a:latin typeface="+mn-lt"/>
+              <a:ea typeface="맑은 고딕"/>
+            </a:endParaRPr>
+          </a:p>
+          <a:p>
+            <a:pPr marL="0" indent="0" eaLnBrk="0" hangingPunct="0">
+              <a:spcBef>
+                <a:spcPct val="20000"/>
+              </a:spcBef>
+              <a:buSzPct val="120000"/>
+              <a:buFont typeface="Wingdings"/>
+              <a:buNone/>
+              <a:defRPr/>
+            </a:pPr>
+            <a:endParaRPr lang="en-US" altLang="ko-KR" sz="2200">
+              <a:solidFill>
+                <a:srgbClr val="000000"/>
+              </a:solidFill>
+              <a:latin typeface="+mn-lt"/>
+              <a:ea typeface="맑은 고딕"/>
+            </a:endParaRPr>
+          </a:p>
+          <a:p>
+            <a:pPr marL="0" indent="0" eaLnBrk="0" hangingPunct="0">
+              <a:spcBef>
+                <a:spcPct val="20000"/>
+              </a:spcBef>
+              <a:buSzPct val="120000"/>
+              <a:buFont typeface="Wingdings"/>
+              <a:buNone/>
+              <a:defRPr/>
+            </a:pPr>
+            <a:endParaRPr lang="en-US" altLang="ko-KR" sz="2200">
+              <a:solidFill>
+                <a:srgbClr val="000000"/>
+              </a:solidFill>
+              <a:latin typeface="+mn-lt"/>
+              <a:ea typeface="맑은 고딕"/>
+            </a:endParaRPr>
+          </a:p>
+          <a:p>
+            <a:pPr marL="0" indent="0" eaLnBrk="0" hangingPunct="0">
+              <a:spcBef>
+                <a:spcPct val="20000"/>
+              </a:spcBef>
+              <a:buSzPct val="120000"/>
+              <a:buFont typeface="Wingdings"/>
+              <a:buNone/>
+              <a:defRPr/>
+            </a:pPr>
+            <a:endParaRPr lang="en-US" altLang="ko-KR" sz="2200">
+              <a:solidFill>
+                <a:srgbClr val="000000"/>
+              </a:solidFill>
+              <a:latin typeface="+mn-lt"/>
+              <a:ea typeface="맑은 고딕"/>
+            </a:endParaRPr>
+          </a:p>
+        </p:txBody>
+      </p:sp>
+      <mc:AlternateContent xmlns:mc="http://schemas.openxmlformats.org/markup-compatibility/2006">
+        <mc:Choice xmlns:a14="http://schemas.microsoft.com/office/drawing/2010/main" Requires="a14">
+          <p:sp>
+            <p:nvSpPr>
+              <p:cNvPr id="304" name=""/>
+              <p:cNvSpPr/>
+              <p:nvPr/>
+            </p:nvSpPr>
+            <p:spPr>
+              <a:xfrm>
+                <a:off x="881062" y="2756892"/>
+                <a:ext cx="7496174" cy="2400300"/>
+              </a:xfrm>
+              <a:custGeom>
+                <a:avLst/>
+                <a:gdLst/>
+                <a:cxnLst>
+                  <a:cxn ang="3cd4">
+                    <a:pos x="hc" y="t"/>
+                  </a:cxn>
+                  <a:cxn ang="cd2">
+                    <a:pos x="l" y="vc"/>
+                  </a:cxn>
+                  <a:cxn ang="cd4">
+                    <a:pos x="hc" y="b"/>
+                  </a:cxn>
+                  <a:cxn ang="0">
+                    <a:pos x="r" y="vc"/>
+                  </a:cxn>
+                </a:cxnLst>
+                <a:rect l="l" t="t" r="r" b="b"/>
+                <a:pathLst>
+                  <a:path w="914400" h="914400">
+                    <a:moveTo>
+                      <a:pt x="0" y="0"/>
+                    </a:moveTo>
+                    <a:lnTo>
+                      <a:pt x="914400" y="0"/>
+                    </a:lnTo>
+                    <a:lnTo>
+                      <a:pt x="914400" y="914400"/>
+                    </a:lnTo>
+                    <a:lnTo>
+                      <a:pt x="0" y="914400"/>
+                    </a:lnTo>
+                    <a:close/>
+                  </a:path>
+                </a:pathLst>
+              </a:custGeom>
+            </p:spPr>
+            <p:txBody>
+              <a:bodyPr/>
+              <a:lstStyle/>
+              <a:p>
+                <a:pPr algn="l"/>
+                <a14:m xmlns:m="http://schemas.openxmlformats.org/officeDocument/2006/math" xmlns:mc="http://schemas.openxmlformats.org/markup-compatibility/2006" xmlns:ho="http://schemas.haansoft.com/office/8.0" mc:Ignorable="ho" ho:hncCreate="1">
+                  <m:oMathPara>
+                    <m:oMathParaPr>
+                      <m:jc m:val="left"/>
+                    </m:oMathParaPr>
+                    <m:oMath xmlns:m="http://schemas.openxmlformats.org/officeDocument/2006/math">
+                      <m:r>
+                        <a:rPr sz="2500" i="1">
+                          <a:solidFill>
+                            <a:srgbClr val="000000"/>
+                          </a:solidFill>
+                          <a:latin typeface="Cambria Math"/>
+                          <a:sym typeface="Cambria Math"/>
+                        </a:rPr>
+                        <m:t>𝑆</m:t>
+                      </m:r>
+                      <m:r>
+                        <a:rPr sz="2500" i="1">
+                          <a:solidFill>
+                            <a:srgbClr val="000000"/>
+                          </a:solidFill>
+                          <a:latin typeface="Cambria Math"/>
+                          <a:sym typeface="Cambria Math"/>
+                        </a:rPr>
+                        <m:t>ℎ</m:t>
+                      </m:r>
+                      <m:r>
+                        <a:rPr sz="2500" i="1">
+                          <a:solidFill>
+                            <a:srgbClr val="000000"/>
+                          </a:solidFill>
+                          <a:latin typeface="Cambria Math"/>
+                          <a:sym typeface="Cambria Math"/>
+                        </a:rPr>
+                        <m:t>𝑎</m:t>
+                      </m:r>
+                      <m:r>
+                        <a:rPr sz="2500" i="1">
+                          <a:solidFill>
+                            <a:srgbClr val="000000"/>
+                          </a:solidFill>
+                          <a:latin typeface="Cambria Math"/>
+                          <a:sym typeface="Cambria Math"/>
+                        </a:rPr>
+                        <m:t>𝑑</m:t>
+                      </m:r>
+                      <m:r>
+                        <a:rPr sz="2500" i="1">
+                          <a:solidFill>
+                            <a:srgbClr val="000000"/>
+                          </a:solidFill>
+                          <a:latin typeface="Cambria Math"/>
+                          <a:sym typeface="Cambria Math"/>
+                        </a:rPr>
+                        <m:t>𝑜</m:t>
+                      </m:r>
+                      <m:r>
+                        <a:rPr sz="2500" i="1">
+                          <a:solidFill>
+                            <a:srgbClr val="000000"/>
+                          </a:solidFill>
+                          <a:latin typeface="Cambria Math"/>
+                          <a:sym typeface="Cambria Math"/>
+                        </a:rPr>
+                        <m:t>𝑤</m:t>
+                      </m:r>
+                      <m:r>
+                        <a:rPr sz="2500" i="1">
+                          <a:solidFill>
+                            <a:srgbClr val="000000"/>
+                          </a:solidFill>
+                          <a:latin typeface="Cambria Math"/>
+                          <a:sym typeface="Cambria Math"/>
+                        </a:rPr>
+                        <m:t>𝑖</m:t>
+                      </m:r>
+                      <m:r>
+                        <a:rPr sz="2500" i="1">
+                          <a:solidFill>
+                            <a:srgbClr val="000000"/>
+                          </a:solidFill>
+                          <a:latin typeface="Cambria Math"/>
+                          <a:sym typeface="Cambria Math"/>
+                        </a:rPr>
+                        <m:t>𝑛</m:t>
+                      </m:r>
+                      <m:r>
+                        <a:rPr sz="2500" i="1">
+                          <a:solidFill>
+                            <a:srgbClr val="000000"/>
+                          </a:solidFill>
+                          <a:latin typeface="Cambria Math"/>
+                          <a:sym typeface="Cambria Math"/>
+                        </a:rPr>
+                        <m:t>𝑔</m:t>
+                      </m:r>
+                      <m:r>
+                        <a:rPr sz="2500" i="1">
+                          <a:solidFill>
+                            <a:srgbClr val="000000"/>
+                          </a:solidFill>
+                          <a:latin typeface="Cambria Math"/>
+                          <a:sym typeface="Cambria Math"/>
+                        </a:rPr>
+                        <m:t xml:space="preserve"> </m:t>
+                      </m:r>
+                      <m:r>
+                        <a:rPr sz="2500" i="1">
+                          <a:solidFill>
+                            <a:srgbClr val="000000"/>
+                          </a:solidFill>
+                          <a:latin typeface="Cambria Math"/>
+                          <a:sym typeface="Cambria Math"/>
+                        </a:rPr>
+                        <m:t>𝑚</m:t>
+                      </m:r>
+                      <m:r>
+                        <a:rPr sz="2500" i="1">
+                          <a:solidFill>
+                            <a:srgbClr val="000000"/>
+                          </a:solidFill>
+                          <a:latin typeface="Cambria Math"/>
+                          <a:sym typeface="Cambria Math"/>
+                        </a:rPr>
+                        <m:t>𝑎</m:t>
+                      </m:r>
+                      <m:r>
+                        <a:rPr sz="2500" i="1">
+                          <a:solidFill>
+                            <a:srgbClr val="000000"/>
+                          </a:solidFill>
+                          <a:latin typeface="Cambria Math"/>
+                          <a:sym typeface="Cambria Math"/>
+                        </a:rPr>
+                        <m:t>𝑡</m:t>
+                      </m:r>
+                      <m:r>
+                        <a:rPr sz="2500" i="1">
+                          <a:solidFill>
+                            <a:srgbClr val="000000"/>
+                          </a:solidFill>
+                          <a:latin typeface="Cambria Math"/>
+                          <a:sym typeface="Cambria Math"/>
+                        </a:rPr>
+                        <m:t>𝑟</m:t>
+                      </m:r>
+                      <m:r>
+                        <a:rPr sz="2500" i="1">
+                          <a:solidFill>
+                            <a:srgbClr val="000000"/>
+                          </a:solidFill>
+                          <a:latin typeface="Cambria Math"/>
+                          <a:sym typeface="Cambria Math"/>
+                        </a:rPr>
+                        <m:t>𝑖</m:t>
+                      </m:r>
+                      <m:r>
+                        <a:rPr sz="2500" i="1">
+                          <a:solidFill>
+                            <a:srgbClr val="000000"/>
+                          </a:solidFill>
+                          <a:latin typeface="Cambria Math"/>
+                          <a:sym typeface="Cambria Math"/>
+                        </a:rPr>
+                        <m:t>𝑥</m:t>
+                      </m:r>
+                      <m:r>
+                        <a:rPr sz="2500" i="1">
+                          <a:solidFill>
+                            <a:srgbClr val="000000"/>
+                          </a:solidFill>
+                          <a:latin typeface="Cambria Math"/>
+                          <a:sym typeface="Cambria Math"/>
+                        </a:rPr>
+                        <m:t xml:space="preserve"> : </m:t>
+                      </m:r>
+                      <m:d>
+                        <m:dPr>
+                          <m:begChr m:val="["/>
+                          <m:endChr m:val="]"/>
+                          <m:ctrlPr>
+                            <a:rPr sz="2500" i="1">
+                              <a:solidFill>
+                                <a:srgbClr val="000000"/>
+                              </a:solidFill>
+                              <a:latin typeface="Cambria Math"/>
+                              <a:sym typeface="Cambria Math"/>
+                            </a:rPr>
+                          </m:ctrlPr>
+                        </m:dPr>
+                        <m:e>
+                          <m:m>
+                            <m:mPr>
+                              <m:mcs>
+                                <m:mc>
+                                  <m:mcPr>
+                                    <m:count m:val="2"/>
+                                    <m:mcJc m:val="center"/>
+                                  </m:mcPr>
+                                </m:mc>
+                              </m:mcs>
+                              <m:ctrlPr>
+                                <a:rPr sz="2500" i="1">
+                                  <a:solidFill>
+                                    <a:srgbClr val="000000"/>
+                                  </a:solidFill>
+                                  <a:latin typeface="Cambria Math"/>
+                                  <a:sym typeface="Cambria Math"/>
+                                </a:rPr>
+                              </m:ctrlPr>
+                            </m:mPr>
+                            <m:mr>
+                              <m:e>
+                                <m:sSub>
+                                  <m:sSubPr>
+                                    <m:ctrlPr>
+                                      <a:rPr sz="2500" i="1">
+                                        <a:solidFill>
+                                          <a:srgbClr val="000000"/>
+                                        </a:solidFill>
+                                        <a:latin typeface="Cambria Math"/>
+                                        <a:sym typeface="Cambria Math"/>
+                                      </a:rPr>
+                                    </m:ctrlPr>
+                                  </m:sSubPr>
+                                  <m:e>
+                                    <m:r>
+                                      <a:rPr sz="2500" i="1">
+                                        <a:solidFill>
+                                          <a:srgbClr val="000000"/>
+                                        </a:solidFill>
+                                        <a:latin typeface="Cambria Math"/>
+                                        <a:sym typeface="Cambria Math"/>
+                                      </a:rPr>
+                                      <m:t>𝑠</m:t>
+                                    </m:r>
+                                  </m:e>
+                                  <m:sub>
+                                    <m:r>
+                                      <a:rPr sz="2500" i="1">
+                                        <a:solidFill>
+                                          <a:srgbClr val="000000"/>
+                                        </a:solidFill>
+                                        <a:latin typeface="Cambria Math"/>
+                                        <a:sym typeface="Cambria Math"/>
+                                      </a:rPr>
+                                      <m:t>0 0</m:t>
+                                    </m:r>
+                                  </m:sub>
+                                </m:sSub>
+                              </m:e>
+                              <m:e>
+                                <m:r>
+                                  <m:rPr>
+                                    <m:sty m:val="p"/>
+                                  </m:rPr>
+                                  <a:rPr sz="2500" i="1">
+                                    <a:solidFill>
+                                      <a:srgbClr val="000000"/>
+                                    </a:solidFill>
+                                    <a:latin typeface="Cambria Math"/>
+                                    <a:sym typeface="Cambria Math"/>
+                                  </a:rPr>
+                                  <m:t>⋯</m:t>
+                                </m:r>
+                              </m:e>
+                              <m:e>
+                                <m:sSub>
+                                  <m:sSubPr>
+                                    <m:ctrlPr>
+                                      <a:rPr sz="2500" i="1">
+                                        <a:solidFill>
+                                          <a:srgbClr val="000000"/>
+                                        </a:solidFill>
+                                        <a:latin typeface="Cambria Math"/>
+                                        <a:sym typeface="Cambria Math"/>
+                                      </a:rPr>
+                                    </m:ctrlPr>
+                                  </m:sSubPr>
+                                  <m:e>
+                                    <m:r>
+                                      <a:rPr sz="2500" i="1">
+                                        <a:solidFill>
+                                          <a:srgbClr val="000000"/>
+                                        </a:solidFill>
+                                        <a:latin typeface="Cambria Math"/>
+                                        <a:sym typeface="Cambria Math"/>
+                                      </a:rPr>
+                                      <m:t>𝑠</m:t>
+                                    </m:r>
+                                  </m:e>
+                                  <m:sub>
+                                    <m:r>
+                                      <a:rPr sz="2500" i="1">
+                                        <a:solidFill>
+                                          <a:srgbClr val="000000"/>
+                                        </a:solidFill>
+                                        <a:latin typeface="Cambria Math"/>
+                                        <a:sym typeface="Cambria Math"/>
+                                      </a:rPr>
+                                      <m:t xml:space="preserve">0 </m:t>
+                                    </m:r>
+                                    <m:r>
+                                      <a:rPr sz="2500" i="1">
+                                        <a:solidFill>
+                                          <a:srgbClr val="000000"/>
+                                        </a:solidFill>
+                                        <a:latin typeface="Cambria Math"/>
+                                        <a:sym typeface="Cambria Math"/>
+                                      </a:rPr>
+                                      <m:t>𝑁</m:t>
+                                    </m:r>
+                                  </m:sub>
+                                </m:sSub>
+                              </m:e>
+                            </m:mr>
+                            <m:mr>
+                              <m:e>
+                                <m:r>
+                                  <m:rPr>
+                                    <m:sty m:val="p"/>
+                                  </m:rPr>
+                                  <a:rPr sz="2500" i="1">
+                                    <a:solidFill>
+                                      <a:srgbClr val="000000"/>
+                                    </a:solidFill>
+                                    <a:latin typeface="Cambria Math"/>
+                                    <a:sym typeface="Cambria Math"/>
+                                  </a:rPr>
+                                  <m:t>⋮</m:t>
+                                </m:r>
+                              </m:e>
+                              <m:e>
+                                <m:r>
+                                  <m:rPr>
+                                    <m:sty m:val="p"/>
+                                  </m:rPr>
+                                  <a:rPr sz="2500" i="1">
+                                    <a:solidFill>
+                                      <a:srgbClr val="000000"/>
+                                    </a:solidFill>
+                                    <a:latin typeface="Cambria Math"/>
+                                    <a:sym typeface="Cambria Math"/>
+                                  </a:rPr>
+                                  <m:t>⋱</m:t>
+                                </m:r>
+                              </m:e>
+                              <m:e>
+                                <m:r>
+                                  <m:rPr>
+                                    <m:sty m:val="p"/>
+                                  </m:rPr>
+                                  <a:rPr sz="2500" i="1">
+                                    <a:solidFill>
+                                      <a:srgbClr val="000000"/>
+                                    </a:solidFill>
+                                    <a:latin typeface="Cambria Math"/>
+                                    <a:sym typeface="Cambria Math"/>
+                                  </a:rPr>
+                                  <m:t>⋮</m:t>
+                                </m:r>
+                              </m:e>
+                            </m:mr>
+                            <m:mr>
+                              <m:e>
+                                <m:sSub>
+                                  <m:sSubPr>
+                                    <m:ctrlPr>
+                                      <a:rPr sz="2500" i="1">
+                                        <a:solidFill>
+                                          <a:srgbClr val="000000"/>
+                                        </a:solidFill>
+                                        <a:latin typeface="Cambria Math"/>
+                                        <a:sym typeface="Cambria Math"/>
+                                      </a:rPr>
+                                    </m:ctrlPr>
+                                  </m:sSubPr>
+                                  <m:e>
+                                    <m:r>
+                                      <a:rPr sz="2500" i="1">
+                                        <a:solidFill>
+                                          <a:srgbClr val="000000"/>
+                                        </a:solidFill>
+                                        <a:latin typeface="Cambria Math"/>
+                                        <a:sym typeface="Cambria Math"/>
+                                      </a:rPr>
+                                      <m:t>𝑠</m:t>
+                                    </m:r>
+                                  </m:e>
+                                  <m:sub>
+                                    <m:r>
+                                      <a:rPr sz="2500" i="1">
+                                        <a:solidFill>
+                                          <a:srgbClr val="000000"/>
+                                        </a:solidFill>
+                                        <a:latin typeface="Cambria Math"/>
+                                        <a:sym typeface="Cambria Math"/>
+                                      </a:rPr>
+                                      <m:t>𝑁</m:t>
+                                    </m:r>
+                                    <m:r>
+                                      <a:rPr sz="2500" i="1">
+                                        <a:solidFill>
+                                          <a:srgbClr val="000000"/>
+                                        </a:solidFill>
+                                        <a:latin typeface="Cambria Math"/>
+                                        <a:sym typeface="Cambria Math"/>
+                                      </a:rPr>
+                                      <m:t xml:space="preserve"> 0</m:t>
+                                    </m:r>
+                                  </m:sub>
+                                </m:sSub>
+                              </m:e>
+                              <m:e>
+                                <m:r>
+                                  <m:rPr>
+                                    <m:sty m:val="p"/>
+                                  </m:rPr>
+                                  <a:rPr sz="2500" i="1">
+                                    <a:solidFill>
+                                      <a:srgbClr val="000000"/>
+                                    </a:solidFill>
+                                    <a:latin typeface="Cambria Math"/>
+                                    <a:sym typeface="Cambria Math"/>
+                                  </a:rPr>
+                                  <m:t>⋯</m:t>
+                                </m:r>
+                              </m:e>
+                              <m:e>
+                                <m:sSub>
+                                  <m:sSubPr>
+                                    <m:ctrlPr>
+                                      <a:rPr sz="2500" i="1">
+                                        <a:solidFill>
+                                          <a:srgbClr val="000000"/>
+                                        </a:solidFill>
+                                        <a:latin typeface="Cambria Math"/>
+                                        <a:sym typeface="Cambria Math"/>
+                                      </a:rPr>
+                                    </m:ctrlPr>
+                                  </m:sSubPr>
+                                  <m:e>
+                                    <m:r>
+                                      <a:rPr sz="2500" i="1">
+                                        <a:solidFill>
+                                          <a:srgbClr val="000000"/>
+                                        </a:solidFill>
+                                        <a:latin typeface="Cambria Math"/>
+                                        <a:sym typeface="Cambria Math"/>
+                                      </a:rPr>
+                                      <m:t>𝑠</m:t>
+                                    </m:r>
+                                  </m:e>
+                                  <m:sub>
+                                    <m:r>
+                                      <a:rPr sz="2500" i="1">
+                                        <a:solidFill>
+                                          <a:srgbClr val="000000"/>
+                                        </a:solidFill>
+                                        <a:latin typeface="Cambria Math"/>
+                                        <a:sym typeface="Cambria Math"/>
+                                      </a:rPr>
+                                      <m:t>𝑁</m:t>
+                                    </m:r>
+                                    <m:r>
+                                      <a:rPr sz="2500" i="1">
+                                        <a:solidFill>
+                                          <a:srgbClr val="000000"/>
+                                        </a:solidFill>
+                                        <a:latin typeface="Cambria Math"/>
+                                        <a:sym typeface="Cambria Math"/>
+                                      </a:rPr>
+                                      <m:t xml:space="preserve"> </m:t>
+                                    </m:r>
+                                    <m:r>
+                                      <a:rPr sz="2500" i="1">
+                                        <a:solidFill>
+                                          <a:srgbClr val="000000"/>
+                                        </a:solidFill>
+                                        <a:latin typeface="Cambria Math"/>
+                                        <a:sym typeface="Cambria Math"/>
+                                      </a:rPr>
+                                      <m:t>𝑁</m:t>
+                                    </m:r>
+                                  </m:sub>
+                                </m:sSub>
+                              </m:e>
+                            </m:mr>
+                          </m:m>
+                        </m:e>
+                      </m:d>
+                    </m:oMath>
+                  </m:oMathPara>
+                </a14:m>
+              </a:p>
+              <a:p>
+                <a:pPr algn="l"/>
+                <a14:m xmlns:m="http://schemas.openxmlformats.org/officeDocument/2006/math" xmlns:mc="http://schemas.openxmlformats.org/markup-compatibility/2006" xmlns:ho="http://schemas.haansoft.com/office/8.0" mc:Ignorable="ho" ho:hncCreate="1">
+                  <m:oMathPara>
+                    <m:oMathParaPr>
+                      <m:jc m:val="left"/>
+                    </m:oMathParaPr>
+                    <m:oMath xmlns:m="http://schemas.openxmlformats.org/officeDocument/2006/math">
+                      <m:r>
+                        <a:rPr sz="2000" i="1">
+                          <a:solidFill>
+                            <a:srgbClr val="000000"/>
+                          </a:solidFill>
+                          <a:latin typeface="Cambria Math"/>
+                          <a:sym typeface="Cambria Math"/>
+                        </a:rPr>
+                        <m:t xml:space="preserve"> </m:t>
+                      </m:r>
+                    </m:oMath>
+                  </m:oMathPara>
+                </a14:m>
+              </a:p>
+              <a:p>
+                <a:pPr algn="l"/>
+                <a14:m xmlns:m="http://schemas.openxmlformats.org/officeDocument/2006/math" xmlns:mc="http://schemas.openxmlformats.org/markup-compatibility/2006" xmlns:ho="http://schemas.haansoft.com/office/8.0" mc:Ignorable="ho" ho:hncCreate="1">
+                  <m:oMathPara>
+                    <m:oMathParaPr>
+                      <m:jc m:val="left"/>
+                    </m:oMathParaPr>
+                    <m:oMath xmlns:m="http://schemas.openxmlformats.org/officeDocument/2006/math">
+                      <m:r>
+                        <a:rPr sz="2000" i="1">
+                          <a:solidFill>
+                            <a:srgbClr val="000000"/>
+                          </a:solidFill>
+                          <a:latin typeface="Cambria Math"/>
+                          <a:sym typeface="Cambria Math"/>
+                        </a:rPr>
+                        <m:t xml:space="preserve"> </m:t>
+                      </m:r>
+                      <m:sSub>
+                        <m:sSubPr>
+                          <m:ctrlPr>
+                            <a:rPr sz="2000" i="1">
+                              <a:solidFill>
+                                <a:srgbClr val="000000"/>
+                              </a:solidFill>
+                              <a:latin typeface="Cambria Math"/>
+                              <a:sym typeface="Cambria Math"/>
+                            </a:rPr>
+                          </m:ctrlPr>
+                        </m:sSubPr>
+                        <m:e>
+                          <m:r>
+                            <a:rPr sz="2000" i="1">
+                              <a:solidFill>
+                                <a:srgbClr val="000000"/>
+                              </a:solidFill>
+                              <a:latin typeface="Cambria Math"/>
+                              <a:sym typeface="Cambria Math"/>
+                            </a:rPr>
+                            <m:t>𝑠</m:t>
+                          </m:r>
+                        </m:e>
+                        <m:sub>
+                          <m:r>
+                            <a:rPr sz="2000" i="1">
+                              <a:solidFill>
+                                <a:srgbClr val="000000"/>
+                              </a:solidFill>
+                              <a:latin typeface="Cambria Math"/>
+                              <a:sym typeface="Cambria Math"/>
+                            </a:rPr>
+                            <m:t>𝑖</m:t>
+                          </m:r>
+                          <m:r>
+                            <a:rPr sz="2000" i="1">
+                              <a:solidFill>
+                                <a:srgbClr val="000000"/>
+                              </a:solidFill>
+                              <a:latin typeface="Cambria Math"/>
+                              <a:sym typeface="Cambria Math"/>
+                            </a:rPr>
+                            <m:t xml:space="preserve"> </m:t>
+                          </m:r>
+                          <m:r>
+                            <a:rPr sz="2000" i="1">
+                              <a:solidFill>
+                                <a:srgbClr val="000000"/>
+                              </a:solidFill>
+                              <a:latin typeface="Cambria Math"/>
+                              <a:sym typeface="Cambria Math"/>
+                            </a:rPr>
+                            <m:t>𝑗</m:t>
+                          </m:r>
+                        </m:sub>
+                      </m:sSub>
+                      <m:r>
+                        <a:rPr sz="2000" i="1">
+                          <a:solidFill>
+                            <a:srgbClr val="000000"/>
+                          </a:solidFill>
+                          <a:latin typeface="Cambria Math"/>
+                          <a:sym typeface="Cambria Math"/>
+                        </a:rPr>
+                        <m:t xml:space="preserve"> : </m:t>
+                      </m:r>
+                      <m:r>
+                        <a:rPr sz="2000" i="1">
+                          <a:solidFill>
+                            <a:srgbClr val="000000"/>
+                          </a:solidFill>
+                          <a:latin typeface="Cambria Math"/>
+                          <a:sym typeface="Cambria Math"/>
+                        </a:rPr>
+                        <m:t>𝑖</m:t>
+                      </m:r>
+                      <m:r>
+                        <a:rPr sz="2000" i="1">
+                          <a:solidFill>
+                            <a:srgbClr val="000000"/>
+                          </a:solidFill>
+                          <a:latin typeface="Cambria Math"/>
+                          <a:sym typeface="Cambria Math"/>
+                        </a:rPr>
+                        <m:t xml:space="preserve">번째 차량에서 </m:t>
+                      </m:r>
+                      <m:r>
+                        <a:rPr sz="2000" i="1">
+                          <a:solidFill>
+                            <a:srgbClr val="000000"/>
+                          </a:solidFill>
+                          <a:latin typeface="Cambria Math"/>
+                          <a:sym typeface="Cambria Math"/>
+                        </a:rPr>
+                        <m:t>𝑗</m:t>
+                      </m:r>
+                      <m:r>
+                        <a:rPr sz="2000" i="1">
+                          <a:solidFill>
+                            <a:srgbClr val="000000"/>
+                          </a:solidFill>
+                          <a:latin typeface="Cambria Math"/>
+                          <a:sym typeface="Cambria Math"/>
+                        </a:rPr>
+                        <m:t xml:space="preserve">번째 차량으로 전송할때  </m:t>
+                      </m:r>
+                      <m:r>
+                        <a:rPr sz="2000" i="1">
+                          <a:solidFill>
+                            <a:srgbClr val="000000"/>
+                          </a:solidFill>
+                          <a:latin typeface="Cambria Math"/>
+                          <a:sym typeface="Cambria Math"/>
+                        </a:rPr>
+                        <m:t>𝑆</m:t>
+                      </m:r>
+                      <m:r>
+                        <a:rPr sz="2000" i="1">
+                          <a:solidFill>
+                            <a:srgbClr val="000000"/>
+                          </a:solidFill>
+                          <a:latin typeface="Cambria Math"/>
+                          <a:sym typeface="Cambria Math"/>
+                        </a:rPr>
+                        <m:t>ℎ</m:t>
+                      </m:r>
+                      <m:r>
+                        <a:rPr sz="2000" i="1">
+                          <a:solidFill>
+                            <a:srgbClr val="000000"/>
+                          </a:solidFill>
+                          <a:latin typeface="Cambria Math"/>
+                          <a:sym typeface="Cambria Math"/>
+                        </a:rPr>
+                        <m:t>𝑎</m:t>
+                      </m:r>
+                      <m:r>
+                        <a:rPr sz="2000" i="1">
+                          <a:solidFill>
+                            <a:srgbClr val="000000"/>
+                          </a:solidFill>
+                          <a:latin typeface="Cambria Math"/>
+                          <a:sym typeface="Cambria Math"/>
+                        </a:rPr>
+                        <m:t>𝑑</m:t>
+                      </m:r>
+                      <m:r>
+                        <a:rPr sz="2000" i="1">
+                          <a:solidFill>
+                            <a:srgbClr val="000000"/>
+                          </a:solidFill>
+                          <a:latin typeface="Cambria Math"/>
+                          <a:sym typeface="Cambria Math"/>
+                        </a:rPr>
+                        <m:t>𝑜</m:t>
+                      </m:r>
+                      <m:r>
+                        <a:rPr sz="2000" i="1">
+                          <a:solidFill>
+                            <a:srgbClr val="000000"/>
+                          </a:solidFill>
+                          <a:latin typeface="Cambria Math"/>
+                          <a:sym typeface="Cambria Math"/>
+                        </a:rPr>
+                        <m:t>𝑤</m:t>
+                      </m:r>
+                      <m:r>
+                        <a:rPr sz="2000" i="1">
+                          <a:solidFill>
+                            <a:srgbClr val="000000"/>
+                          </a:solidFill>
+                          <a:latin typeface="Cambria Math"/>
+                          <a:sym typeface="Cambria Math"/>
+                        </a:rPr>
+                        <m:t xml:space="preserve"> </m:t>
+                      </m:r>
+                      <m:r>
+                        <a:rPr sz="2000" i="1">
+                          <a:solidFill>
+                            <a:srgbClr val="000000"/>
+                          </a:solidFill>
+                          <a:latin typeface="Cambria Math"/>
+                          <a:sym typeface="Cambria Math"/>
+                        </a:rPr>
+                        <m:t>𝑓</m:t>
+                      </m:r>
+                      <m:r>
+                        <a:rPr sz="2000" i="1">
+                          <a:solidFill>
+                            <a:srgbClr val="000000"/>
+                          </a:solidFill>
+                          <a:latin typeface="Cambria Math"/>
+                          <a:sym typeface="Cambria Math"/>
+                        </a:rPr>
+                        <m:t>𝑎</m:t>
+                      </m:r>
+                      <m:r>
+                        <a:rPr sz="2000" i="1">
+                          <a:solidFill>
+                            <a:srgbClr val="000000"/>
+                          </a:solidFill>
+                          <a:latin typeface="Cambria Math"/>
+                          <a:sym typeface="Cambria Math"/>
+                        </a:rPr>
+                        <m:t>𝑑</m:t>
+                      </m:r>
+                      <m:r>
+                        <a:rPr sz="2000" i="1">
+                          <a:solidFill>
+                            <a:srgbClr val="000000"/>
+                          </a:solidFill>
+                          <a:latin typeface="Cambria Math"/>
+                          <a:sym typeface="Cambria Math"/>
+                        </a:rPr>
+                        <m:t>𝑖</m:t>
+                      </m:r>
+                      <m:r>
+                        <a:rPr sz="2000" i="1">
+                          <a:solidFill>
+                            <a:srgbClr val="000000"/>
+                          </a:solidFill>
+                          <a:latin typeface="Cambria Math"/>
+                          <a:sym typeface="Cambria Math"/>
+                        </a:rPr>
+                        <m:t>𝑛</m:t>
+                      </m:r>
+                      <m:r>
+                        <a:rPr sz="2000" i="1">
+                          <a:solidFill>
+                            <a:srgbClr val="000000"/>
+                          </a:solidFill>
+                          <a:latin typeface="Cambria Math"/>
+                          <a:sym typeface="Cambria Math"/>
+                        </a:rPr>
+                        <m:t>𝑔</m:t>
+                      </m:r>
+                    </m:oMath>
+                  </m:oMathPara>
+                </a14:m>
+              </a:p>
+              <a:p>
+                <a:pPr algn="l"/>
+                <a14:m xmlns:m="http://schemas.openxmlformats.org/officeDocument/2006/math" xmlns:mc="http://schemas.openxmlformats.org/markup-compatibility/2006" xmlns:ho="http://schemas.haansoft.com/office/8.0" mc:Ignorable="ho" ho:hncCreate="1">
+                  <m:oMathPara>
+                    <m:oMathParaPr>
+                      <m:jc m:val="left"/>
+                    </m:oMathParaPr>
+                    <m:oMath xmlns:m="http://schemas.openxmlformats.org/officeDocument/2006/math">
+                      <m:sSub>
+                        <m:sSubPr>
+                          <m:ctrlPr>
+                            <a:rPr sz="2000" i="1">
+                              <a:solidFill>
+                                <a:srgbClr val="000000"/>
+                              </a:solidFill>
+                              <a:latin typeface="Cambria Math"/>
+                              <a:sym typeface="Cambria Math"/>
+                            </a:rPr>
+                          </m:ctrlPr>
+                        </m:sSubPr>
+                        <m:e>
+                          <m:r>
+                            <a:rPr sz="2000" i="1">
+                              <a:solidFill>
+                                <a:srgbClr val="000000"/>
+                              </a:solidFill>
+                              <a:latin typeface="Cambria Math"/>
+                              <a:sym typeface="Cambria Math"/>
+                            </a:rPr>
+                            <m:t xml:space="preserve"> </m:t>
+                          </m:r>
+                          <m:r>
+                            <a:rPr sz="2000" i="1">
+                              <a:solidFill>
+                                <a:srgbClr val="000000"/>
+                              </a:solidFill>
+                              <a:latin typeface="Cambria Math"/>
+                              <a:sym typeface="Cambria Math"/>
+                            </a:rPr>
+                            <m:t>𝑠</m:t>
+                          </m:r>
+                        </m:e>
+                        <m:sub>
+                          <m:r>
+                            <a:rPr sz="2000" i="1">
+                              <a:solidFill>
+                                <a:srgbClr val="000000"/>
+                              </a:solidFill>
+                              <a:latin typeface="Cambria Math"/>
+                              <a:sym typeface="Cambria Math"/>
+                            </a:rPr>
+                            <m:t>𝑖</m:t>
+                          </m:r>
+                          <m:r>
+                            <a:rPr sz="2000" i="1">
+                              <a:solidFill>
+                                <a:srgbClr val="000000"/>
+                              </a:solidFill>
+                              <a:latin typeface="Cambria Math"/>
+                              <a:sym typeface="Cambria Math"/>
+                            </a:rPr>
+                            <m:t xml:space="preserve"> </m:t>
+                          </m:r>
+                          <m:r>
+                            <a:rPr sz="2000" i="1">
+                              <a:solidFill>
+                                <a:srgbClr val="000000"/>
+                              </a:solidFill>
+                              <a:latin typeface="Cambria Math"/>
+                              <a:sym typeface="Cambria Math"/>
+                            </a:rPr>
+                            <m:t>𝑗</m:t>
+                          </m:r>
+                        </m:sub>
+                      </m:sSub>
+                      <m:r>
+                        <a:rPr sz="2000" i="1">
+                          <a:solidFill>
+                            <a:srgbClr val="000000"/>
+                          </a:solidFill>
+                          <a:latin typeface="Cambria Math"/>
+                          <a:sym typeface="Cambria Math"/>
+                        </a:rPr>
+                        <m:t xml:space="preserve"> ~ </m:t>
+                      </m:r>
+                      <m:r>
+                        <a:rPr sz="2000" i="1">
+                          <a:solidFill>
+                            <a:srgbClr val="000000"/>
+                          </a:solidFill>
+                          <a:latin typeface="Cambria Math"/>
+                          <a:sym typeface="Cambria Math"/>
+                        </a:rPr>
+                        <m:t>𝑙</m:t>
+                      </m:r>
+                      <m:r>
+                        <a:rPr sz="2000" i="1">
+                          <a:solidFill>
+                            <a:srgbClr val="000000"/>
+                          </a:solidFill>
+                          <a:latin typeface="Cambria Math"/>
+                          <a:sym typeface="Cambria Math"/>
+                        </a:rPr>
+                        <m:t>𝑛</m:t>
+                      </m:r>
+                      <m:r>
+                        <a:rPr sz="2000" i="1">
+                          <a:solidFill>
+                            <a:srgbClr val="000000"/>
+                          </a:solidFill>
+                          <a:latin typeface="Cambria Math"/>
+                          <a:sym typeface="Cambria Math"/>
+                        </a:rPr>
+                        <m:t>𝒩</m:t>
+                      </m:r>
+                      <m:r>
+                        <a:rPr sz="2000" i="1">
+                          <a:solidFill>
+                            <a:srgbClr val="000000"/>
+                          </a:solidFill>
+                          <a:latin typeface="Cambria Math"/>
+                          <a:sym typeface="Cambria Math"/>
+                        </a:rPr>
+                        <m:t>(0,</m:t>
+                      </m:r>
+                      <m:sSup>
+                        <m:sSupPr>
+                          <m:ctrlPr>
+                            <a:rPr sz="2000" i="1">
+                              <a:solidFill>
+                                <a:srgbClr val="000000"/>
+                              </a:solidFill>
+                              <a:latin typeface="Cambria Math"/>
+                              <a:sym typeface="Cambria Math"/>
+                            </a:rPr>
+                          </m:ctrlPr>
+                        </m:sSupPr>
+                        <m:e>
+                          <m:r>
+                            <a:rPr sz="2000" i="1">
+                              <a:solidFill>
+                                <a:srgbClr val="000000"/>
+                              </a:solidFill>
+                              <a:latin typeface="Cambria Math"/>
+                              <a:sym typeface="Cambria Math"/>
+                            </a:rPr>
+                            <m:t>𝜎</m:t>
+                          </m:r>
+                        </m:e>
+                        <m:sup>
+                          <m:r>
+                            <a:rPr sz="2000" i="1">
+                              <a:solidFill>
+                                <a:srgbClr val="000000"/>
+                              </a:solidFill>
+                              <a:latin typeface="Cambria Math"/>
+                              <a:sym typeface="Cambria Math"/>
+                            </a:rPr>
+                            <m:t>2</m:t>
+                          </m:r>
+                        </m:sup>
+                      </m:sSup>
+                      <m:r>
+                        <a:rPr sz="2000" i="1">
+                          <a:solidFill>
+                            <a:srgbClr val="000000"/>
+                          </a:solidFill>
+                          <a:latin typeface="Cambria Math"/>
+                          <a:sym typeface="Cambria Math"/>
+                        </a:rPr>
+                        <m:t xml:space="preserve">), </m:t>
+                      </m:r>
+                      <m:r>
+                        <a:rPr sz="2000" i="1">
+                          <a:solidFill>
+                            <a:srgbClr val="000000"/>
+                          </a:solidFill>
+                          <a:latin typeface="Cambria Math"/>
+                          <a:sym typeface="Cambria Math"/>
+                        </a:rPr>
+                        <m:t xml:space="preserve">   </m:t>
+                      </m:r>
+                      <m:r>
+                        <a:rPr sz="2000" i="1">
+                          <a:solidFill>
+                            <a:srgbClr val="000000"/>
+                          </a:solidFill>
+                          <a:latin typeface="Cambria Math"/>
+                          <a:sym typeface="Cambria Math"/>
+                        </a:rPr>
+                        <m:t>𝜎</m:t>
+                      </m:r>
+                      <m:r>
+                        <a:rPr sz="2000" i="1">
+                          <a:solidFill>
+                            <a:srgbClr val="000000"/>
+                          </a:solidFill>
+                          <a:latin typeface="Cambria Math"/>
+                          <a:sym typeface="Cambria Math"/>
+                        </a:rPr>
+                        <m:t xml:space="preserve"> = 3</m:t>
+                      </m:r>
+                      <m:r>
+                        <a:rPr sz="2000" i="1">
+                          <a:solidFill>
+                            <a:srgbClr val="000000"/>
+                          </a:solidFill>
+                          <a:latin typeface="Cambria Math"/>
+                          <a:sym typeface="Cambria Math"/>
+                        </a:rPr>
+                        <m:t>𝑑</m:t>
+                      </m:r>
+                      <m:r>
+                        <a:rPr sz="2000" i="1">
+                          <a:solidFill>
+                            <a:srgbClr val="000000"/>
+                          </a:solidFill>
+                          <a:latin typeface="Cambria Math"/>
+                          <a:sym typeface="Cambria Math"/>
+                        </a:rPr>
+                        <m:t>𝐵</m:t>
+                      </m:r>
+                      <m:r>
+                        <a:rPr sz="2000" i="1">
+                          <a:solidFill>
+                            <a:srgbClr val="000000"/>
+                          </a:solidFill>
+                          <a:latin typeface="Cambria Math"/>
+                          <a:sym typeface="Cambria Math"/>
+                        </a:rPr>
+                        <m:t xml:space="preserve"> </m:t>
+                      </m:r>
+                      <m:r>
+                        <a:rPr sz="2000" i="1">
+                          <a:solidFill>
+                            <a:srgbClr val="000000"/>
+                          </a:solidFill>
+                          <a:latin typeface="Cambria Math"/>
+                          <a:sym typeface="Cambria Math"/>
+                        </a:rPr>
+                        <m:t>𝑓</m:t>
+                      </m:r>
+                      <m:r>
+                        <a:rPr sz="2000" i="1">
+                          <a:solidFill>
+                            <a:srgbClr val="000000"/>
+                          </a:solidFill>
+                          <a:latin typeface="Cambria Math"/>
+                          <a:sym typeface="Cambria Math"/>
+                        </a:rPr>
+                        <m:t>𝑜</m:t>
+                      </m:r>
+                      <m:r>
+                        <a:rPr sz="2000" i="1">
+                          <a:solidFill>
+                            <a:srgbClr val="000000"/>
+                          </a:solidFill>
+                          <a:latin typeface="Cambria Math"/>
+                          <a:sym typeface="Cambria Math"/>
+                        </a:rPr>
+                        <m:t>𝑟</m:t>
+                      </m:r>
+                      <m:r>
+                        <a:rPr sz="2000" i="1">
+                          <a:solidFill>
+                            <a:srgbClr val="000000"/>
+                          </a:solidFill>
+                          <a:latin typeface="Cambria Math"/>
+                          <a:sym typeface="Cambria Math"/>
+                        </a:rPr>
+                        <m:t xml:space="preserve"> </m:t>
+                      </m:r>
+                      <m:r>
+                        <a:rPr sz="2000" i="1">
+                          <a:solidFill>
+                            <a:srgbClr val="000000"/>
+                          </a:solidFill>
+                          <a:latin typeface="Cambria Math"/>
+                          <a:sym typeface="Cambria Math"/>
+                        </a:rPr>
+                        <m:t>𝐿</m:t>
+                      </m:r>
+                      <m:r>
+                        <a:rPr sz="2000" i="1">
+                          <a:solidFill>
+                            <a:srgbClr val="000000"/>
+                          </a:solidFill>
+                          <a:latin typeface="Cambria Math"/>
+                          <a:sym typeface="Cambria Math"/>
+                        </a:rPr>
+                        <m:t>𝑂</m:t>
+                      </m:r>
+                      <m:r>
+                        <a:rPr sz="2000" i="1">
+                          <a:solidFill>
+                            <a:srgbClr val="000000"/>
+                          </a:solidFill>
+                          <a:latin typeface="Cambria Math"/>
+                          <a:sym typeface="Cambria Math"/>
+                        </a:rPr>
+                        <m:t>𝑆</m:t>
+                      </m:r>
+                      <m:r>
+                        <a:rPr sz="2000" i="1">
+                          <a:solidFill>
+                            <a:srgbClr val="000000"/>
+                          </a:solidFill>
+                          <a:latin typeface="Cambria Math"/>
+                          <a:sym typeface="Cambria Math"/>
+                        </a:rPr>
+                        <m:t xml:space="preserve">  </m:t>
+                      </m:r>
+                      <m:r>
+                        <a:rPr sz="2000" i="1">
+                          <a:solidFill>
+                            <a:srgbClr val="000000"/>
+                          </a:solidFill>
+                          <a:latin typeface="Cambria Math"/>
+                          <a:sym typeface="Cambria Math"/>
+                        </a:rPr>
+                        <m:t>𝑜</m:t>
+                      </m:r>
+                      <m:r>
+                        <a:rPr sz="2000" i="1">
+                          <a:solidFill>
+                            <a:srgbClr val="000000"/>
+                          </a:solidFill>
+                          <a:latin typeface="Cambria Math"/>
+                          <a:sym typeface="Cambria Math"/>
+                        </a:rPr>
+                        <m:t>𝑟</m:t>
+                      </m:r>
+                      <m:r>
+                        <a:rPr sz="2000" i="1">
+                          <a:solidFill>
+                            <a:srgbClr val="000000"/>
+                          </a:solidFill>
+                          <a:latin typeface="Cambria Math"/>
+                          <a:sym typeface="Cambria Math"/>
+                        </a:rPr>
+                        <m:t xml:space="preserve">  </m:t>
+                      </m:r>
+                      <m:r>
+                        <a:rPr sz="2000" i="1">
+                          <a:solidFill>
+                            <a:srgbClr val="000000"/>
+                          </a:solidFill>
+                          <a:latin typeface="Cambria Math"/>
+                          <a:sym typeface="Cambria Math"/>
+                        </a:rPr>
+                        <m:t>𝜎</m:t>
+                      </m:r>
+                      <m:r>
+                        <a:rPr sz="2000" i="1">
+                          <a:solidFill>
+                            <a:srgbClr val="000000"/>
+                          </a:solidFill>
+                          <a:latin typeface="Cambria Math"/>
+                          <a:sym typeface="Cambria Math"/>
+                        </a:rPr>
+                        <m:t xml:space="preserve"> = </m:t>
+                      </m:r>
+                      <m:r>
+                        <a:rPr sz="2000" i="1">
+                          <a:solidFill>
+                            <a:srgbClr val="000000"/>
+                          </a:solidFill>
+                          <a:latin typeface="Cambria Math"/>
+                          <a:sym typeface="Cambria Math"/>
+                        </a:rPr>
+                        <m:t>4</m:t>
+                      </m:r>
+                      <m:r>
+                        <a:rPr sz="2000" i="1">
+                          <a:solidFill>
+                            <a:srgbClr val="000000"/>
+                          </a:solidFill>
+                          <a:latin typeface="Cambria Math"/>
+                          <a:sym typeface="Cambria Math"/>
+                        </a:rPr>
+                        <m:t>𝑑</m:t>
+                      </m:r>
+                      <m:r>
+                        <a:rPr sz="2000" i="1">
+                          <a:solidFill>
+                            <a:srgbClr val="000000"/>
+                          </a:solidFill>
+                          <a:latin typeface="Cambria Math"/>
+                          <a:sym typeface="Cambria Math"/>
+                        </a:rPr>
+                        <m:t>𝐵</m:t>
+                      </m:r>
+                      <m:r>
+                        <a:rPr sz="2000" i="1">
+                          <a:solidFill>
+                            <a:srgbClr val="000000"/>
+                          </a:solidFill>
+                          <a:latin typeface="Cambria Math"/>
+                          <a:sym typeface="Cambria Math"/>
+                        </a:rPr>
+                        <m:t xml:space="preserve"> </m:t>
+                      </m:r>
+                      <m:r>
+                        <a:rPr sz="2000" i="1">
+                          <a:solidFill>
+                            <a:srgbClr val="000000"/>
+                          </a:solidFill>
+                          <a:latin typeface="Cambria Math"/>
+                          <a:sym typeface="Cambria Math"/>
+                        </a:rPr>
+                        <m:t>𝑓</m:t>
+                      </m:r>
+                      <m:r>
+                        <a:rPr sz="2000" i="1">
+                          <a:solidFill>
+                            <a:srgbClr val="000000"/>
+                          </a:solidFill>
+                          <a:latin typeface="Cambria Math"/>
+                          <a:sym typeface="Cambria Math"/>
+                        </a:rPr>
+                        <m:t>𝑜</m:t>
+                      </m:r>
+                      <m:r>
+                        <a:rPr sz="2000" i="1">
+                          <a:solidFill>
+                            <a:srgbClr val="000000"/>
+                          </a:solidFill>
+                          <a:latin typeface="Cambria Math"/>
+                          <a:sym typeface="Cambria Math"/>
+                        </a:rPr>
+                        <m:t>𝑟</m:t>
+                      </m:r>
+                      <m:r>
+                        <a:rPr sz="2000" i="1">
+                          <a:solidFill>
+                            <a:srgbClr val="000000"/>
+                          </a:solidFill>
+                          <a:latin typeface="Cambria Math"/>
+                          <a:sym typeface="Cambria Math"/>
+                        </a:rPr>
+                        <m:t xml:space="preserve"> </m:t>
+                      </m:r>
+                      <m:r>
+                        <a:rPr sz="2000" i="1">
+                          <a:solidFill>
+                            <a:srgbClr val="000000"/>
+                          </a:solidFill>
+                          <a:latin typeface="Cambria Math"/>
+                          <a:sym typeface="Cambria Math"/>
+                        </a:rPr>
+                        <m:t>𝐿</m:t>
+                      </m:r>
+                      <m:r>
+                        <a:rPr sz="2000" i="1">
+                          <a:solidFill>
+                            <a:srgbClr val="000000"/>
+                          </a:solidFill>
+                          <a:latin typeface="Cambria Math"/>
+                          <a:sym typeface="Cambria Math"/>
+                        </a:rPr>
+                        <m:t>𝑂</m:t>
+                      </m:r>
+                      <m:r>
+                        <a:rPr sz="2000" i="1">
+                          <a:solidFill>
+                            <a:srgbClr val="000000"/>
+                          </a:solidFill>
+                          <a:latin typeface="Cambria Math"/>
+                          <a:sym typeface="Cambria Math"/>
+                        </a:rPr>
+                        <m:t>𝑆</m:t>
+                      </m:r>
+                    </m:oMath>
+                  </m:oMathPara>
+                </a14:m>
+              </a:p>
+            </p:txBody>
+          </p:sp>
+        </mc:Choice>
+        <mc:Fallback>
+          <p:sp>
+            <p:nvSpPr>
+              <p:cNvPr id="304" name=""/>
+              <p:cNvSpPr txBox="1"/>
+              <p:nvPr/>
+            </p:nvSpPr>
+            <p:spPr>
+              <a:xfrm>
+                <a:off x="881062" y="2756892"/>
+                <a:ext cx="7496174" cy="2400300"/>
+              </a:xfrm>
+              <a:prstGeom prst="rect">
+                <a:avLst/>
+              </a:prstGeom>
+              <a:blipFill rotWithShape="1">
+                <a:blip r:embed="rId3"/>
+                <a:stretch>
+                  <a:fillRect/>
+                </a:stretch>
+              </a:blipFill>
+            </p:spPr>
+          </p:sp>
+        </mc:Fallback>
+      </mc:AlternateContent>
+    </p:spTree>
+  </p:cSld>
+  <p:clrMapOvr>
+    <a:masterClrMapping/>
+  </p:clrMapOvr>
+  <mc:AlternateContent xmlns:mc="http://schemas.openxmlformats.org/markup-compatibility/2006">
+    <mc:Choice xmlns:p14="http://schemas.microsoft.com/office/powerpoint/2010/main" Requires="p14">
+      <p:transition xmlns:mc="http://schemas.openxmlformats.org/markup-compatibility/2006" xmlns:p14="http://schemas.microsoft.com/office/powerpoint/2010/main" mc:Ignorable="p14" p14:dur="500"/>
+    </mc:Choice>
+    <mc:Fallback>
+      <p:transition/>
+    </mc:Fallback>
+  </mc:AlternateContent>
+</p:sld>
+</file>
+
+<file path=ppt/slides/slide13.xml><?xml version="1.0" encoding="utf-8"?>
+<p:sld xmlns:r="http://schemas.openxmlformats.org/officeDocument/2006/relationships" xmlns:c="http://schemas.openxmlformats.org/drawingml/2006/chart" xmlns:a="http://schemas.openxmlformats.org/drawingml/2006/main" xmlns:dgm="http://schemas.openxmlformats.org/drawingml/2006/diagram" xmlns:dsp="http://schemas.microsoft.com/office/drawing/2008/diagram" xmlns:p="http://schemas.openxmlformats.org/presentationml/2006/main">
+  <p:cSld>
+    <p:spTree>
+      <p:nvGrpSpPr>
+        <p:cNvPr id="1" name=""/>
+        <p:cNvGrpSpPr/>
+        <p:nvPr/>
+      </p:nvGrpSpPr>
+      <p:grpSpPr>
+        <a:xfrm>
+          <a:off x="0" y="0"/>
+          <a:ext cx="0" cy="0"/>
+          <a:chOff x="0" y="0"/>
+          <a:chExt cx="0" cy="0"/>
+        </a:xfrm>
+      </p:grpSpPr>
+      <p:sp>
+        <p:nvSpPr>
+          <p:cNvPr id="2" name="제목 1"/>
+          <p:cNvSpPr>
+            <a:spLocks noGrp="1"/>
+          </p:cNvSpPr>
+          <p:nvPr>
+            <p:ph type="title" idx="0"/>
+          </p:nvPr>
+        </p:nvSpPr>
+        <p:spPr/>
+        <p:txBody>
+          <a:bodyPr/>
+          <a:lstStyle/>
+          <a:p>
+            <a:pPr marL="0" marR="0" indent="0" defTabSz="914400" rtl="0" eaLnBrk="1" latinLnBrk="0" hangingPunct="1">
+              <a:lnSpc>
+                <a:spcPct val="100000"/>
+              </a:lnSpc>
+              <a:spcBef>
+                <a:spcPct val="0"/>
+              </a:spcBef>
+              <a:spcAft>
+                <a:spcPct val="0"/>
+              </a:spcAft>
+              <a:buClrTx/>
+              <a:buFontTx/>
+              <a:buNone/>
+              <a:defRPr/>
+            </a:pPr>
+            <a:r>
+              <a:rPr lang="en-US" altLang="ko-KR" sz="2700">
+                <a:solidFill>
+                  <a:schemeClr val="tx2"/>
+                </a:solidFill>
+                <a:latin typeface="+mj-lt"/>
+                <a:ea typeface="맑은 고딕"/>
+              </a:rPr>
+              <a:t>Initialize V2V(Vehicle to Vehicle) link  </a:t>
+            </a:r>
+            <a:endParaRPr lang="en-US" altLang="ko-KR" sz="2700">
+              <a:solidFill>
+                <a:schemeClr val="tx2"/>
+              </a:solidFill>
+              <a:latin typeface="+mj-lt"/>
+              <a:ea typeface="맑은 고딕"/>
+            </a:endParaRPr>
+          </a:p>
+        </p:txBody>
+      </p:sp>
+      <p:sp>
+        <p:nvSpPr>
+          <p:cNvPr id="303" name=""/>
+          <p:cNvSpPr txBox="1"/>
+          <p:nvPr/>
+        </p:nvSpPr>
+        <p:spPr>
+          <a:xfrm>
+            <a:off x="161510" y="872716"/>
+            <a:ext cx="8820980" cy="5249954"/>
+          </a:xfrm>
+          <a:prstGeom prst="rect">
+            <a:avLst/>
+          </a:prstGeom>
+          <a:noFill/>
+          <a:ln w="9525">
+            <a:noFill/>
+            <a:miter/>
+          </a:ln>
+        </p:spPr>
+        <p:txBody>
+          <a:bodyPr vert="horz" wrap="square" lIns="91440" tIns="45720" rIns="91440" bIns="45720" anchor="t" anchorCtr="0">
+            <a:prstTxWarp prst="textNoShape">
+              <a:avLst/>
+            </a:prstTxWarp>
+            <a:spAutoFit/>
+          </a:bodyPr>
+          <a:p>
+            <a:pPr marL="0" indent="0" eaLnBrk="0" hangingPunct="0">
+              <a:spcBef>
+                <a:spcPct val="20000"/>
+              </a:spcBef>
+              <a:buSzPct val="120000"/>
+              <a:buFont typeface="Wingdings"/>
+              <a:buNone/>
+              <a:defRPr/>
+            </a:pPr>
+            <a:r>
+              <a:rPr lang="en-US" altLang="ko-KR" sz="2200">
+                <a:solidFill>
+                  <a:srgbClr val="000000"/>
+                </a:solidFill>
+                <a:latin typeface="+mn-lt"/>
+                <a:ea typeface="맑은 고딕"/>
+              </a:rPr>
+              <a:t>Large scale fading(N :</a:t>
+            </a:r>
+            <a:r>
+              <a:rPr lang="ko-KR" altLang="en-US" sz="2200">
+                <a:solidFill>
+                  <a:srgbClr val="000000"/>
+                </a:solidFill>
+                <a:latin typeface="+mn-lt"/>
+                <a:ea typeface="맑은 고딕"/>
+              </a:rPr>
+              <a:t>차량의 수 </a:t>
+            </a:r>
+            <a:r>
+              <a:rPr lang="en-US" altLang="ko-KR" sz="2200">
+                <a:solidFill>
+                  <a:srgbClr val="000000"/>
+                </a:solidFill>
+                <a:latin typeface="+mn-lt"/>
+                <a:ea typeface="맑은 고딕"/>
+              </a:rPr>
+              <a:t>)</a:t>
+            </a:r>
+            <a:endParaRPr lang="en-US" altLang="ko-KR" sz="2200">
+              <a:solidFill>
+                <a:srgbClr val="000000"/>
+              </a:solidFill>
+              <a:latin typeface="+mn-lt"/>
+              <a:ea typeface="맑은 고딕"/>
+            </a:endParaRPr>
+          </a:p>
+          <a:p>
+            <a:pPr marL="0" indent="0" eaLnBrk="0" hangingPunct="0">
+              <a:spcBef>
+                <a:spcPct val="20000"/>
+              </a:spcBef>
+              <a:buSzPct val="120000"/>
+              <a:buFont typeface="Wingdings"/>
+              <a:buNone/>
+              <a:defRPr/>
+            </a:pPr>
+            <a:r>
+              <a:rPr lang="en-US" altLang="ko-KR" sz="2200">
+                <a:solidFill>
+                  <a:srgbClr val="000000"/>
+                </a:solidFill>
+                <a:latin typeface="+mn-lt"/>
+                <a:ea typeface="맑은 고딕"/>
+              </a:rPr>
+              <a:t>    - Path loss model (NxN matrix)</a:t>
+            </a:r>
+            <a:endParaRPr lang="en-US" altLang="ko-KR" sz="2200">
+              <a:solidFill>
+                <a:srgbClr val="000000"/>
+              </a:solidFill>
+              <a:latin typeface="+mn-lt"/>
+              <a:ea typeface="맑은 고딕"/>
+            </a:endParaRPr>
+          </a:p>
+          <a:p>
+            <a:pPr marL="0" indent="0" eaLnBrk="0" hangingPunct="0">
+              <a:spcBef>
+                <a:spcPct val="20000"/>
+              </a:spcBef>
+              <a:buSzPct val="120000"/>
+              <a:buFont typeface="Wingdings"/>
+              <a:buNone/>
+              <a:defRPr/>
+            </a:pPr>
+            <a:r>
+              <a:rPr lang="en-US" altLang="ko-KR" sz="2200">
+                <a:solidFill>
+                  <a:srgbClr val="000000"/>
+                </a:solidFill>
+                <a:latin typeface="+mn-lt"/>
+                <a:ea typeface="맑은 고딕"/>
+              </a:rPr>
+              <a:t>　　</a:t>
+            </a:r>
+            <a:endParaRPr lang="en-US" altLang="ko-KR" sz="2200">
+              <a:solidFill>
+                <a:srgbClr val="000000"/>
+              </a:solidFill>
+              <a:latin typeface="+mn-lt"/>
+              <a:ea typeface="맑은 고딕"/>
+            </a:endParaRPr>
+          </a:p>
+          <a:p>
+            <a:pPr marL="0" indent="0" eaLnBrk="0" hangingPunct="0">
+              <a:spcBef>
+                <a:spcPct val="20000"/>
+              </a:spcBef>
+              <a:buSzPct val="120000"/>
+              <a:buFont typeface="Wingdings"/>
+              <a:buNone/>
+              <a:defRPr/>
+            </a:pPr>
+            <a:endParaRPr lang="en-US" altLang="ko-KR" sz="2200">
+              <a:solidFill>
+                <a:srgbClr val="000000"/>
+              </a:solidFill>
+              <a:latin typeface="+mn-lt"/>
+              <a:ea typeface="맑은 고딕"/>
+            </a:endParaRPr>
+          </a:p>
+          <a:p>
+            <a:pPr marL="0" indent="0" eaLnBrk="0" hangingPunct="0">
+              <a:spcBef>
+                <a:spcPct val="20000"/>
+              </a:spcBef>
+              <a:buSzPct val="120000"/>
+              <a:buFont typeface="Wingdings"/>
+              <a:buNone/>
+              <a:defRPr/>
+            </a:pPr>
+            <a:endParaRPr lang="en-US" altLang="ko-KR" sz="2200">
+              <a:solidFill>
+                <a:srgbClr val="000000"/>
+              </a:solidFill>
+              <a:latin typeface="+mn-lt"/>
+              <a:ea typeface="맑은 고딕"/>
+            </a:endParaRPr>
+          </a:p>
+          <a:p>
+            <a:pPr marL="0" indent="0" eaLnBrk="0" hangingPunct="0">
+              <a:spcBef>
+                <a:spcPct val="20000"/>
+              </a:spcBef>
+              <a:buSzPct val="120000"/>
+              <a:buFont typeface="Wingdings"/>
+              <a:buNone/>
+              <a:defRPr/>
+            </a:pPr>
+            <a:endParaRPr lang="en-US" altLang="ko-KR" sz="2200">
+              <a:solidFill>
+                <a:srgbClr val="000000"/>
+              </a:solidFill>
+              <a:latin typeface="+mn-lt"/>
+              <a:ea typeface="맑은 고딕"/>
+            </a:endParaRPr>
+          </a:p>
+          <a:p>
+            <a:pPr marL="0" indent="0" eaLnBrk="0" hangingPunct="0">
+              <a:spcBef>
+                <a:spcPct val="20000"/>
+              </a:spcBef>
+              <a:buSzPct val="120000"/>
+              <a:buFont typeface="Wingdings"/>
+              <a:buNone/>
+              <a:defRPr/>
+            </a:pPr>
+            <a:endParaRPr lang="en-US" altLang="ko-KR" sz="2200">
+              <a:solidFill>
+                <a:srgbClr val="000000"/>
+              </a:solidFill>
+              <a:latin typeface="+mn-lt"/>
+              <a:ea typeface="맑은 고딕"/>
+            </a:endParaRPr>
+          </a:p>
+          <a:p>
+            <a:pPr marL="0" indent="0" eaLnBrk="0" hangingPunct="0">
+              <a:spcBef>
+                <a:spcPct val="20000"/>
+              </a:spcBef>
+              <a:buSzPct val="120000"/>
+              <a:buFont typeface="Wingdings"/>
+              <a:buNone/>
+              <a:defRPr/>
+            </a:pPr>
+            <a:r>
+              <a:rPr lang="en-US" altLang="ko-KR" sz="2200">
+                <a:solidFill>
+                  <a:srgbClr val="000000"/>
+                </a:solidFill>
+                <a:latin typeface="+mn-lt"/>
+                <a:ea typeface="맑은 고딕"/>
+              </a:rPr>
+              <a:t>　　</a:t>
+            </a:r>
+            <a:r>
+              <a:rPr lang="ko-KR" altLang="en-US" sz="2200">
+                <a:solidFill>
+                  <a:srgbClr val="000000"/>
+                </a:solidFill>
+                <a:latin typeface="+mn-lt"/>
+                <a:ea typeface="맑은 고딕"/>
+              </a:rPr>
+              <a:t> </a:t>
+            </a:r>
+            <a:r>
+              <a:rPr lang="en-US" altLang="ko-KR" sz="2200">
+                <a:solidFill>
+                  <a:srgbClr val="000000"/>
+                </a:solidFill>
+                <a:latin typeface="+mn-lt"/>
+                <a:ea typeface="맑은 고딕"/>
+              </a:rPr>
+              <a:t>    </a:t>
+            </a:r>
+            <a:endParaRPr lang="en-US" altLang="ko-KR" sz="2200">
+              <a:solidFill>
+                <a:srgbClr val="000000"/>
+              </a:solidFill>
+              <a:latin typeface="+mn-lt"/>
+              <a:ea typeface="맑은 고딕"/>
+            </a:endParaRPr>
+          </a:p>
+          <a:p>
+            <a:pPr marL="0" indent="0" eaLnBrk="0" hangingPunct="0">
+              <a:spcBef>
+                <a:spcPct val="20000"/>
+              </a:spcBef>
+              <a:buSzPct val="120000"/>
+              <a:buFont typeface="Wingdings"/>
+              <a:buNone/>
+              <a:defRPr/>
+            </a:pPr>
+            <a:endParaRPr lang="en-US" altLang="ko-KR" sz="2200">
+              <a:solidFill>
+                <a:srgbClr val="000000"/>
+              </a:solidFill>
+              <a:latin typeface="+mn-lt"/>
+              <a:ea typeface="맑은 고딕"/>
+            </a:endParaRPr>
+          </a:p>
+          <a:p>
+            <a:pPr marL="0" indent="0" eaLnBrk="0" hangingPunct="0">
+              <a:spcBef>
+                <a:spcPct val="20000"/>
+              </a:spcBef>
+              <a:buSzPct val="120000"/>
+              <a:buFont typeface="Wingdings"/>
+              <a:buNone/>
+              <a:defRPr/>
+            </a:pPr>
+            <a:endParaRPr lang="en-US" altLang="ko-KR" sz="2200">
+              <a:solidFill>
+                <a:srgbClr val="000000"/>
+              </a:solidFill>
+              <a:latin typeface="+mn-lt"/>
+              <a:ea typeface="맑은 고딕"/>
+            </a:endParaRPr>
+          </a:p>
+          <a:p>
+            <a:pPr marL="0" indent="0" eaLnBrk="0" hangingPunct="0">
+              <a:spcBef>
+                <a:spcPct val="20000"/>
+              </a:spcBef>
+              <a:buSzPct val="120000"/>
+              <a:buFont typeface="Wingdings"/>
+              <a:buNone/>
+              <a:defRPr/>
+            </a:pPr>
+            <a:endParaRPr lang="en-US" altLang="ko-KR" sz="2200">
+              <a:solidFill>
+                <a:srgbClr val="000000"/>
+              </a:solidFill>
+              <a:latin typeface="+mn-lt"/>
+              <a:ea typeface="맑은 고딕"/>
+            </a:endParaRPr>
+          </a:p>
+          <a:p>
+            <a:pPr marL="0" indent="0" eaLnBrk="0" hangingPunct="0">
+              <a:spcBef>
+                <a:spcPct val="20000"/>
+              </a:spcBef>
+              <a:buSzPct val="120000"/>
+              <a:buFont typeface="Wingdings"/>
+              <a:buNone/>
+              <a:defRPr/>
+            </a:pPr>
+            <a:endParaRPr lang="en-US" altLang="ko-KR" sz="2200">
+              <a:solidFill>
+                <a:srgbClr val="000000"/>
+              </a:solidFill>
+              <a:latin typeface="+mn-lt"/>
+              <a:ea typeface="맑은 고딕"/>
+            </a:endParaRPr>
+          </a:p>
+          <a:p>
+            <a:pPr marL="0" indent="0" eaLnBrk="0" hangingPunct="0">
+              <a:spcBef>
+                <a:spcPct val="20000"/>
+              </a:spcBef>
+              <a:buSzPct val="120000"/>
+              <a:buFont typeface="Wingdings"/>
+              <a:buNone/>
+              <a:defRPr/>
+            </a:pPr>
+            <a:endParaRPr lang="en-US" altLang="ko-KR" sz="2200">
+              <a:solidFill>
+                <a:srgbClr val="000000"/>
+              </a:solidFill>
+              <a:latin typeface="+mn-lt"/>
+              <a:ea typeface="맑은 고딕"/>
+            </a:endParaRPr>
+          </a:p>
+        </p:txBody>
+      </p:sp>
+      <mc:AlternateContent xmlns:mc="http://schemas.openxmlformats.org/markup-compatibility/2006">
+        <mc:Choice xmlns:a14="http://schemas.microsoft.com/office/drawing/2010/main" Requires="a14">
+          <p:sp>
+            <p:nvSpPr>
+              <p:cNvPr id="304" name=""/>
+              <p:cNvSpPr/>
+              <p:nvPr/>
+            </p:nvSpPr>
+            <p:spPr>
+              <a:xfrm>
+                <a:off x="179512" y="1543050"/>
+                <a:ext cx="9220200" cy="5248275"/>
+              </a:xfrm>
+              <a:custGeom>
+                <a:avLst/>
+                <a:gdLst/>
+                <a:cxnLst>
+                  <a:cxn ang="3cd4">
+                    <a:pos x="hc" y="t"/>
+                  </a:cxn>
+                  <a:cxn ang="cd2">
+                    <a:pos x="l" y="vc"/>
+                  </a:cxn>
+                  <a:cxn ang="cd4">
+                    <a:pos x="hc" y="b"/>
+                  </a:cxn>
+                  <a:cxn ang="0">
+                    <a:pos x="r" y="vc"/>
+                  </a:cxn>
+                </a:cxnLst>
+                <a:rect l="l" t="t" r="r" b="b"/>
+                <a:pathLst>
+                  <a:path w="914400" h="914400">
+                    <a:moveTo>
+                      <a:pt x="0" y="0"/>
+                    </a:moveTo>
+                    <a:lnTo>
+                      <a:pt x="914400" y="0"/>
+                    </a:lnTo>
+                    <a:lnTo>
+                      <a:pt x="914400" y="914400"/>
+                    </a:lnTo>
+                    <a:lnTo>
+                      <a:pt x="0" y="914400"/>
+                    </a:lnTo>
+                    <a:close/>
+                  </a:path>
+                </a:pathLst>
+              </a:custGeom>
+            </p:spPr>
+            <p:txBody>
+              <a:bodyPr/>
+              <a:lstStyle/>
+              <a:p>
+                <a:pPr algn="l"/>
+                <a14:m xmlns:m="http://schemas.openxmlformats.org/officeDocument/2006/math" xmlns:mc="http://schemas.openxmlformats.org/markup-compatibility/2006" xmlns:ho="http://schemas.haansoft.com/office/8.0" mc:Ignorable="ho" ho:hncCreate="1">
+                  <m:oMathPara>
+                    <m:oMathParaPr>
+                      <m:jc m:val="left"/>
+                    </m:oMathParaPr>
+                    <m:oMath xmlns:m="http://schemas.openxmlformats.org/officeDocument/2006/math">
+                      <m:r>
+                        <a:rPr sz="2500" i="1">
+                          <a:solidFill>
+                            <a:srgbClr val="000000"/>
+                          </a:solidFill>
+                          <a:latin typeface="Cambria Math"/>
+                          <a:sym typeface="Cambria Math"/>
+                        </a:rPr>
+                        <m:t>𝑃</m:t>
+                      </m:r>
+                      <m:r>
+                        <a:rPr sz="2500" i="1">
+                          <a:solidFill>
+                            <a:srgbClr val="000000"/>
+                          </a:solidFill>
+                          <a:latin typeface="Cambria Math"/>
+                          <a:sym typeface="Cambria Math"/>
+                        </a:rPr>
+                        <m:t>𝑎</m:t>
+                      </m:r>
+                      <m:r>
+                        <a:rPr sz="2500" i="1">
+                          <a:solidFill>
+                            <a:srgbClr val="000000"/>
+                          </a:solidFill>
+                          <a:latin typeface="Cambria Math"/>
+                          <a:sym typeface="Cambria Math"/>
+                        </a:rPr>
+                        <m:t>𝑡</m:t>
+                      </m:r>
+                      <m:r>
+                        <a:rPr sz="2500" i="1">
+                          <a:solidFill>
+                            <a:srgbClr val="000000"/>
+                          </a:solidFill>
+                          <a:latin typeface="Cambria Math"/>
+                          <a:sym typeface="Cambria Math"/>
+                        </a:rPr>
+                        <m:t>ℎ</m:t>
+                      </m:r>
+                      <m:r>
+                        <a:rPr sz="2500" i="1">
+                          <a:solidFill>
+                            <a:srgbClr val="000000"/>
+                          </a:solidFill>
+                          <a:latin typeface="Cambria Math"/>
+                          <a:sym typeface="Cambria Math"/>
+                        </a:rPr>
+                        <m:t>𝑙</m:t>
+                      </m:r>
+                      <m:r>
+                        <a:rPr sz="2500" i="1">
+                          <a:solidFill>
+                            <a:srgbClr val="000000"/>
+                          </a:solidFill>
+                          <a:latin typeface="Cambria Math"/>
+                          <a:sym typeface="Cambria Math"/>
+                        </a:rPr>
+                        <m:t>𝑜</m:t>
+                      </m:r>
+                      <m:r>
+                        <a:rPr sz="2500" i="1">
+                          <a:solidFill>
+                            <a:srgbClr val="000000"/>
+                          </a:solidFill>
+                          <a:latin typeface="Cambria Math"/>
+                          <a:sym typeface="Cambria Math"/>
+                        </a:rPr>
+                        <m:t>𝑠</m:t>
+                      </m:r>
+                      <m:r>
+                        <a:rPr sz="2500" i="1">
+                          <a:solidFill>
+                            <a:srgbClr val="000000"/>
+                          </a:solidFill>
+                          <a:latin typeface="Cambria Math"/>
+                          <a:sym typeface="Cambria Math"/>
+                        </a:rPr>
+                        <m:t>𝑠</m:t>
+                      </m:r>
+                      <m:r>
+                        <a:rPr sz="2500" i="1">
+                          <a:solidFill>
+                            <a:srgbClr val="000000"/>
+                          </a:solidFill>
+                          <a:latin typeface="Cambria Math"/>
+                          <a:sym typeface="Cambria Math"/>
+                        </a:rPr>
+                        <m:t xml:space="preserve"> </m:t>
+                      </m:r>
+                      <m:r>
+                        <a:rPr sz="2500" i="1">
+                          <a:solidFill>
+                            <a:srgbClr val="000000"/>
+                          </a:solidFill>
+                          <a:latin typeface="Cambria Math"/>
+                          <a:sym typeface="Cambria Math"/>
+                        </a:rPr>
+                        <m:t>𝑚</m:t>
+                      </m:r>
+                      <m:r>
+                        <a:rPr sz="2500" i="1">
+                          <a:solidFill>
+                            <a:srgbClr val="000000"/>
+                          </a:solidFill>
+                          <a:latin typeface="Cambria Math"/>
+                          <a:sym typeface="Cambria Math"/>
+                        </a:rPr>
+                        <m:t>𝑎</m:t>
+                      </m:r>
+                      <m:r>
+                        <a:rPr sz="2500" i="1">
+                          <a:solidFill>
+                            <a:srgbClr val="000000"/>
+                          </a:solidFill>
+                          <a:latin typeface="Cambria Math"/>
+                          <a:sym typeface="Cambria Math"/>
+                        </a:rPr>
+                        <m:t>𝑡</m:t>
+                      </m:r>
+                      <m:r>
+                        <a:rPr sz="2500" i="1">
+                          <a:solidFill>
+                            <a:srgbClr val="000000"/>
+                          </a:solidFill>
+                          <a:latin typeface="Cambria Math"/>
+                          <a:sym typeface="Cambria Math"/>
+                        </a:rPr>
+                        <m:t>𝑟</m:t>
+                      </m:r>
+                      <m:r>
+                        <a:rPr sz="2500" i="1">
+                          <a:solidFill>
+                            <a:srgbClr val="000000"/>
+                          </a:solidFill>
+                          <a:latin typeface="Cambria Math"/>
+                          <a:sym typeface="Cambria Math"/>
+                        </a:rPr>
+                        <m:t>𝑖</m:t>
+                      </m:r>
+                      <m:r>
+                        <a:rPr sz="2500" i="1">
+                          <a:solidFill>
+                            <a:srgbClr val="000000"/>
+                          </a:solidFill>
+                          <a:latin typeface="Cambria Math"/>
+                          <a:sym typeface="Cambria Math"/>
+                        </a:rPr>
+                        <m:t>𝑥</m:t>
+                      </m:r>
+                      <m:r>
+                        <a:rPr sz="2500" i="1">
+                          <a:solidFill>
+                            <a:srgbClr val="000000"/>
+                          </a:solidFill>
+                          <a:latin typeface="Cambria Math"/>
+                          <a:sym typeface="Cambria Math"/>
+                        </a:rPr>
+                        <m:t xml:space="preserve"> : </m:t>
+                      </m:r>
+                      <m:d>
+                        <m:dPr>
+                          <m:begChr m:val="["/>
+                          <m:endChr m:val="]"/>
+                          <m:ctrlPr>
+                            <a:rPr sz="2500" i="1">
+                              <a:solidFill>
+                                <a:srgbClr val="000000"/>
+                              </a:solidFill>
+                              <a:latin typeface="Cambria Math"/>
+                              <a:sym typeface="Cambria Math"/>
+                            </a:rPr>
+                          </m:ctrlPr>
+                        </m:dPr>
+                        <m:e>
+                          <m:m>
+                            <m:mPr>
+                              <m:mcs>
+                                <m:mc>
+                                  <m:mcPr>
+                                    <m:count m:val="2"/>
+                                    <m:mcJc m:val="center"/>
+                                  </m:mcPr>
+                                </m:mc>
+                              </m:mcs>
+                              <m:ctrlPr>
+                                <a:rPr sz="2500" i="1">
+                                  <a:solidFill>
+                                    <a:srgbClr val="000000"/>
+                                  </a:solidFill>
+                                  <a:latin typeface="Cambria Math"/>
+                                  <a:sym typeface="Cambria Math"/>
+                                </a:rPr>
+                              </m:ctrlPr>
+                            </m:mPr>
+                            <m:mr>
+                              <m:e>
+                                <m:sSub>
+                                  <m:sSubPr>
+                                    <m:ctrlPr>
+                                      <a:rPr sz="2500" i="1">
+                                        <a:solidFill>
+                                          <a:srgbClr val="000000"/>
+                                        </a:solidFill>
+                                        <a:latin typeface="Cambria Math"/>
+                                        <a:sym typeface="Cambria Math"/>
+                                      </a:rPr>
+                                    </m:ctrlPr>
+                                  </m:sSubPr>
+                                  <m:e>
+                                    <m:r>
+                                      <a:rPr sz="2500" i="1">
+                                        <a:solidFill>
+                                          <a:srgbClr val="000000"/>
+                                        </a:solidFill>
+                                        <a:latin typeface="Cambria Math"/>
+                                        <a:sym typeface="Cambria Math"/>
+                                      </a:rPr>
+                                      <m:t>𝑝</m:t>
+                                    </m:r>
+                                  </m:e>
+                                  <m:sub>
+                                    <m:r>
+                                      <a:rPr sz="2500" i="1">
+                                        <a:solidFill>
+                                          <a:srgbClr val="000000"/>
+                                        </a:solidFill>
+                                        <a:latin typeface="Cambria Math"/>
+                                        <a:sym typeface="Cambria Math"/>
+                                      </a:rPr>
+                                      <m:t>0 0</m:t>
+                                    </m:r>
+                                  </m:sub>
+                                </m:sSub>
+                              </m:e>
+                              <m:e>
+                                <m:r>
+                                  <m:rPr>
+                                    <m:sty m:val="p"/>
+                                  </m:rPr>
+                                  <a:rPr sz="2500" i="1">
+                                    <a:solidFill>
+                                      <a:srgbClr val="000000"/>
+                                    </a:solidFill>
+                                    <a:latin typeface="Cambria Math"/>
+                                    <a:sym typeface="Cambria Math"/>
+                                  </a:rPr>
+                                  <m:t>⋯</m:t>
+                                </m:r>
+                              </m:e>
+                              <m:e>
+                                <m:sSub>
+                                  <m:sSubPr>
+                                    <m:ctrlPr>
+                                      <a:rPr sz="2500" i="1">
+                                        <a:solidFill>
+                                          <a:srgbClr val="000000"/>
+                                        </a:solidFill>
+                                        <a:latin typeface="Cambria Math"/>
+                                        <a:sym typeface="Cambria Math"/>
+                                      </a:rPr>
+                                    </m:ctrlPr>
+                                  </m:sSubPr>
+                                  <m:e>
+                                    <m:r>
+                                      <a:rPr sz="2500" i="1">
+                                        <a:solidFill>
+                                          <a:srgbClr val="000000"/>
+                                        </a:solidFill>
+                                        <a:latin typeface="Cambria Math"/>
+                                        <a:sym typeface="Cambria Math"/>
+                                      </a:rPr>
+                                      <m:t>𝑝</m:t>
+                                    </m:r>
+                                  </m:e>
+                                  <m:sub>
+                                    <m:r>
+                                      <a:rPr sz="2500" i="1">
+                                        <a:solidFill>
+                                          <a:srgbClr val="000000"/>
+                                        </a:solidFill>
+                                        <a:latin typeface="Cambria Math"/>
+                                        <a:sym typeface="Cambria Math"/>
+                                      </a:rPr>
+                                      <m:t xml:space="preserve">0 </m:t>
+                                    </m:r>
+                                    <m:r>
+                                      <a:rPr sz="2500" i="1">
+                                        <a:solidFill>
+                                          <a:srgbClr val="000000"/>
+                                        </a:solidFill>
+                                        <a:latin typeface="Cambria Math"/>
+                                        <a:sym typeface="Cambria Math"/>
+                                      </a:rPr>
+                                      <m:t>𝑁</m:t>
+                                    </m:r>
+                                  </m:sub>
+                                </m:sSub>
+                              </m:e>
+                            </m:mr>
+                            <m:mr>
+                              <m:e>
+                                <m:r>
+                                  <m:rPr>
+                                    <m:sty m:val="p"/>
+                                  </m:rPr>
+                                  <a:rPr sz="2500" i="1">
+                                    <a:solidFill>
+                                      <a:srgbClr val="000000"/>
+                                    </a:solidFill>
+                                    <a:latin typeface="Cambria Math"/>
+                                    <a:sym typeface="Cambria Math"/>
+                                  </a:rPr>
+                                  <m:t>⋮</m:t>
+                                </m:r>
+                              </m:e>
+                              <m:e>
+                                <m:r>
+                                  <m:rPr>
+                                    <m:sty m:val="p"/>
+                                  </m:rPr>
+                                  <a:rPr sz="2500" i="1">
+                                    <a:solidFill>
+                                      <a:srgbClr val="000000"/>
+                                    </a:solidFill>
+                                    <a:latin typeface="Cambria Math"/>
+                                    <a:sym typeface="Cambria Math"/>
+                                  </a:rPr>
+                                  <m:t>⋱</m:t>
+                                </m:r>
+                              </m:e>
+                              <m:e>
+                                <m:r>
+                                  <m:rPr>
+                                    <m:sty m:val="p"/>
+                                  </m:rPr>
+                                  <a:rPr sz="2500" i="1">
+                                    <a:solidFill>
+                                      <a:srgbClr val="000000"/>
+                                    </a:solidFill>
+                                    <a:latin typeface="Cambria Math"/>
+                                    <a:sym typeface="Cambria Math"/>
+                                  </a:rPr>
+                                  <m:t>⋮</m:t>
+                                </m:r>
+                              </m:e>
+                            </m:mr>
+                            <m:mr>
+                              <m:e>
+                                <m:sSub>
+                                  <m:sSubPr>
+                                    <m:ctrlPr>
+                                      <a:rPr sz="2500" i="1">
+                                        <a:solidFill>
+                                          <a:srgbClr val="000000"/>
+                                        </a:solidFill>
+                                        <a:latin typeface="Cambria Math"/>
+                                        <a:sym typeface="Cambria Math"/>
+                                      </a:rPr>
+                                    </m:ctrlPr>
+                                  </m:sSubPr>
+                                  <m:e>
+                                    <m:r>
+                                      <a:rPr sz="2500" i="1">
+                                        <a:solidFill>
+                                          <a:srgbClr val="000000"/>
+                                        </a:solidFill>
+                                        <a:latin typeface="Cambria Math"/>
+                                        <a:sym typeface="Cambria Math"/>
+                                      </a:rPr>
+                                      <m:t>𝑝</m:t>
+                                    </m:r>
+                                  </m:e>
+                                  <m:sub>
+                                    <m:r>
+                                      <a:rPr sz="2500" i="1">
+                                        <a:solidFill>
+                                          <a:srgbClr val="000000"/>
+                                        </a:solidFill>
+                                        <a:latin typeface="Cambria Math"/>
+                                        <a:sym typeface="Cambria Math"/>
+                                      </a:rPr>
+                                      <m:t>𝑁</m:t>
+                                    </m:r>
+                                    <m:r>
+                                      <a:rPr sz="2500" i="1">
+                                        <a:solidFill>
+                                          <a:srgbClr val="000000"/>
+                                        </a:solidFill>
+                                        <a:latin typeface="Cambria Math"/>
+                                        <a:sym typeface="Cambria Math"/>
+                                      </a:rPr>
+                                      <m:t xml:space="preserve"> 0</m:t>
+                                    </m:r>
+                                  </m:sub>
+                                </m:sSub>
+                              </m:e>
+                              <m:e>
+                                <m:r>
+                                  <m:rPr>
+                                    <m:sty m:val="p"/>
+                                  </m:rPr>
+                                  <a:rPr sz="2500" i="1">
+                                    <a:solidFill>
+                                      <a:srgbClr val="000000"/>
+                                    </a:solidFill>
+                                    <a:latin typeface="Cambria Math"/>
+                                    <a:sym typeface="Cambria Math"/>
+                                  </a:rPr>
+                                  <m:t>⋯</m:t>
+                                </m:r>
+                              </m:e>
+                              <m:e>
+                                <m:sSub>
+                                  <m:sSubPr>
+                                    <m:ctrlPr>
+                                      <a:rPr sz="2500" i="1">
+                                        <a:solidFill>
+                                          <a:srgbClr val="000000"/>
+                                        </a:solidFill>
+                                        <a:latin typeface="Cambria Math"/>
+                                        <a:sym typeface="Cambria Math"/>
+                                      </a:rPr>
+                                    </m:ctrlPr>
+                                  </m:sSubPr>
+                                  <m:e>
+                                    <m:r>
+                                      <a:rPr sz="2500" i="1">
+                                        <a:solidFill>
+                                          <a:srgbClr val="000000"/>
+                                        </a:solidFill>
+                                        <a:latin typeface="Cambria Math"/>
+                                        <a:sym typeface="Cambria Math"/>
+                                      </a:rPr>
+                                      <m:t>𝑝</m:t>
+                                    </m:r>
+                                  </m:e>
+                                  <m:sub>
+                                    <m:r>
+                                      <a:rPr sz="2500" i="1">
+                                        <a:solidFill>
+                                          <a:srgbClr val="000000"/>
+                                        </a:solidFill>
+                                        <a:latin typeface="Cambria Math"/>
+                                        <a:sym typeface="Cambria Math"/>
+                                      </a:rPr>
+                                      <m:t>𝑁</m:t>
+                                    </m:r>
+                                    <m:r>
+                                      <a:rPr sz="2500" i="1">
+                                        <a:solidFill>
+                                          <a:srgbClr val="000000"/>
+                                        </a:solidFill>
+                                        <a:latin typeface="Cambria Math"/>
+                                        <a:sym typeface="Cambria Math"/>
+                                      </a:rPr>
+                                      <m:t xml:space="preserve"> </m:t>
+                                    </m:r>
+                                    <m:r>
+                                      <a:rPr sz="2500" i="1">
+                                        <a:solidFill>
+                                          <a:srgbClr val="000000"/>
+                                        </a:solidFill>
+                                        <a:latin typeface="Cambria Math"/>
+                                        <a:sym typeface="Cambria Math"/>
+                                      </a:rPr>
+                                      <m:t>𝑁</m:t>
+                                    </m:r>
+                                  </m:sub>
+                                </m:sSub>
+                              </m:e>
+                            </m:mr>
+                          </m:m>
+                        </m:e>
+                      </m:d>
+                    </m:oMath>
+                  </m:oMathPara>
+                </a14:m>
+              </a:p>
+              <a:p>
+                <a:pPr algn="l"/>
+                <a14:m xmlns:m="http://schemas.openxmlformats.org/officeDocument/2006/math" xmlns:mc="http://schemas.openxmlformats.org/markup-compatibility/2006" xmlns:ho="http://schemas.haansoft.com/office/8.0" mc:Ignorable="ho" ho:hncCreate="1">
+                  <m:oMathPara>
+                    <m:oMathParaPr>
+                      <m:jc m:val="left"/>
+                    </m:oMathParaPr>
+                    <m:oMath xmlns:m="http://schemas.openxmlformats.org/officeDocument/2006/math">
+                      <m:r>
+                        <a:rPr sz="2000" i="1">
+                          <a:solidFill>
+                            <a:srgbClr val="000000"/>
+                          </a:solidFill>
+                          <a:latin typeface="Cambria Math"/>
+                          <a:sym typeface="Cambria Math"/>
+                        </a:rPr>
+                        <m:t xml:space="preserve"> </m:t>
+                      </m:r>
+                    </m:oMath>
+                  </m:oMathPara>
+                </a14:m>
+              </a:p>
+              <a:p>
+                <a:pPr algn="l"/>
+                <a14:m xmlns:m="http://schemas.openxmlformats.org/officeDocument/2006/math" xmlns:mc="http://schemas.openxmlformats.org/markup-compatibility/2006" xmlns:ho="http://schemas.haansoft.com/office/8.0" mc:Ignorable="ho" ho:hncCreate="1">
+                  <m:oMathPara>
+                    <m:oMathParaPr>
+                      <m:jc m:val="left"/>
+                    </m:oMathParaPr>
+                    <m:oMath xmlns:m="http://schemas.openxmlformats.org/officeDocument/2006/math">
+                      <m:r>
+                        <a:rPr sz="1600" i="1">
+                          <a:solidFill>
+                            <a:srgbClr val="000000"/>
+                          </a:solidFill>
+                          <a:latin typeface="Cambria Math"/>
+                          <a:sym typeface="Cambria Math"/>
+                        </a:rPr>
+                        <m:t xml:space="preserve"> </m:t>
+                      </m:r>
+                      <m:sSub>
+                        <m:sSubPr>
+                          <m:ctrlPr>
+                            <a:rPr sz="1600" i="1">
+                              <a:solidFill>
+                                <a:srgbClr val="000000"/>
+                              </a:solidFill>
+                              <a:latin typeface="Cambria Math"/>
+                              <a:sym typeface="Cambria Math"/>
+                            </a:rPr>
+                          </m:ctrlPr>
+                        </m:sSubPr>
+                        <m:e>
+                          <m:r>
+                            <a:rPr sz="1600" i="1">
+                              <a:solidFill>
+                                <a:srgbClr val="000000"/>
+                              </a:solidFill>
+                              <a:latin typeface="Cambria Math"/>
+                              <a:sym typeface="Cambria Math"/>
+                            </a:rPr>
+                            <m:t>𝑝</m:t>
+                          </m:r>
+                        </m:e>
+                        <m:sub>
+                          <m:r>
+                            <a:rPr sz="1600" i="1">
+                              <a:solidFill>
+                                <a:srgbClr val="000000"/>
+                              </a:solidFill>
+                              <a:latin typeface="Cambria Math"/>
+                              <a:sym typeface="Cambria Math"/>
+                            </a:rPr>
+                            <m:t>𝑖</m:t>
+                          </m:r>
+                          <m:r>
+                            <a:rPr sz="1600" i="1">
+                              <a:solidFill>
+                                <a:srgbClr val="000000"/>
+                              </a:solidFill>
+                              <a:latin typeface="Cambria Math"/>
+                              <a:sym typeface="Cambria Math"/>
+                            </a:rPr>
+                            <m:t xml:space="preserve"> </m:t>
+                          </m:r>
+                          <m:r>
+                            <a:rPr sz="1600" i="1">
+                              <a:solidFill>
+                                <a:srgbClr val="000000"/>
+                              </a:solidFill>
+                              <a:latin typeface="Cambria Math"/>
+                              <a:sym typeface="Cambria Math"/>
+                            </a:rPr>
+                            <m:t>𝑗</m:t>
+                          </m:r>
+                        </m:sub>
+                      </m:sSub>
+                      <m:r>
+                        <a:rPr sz="1600" i="1">
+                          <a:solidFill>
+                            <a:srgbClr val="000000"/>
+                          </a:solidFill>
+                          <a:latin typeface="Cambria Math"/>
+                          <a:sym typeface="Cambria Math"/>
+                        </a:rPr>
+                        <m:t xml:space="preserve"> : </m:t>
+                      </m:r>
+                      <m:r>
+                        <a:rPr sz="1600" i="1">
+                          <a:solidFill>
+                            <a:srgbClr val="000000"/>
+                          </a:solidFill>
+                          <a:latin typeface="Cambria Math"/>
+                          <a:sym typeface="Cambria Math"/>
+                        </a:rPr>
+                        <m:t>𝑖</m:t>
+                      </m:r>
+                      <m:r>
+                        <a:rPr sz="1600" i="1">
+                          <a:solidFill>
+                            <a:srgbClr val="000000"/>
+                          </a:solidFill>
+                          <a:latin typeface="Cambria Math"/>
+                          <a:sym typeface="Cambria Math"/>
+                        </a:rPr>
+                        <m:t xml:space="preserve">번째 차량에서 </m:t>
+                      </m:r>
+                      <m:r>
+                        <a:rPr sz="1600" i="1">
+                          <a:solidFill>
+                            <a:srgbClr val="000000"/>
+                          </a:solidFill>
+                          <a:latin typeface="Cambria Math"/>
+                          <a:sym typeface="Cambria Math"/>
+                        </a:rPr>
+                        <m:t>𝑗</m:t>
+                      </m:r>
+                      <m:r>
+                        <a:rPr sz="1600" i="1">
+                          <a:solidFill>
+                            <a:srgbClr val="000000"/>
+                          </a:solidFill>
+                          <a:latin typeface="Cambria Math"/>
+                          <a:sym typeface="Cambria Math"/>
+                        </a:rPr>
+                        <m:t xml:space="preserve">번째 차량으로 전송할때  </m:t>
+                      </m:r>
+                      <m:r>
+                        <a:rPr sz="1600" i="1">
+                          <a:solidFill>
+                            <a:srgbClr val="000000"/>
+                          </a:solidFill>
+                          <a:latin typeface="Cambria Math"/>
+                          <a:sym typeface="Cambria Math"/>
+                        </a:rPr>
+                        <m:t>𝑃</m:t>
+                      </m:r>
+                      <m:r>
+                        <a:rPr sz="1600" i="1">
+                          <a:solidFill>
+                            <a:srgbClr val="000000"/>
+                          </a:solidFill>
+                          <a:latin typeface="Cambria Math"/>
+                          <a:sym typeface="Cambria Math"/>
+                        </a:rPr>
+                        <m:t>𝑎</m:t>
+                      </m:r>
+                      <m:r>
+                        <a:rPr sz="1600" i="1">
+                          <a:solidFill>
+                            <a:srgbClr val="000000"/>
+                          </a:solidFill>
+                          <a:latin typeface="Cambria Math"/>
+                          <a:sym typeface="Cambria Math"/>
+                        </a:rPr>
+                        <m:t>𝑡</m:t>
+                      </m:r>
+                      <m:r>
+                        <a:rPr sz="1600" i="1">
+                          <a:solidFill>
+                            <a:srgbClr val="000000"/>
+                          </a:solidFill>
+                          <a:latin typeface="Cambria Math"/>
+                          <a:sym typeface="Cambria Math"/>
+                        </a:rPr>
+                        <m:t>ℎ</m:t>
+                      </m:r>
+                      <m:r>
+                        <a:rPr sz="1600" i="1">
+                          <a:solidFill>
+                            <a:srgbClr val="000000"/>
+                          </a:solidFill>
+                          <a:latin typeface="Cambria Math"/>
+                          <a:sym typeface="Cambria Math"/>
+                        </a:rPr>
+                        <m:t>𝑙</m:t>
+                      </m:r>
+                      <m:r>
+                        <a:rPr sz="1600" i="1">
+                          <a:solidFill>
+                            <a:srgbClr val="000000"/>
+                          </a:solidFill>
+                          <a:latin typeface="Cambria Math"/>
+                          <a:sym typeface="Cambria Math"/>
+                        </a:rPr>
+                        <m:t>𝑜</m:t>
+                      </m:r>
+                      <m:r>
+                        <a:rPr sz="1600" i="1">
+                          <a:solidFill>
+                            <a:srgbClr val="000000"/>
+                          </a:solidFill>
+                          <a:latin typeface="Cambria Math"/>
+                          <a:sym typeface="Cambria Math"/>
+                        </a:rPr>
+                        <m:t>𝑠</m:t>
+                      </m:r>
+                      <m:r>
+                        <a:rPr sz="1600" i="1">
+                          <a:solidFill>
+                            <a:srgbClr val="000000"/>
+                          </a:solidFill>
+                          <a:latin typeface="Cambria Math"/>
+                          <a:sym typeface="Cambria Math"/>
+                        </a:rPr>
+                        <m:t>𝑠</m:t>
+                      </m:r>
+                    </m:oMath>
+                  </m:oMathPara>
+                </a14:m>
+              </a:p>
+              <a:p>
+                <a:pPr algn="l"/>
+                <a14:m xmlns:m="http://schemas.openxmlformats.org/officeDocument/2006/math" xmlns:mc="http://schemas.openxmlformats.org/markup-compatibility/2006" xmlns:ho="http://schemas.haansoft.com/office/8.0" mc:Ignorable="ho" ho:hncCreate="1">
+                  <m:oMathPara>
+                    <m:oMathParaPr>
+                      <m:jc m:val="left"/>
+                    </m:oMathParaPr>
+                    <m:oMath xmlns:m="http://schemas.openxmlformats.org/officeDocument/2006/math">
+                      <m:sSub>
+                        <m:sSubPr>
+                          <m:ctrlPr>
+                            <a:rPr sz="1600" i="1">
+                              <a:solidFill>
+                                <a:srgbClr val="000000"/>
+                              </a:solidFill>
+                              <a:latin typeface="Cambria Math"/>
+                              <a:sym typeface="Cambria Math"/>
+                            </a:rPr>
+                          </m:ctrlPr>
+                        </m:sSubPr>
+                        <m:e>
+                          <m:r>
+                            <a:rPr sz="1600" i="1">
+                              <a:solidFill>
+                                <a:srgbClr val="000000"/>
+                              </a:solidFill>
+                              <a:latin typeface="Cambria Math"/>
+                              <a:sym typeface="Cambria Math"/>
+                            </a:rPr>
+                            <m:t xml:space="preserve"> </m:t>
+                          </m:r>
+                          <m:r>
+                            <a:rPr sz="1600" i="1">
+                              <a:solidFill>
+                                <a:srgbClr val="000000"/>
+                              </a:solidFill>
+                              <a:latin typeface="Cambria Math"/>
+                              <a:sym typeface="Cambria Math"/>
+                            </a:rPr>
+                            <m:t>𝑝</m:t>
+                          </m:r>
+                        </m:e>
+                        <m:sub>
+                          <m:r>
+                            <a:rPr sz="1600" i="1">
+                              <a:solidFill>
+                                <a:srgbClr val="000000"/>
+                              </a:solidFill>
+                              <a:latin typeface="Cambria Math"/>
+                              <a:sym typeface="Cambria Math"/>
+                            </a:rPr>
+                            <m:t>𝑖</m:t>
+                          </m:r>
+                          <m:r>
+                            <a:rPr sz="1600" i="1">
+                              <a:solidFill>
+                                <a:srgbClr val="000000"/>
+                              </a:solidFill>
+                              <a:latin typeface="Cambria Math"/>
+                              <a:sym typeface="Cambria Math"/>
+                            </a:rPr>
+                            <m:t xml:space="preserve"> </m:t>
+                          </m:r>
+                          <m:r>
+                            <a:rPr sz="1600" i="1">
+                              <a:solidFill>
+                                <a:srgbClr val="000000"/>
+                              </a:solidFill>
+                              <a:latin typeface="Cambria Math"/>
+                              <a:sym typeface="Cambria Math"/>
+                            </a:rPr>
+                            <m:t>𝑗</m:t>
+                          </m:r>
+                        </m:sub>
+                      </m:sSub>
+                      <m:r>
+                        <a:rPr sz="1600" i="1">
+                          <a:solidFill>
+                            <a:srgbClr val="000000"/>
+                          </a:solidFill>
+                          <a:latin typeface="Cambria Math"/>
+                          <a:sym typeface="Cambria Math"/>
+                        </a:rPr>
+                        <m:t xml:space="preserve"> </m:t>
+                      </m:r>
+                      <m:r>
+                        <a:rPr sz="1600" i="1">
+                          <a:solidFill>
+                            <a:srgbClr val="000000"/>
+                          </a:solidFill>
+                          <a:latin typeface="Cambria Math"/>
+                          <a:sym typeface="Cambria Math"/>
+                        </a:rPr>
+                        <m:t xml:space="preserve"> = </m:t>
+                      </m:r>
+                      <m:d>
+                        <m:dPr>
+                          <m:begChr m:val="{"/>
+                          <m:endChr m:val=""/>
+                          <m:ctrlPr>
+                            <a:rPr sz="1600" i="1">
+                              <a:solidFill>
+                                <a:srgbClr val="000000"/>
+                              </a:solidFill>
+                              <a:latin typeface="Cambria Math"/>
+                              <a:sym typeface="Cambria Math"/>
+                            </a:rPr>
+                          </m:ctrlPr>
+                        </m:dPr>
+                        <m:e>
+                          <m:eqArr>
+                            <m:eqArrPr>
+                              <m:ctrlPr>
+                                <a:rPr sz="1600" i="1">
+                                  <a:solidFill>
+                                    <a:srgbClr val="000000"/>
+                                  </a:solidFill>
+                                  <a:latin typeface="Cambria Math"/>
+                                  <a:sym typeface="Cambria Math"/>
+                                </a:rPr>
+                              </m:ctrlPr>
+                            </m:eqArrPr>
+                            <m:e>
+                              <m:r>
+                                <a:rPr sz="1600" i="1">
+                                  <a:solidFill>
+                                    <a:srgbClr val="000000"/>
+                                  </a:solidFill>
+                                  <a:latin typeface="Cambria Math"/>
+                                  <a:sym typeface="Cambria Math"/>
+                                </a:rPr>
+                                <m:t>𝑖</m:t>
+                              </m:r>
+                              <m:r>
+                                <a:rPr sz="1600" i="1">
+                                  <a:solidFill>
+                                    <a:srgbClr val="000000"/>
+                                  </a:solidFill>
+                                  <a:latin typeface="Cambria Math"/>
+                                  <a:sym typeface="Cambria Math"/>
+                                </a:rPr>
+                                <m:t>𝑓</m:t>
+                              </m:r>
+                              <m:r>
+                                <a:rPr sz="1600" i="1">
+                                  <a:solidFill>
+                                    <a:srgbClr val="000000"/>
+                                  </a:solidFill>
+                                  <a:latin typeface="Cambria Math"/>
+                                  <a:sym typeface="Cambria Math"/>
+                                </a:rPr>
+                                <m:t xml:space="preserve"> </m:t>
+                              </m:r>
+                              <m:r>
+                                <a:rPr sz="1600" i="1">
+                                  <a:solidFill>
+                                    <a:srgbClr val="000000"/>
+                                  </a:solidFill>
+                                  <a:latin typeface="Cambria Math"/>
+                                  <a:sym typeface="Cambria Math"/>
+                                </a:rPr>
+                                <m:t>𝐿</m:t>
+                              </m:r>
+                              <m:r>
+                                <a:rPr sz="1600" i="1">
+                                  <a:solidFill>
+                                    <a:srgbClr val="000000"/>
+                                  </a:solidFill>
+                                  <a:latin typeface="Cambria Math"/>
+                                  <a:sym typeface="Cambria Math"/>
+                                </a:rPr>
+                                <m:t>𝑂</m:t>
+                              </m:r>
+                              <m:r>
+                                <a:rPr sz="1600" i="1">
+                                  <a:solidFill>
+                                    <a:srgbClr val="000000"/>
+                                  </a:solidFill>
+                                  <a:latin typeface="Cambria Math"/>
+                                  <a:sym typeface="Cambria Math"/>
+                                </a:rPr>
+                                <m:t>𝑆</m:t>
+                              </m:r>
+                              <m:r>
+                                <a:rPr sz="1600" i="1">
+                                  <a:solidFill>
+                                    <a:srgbClr val="000000"/>
+                                  </a:solidFill>
+                                  <a:latin typeface="Cambria Math"/>
+                                  <a:sym typeface="Cambria Math"/>
+                                </a:rPr>
+                                <m:t xml:space="preserve"> </m:t>
+                              </m:r>
+                              <m:func>
+                                <m:funcPr>
+                                  <m:ctrlPr>
+                                    <a:rPr sz="1600" i="1">
+                                      <a:solidFill>
+                                        <a:srgbClr val="000000"/>
+                                      </a:solidFill>
+                                      <a:latin typeface="Cambria Math"/>
+                                      <a:sym typeface="Cambria Math"/>
+                                    </a:rPr>
+                                  </m:ctrlPr>
+                                </m:funcPr>
+                                <m:fName>
+                                  <m:sSub>
+                                    <m:sSubPr>
+                                      <m:ctrlPr>
+                                        <a:rPr sz="1600" i="1">
+                                          <a:solidFill>
+                                            <a:srgbClr val="000000"/>
+                                          </a:solidFill>
+                                          <a:latin typeface="Cambria Math"/>
+                                          <a:sym typeface="Cambria Math"/>
+                                        </a:rPr>
+                                      </m:ctrlPr>
+                                    </m:sSubPr>
+                                    <m:e>
+                                      <m:r>
+                                        <a:rPr sz="1600" i="1">
+                                          <a:solidFill>
+                                            <a:srgbClr val="000000"/>
+                                          </a:solidFill>
+                                          <a:latin typeface="Cambria Math"/>
+                                          <a:sym typeface="Cambria Math"/>
+                                        </a:rPr>
+                                        <m:t xml:space="preserve">       </m:t>
+                                      </m:r>
+                                      <m:r>
+                                        <a:rPr sz="1600" i="0">
+                                          <a:solidFill>
+                                            <a:srgbClr val="000000"/>
+                                          </a:solidFill>
+                                          <a:latin typeface="Cambria Math"/>
+                                          <a:sym typeface="Cambria Math"/>
+                                        </a:rPr>
+                                        <m:t>40.0</m:t>
+                                      </m:r>
+                                      <m:r>
+                                        <m:rPr>
+                                          <m:sty m:val="p"/>
+                                        </m:rPr>
+                                        <a:rPr sz="1600" i="0">
+                                          <a:solidFill>
+                                            <a:srgbClr val="000000"/>
+                                          </a:solidFill>
+                                          <a:latin typeface="Cambria Math"/>
+                                          <a:sym typeface="Cambria Math"/>
+                                        </a:rPr>
+                                        <m:t>log</m:t>
+                                      </m:r>
+                                    </m:e>
+                                    <m:sub>
+                                      <m:r>
+                                        <a:rPr sz="1600" i="1">
+                                          <a:solidFill>
+                                            <a:srgbClr val="000000"/>
+                                          </a:solidFill>
+                                          <a:latin typeface="Cambria Math"/>
+                                          <a:sym typeface="Cambria Math"/>
+                                        </a:rPr>
+                                        <m:t>10</m:t>
+                                      </m:r>
+                                    </m:sub>
+                                  </m:sSub>
+                                  <m:r>
+                                    <a:rPr sz="1600" i="1">
+                                      <a:solidFill>
+                                        <a:srgbClr val="000000"/>
+                                      </a:solidFill>
+                                      <a:latin typeface="Cambria Math"/>
+                                      <a:sym typeface="Cambria Math"/>
+                                    </a:rPr>
+                                    <m:t>(</m:t>
+                                  </m:r>
+                                  <m:r>
+                                    <a:rPr sz="1600" i="1">
+                                      <a:solidFill>
+                                        <a:srgbClr val="000000"/>
+                                      </a:solidFill>
+                                      <a:latin typeface="Cambria Math"/>
+                                      <a:sym typeface="Cambria Math"/>
+                                    </a:rPr>
+                                    <m:t>𝑑</m:t>
+                                  </m:r>
+                                  <m:r>
+                                    <a:rPr sz="1600" i="1">
+                                      <a:solidFill>
+                                        <a:srgbClr val="000000"/>
+                                      </a:solidFill>
+                                      <a:latin typeface="Cambria Math"/>
+                                      <a:sym typeface="Cambria Math"/>
+                                    </a:rPr>
+                                    <m:t>)</m:t>
+                                  </m:r>
+                                </m:fName>
+                                <m:e>
+                                  <m:r>
+                                    <a:rPr sz="1600" i="1">
+                                      <a:solidFill>
+                                        <a:srgbClr val="000000"/>
+                                      </a:solidFill>
+                                      <a:latin typeface="Cambria Math"/>
+                                      <a:sym typeface="Cambria Math"/>
+                                    </a:rPr>
+                                    <m:t>+ 9.45-17.3</m:t>
+                                  </m:r>
+                                  <m:func>
+                                    <m:funcPr>
+                                      <m:ctrlPr>
+                                        <a:rPr sz="1600" i="1">
+                                          <a:solidFill>
+                                            <a:srgbClr val="000000"/>
+                                          </a:solidFill>
+                                          <a:latin typeface="Cambria Math"/>
+                                          <a:sym typeface="Cambria Math"/>
+                                        </a:rPr>
+                                      </m:ctrlPr>
+                                    </m:funcPr>
+                                    <m:fName>
+                                      <m:sSub>
+                                        <m:sSubPr>
+                                          <m:ctrlPr>
+                                            <a:rPr sz="1600" i="1">
+                                              <a:solidFill>
+                                                <a:srgbClr val="000000"/>
+                                              </a:solidFill>
+                                              <a:latin typeface="Cambria Math"/>
+                                              <a:sym typeface="Cambria Math"/>
+                                            </a:rPr>
+                                          </m:ctrlPr>
+                                        </m:sSubPr>
+                                        <m:e>
+                                          <m:r>
+                                            <m:rPr>
+                                              <m:sty m:val="p"/>
+                                            </m:rPr>
+                                            <a:rPr sz="1600" i="0">
+                                              <a:solidFill>
+                                                <a:srgbClr val="000000"/>
+                                              </a:solidFill>
+                                              <a:latin typeface="Cambria Math"/>
+                                              <a:sym typeface="Cambria Math"/>
+                                            </a:rPr>
+                                            <m:t>log</m:t>
+                                          </m:r>
+                                        </m:e>
+                                        <m:sub>
+                                          <m:r>
+                                            <a:rPr sz="1600" i="1">
+                                              <a:solidFill>
+                                                <a:srgbClr val="000000"/>
+                                              </a:solidFill>
+                                              <a:latin typeface="Cambria Math"/>
+                                              <a:sym typeface="Cambria Math"/>
+                                            </a:rPr>
+                                            <m:t>10</m:t>
+                                          </m:r>
+                                        </m:sub>
+                                      </m:sSub>
+                                      <m:r>
+                                        <a:rPr sz="1600" i="1">
+                                          <a:solidFill>
+                                            <a:srgbClr val="000000"/>
+                                          </a:solidFill>
+                                          <a:latin typeface="Cambria Math"/>
+                                          <a:sym typeface="Cambria Math"/>
+                                        </a:rPr>
+                                        <m:t>(</m:t>
+                                      </m:r>
+                                      <m:sSub>
+                                        <m:sSubPr>
+                                          <m:ctrlPr>
+                                            <a:rPr sz="1600" i="1">
+                                              <a:solidFill>
+                                                <a:srgbClr val="000000"/>
+                                              </a:solidFill>
+                                              <a:latin typeface="Cambria Math"/>
+                                              <a:sym typeface="Cambria Math"/>
+                                            </a:rPr>
+                                          </m:ctrlPr>
+                                        </m:sSubPr>
+                                        <m:e>
+                                          <m:r>
+                                            <a:rPr sz="1600" i="1">
+                                              <a:solidFill>
+                                                <a:srgbClr val="000000"/>
+                                              </a:solidFill>
+                                              <a:latin typeface="Cambria Math"/>
+                                              <a:sym typeface="Cambria Math"/>
+                                            </a:rPr>
+                                            <m:t>ℎ'</m:t>
+                                          </m:r>
+                                        </m:e>
+                                        <m:sub>
+                                          <m:r>
+                                            <a:rPr sz="1600" i="1">
+                                              <a:solidFill>
+                                                <a:srgbClr val="000000"/>
+                                              </a:solidFill>
+                                              <a:latin typeface="Cambria Math"/>
+                                              <a:sym typeface="Cambria Math"/>
+                                            </a:rPr>
+                                            <m:t>𝑏</m:t>
+                                          </m:r>
+                                          <m:r>
+                                            <a:rPr sz="1600" i="1">
+                                              <a:solidFill>
+                                                <a:srgbClr val="000000"/>
+                                              </a:solidFill>
+                                              <a:latin typeface="Cambria Math"/>
+                                              <a:sym typeface="Cambria Math"/>
+                                            </a:rPr>
+                                            <m:t>𝑠</m:t>
+                                          </m:r>
+                                        </m:sub>
+                                      </m:sSub>
+                                      <m:r>
+                                        <a:rPr sz="1600" i="1">
+                                          <a:solidFill>
+                                            <a:srgbClr val="000000"/>
+                                          </a:solidFill>
+                                          <a:latin typeface="Cambria Math"/>
+                                          <a:sym typeface="Cambria Math"/>
+                                        </a:rPr>
+                                        <m:t>)</m:t>
+                                      </m:r>
+                                    </m:fName>
+                                    <m:e>
+                                      <m:r>
+                                        <a:rPr sz="1600" i="1">
+                                          <a:solidFill>
+                                            <a:srgbClr val="000000"/>
+                                          </a:solidFill>
+                                          <a:latin typeface="Cambria Math"/>
+                                          <a:sym typeface="Cambria Math"/>
+                                        </a:rPr>
+                                        <m:t>-17.3</m:t>
+                                      </m:r>
+                                      <m:func>
+                                        <m:funcPr>
+                                          <m:ctrlPr>
+                                            <a:rPr sz="1600" i="1">
+                                              <a:solidFill>
+                                                <a:srgbClr val="000000"/>
+                                              </a:solidFill>
+                                              <a:latin typeface="Cambria Math"/>
+                                              <a:sym typeface="Cambria Math"/>
+                                            </a:rPr>
+                                          </m:ctrlPr>
+                                        </m:funcPr>
+                                        <m:fName>
+                                          <m:sSub>
+                                            <m:sSubPr>
+                                              <m:ctrlPr>
+                                                <a:rPr sz="1600" i="1">
+                                                  <a:solidFill>
+                                                    <a:srgbClr val="000000"/>
+                                                  </a:solidFill>
+                                                  <a:latin typeface="Cambria Math"/>
+                                                  <a:sym typeface="Cambria Math"/>
+                                                </a:rPr>
+                                              </m:ctrlPr>
+                                            </m:sSubPr>
+                                            <m:e>
+                                              <m:r>
+                                                <m:rPr>
+                                                  <m:sty m:val="p"/>
+                                                </m:rPr>
+                                                <a:rPr sz="1600" i="0">
+                                                  <a:solidFill>
+                                                    <a:srgbClr val="000000"/>
+                                                  </a:solidFill>
+                                                  <a:latin typeface="Cambria Math"/>
+                                                  <a:sym typeface="Cambria Math"/>
+                                                </a:rPr>
+                                                <m:t>log</m:t>
+                                              </m:r>
+                                            </m:e>
+                                            <m:sub>
+                                              <m:r>
+                                                <a:rPr sz="1600" i="1">
+                                                  <a:solidFill>
+                                                    <a:srgbClr val="000000"/>
+                                                  </a:solidFill>
+                                                  <a:latin typeface="Cambria Math"/>
+                                                  <a:sym typeface="Cambria Math"/>
+                                                </a:rPr>
+                                                <m:t>10</m:t>
+                                              </m:r>
+                                            </m:sub>
+                                          </m:sSub>
+                                          <m:r>
+                                            <a:rPr sz="1600" i="1">
+                                              <a:solidFill>
+                                                <a:srgbClr val="000000"/>
+                                              </a:solidFill>
+                                              <a:latin typeface="Cambria Math"/>
+                                              <a:sym typeface="Cambria Math"/>
+                                            </a:rPr>
+                                            <m:t>(</m:t>
+                                          </m:r>
+                                          <m:sSub>
+                                            <m:sSubPr>
+                                              <m:ctrlPr>
+                                                <a:rPr sz="1600" i="1">
+                                                  <a:solidFill>
+                                                    <a:srgbClr val="000000"/>
+                                                  </a:solidFill>
+                                                  <a:latin typeface="Cambria Math"/>
+                                                  <a:sym typeface="Cambria Math"/>
+                                                </a:rPr>
+                                              </m:ctrlPr>
+                                            </m:sSubPr>
+                                            <m:e>
+                                              <m:r>
+                                                <a:rPr sz="1600" i="1">
+                                                  <a:solidFill>
+                                                    <a:srgbClr val="000000"/>
+                                                  </a:solidFill>
+                                                  <a:latin typeface="Cambria Math"/>
+                                                  <a:sym typeface="Cambria Math"/>
+                                                </a:rPr>
+                                                <m:t>ℎ'</m:t>
+                                              </m:r>
+                                            </m:e>
+                                            <m:sub>
+                                              <m:r>
+                                                <a:rPr sz="1600" i="1">
+                                                  <a:solidFill>
+                                                    <a:srgbClr val="000000"/>
+                                                  </a:solidFill>
+                                                  <a:latin typeface="Cambria Math"/>
+                                                  <a:sym typeface="Cambria Math"/>
+                                                </a:rPr>
+                                                <m:t>𝑚</m:t>
+                                              </m:r>
+                                              <m:r>
+                                                <a:rPr sz="1600" i="1">
+                                                  <a:solidFill>
+                                                    <a:srgbClr val="000000"/>
+                                                  </a:solidFill>
+                                                  <a:latin typeface="Cambria Math"/>
+                                                  <a:sym typeface="Cambria Math"/>
+                                                </a:rPr>
+                                                <m:t>𝑠</m:t>
+                                              </m:r>
+                                            </m:sub>
+                                          </m:sSub>
+                                          <m:r>
+                                            <a:rPr sz="1600" i="1">
+                                              <a:solidFill>
+                                                <a:srgbClr val="000000"/>
+                                              </a:solidFill>
+                                              <a:latin typeface="Cambria Math"/>
+                                              <a:sym typeface="Cambria Math"/>
+                                            </a:rPr>
+                                            <m:t>)</m:t>
+                                          </m:r>
+                                        </m:fName>
+                                        <m:e>
+                                          <m:r>
+                                            <a:rPr sz="1600" i="1">
+                                              <a:solidFill>
+                                                <a:srgbClr val="000000"/>
+                                              </a:solidFill>
+                                              <a:latin typeface="Cambria Math"/>
+                                              <a:sym typeface="Cambria Math"/>
+                                            </a:rPr>
+                                            <m:t>+2.7</m:t>
+                                          </m:r>
+                                          <m:func>
+                                            <m:funcPr>
+                                              <m:ctrlPr>
+                                                <a:rPr sz="1600" i="1">
+                                                  <a:solidFill>
+                                                    <a:srgbClr val="000000"/>
+                                                  </a:solidFill>
+                                                  <a:latin typeface="Cambria Math"/>
+                                                  <a:sym typeface="Cambria Math"/>
+                                                </a:rPr>
+                                              </m:ctrlPr>
+                                            </m:funcPr>
+                                            <m:fName>
+                                              <m:sSub>
+                                                <m:sSubPr>
+                                                  <m:ctrlPr>
+                                                    <a:rPr sz="1600" i="1">
+                                                      <a:solidFill>
+                                                        <a:srgbClr val="000000"/>
+                                                      </a:solidFill>
+                                                      <a:latin typeface="Cambria Math"/>
+                                                      <a:sym typeface="Cambria Math"/>
+                                                    </a:rPr>
+                                                  </m:ctrlPr>
+                                                </m:sSubPr>
+                                                <m:e>
+                                                  <m:r>
+                                                    <m:rPr>
+                                                      <m:sty m:val="p"/>
+                                                    </m:rPr>
+                                                    <a:rPr sz="1600" i="0">
+                                                      <a:solidFill>
+                                                        <a:srgbClr val="000000"/>
+                                                      </a:solidFill>
+                                                      <a:latin typeface="Cambria Math"/>
+                                                      <a:sym typeface="Cambria Math"/>
+                                                    </a:rPr>
+                                                    <m:t>log</m:t>
+                                                  </m:r>
+                                                </m:e>
+                                                <m:sub>
+                                                  <m:r>
+                                                    <a:rPr sz="1600" i="1">
+                                                      <a:solidFill>
+                                                        <a:srgbClr val="000000"/>
+                                                      </a:solidFill>
+                                                      <a:latin typeface="Cambria Math"/>
+                                                      <a:sym typeface="Cambria Math"/>
+                                                    </a:rPr>
+                                                    <m:t>10</m:t>
+                                                  </m:r>
+                                                </m:sub>
+                                              </m:sSub>
+                                              <m:r>
+                                                <a:rPr sz="1600" i="1">
+                                                  <a:solidFill>
+                                                    <a:srgbClr val="000000"/>
+                                                  </a:solidFill>
+                                                  <a:latin typeface="Cambria Math"/>
+                                                  <a:sym typeface="Cambria Math"/>
+                                                </a:rPr>
+                                                <m:t>(</m:t>
+                                              </m:r>
+                                              <m:sSub>
+                                                <m:sSubPr>
+                                                  <m:ctrlPr>
+                                                    <a:rPr sz="1600" i="1">
+                                                      <a:solidFill>
+                                                        <a:srgbClr val="000000"/>
+                                                      </a:solidFill>
+                                                      <a:latin typeface="Cambria Math"/>
+                                                      <a:sym typeface="Cambria Math"/>
+                                                    </a:rPr>
+                                                  </m:ctrlPr>
+                                                </m:sSubPr>
+                                                <m:e>
+                                                  <m:r>
+                                                    <a:rPr sz="1600" i="1">
+                                                      <a:solidFill>
+                                                        <a:srgbClr val="000000"/>
+                                                      </a:solidFill>
+                                                      <a:latin typeface="Cambria Math"/>
+                                                      <a:sym typeface="Cambria Math"/>
+                                                    </a:rPr>
+                                                    <m:t>𝑓</m:t>
+                                                  </m:r>
+                                                </m:e>
+                                                <m:sub>
+                                                  <m:r>
+                                                    <a:rPr sz="1600" i="1">
+                                                      <a:solidFill>
+                                                        <a:srgbClr val="000000"/>
+                                                      </a:solidFill>
+                                                      <a:latin typeface="Cambria Math"/>
+                                                      <a:sym typeface="Cambria Math"/>
+                                                    </a:rPr>
+                                                    <m:t>𝑐</m:t>
+                                                  </m:r>
+                                                </m:sub>
+                                              </m:sSub>
+                                              <m:r>
+                                                <a:rPr sz="1600" i="1">
+                                                  <a:solidFill>
+                                                    <a:srgbClr val="000000"/>
+                                                  </a:solidFill>
+                                                  <a:latin typeface="Cambria Math"/>
+                                                  <a:sym typeface="Cambria Math"/>
+                                                </a:rPr>
+                                                <m:t>/5.0)</m:t>
+                                              </m:r>
+                                            </m:fName>
+                                            <m:e/>
+                                          </m:func>
+                                        </m:e>
+                                      </m:func>
+                                    </m:e>
+                                  </m:func>
+                                </m:e>
+                              </m:func>
+                            </m:e>
+                            <m:e>
+                              <m:r>
+                                <a:rPr sz="1600" i="1">
+                                  <a:solidFill>
+                                    <a:srgbClr val="000000"/>
+                                  </a:solidFill>
+                                  <a:latin typeface="Cambria Math"/>
+                                  <a:sym typeface="Cambria Math"/>
+                                </a:rPr>
+                                <m:t>𝑖</m:t>
+                              </m:r>
+                              <m:r>
+                                <a:rPr sz="1600" i="1">
+                                  <a:solidFill>
+                                    <a:srgbClr val="000000"/>
+                                  </a:solidFill>
+                                  <a:latin typeface="Cambria Math"/>
+                                  <a:sym typeface="Cambria Math"/>
+                                </a:rPr>
+                                <m:t>𝑓</m:t>
+                              </m:r>
+                              <m:r>
+                                <a:rPr sz="1600" i="1">
+                                  <a:solidFill>
+                                    <a:srgbClr val="000000"/>
+                                  </a:solidFill>
+                                  <a:latin typeface="Cambria Math"/>
+                                  <a:sym typeface="Cambria Math"/>
+                                </a:rPr>
+                                <m:t xml:space="preserve"> </m:t>
+                              </m:r>
+                              <m:r>
+                                <a:rPr sz="1600" i="1">
+                                  <a:solidFill>
+                                    <a:srgbClr val="000000"/>
+                                  </a:solidFill>
+                                  <a:latin typeface="Cambria Math"/>
+                                  <a:sym typeface="Cambria Math"/>
+                                </a:rPr>
+                                <m:t>𝑁</m:t>
+                              </m:r>
+                              <m:r>
+                                <a:rPr sz="1600" i="1">
+                                  <a:solidFill>
+                                    <a:srgbClr val="000000"/>
+                                  </a:solidFill>
+                                  <a:latin typeface="Cambria Math"/>
+                                  <a:sym typeface="Cambria Math"/>
+                                </a:rPr>
+                                <m:t>𝐿</m:t>
+                              </m:r>
+                              <m:r>
+                                <a:rPr sz="1600" i="1">
+                                  <a:solidFill>
+                                    <a:srgbClr val="000000"/>
+                                  </a:solidFill>
+                                  <a:latin typeface="Cambria Math"/>
+                                  <a:sym typeface="Cambria Math"/>
+                                </a:rPr>
+                                <m:t>𝑂</m:t>
+                              </m:r>
+                              <m:r>
+                                <a:rPr sz="1600" i="1">
+                                  <a:solidFill>
+                                    <a:srgbClr val="000000"/>
+                                  </a:solidFill>
+                                  <a:latin typeface="Cambria Math"/>
+                                  <a:sym typeface="Cambria Math"/>
+                                </a:rPr>
+                                <m:t>𝑆</m:t>
+                              </m:r>
+                              <m:r>
+                                <a:rPr sz="1600" i="1">
+                                  <a:solidFill>
+                                    <a:srgbClr val="000000"/>
+                                  </a:solidFill>
+                                  <a:latin typeface="Cambria Math"/>
+                                  <a:sym typeface="Cambria Math"/>
+                                </a:rPr>
+                                <m:t xml:space="preserve"> </m:t>
+                              </m:r>
+                              <m:r>
+                                <a:rPr sz="1600" i="1">
+                                  <a:solidFill>
+                                    <a:srgbClr val="000000"/>
+                                  </a:solidFill>
+                                  <a:latin typeface="Cambria Math"/>
+                                  <a:sym typeface="Cambria Math"/>
+                                </a:rPr>
+                                <m:t xml:space="preserve">      </m:t>
+                              </m:r>
+                              <m:r>
+                                <a:rPr sz="1600" i="1">
+                                  <a:solidFill>
+                                    <a:srgbClr val="000000"/>
+                                  </a:solidFill>
+                                  <a:latin typeface="Cambria Math"/>
+                                  <a:sym typeface="Cambria Math"/>
+                                </a:rPr>
+                                <m:t>𝑚</m:t>
+                              </m:r>
+                              <m:r>
+                                <a:rPr sz="1600" i="1">
+                                  <a:solidFill>
+                                    <a:srgbClr val="000000"/>
+                                  </a:solidFill>
+                                  <a:latin typeface="Cambria Math"/>
+                                  <a:sym typeface="Cambria Math"/>
+                                </a:rPr>
+                                <m:t>𝑖</m:t>
+                              </m:r>
+                              <m:r>
+                                <a:rPr sz="1600" i="1">
+                                  <a:solidFill>
+                                    <a:srgbClr val="000000"/>
+                                  </a:solidFill>
+                                  <a:latin typeface="Cambria Math"/>
+                                  <a:sym typeface="Cambria Math"/>
+                                </a:rPr>
+                                <m:t>𝑛</m:t>
+                              </m:r>
+                              <m:r>
+                                <a:rPr sz="1600" i="1">
+                                  <a:solidFill>
+                                    <a:srgbClr val="000000"/>
+                                  </a:solidFill>
+                                  <a:latin typeface="Cambria Math"/>
+                                  <a:sym typeface="Cambria Math"/>
+                                </a:rPr>
+                                <m:t>(</m:t>
+                              </m:r>
+                              <m:sSub>
+                                <m:sSubPr>
+                                  <m:ctrlPr>
+                                    <a:rPr sz="1600" i="1">
+                                      <a:solidFill>
+                                        <a:srgbClr val="000000"/>
+                                      </a:solidFill>
+                                      <a:latin typeface="Cambria Math"/>
+                                      <a:sym typeface="Cambria Math"/>
+                                    </a:rPr>
+                                  </m:ctrlPr>
+                                </m:sSubPr>
+                                <m:e>
+                                  <m:r>
+                                    <a:rPr sz="1600" i="1">
+                                      <a:solidFill>
+                                        <a:srgbClr val="000000"/>
+                                      </a:solidFill>
+                                      <a:latin typeface="Cambria Math"/>
+                                      <a:sym typeface="Cambria Math"/>
+                                    </a:rPr>
+                                    <m:t>𝑃</m:t>
+                                  </m:r>
+                                  <m:r>
+                                    <a:rPr sz="1600" i="1">
+                                      <a:solidFill>
+                                        <a:srgbClr val="000000"/>
+                                      </a:solidFill>
+                                      <a:latin typeface="Cambria Math"/>
+                                      <a:sym typeface="Cambria Math"/>
+                                    </a:rPr>
+                                    <m:t>𝐿</m:t>
+                                  </m:r>
+                                </m:e>
+                                <m:sub>
+                                  <m:r>
+                                    <a:rPr sz="1600" i="1">
+                                      <a:solidFill>
+                                        <a:srgbClr val="000000"/>
+                                      </a:solidFill>
+                                      <a:latin typeface="Cambria Math"/>
+                                      <a:sym typeface="Cambria Math"/>
+                                    </a:rPr>
+                                    <m:t>𝑁</m:t>
+                                  </m:r>
+                                  <m:r>
+                                    <a:rPr sz="1600" i="1">
+                                      <a:solidFill>
+                                        <a:srgbClr val="000000"/>
+                                      </a:solidFill>
+                                      <a:latin typeface="Cambria Math"/>
+                                      <a:sym typeface="Cambria Math"/>
+                                    </a:rPr>
+                                    <m:t>𝐿</m:t>
+                                  </m:r>
+                                  <m:r>
+                                    <a:rPr sz="1600" i="1">
+                                      <a:solidFill>
+                                        <a:srgbClr val="000000"/>
+                                      </a:solidFill>
+                                      <a:latin typeface="Cambria Math"/>
+                                      <a:sym typeface="Cambria Math"/>
+                                    </a:rPr>
+                                    <m:t>𝑂</m:t>
+                                  </m:r>
+                                  <m:r>
+                                    <a:rPr sz="1600" i="1">
+                                      <a:solidFill>
+                                        <a:srgbClr val="000000"/>
+                                      </a:solidFill>
+                                      <a:latin typeface="Cambria Math"/>
+                                      <a:sym typeface="Cambria Math"/>
+                                    </a:rPr>
+                                    <m:t>𝑆</m:t>
+                                  </m:r>
+                                </m:sub>
+                              </m:sSub>
+                              <m:r>
+                                <a:rPr sz="1600" i="1">
+                                  <a:solidFill>
+                                    <a:srgbClr val="000000"/>
+                                  </a:solidFill>
+                                  <a:latin typeface="Cambria Math"/>
+                                  <a:sym typeface="Cambria Math"/>
+                                </a:rPr>
+                                <m:t>(</m:t>
+                              </m:r>
+                              <m:sSub>
+                                <m:sSubPr>
+                                  <m:ctrlPr>
+                                    <a:rPr sz="1600" i="1">
+                                      <a:solidFill>
+                                        <a:srgbClr val="000000"/>
+                                      </a:solidFill>
+                                      <a:latin typeface="Cambria Math"/>
+                                      <a:sym typeface="Cambria Math"/>
+                                    </a:rPr>
+                                  </m:ctrlPr>
+                                </m:sSubPr>
+                                <m:e>
+                                  <m:r>
+                                    <a:rPr sz="1600" i="1">
+                                      <a:solidFill>
+                                        <a:srgbClr val="000000"/>
+                                      </a:solidFill>
+                                      <a:latin typeface="Cambria Math"/>
+                                      <a:sym typeface="Cambria Math"/>
+                                    </a:rPr>
+                                    <m:t>𝑑</m:t>
+                                  </m:r>
+                                </m:e>
+                                <m:sub>
+                                  <m:r>
+                                    <a:rPr sz="1600" i="1">
+                                      <a:solidFill>
+                                        <a:srgbClr val="000000"/>
+                                      </a:solidFill>
+                                      <a:latin typeface="Cambria Math"/>
+                                      <a:sym typeface="Cambria Math"/>
+                                    </a:rPr>
+                                    <m:t>1</m:t>
+                                  </m:r>
+                                </m:sub>
+                              </m:sSub>
+                              <m:r>
+                                <a:rPr sz="1600" i="1">
+                                  <a:solidFill>
+                                    <a:srgbClr val="000000"/>
+                                  </a:solidFill>
+                                  <a:latin typeface="Cambria Math"/>
+                                  <a:sym typeface="Cambria Math"/>
+                                </a:rPr>
+                                <m:t>,</m:t>
+                              </m:r>
+                              <m:sSub>
+                                <m:sSubPr>
+                                  <m:ctrlPr>
+                                    <a:rPr sz="1600" i="1">
+                                      <a:solidFill>
+                                        <a:srgbClr val="000000"/>
+                                      </a:solidFill>
+                                      <a:latin typeface="Cambria Math"/>
+                                      <a:sym typeface="Cambria Math"/>
+                                    </a:rPr>
+                                  </m:ctrlPr>
+                                </m:sSubPr>
+                                <m:e>
+                                  <m:r>
+                                    <a:rPr sz="1600" i="1">
+                                      <a:solidFill>
+                                        <a:srgbClr val="000000"/>
+                                      </a:solidFill>
+                                      <a:latin typeface="Cambria Math"/>
+                                      <a:sym typeface="Cambria Math"/>
+                                    </a:rPr>
+                                    <m:t>𝑑</m:t>
+                                  </m:r>
+                                </m:e>
+                                <m:sub>
+                                  <m:r>
+                                    <a:rPr sz="1600" i="1">
+                                      <a:solidFill>
+                                        <a:srgbClr val="000000"/>
+                                      </a:solidFill>
+                                      <a:latin typeface="Cambria Math"/>
+                                      <a:sym typeface="Cambria Math"/>
+                                    </a:rPr>
+                                    <m:t>2</m:t>
+                                  </m:r>
+                                </m:sub>
+                              </m:sSub>
+                              <m:r>
+                                <a:rPr sz="1600" i="1">
+                                  <a:solidFill>
+                                    <a:srgbClr val="000000"/>
+                                  </a:solidFill>
+                                  <a:latin typeface="Cambria Math"/>
+                                  <a:sym typeface="Cambria Math"/>
+                                </a:rPr>
+                                <m:t xml:space="preserve">), </m:t>
+                              </m:r>
+                              <m:sSub>
+                                <m:sSubPr>
+                                  <m:ctrlPr>
+                                    <a:rPr sz="1600" i="1">
+                                      <a:solidFill>
+                                        <a:srgbClr val="000000"/>
+                                      </a:solidFill>
+                                      <a:latin typeface="Cambria Math"/>
+                                      <a:sym typeface="Cambria Math"/>
+                                    </a:rPr>
+                                  </m:ctrlPr>
+                                </m:sSubPr>
+                                <m:e>
+                                  <m:r>
+                                    <a:rPr sz="1600" i="1">
+                                      <a:solidFill>
+                                        <a:srgbClr val="000000"/>
+                                      </a:solidFill>
+                                      <a:latin typeface="Cambria Math"/>
+                                      <a:sym typeface="Cambria Math"/>
+                                    </a:rPr>
+                                    <m:t>𝑃</m:t>
+                                  </m:r>
+                                  <m:r>
+                                    <a:rPr sz="1600" i="1">
+                                      <a:solidFill>
+                                        <a:srgbClr val="000000"/>
+                                      </a:solidFill>
+                                      <a:latin typeface="Cambria Math"/>
+                                      <a:sym typeface="Cambria Math"/>
+                                    </a:rPr>
+                                    <m:t>𝐿</m:t>
+                                  </m:r>
+                                </m:e>
+                                <m:sub>
+                                  <m:r>
+                                    <a:rPr sz="1600" i="1">
+                                      <a:solidFill>
+                                        <a:srgbClr val="000000"/>
+                                      </a:solidFill>
+                                      <a:latin typeface="Cambria Math"/>
+                                      <a:sym typeface="Cambria Math"/>
+                                    </a:rPr>
+                                    <m:t>𝑁</m:t>
+                                  </m:r>
+                                  <m:r>
+                                    <a:rPr sz="1600" i="1">
+                                      <a:solidFill>
+                                        <a:srgbClr val="000000"/>
+                                      </a:solidFill>
+                                      <a:latin typeface="Cambria Math"/>
+                                      <a:sym typeface="Cambria Math"/>
+                                    </a:rPr>
+                                    <m:t>𝐿</m:t>
+                                  </m:r>
+                                  <m:r>
+                                    <a:rPr sz="1600" i="1">
+                                      <a:solidFill>
+                                        <a:srgbClr val="000000"/>
+                                      </a:solidFill>
+                                      <a:latin typeface="Cambria Math"/>
+                                      <a:sym typeface="Cambria Math"/>
+                                    </a:rPr>
+                                    <m:t>𝑂</m:t>
+                                  </m:r>
+                                  <m:r>
+                                    <a:rPr sz="1600" i="1">
+                                      <a:solidFill>
+                                        <a:srgbClr val="000000"/>
+                                      </a:solidFill>
+                                      <a:latin typeface="Cambria Math"/>
+                                      <a:sym typeface="Cambria Math"/>
+                                    </a:rPr>
+                                    <m:t>𝑆</m:t>
+                                  </m:r>
+                                </m:sub>
+                              </m:sSub>
+                              <m:r>
+                                <a:rPr sz="1600" i="1">
+                                  <a:solidFill>
+                                    <a:srgbClr val="000000"/>
+                                  </a:solidFill>
+                                  <a:latin typeface="Cambria Math"/>
+                                  <a:sym typeface="Cambria Math"/>
+                                </a:rPr>
+                                <m:t>(</m:t>
+                              </m:r>
+                              <m:sSub>
+                                <m:sSubPr>
+                                  <m:ctrlPr>
+                                    <a:rPr sz="1600" i="1">
+                                      <a:solidFill>
+                                        <a:srgbClr val="000000"/>
+                                      </a:solidFill>
+                                      <a:latin typeface="Cambria Math"/>
+                                      <a:sym typeface="Cambria Math"/>
+                                    </a:rPr>
+                                  </m:ctrlPr>
+                                </m:sSubPr>
+                                <m:e>
+                                  <m:r>
+                                    <a:rPr sz="1600" i="1">
+                                      <a:solidFill>
+                                        <a:srgbClr val="000000"/>
+                                      </a:solidFill>
+                                      <a:latin typeface="Cambria Math"/>
+                                      <a:sym typeface="Cambria Math"/>
+                                    </a:rPr>
+                                    <m:t>𝑑</m:t>
+                                  </m:r>
+                                </m:e>
+                                <m:sub>
+                                  <m:r>
+                                    <a:rPr sz="1600" i="1">
+                                      <a:solidFill>
+                                        <a:srgbClr val="000000"/>
+                                      </a:solidFill>
+                                      <a:latin typeface="Cambria Math"/>
+                                      <a:sym typeface="Cambria Math"/>
+                                    </a:rPr>
+                                    <m:t>1</m:t>
+                                  </m:r>
+                                </m:sub>
+                              </m:sSub>
+                              <m:r>
+                                <a:rPr sz="1600" i="1">
+                                  <a:solidFill>
+                                    <a:srgbClr val="000000"/>
+                                  </a:solidFill>
+                                  <a:latin typeface="Cambria Math"/>
+                                  <a:sym typeface="Cambria Math"/>
+                                </a:rPr>
+                                <m:t>,</m:t>
+                              </m:r>
+                              <m:sSub>
+                                <m:sSubPr>
+                                  <m:ctrlPr>
+                                    <a:rPr sz="1600" i="1">
+                                      <a:solidFill>
+                                        <a:srgbClr val="000000"/>
+                                      </a:solidFill>
+                                      <a:latin typeface="Cambria Math"/>
+                                      <a:sym typeface="Cambria Math"/>
+                                    </a:rPr>
+                                  </m:ctrlPr>
+                                </m:sSubPr>
+                                <m:e>
+                                  <m:r>
+                                    <a:rPr sz="1600" i="1">
+                                      <a:solidFill>
+                                        <a:srgbClr val="000000"/>
+                                      </a:solidFill>
+                                      <a:latin typeface="Cambria Math"/>
+                                      <a:sym typeface="Cambria Math"/>
+                                    </a:rPr>
+                                    <m:t>𝑑</m:t>
+                                  </m:r>
+                                </m:e>
+                                <m:sub>
+                                  <m:r>
+                                    <a:rPr sz="1600" i="1">
+                                      <a:solidFill>
+                                        <a:srgbClr val="000000"/>
+                                      </a:solidFill>
+                                      <a:latin typeface="Cambria Math"/>
+                                      <a:sym typeface="Cambria Math"/>
+                                    </a:rPr>
+                                    <m:t>2</m:t>
+                                  </m:r>
+                                </m:sub>
+                              </m:sSub>
+                              <m:r>
+                                <a:rPr sz="1600" i="1">
+                                  <a:solidFill>
+                                    <a:srgbClr val="000000"/>
+                                  </a:solidFill>
+                                  <a:latin typeface="Cambria Math"/>
+                                  <a:sym typeface="Cambria Math"/>
+                                </a:rPr>
+                                <m:t>))</m:t>
+                              </m:r>
+                              <m:r>
+                                <a:rPr sz="1600" i="1">
+                                  <a:solidFill>
+                                    <a:srgbClr val="000000"/>
+                                  </a:solidFill>
+                                  <a:latin typeface="Cambria Math"/>
+                                  <a:sym typeface="Cambria Math"/>
+                                </a:rPr>
+                                <m:t xml:space="preserve">  </m:t>
+                              </m:r>
+                              <m:r>
+                                <a:rPr sz="1600" i="1">
+                                  <a:solidFill>
+                                    <a:srgbClr val="000000"/>
+                                  </a:solidFill>
+                                  <a:latin typeface="Cambria Math"/>
+                                  <a:sym typeface="Cambria Math"/>
+                                </a:rPr>
+                                <m:t xml:space="preserve">                                                                                  </m:t>
+                              </m:r>
+                            </m:e>
+                          </m:eqArr>
+                        </m:e>
+                      </m:d>
+                    </m:oMath>
+                  </m:oMathPara>
+                </a14:m>
+              </a:p>
+              <a:p>
+                <a:pPr algn="l"/>
+                <a14:m xmlns:m="http://schemas.openxmlformats.org/officeDocument/2006/math" xmlns:mc="http://schemas.openxmlformats.org/markup-compatibility/2006" xmlns:ho="http://schemas.haansoft.com/office/8.0" mc:Ignorable="ho" ho:hncCreate="1">
+                  <m:oMathPara>
+                    <m:oMathParaPr>
+                      <m:jc m:val="left"/>
+                    </m:oMathParaPr>
+                    <m:oMath xmlns:m="http://schemas.openxmlformats.org/officeDocument/2006/math">
+                      <m:sSub>
+                        <m:sSubPr>
+                          <m:ctrlPr>
+                            <a:rPr sz="1600" i="1">
+                              <a:solidFill>
+                                <a:srgbClr val="000000"/>
+                              </a:solidFill>
+                              <a:latin typeface="Cambria Math"/>
+                              <a:sym typeface="Cambria Math"/>
+                            </a:rPr>
+                          </m:ctrlPr>
+                        </m:sSubPr>
+                        <m:e>
+                          <m:sSub>
+                            <m:sSubPr>
+                              <m:ctrlPr>
+                                <a:rPr sz="1600" i="1">
+                                  <a:solidFill>
+                                    <a:srgbClr val="000000"/>
+                                  </a:solidFill>
+                                  <a:latin typeface="Cambria Math"/>
+                                  <a:sym typeface="Cambria Math"/>
+                                </a:rPr>
+                              </m:ctrlPr>
+                            </m:sSubPr>
+                            <m:e>
+                              <m:r>
+                                <a:rPr sz="1600" i="1">
+                                  <a:solidFill>
+                                    <a:srgbClr val="000000"/>
+                                  </a:solidFill>
+                                  <a:latin typeface="Cambria Math"/>
+                                  <a:sym typeface="Cambria Math"/>
+                                </a:rPr>
+                                <m:t>𝑃</m:t>
+                              </m:r>
+                              <m:r>
+                                <a:rPr sz="1600" i="1">
+                                  <a:solidFill>
+                                    <a:srgbClr val="000000"/>
+                                  </a:solidFill>
+                                  <a:latin typeface="Cambria Math"/>
+                                  <a:sym typeface="Cambria Math"/>
+                                </a:rPr>
+                                <m:t>𝐿</m:t>
+                              </m:r>
+                            </m:e>
+                            <m:sub>
+                              <m:r>
+                                <a:rPr sz="1600" i="1">
+                                  <a:solidFill>
+                                    <a:srgbClr val="000000"/>
+                                  </a:solidFill>
+                                  <a:latin typeface="Cambria Math"/>
+                                  <a:sym typeface="Cambria Math"/>
+                                </a:rPr>
+                                <m:t>𝑁</m:t>
+                              </m:r>
+                              <m:r>
+                                <a:rPr sz="1600" i="1">
+                                  <a:solidFill>
+                                    <a:srgbClr val="000000"/>
+                                  </a:solidFill>
+                                  <a:latin typeface="Cambria Math"/>
+                                  <a:sym typeface="Cambria Math"/>
+                                </a:rPr>
+                                <m:t>𝐿</m:t>
+                              </m:r>
+                              <m:r>
+                                <a:rPr sz="1600" i="1">
+                                  <a:solidFill>
+                                    <a:srgbClr val="000000"/>
+                                  </a:solidFill>
+                                  <a:latin typeface="Cambria Math"/>
+                                  <a:sym typeface="Cambria Math"/>
+                                </a:rPr>
+                                <m:t>𝑂</m:t>
+                              </m:r>
+                              <m:r>
+                                <a:rPr sz="1600" i="1">
+                                  <a:solidFill>
+                                    <a:srgbClr val="000000"/>
+                                  </a:solidFill>
+                                  <a:latin typeface="Cambria Math"/>
+                                  <a:sym typeface="Cambria Math"/>
+                                </a:rPr>
+                                <m:t>𝑆</m:t>
+                              </m:r>
+                            </m:sub>
+                          </m:sSub>
+                          <m:r>
+                            <a:rPr sz="1600" i="1">
+                              <a:solidFill>
+                                <a:srgbClr val="000000"/>
+                              </a:solidFill>
+                              <a:latin typeface="Cambria Math"/>
+                              <a:sym typeface="Cambria Math"/>
+                            </a:rPr>
+                            <m:t>(</m:t>
+                          </m:r>
+                          <m:sSub>
+                            <m:sSubPr>
+                              <m:ctrlPr>
+                                <a:rPr sz="1600" i="1">
+                                  <a:solidFill>
+                                    <a:srgbClr val="000000"/>
+                                  </a:solidFill>
+                                  <a:latin typeface="Cambria Math"/>
+                                  <a:sym typeface="Cambria Math"/>
+                                </a:rPr>
+                              </m:ctrlPr>
+                            </m:sSubPr>
+                            <m:e>
+                              <m:r>
+                                <a:rPr sz="1600" i="1">
+                                  <a:solidFill>
+                                    <a:srgbClr val="000000"/>
+                                  </a:solidFill>
+                                  <a:latin typeface="Cambria Math"/>
+                                  <a:sym typeface="Cambria Math"/>
+                                </a:rPr>
+                                <m:t>𝑑</m:t>
+                              </m:r>
+                            </m:e>
+                            <m:sub>
+                              <m:r>
+                                <a:rPr sz="1600" i="1">
+                                  <a:solidFill>
+                                    <a:srgbClr val="000000"/>
+                                  </a:solidFill>
+                                  <a:latin typeface="Cambria Math"/>
+                                  <a:sym typeface="Cambria Math"/>
+                                </a:rPr>
+                                <m:t>𝑘</m:t>
+                              </m:r>
+                            </m:sub>
+                          </m:sSub>
+                          <m:r>
+                            <a:rPr sz="1600" i="1">
+                              <a:solidFill>
+                                <a:srgbClr val="000000"/>
+                              </a:solidFill>
+                              <a:latin typeface="Cambria Math"/>
+                              <a:sym typeface="Cambria Math"/>
+                            </a:rPr>
+                            <m:t>,</m:t>
+                          </m:r>
+                          <m:sSub>
+                            <m:sSubPr>
+                              <m:ctrlPr>
+                                <a:rPr sz="1600" i="1">
+                                  <a:solidFill>
+                                    <a:srgbClr val="000000"/>
+                                  </a:solidFill>
+                                  <a:latin typeface="Cambria Math"/>
+                                  <a:sym typeface="Cambria Math"/>
+                                </a:rPr>
+                              </m:ctrlPr>
+                            </m:sSubPr>
+                            <m:e>
+                              <m:r>
+                                <a:rPr sz="1600" i="1">
+                                  <a:solidFill>
+                                    <a:srgbClr val="000000"/>
+                                  </a:solidFill>
+                                  <a:latin typeface="Cambria Math"/>
+                                  <a:sym typeface="Cambria Math"/>
+                                </a:rPr>
+                                <m:t>𝑑</m:t>
+                              </m:r>
+                            </m:e>
+                            <m:sub>
+                              <m:r>
+                                <a:rPr sz="1600" i="1">
+                                  <a:solidFill>
+                                    <a:srgbClr val="000000"/>
+                                  </a:solidFill>
+                                  <a:latin typeface="Cambria Math"/>
+                                  <a:sym typeface="Cambria Math"/>
+                                </a:rPr>
+                                <m:t>𝑙</m:t>
+                              </m:r>
+                            </m:sub>
+                          </m:sSub>
+                          <m:r>
+                            <a:rPr sz="1600" i="1">
+                              <a:solidFill>
+                                <a:srgbClr val="000000"/>
+                              </a:solidFill>
+                              <a:latin typeface="Cambria Math"/>
+                              <a:sym typeface="Cambria Math"/>
+                            </a:rPr>
+                            <m:t>)</m:t>
+                          </m:r>
+                          <m:r>
+                            <a:rPr sz="1600" i="1">
+                              <a:solidFill>
+                                <a:srgbClr val="000000"/>
+                              </a:solidFill>
+                              <a:latin typeface="Cambria Math"/>
+                              <a:sym typeface="Cambria Math"/>
+                            </a:rPr>
+                            <m:t xml:space="preserve"> :  </m:t>
+                          </m:r>
+                          <m:r>
+                            <a:rPr sz="1600" i="1">
+                              <a:solidFill>
+                                <a:srgbClr val="000000"/>
+                              </a:solidFill>
+                              <a:latin typeface="Cambria Math"/>
+                              <a:sym typeface="Cambria Math"/>
+                            </a:rPr>
+                            <m:t>𝑃</m:t>
+                          </m:r>
+                          <m:r>
+                            <a:rPr sz="1600" i="1">
+                              <a:solidFill>
+                                <a:srgbClr val="000000"/>
+                              </a:solidFill>
+                              <a:latin typeface="Cambria Math"/>
+                              <a:sym typeface="Cambria Math"/>
+                            </a:rPr>
+                            <m:t>𝐿</m:t>
+                          </m:r>
+                        </m:e>
+                        <m:sub>
+                          <m:r>
+                            <a:rPr sz="1600" i="1">
+                              <a:solidFill>
+                                <a:srgbClr val="000000"/>
+                              </a:solidFill>
+                              <a:latin typeface="Cambria Math"/>
+                              <a:sym typeface="Cambria Math"/>
+                            </a:rPr>
+                            <m:t>𝐿</m:t>
+                          </m:r>
+                          <m:r>
+                            <a:rPr sz="1600" i="1">
+                              <a:solidFill>
+                                <a:srgbClr val="000000"/>
+                              </a:solidFill>
+                              <a:latin typeface="Cambria Math"/>
+                              <a:sym typeface="Cambria Math"/>
+                            </a:rPr>
+                            <m:t>𝑂</m:t>
+                          </m:r>
+                          <m:r>
+                            <a:rPr sz="1600" i="1">
+                              <a:solidFill>
+                                <a:srgbClr val="000000"/>
+                              </a:solidFill>
+                              <a:latin typeface="Cambria Math"/>
+                              <a:sym typeface="Cambria Math"/>
+                            </a:rPr>
+                            <m:t>𝑆</m:t>
+                          </m:r>
+                        </m:sub>
+                      </m:sSub>
+                      <m:r>
+                        <a:rPr sz="1600" i="1">
+                          <a:solidFill>
+                            <a:srgbClr val="000000"/>
+                          </a:solidFill>
+                          <a:latin typeface="Cambria Math"/>
+                          <a:sym typeface="Cambria Math"/>
+                        </a:rPr>
+                        <m:t>(</m:t>
+                      </m:r>
+                      <m:sSub>
+                        <m:sSubPr>
+                          <m:ctrlPr>
+                            <a:rPr sz="1600" i="1">
+                              <a:solidFill>
+                                <a:srgbClr val="000000"/>
+                              </a:solidFill>
+                              <a:latin typeface="Cambria Math"/>
+                              <a:sym typeface="Cambria Math"/>
+                            </a:rPr>
+                          </m:ctrlPr>
+                        </m:sSubPr>
+                        <m:e>
+                          <m:r>
+                            <a:rPr sz="1600" i="1">
+                              <a:solidFill>
+                                <a:srgbClr val="000000"/>
+                              </a:solidFill>
+                              <a:latin typeface="Cambria Math"/>
+                              <a:sym typeface="Cambria Math"/>
+                            </a:rPr>
+                            <m:t>𝑑</m:t>
+                          </m:r>
+                        </m:e>
+                        <m:sub>
+                          <m:r>
+                            <a:rPr sz="1600" i="1">
+                              <a:solidFill>
+                                <a:srgbClr val="000000"/>
+                              </a:solidFill>
+                              <a:latin typeface="Cambria Math"/>
+                              <a:sym typeface="Cambria Math"/>
+                            </a:rPr>
+                            <m:t>𝑘</m:t>
+                          </m:r>
+                        </m:sub>
+                      </m:sSub>
+                      <m:r>
+                        <a:rPr sz="1600" i="1">
+                          <a:solidFill>
+                            <a:srgbClr val="000000"/>
+                          </a:solidFill>
+                          <a:latin typeface="Cambria Math"/>
+                          <a:sym typeface="Cambria Math"/>
+                        </a:rPr>
+                        <m:t>)+20-12.5</m:t>
+                      </m:r>
+                      <m:sSub>
+                        <m:sSubPr>
+                          <m:ctrlPr>
+                            <a:rPr sz="1600" i="1">
+                              <a:solidFill>
+                                <a:srgbClr val="000000"/>
+                              </a:solidFill>
+                              <a:latin typeface="Cambria Math"/>
+                              <a:sym typeface="Cambria Math"/>
+                            </a:rPr>
+                          </m:ctrlPr>
+                        </m:sSubPr>
+                        <m:e>
+                          <m:r>
+                            <a:rPr sz="1600" i="1">
+                              <a:solidFill>
+                                <a:srgbClr val="000000"/>
+                              </a:solidFill>
+                              <a:latin typeface="Cambria Math"/>
+                              <a:sym typeface="Cambria Math"/>
+                            </a:rPr>
+                            <m:t>𝑛</m:t>
+                          </m:r>
+                        </m:e>
+                        <m:sub>
+                          <m:r>
+                            <a:rPr sz="1600" i="1">
+                              <a:solidFill>
+                                <a:srgbClr val="000000"/>
+                              </a:solidFill>
+                              <a:latin typeface="Cambria Math"/>
+                              <a:sym typeface="Cambria Math"/>
+                            </a:rPr>
+                            <m:t>𝑗</m:t>
+                          </m:r>
+                        </m:sub>
+                      </m:sSub>
+                      <m:r>
+                        <a:rPr sz="1600" i="1">
+                          <a:solidFill>
+                            <a:srgbClr val="000000"/>
+                          </a:solidFill>
+                          <a:latin typeface="Cambria Math"/>
+                          <a:sym typeface="Cambria Math"/>
+                        </a:rPr>
+                        <m:t>+10</m:t>
+                      </m:r>
+                      <m:sSub>
+                        <m:sSubPr>
+                          <m:ctrlPr>
+                            <a:rPr sz="1600" i="1">
+                              <a:solidFill>
+                                <a:srgbClr val="000000"/>
+                              </a:solidFill>
+                              <a:latin typeface="Cambria Math"/>
+                              <a:sym typeface="Cambria Math"/>
+                            </a:rPr>
+                          </m:ctrlPr>
+                        </m:sSubPr>
+                        <m:e>
+                          <m:r>
+                            <a:rPr sz="1600" i="1">
+                              <a:solidFill>
+                                <a:srgbClr val="000000"/>
+                              </a:solidFill>
+                              <a:latin typeface="Cambria Math"/>
+                              <a:sym typeface="Cambria Math"/>
+                            </a:rPr>
+                            <m:t>𝑛</m:t>
+                          </m:r>
+                        </m:e>
+                        <m:sub>
+                          <m:r>
+                            <a:rPr sz="1600" i="1">
+                              <a:solidFill>
+                                <a:srgbClr val="000000"/>
+                              </a:solidFill>
+                              <a:latin typeface="Cambria Math"/>
+                              <a:sym typeface="Cambria Math"/>
+                            </a:rPr>
+                            <m:t>𝑗</m:t>
+                          </m:r>
+                        </m:sub>
+                      </m:sSub>
+                      <m:func>
+                        <m:funcPr>
+                          <m:ctrlPr>
+                            <a:rPr sz="1600" i="1">
+                              <a:solidFill>
+                                <a:srgbClr val="000000"/>
+                              </a:solidFill>
+                              <a:latin typeface="Cambria Math"/>
+                              <a:sym typeface="Cambria Math"/>
+                            </a:rPr>
+                          </m:ctrlPr>
+                        </m:funcPr>
+                        <m:fName>
+                          <m:sSub>
+                            <m:sSubPr>
+                              <m:ctrlPr>
+                                <a:rPr sz="1600" i="1">
+                                  <a:solidFill>
+                                    <a:srgbClr val="000000"/>
+                                  </a:solidFill>
+                                  <a:latin typeface="Cambria Math"/>
+                                  <a:sym typeface="Cambria Math"/>
+                                </a:rPr>
+                              </m:ctrlPr>
+                            </m:sSubPr>
+                            <m:e>
+                              <m:r>
+                                <m:rPr>
+                                  <m:sty m:val="p"/>
+                                </m:rPr>
+                                <a:rPr sz="1600" i="0">
+                                  <a:solidFill>
+                                    <a:srgbClr val="000000"/>
+                                  </a:solidFill>
+                                  <a:latin typeface="Cambria Math"/>
+                                  <a:sym typeface="Cambria Math"/>
+                                </a:rPr>
+                                <m:t>log</m:t>
+                              </m:r>
+                            </m:e>
+                            <m:sub>
+                              <m:r>
+                                <a:rPr sz="1600" i="1">
+                                  <a:solidFill>
+                                    <a:srgbClr val="000000"/>
+                                  </a:solidFill>
+                                  <a:latin typeface="Cambria Math"/>
+                                  <a:sym typeface="Cambria Math"/>
+                                </a:rPr>
+                                <m:t>10</m:t>
+                              </m:r>
+                            </m:sub>
+                          </m:sSub>
+                          <m:r>
+                            <a:rPr sz="1600" i="1">
+                              <a:solidFill>
+                                <a:srgbClr val="000000"/>
+                              </a:solidFill>
+                              <a:latin typeface="Cambria Math"/>
+                              <a:sym typeface="Cambria Math"/>
+                            </a:rPr>
+                            <m:t>(</m:t>
+                          </m:r>
+                          <m:sSub>
+                            <m:sSubPr>
+                              <m:ctrlPr>
+                                <a:rPr sz="1600" i="1">
+                                  <a:solidFill>
+                                    <a:srgbClr val="000000"/>
+                                  </a:solidFill>
+                                  <a:latin typeface="Cambria Math"/>
+                                  <a:sym typeface="Cambria Math"/>
+                                </a:rPr>
+                              </m:ctrlPr>
+                            </m:sSubPr>
+                            <m:e>
+                              <m:r>
+                                <a:rPr sz="1600" i="1">
+                                  <a:solidFill>
+                                    <a:srgbClr val="000000"/>
+                                  </a:solidFill>
+                                  <a:latin typeface="Cambria Math"/>
+                                  <a:sym typeface="Cambria Math"/>
+                                </a:rPr>
+                                <m:t>𝑑</m:t>
+                              </m:r>
+                            </m:e>
+                            <m:sub>
+                              <m:r>
+                                <a:rPr sz="1600" i="1">
+                                  <a:solidFill>
+                                    <a:srgbClr val="000000"/>
+                                  </a:solidFill>
+                                  <a:latin typeface="Cambria Math"/>
+                                  <a:sym typeface="Cambria Math"/>
+                                </a:rPr>
+                                <m:t>𝑙</m:t>
+                              </m:r>
+                            </m:sub>
+                          </m:sSub>
+                          <m:r>
+                            <a:rPr sz="1600" i="1">
+                              <a:solidFill>
+                                <a:srgbClr val="000000"/>
+                              </a:solidFill>
+                              <a:latin typeface="Cambria Math"/>
+                              <a:sym typeface="Cambria Math"/>
+                            </a:rPr>
+                            <m:t>)</m:t>
+                          </m:r>
+                        </m:fName>
+                        <m:e>
+                          <m:r>
+                            <a:rPr sz="1600" i="1">
+                              <a:solidFill>
+                                <a:srgbClr val="000000"/>
+                              </a:solidFill>
+                              <a:latin typeface="Cambria Math"/>
+                              <a:sym typeface="Cambria Math"/>
+                            </a:rPr>
+                            <m:t>+3</m:t>
+                          </m:r>
+                          <m:func>
+                            <m:funcPr>
+                              <m:ctrlPr>
+                                <a:rPr sz="1600" i="1">
+                                  <a:solidFill>
+                                    <a:srgbClr val="000000"/>
+                                  </a:solidFill>
+                                  <a:latin typeface="Cambria Math"/>
+                                  <a:sym typeface="Cambria Math"/>
+                                </a:rPr>
+                              </m:ctrlPr>
+                            </m:funcPr>
+                            <m:fName>
+                              <m:sSub>
+                                <m:sSubPr>
+                                  <m:ctrlPr>
+                                    <a:rPr sz="1600" i="1">
+                                      <a:solidFill>
+                                        <a:srgbClr val="000000"/>
+                                      </a:solidFill>
+                                      <a:latin typeface="Cambria Math"/>
+                                      <a:sym typeface="Cambria Math"/>
+                                    </a:rPr>
+                                  </m:ctrlPr>
+                                </m:sSubPr>
+                                <m:e>
+                                  <m:r>
+                                    <m:rPr>
+                                      <m:sty m:val="p"/>
+                                    </m:rPr>
+                                    <a:rPr sz="1600" i="0">
+                                      <a:solidFill>
+                                        <a:srgbClr val="000000"/>
+                                      </a:solidFill>
+                                      <a:latin typeface="Cambria Math"/>
+                                      <a:sym typeface="Cambria Math"/>
+                                    </a:rPr>
+                                    <m:t>log</m:t>
+                                  </m:r>
+                                </m:e>
+                                <m:sub>
+                                  <m:r>
+                                    <a:rPr sz="1600" i="1">
+                                      <a:solidFill>
+                                        <a:srgbClr val="000000"/>
+                                      </a:solidFill>
+                                      <a:latin typeface="Cambria Math"/>
+                                      <a:sym typeface="Cambria Math"/>
+                                    </a:rPr>
+                                    <m:t>10</m:t>
+                                  </m:r>
+                                </m:sub>
+                              </m:sSub>
+                              <m:r>
+                                <a:rPr sz="1600" i="1">
+                                  <a:solidFill>
+                                    <a:srgbClr val="000000"/>
+                                  </a:solidFill>
+                                  <a:latin typeface="Cambria Math"/>
+                                  <a:sym typeface="Cambria Math"/>
+                                </a:rPr>
+                                <m:t>(</m:t>
+                              </m:r>
+                              <m:sSub>
+                                <m:sSubPr>
+                                  <m:ctrlPr>
+                                    <a:rPr sz="1600" i="1">
+                                      <a:solidFill>
+                                        <a:srgbClr val="000000"/>
+                                      </a:solidFill>
+                                      <a:latin typeface="Cambria Math"/>
+                                      <a:sym typeface="Cambria Math"/>
+                                    </a:rPr>
+                                  </m:ctrlPr>
+                                </m:sSubPr>
+                                <m:e>
+                                  <m:r>
+                                    <a:rPr sz="1600" i="1">
+                                      <a:solidFill>
+                                        <a:srgbClr val="000000"/>
+                                      </a:solidFill>
+                                      <a:latin typeface="Cambria Math"/>
+                                      <a:sym typeface="Cambria Math"/>
+                                    </a:rPr>
+                                    <m:t>𝑓</m:t>
+                                  </m:r>
+                                </m:e>
+                                <m:sub>
+                                  <m:r>
+                                    <a:rPr sz="1600" i="1">
+                                      <a:solidFill>
+                                        <a:srgbClr val="000000"/>
+                                      </a:solidFill>
+                                      <a:latin typeface="Cambria Math"/>
+                                      <a:sym typeface="Cambria Math"/>
+                                    </a:rPr>
+                                    <m:t>𝑐</m:t>
+                                  </m:r>
+                                </m:sub>
+                              </m:sSub>
+                              <m:r>
+                                <a:rPr sz="1600" i="1">
+                                  <a:solidFill>
+                                    <a:srgbClr val="000000"/>
+                                  </a:solidFill>
+                                  <a:latin typeface="Cambria Math"/>
+                                  <a:sym typeface="Cambria Math"/>
+                                </a:rPr>
+                                <m:t>/5.0</m:t>
+                              </m:r>
+                              <m:r>
+                                <a:rPr sz="1600" i="1">
+                                  <a:solidFill>
+                                    <a:srgbClr val="000000"/>
+                                  </a:solidFill>
+                                  <a:latin typeface="Cambria Math"/>
+                                  <a:sym typeface="Cambria Math"/>
+                                </a:rPr>
+                                <m:t>)</m:t>
+                              </m:r>
+                            </m:fName>
+                            <m:e/>
+                          </m:func>
+                        </m:e>
+                      </m:func>
+                    </m:oMath>
+                  </m:oMathPara>
+                </a14:m>
+              </a:p>
+              <a:p>
+                <a:pPr algn="l"/>
+                <a14:m xmlns:m="http://schemas.openxmlformats.org/officeDocument/2006/math" xmlns:mc="http://schemas.openxmlformats.org/markup-compatibility/2006" xmlns:ho="http://schemas.haansoft.com/office/8.0" mc:Ignorable="ho" ho:hncCreate="1">
+                  <m:oMathPara>
+                    <m:oMathParaPr>
+                      <m:jc m:val="left"/>
+                    </m:oMathParaPr>
+                    <m:oMath xmlns:m="http://schemas.openxmlformats.org/officeDocument/2006/math">
+                      <m:r>
+                        <a:rPr sz="1600" i="1">
+                          <a:solidFill>
+                            <a:srgbClr val="000000"/>
+                          </a:solidFill>
+                          <a:latin typeface="Cambria Math"/>
+                          <a:sym typeface="Cambria Math"/>
+                        </a:rPr>
+                        <m:t>𝑑</m:t>
+                      </m:r>
+                      <m:r>
+                        <a:rPr sz="1600" i="1">
+                          <a:solidFill>
+                            <a:srgbClr val="000000"/>
+                          </a:solidFill>
+                          <a:latin typeface="Cambria Math"/>
+                          <a:sym typeface="Cambria Math"/>
+                        </a:rPr>
+                        <m:t xml:space="preserve">   : 두차량의 대각 거리</m:t>
+                      </m:r>
+                    </m:oMath>
+                  </m:oMathPara>
+                </a14:m>
+              </a:p>
+              <a:p>
+                <a:pPr algn="l"/>
+                <a14:m xmlns:m="http://schemas.openxmlformats.org/officeDocument/2006/math" xmlns:mc="http://schemas.openxmlformats.org/markup-compatibility/2006" xmlns:ho="http://schemas.haansoft.com/office/8.0" mc:Ignorable="ho" ho:hncCreate="1">
+                  <m:oMathPara>
+                    <m:oMathParaPr>
+                      <m:jc m:val="left"/>
+                    </m:oMathParaPr>
+                    <m:oMath xmlns:m="http://schemas.openxmlformats.org/officeDocument/2006/math">
+                      <m:r>
+                        <a:rPr sz="1600" i="1">
+                          <a:solidFill>
+                            <a:srgbClr val="000000"/>
+                          </a:solidFill>
+                          <a:latin typeface="Cambria Math"/>
+                          <a:sym typeface="Cambria Math"/>
+                        </a:rPr>
+                        <m:t>𝑑</m:t>
+                      </m:r>
+                      <m:r>
+                        <a:rPr sz="1600" i="1">
+                          <a:solidFill>
+                            <a:srgbClr val="000000"/>
+                          </a:solidFill>
+                          <a:latin typeface="Cambria Math"/>
+                          <a:sym typeface="Cambria Math"/>
+                        </a:rPr>
+                        <m:t xml:space="preserve">1 : 두 차량의 </m:t>
+                      </m:r>
+                      <m:r>
+                        <a:rPr sz="1600" i="1">
+                          <a:solidFill>
+                            <a:srgbClr val="000000"/>
+                          </a:solidFill>
+                          <a:latin typeface="Cambria Math"/>
+                          <a:sym typeface="Cambria Math"/>
+                        </a:rPr>
+                        <m:t>𝑥</m:t>
+                      </m:r>
+                      <m:r>
+                        <a:rPr sz="1600" i="1">
+                          <a:solidFill>
+                            <a:srgbClr val="000000"/>
+                          </a:solidFill>
+                          <a:latin typeface="Cambria Math"/>
+                          <a:sym typeface="Cambria Math"/>
+                        </a:rPr>
+                        <m:t>축 차이</m:t>
+                      </m:r>
+                    </m:oMath>
+                  </m:oMathPara>
+                </a14:m>
+              </a:p>
+              <a:p>
+                <a:pPr algn="l"/>
+                <a14:m xmlns:m="http://schemas.openxmlformats.org/officeDocument/2006/math" xmlns:mc="http://schemas.openxmlformats.org/markup-compatibility/2006" xmlns:ho="http://schemas.haansoft.com/office/8.0" mc:Ignorable="ho" ho:hncCreate="1">
+                  <m:oMathPara>
+                    <m:oMathParaPr>
+                      <m:jc m:val="left"/>
+                    </m:oMathParaPr>
+                    <m:oMath xmlns:m="http://schemas.openxmlformats.org/officeDocument/2006/math">
+                      <m:r>
+                        <a:rPr sz="1600" i="1">
+                          <a:solidFill>
+                            <a:srgbClr val="000000"/>
+                          </a:solidFill>
+                          <a:latin typeface="Cambria Math"/>
+                          <a:sym typeface="Cambria Math"/>
+                        </a:rPr>
+                        <m:t>𝑑</m:t>
+                      </m:r>
+                      <m:r>
+                        <a:rPr sz="1600" i="1">
+                          <a:solidFill>
+                            <a:srgbClr val="000000"/>
+                          </a:solidFill>
+                          <a:latin typeface="Cambria Math"/>
+                          <a:sym typeface="Cambria Math"/>
+                        </a:rPr>
+                        <m:t xml:space="preserve">2 : 두차량의 </m:t>
+                      </m:r>
+                      <m:r>
+                        <a:rPr sz="1600" i="1">
+                          <a:solidFill>
+                            <a:srgbClr val="000000"/>
+                          </a:solidFill>
+                          <a:latin typeface="Cambria Math"/>
+                          <a:sym typeface="Cambria Math"/>
+                        </a:rPr>
+                        <m:t>𝑦</m:t>
+                      </m:r>
+                      <m:r>
+                        <a:rPr sz="1600" i="1">
+                          <a:solidFill>
+                            <a:srgbClr val="000000"/>
+                          </a:solidFill>
+                          <a:latin typeface="Cambria Math"/>
+                          <a:sym typeface="Cambria Math"/>
+                        </a:rPr>
+                        <m:t>축 차이</m:t>
+                      </m:r>
+                    </m:oMath>
+                  </m:oMathPara>
+                </a14:m>
+              </a:p>
+              <a:p>
+                <a:pPr algn="l"/>
+                <a14:m xmlns:m="http://schemas.openxmlformats.org/officeDocument/2006/math" xmlns:mc="http://schemas.openxmlformats.org/markup-compatibility/2006" xmlns:ho="http://schemas.haansoft.com/office/8.0" mc:Ignorable="ho" ho:hncCreate="1">
+                  <m:oMathPara>
+                    <m:oMathParaPr>
+                      <m:jc m:val="left"/>
+                    </m:oMathParaPr>
+                    <m:oMath xmlns:m="http://schemas.openxmlformats.org/officeDocument/2006/math">
+                      <m:sSub>
+                        <m:sSubPr>
+                          <m:ctrlPr>
+                            <a:rPr sz="1600" i="1">
+                              <a:solidFill>
+                                <a:srgbClr val="000000"/>
+                              </a:solidFill>
+                              <a:latin typeface="Cambria Math"/>
+                              <a:sym typeface="Cambria Math"/>
+                            </a:rPr>
+                          </m:ctrlPr>
+                        </m:sSubPr>
+                        <m:e>
+                          <m:r>
+                            <a:rPr sz="1600" i="1">
+                              <a:solidFill>
+                                <a:srgbClr val="000000"/>
+                              </a:solidFill>
+                              <a:latin typeface="Cambria Math"/>
+                              <a:sym typeface="Cambria Math"/>
+                            </a:rPr>
+                            <m:t>𝑓</m:t>
+                          </m:r>
+                        </m:e>
+                        <m:sub>
+                          <m:r>
+                            <a:rPr sz="1600" i="1">
+                              <a:solidFill>
+                                <a:srgbClr val="000000"/>
+                              </a:solidFill>
+                              <a:latin typeface="Cambria Math"/>
+                              <a:sym typeface="Cambria Math"/>
+                            </a:rPr>
+                            <m:t>𝑐</m:t>
+                          </m:r>
+                        </m:sub>
+                      </m:sSub>
+                      <m:r>
+                        <a:rPr sz="1600" i="1">
+                          <a:solidFill>
+                            <a:srgbClr val="000000"/>
+                          </a:solidFill>
+                          <a:latin typeface="Cambria Math"/>
+                          <a:sym typeface="Cambria Math"/>
+                        </a:rPr>
+                        <m:t xml:space="preserve">  :  </m:t>
+                      </m:r>
+                      <m:r>
+                        <a:rPr sz="1600" i="1">
+                          <a:solidFill>
+                            <a:srgbClr val="000000"/>
+                          </a:solidFill>
+                          <a:latin typeface="Cambria Math"/>
+                          <a:sym typeface="Cambria Math"/>
+                        </a:rPr>
+                        <m:t>𝐶</m:t>
+                      </m:r>
+                      <m:r>
+                        <a:rPr sz="1600" i="1">
+                          <a:solidFill>
+                            <a:srgbClr val="000000"/>
+                          </a:solidFill>
+                          <a:latin typeface="Cambria Math"/>
+                          <a:sym typeface="Cambria Math"/>
+                        </a:rPr>
+                        <m:t>𝑎</m:t>
+                      </m:r>
+                      <m:r>
+                        <a:rPr sz="1600" i="1">
+                          <a:solidFill>
+                            <a:srgbClr val="000000"/>
+                          </a:solidFill>
+                          <a:latin typeface="Cambria Math"/>
+                          <a:sym typeface="Cambria Math"/>
+                        </a:rPr>
+                        <m:t>𝑟</m:t>
+                      </m:r>
+                      <m:r>
+                        <a:rPr sz="1600" i="1">
+                          <a:solidFill>
+                            <a:srgbClr val="000000"/>
+                          </a:solidFill>
+                          <a:latin typeface="Cambria Math"/>
+                          <a:sym typeface="Cambria Math"/>
+                        </a:rPr>
+                        <m:t>𝑟</m:t>
+                      </m:r>
+                      <m:r>
+                        <a:rPr sz="1600" i="1">
+                          <a:solidFill>
+                            <a:srgbClr val="000000"/>
+                          </a:solidFill>
+                          <a:latin typeface="Cambria Math"/>
+                          <a:sym typeface="Cambria Math"/>
+                        </a:rPr>
+                        <m:t>𝑖</m:t>
+                      </m:r>
+                      <m:r>
+                        <a:rPr sz="1600" i="1">
+                          <a:solidFill>
+                            <a:srgbClr val="000000"/>
+                          </a:solidFill>
+                          <a:latin typeface="Cambria Math"/>
+                          <a:sym typeface="Cambria Math"/>
+                        </a:rPr>
+                        <m:t>𝑒</m:t>
+                      </m:r>
+                      <m:r>
+                        <a:rPr sz="1600" i="1">
+                          <a:solidFill>
+                            <a:srgbClr val="000000"/>
+                          </a:solidFill>
+                          <a:latin typeface="Cambria Math"/>
+                          <a:sym typeface="Cambria Math"/>
+                        </a:rPr>
+                        <m:t>𝑟</m:t>
+                      </m:r>
+                      <m:r>
+                        <a:rPr sz="1600" i="1">
+                          <a:solidFill>
+                            <a:srgbClr val="000000"/>
+                          </a:solidFill>
+                          <a:latin typeface="Cambria Math"/>
+                          <a:sym typeface="Cambria Math"/>
+                        </a:rPr>
+                        <m:t xml:space="preserve"> </m:t>
+                      </m:r>
+                      <m:r>
+                        <a:rPr sz="1600" i="1">
+                          <a:solidFill>
+                            <a:srgbClr val="000000"/>
+                          </a:solidFill>
+                          <a:latin typeface="Cambria Math"/>
+                          <a:sym typeface="Cambria Math"/>
+                        </a:rPr>
+                        <m:t>𝑓</m:t>
+                      </m:r>
+                      <m:r>
+                        <a:rPr sz="1600" i="1">
+                          <a:solidFill>
+                            <a:srgbClr val="000000"/>
+                          </a:solidFill>
+                          <a:latin typeface="Cambria Math"/>
+                          <a:sym typeface="Cambria Math"/>
+                        </a:rPr>
+                        <m:t>𝑟</m:t>
+                      </m:r>
+                      <m:r>
+                        <a:rPr sz="1600" i="1">
+                          <a:solidFill>
+                            <a:srgbClr val="000000"/>
+                          </a:solidFill>
+                          <a:latin typeface="Cambria Math"/>
+                          <a:sym typeface="Cambria Math"/>
+                        </a:rPr>
+                        <m:t>𝑒</m:t>
+                      </m:r>
+                      <m:r>
+                        <a:rPr sz="1600" i="1">
+                          <a:solidFill>
+                            <a:srgbClr val="000000"/>
+                          </a:solidFill>
+                          <a:latin typeface="Cambria Math"/>
+                          <a:sym typeface="Cambria Math"/>
+                        </a:rPr>
+                        <m:t>𝑞</m:t>
+                      </m:r>
+                      <m:r>
+                        <a:rPr sz="1600" i="1">
+                          <a:solidFill>
+                            <a:srgbClr val="000000"/>
+                          </a:solidFill>
+                          <a:latin typeface="Cambria Math"/>
+                          <a:sym typeface="Cambria Math"/>
+                        </a:rPr>
+                        <m:t>𝑢</m:t>
+                      </m:r>
+                      <m:r>
+                        <a:rPr sz="1600" i="1">
+                          <a:solidFill>
+                            <a:srgbClr val="000000"/>
+                          </a:solidFill>
+                          <a:latin typeface="Cambria Math"/>
+                          <a:sym typeface="Cambria Math"/>
+                        </a:rPr>
+                        <m:t>𝑒</m:t>
+                      </m:r>
+                      <m:r>
+                        <a:rPr sz="1600" i="1">
+                          <a:solidFill>
+                            <a:srgbClr val="000000"/>
+                          </a:solidFill>
+                          <a:latin typeface="Cambria Math"/>
+                          <a:sym typeface="Cambria Math"/>
+                        </a:rPr>
+                        <m:t>𝑛</m:t>
+                      </m:r>
+                      <m:r>
+                        <a:rPr sz="1600" i="1">
+                          <a:solidFill>
+                            <a:srgbClr val="000000"/>
+                          </a:solidFill>
+                          <a:latin typeface="Cambria Math"/>
+                          <a:sym typeface="Cambria Math"/>
+                        </a:rPr>
+                        <m:t>𝑐</m:t>
+                      </m:r>
+                      <m:r>
+                        <a:rPr sz="1600" i="1">
+                          <a:solidFill>
+                            <a:srgbClr val="000000"/>
+                          </a:solidFill>
+                          <a:latin typeface="Cambria Math"/>
+                          <a:sym typeface="Cambria Math"/>
+                        </a:rPr>
+                        <m:t>𝑦</m:t>
+                      </m:r>
+                    </m:oMath>
+                  </m:oMathPara>
+                </a14:m>
+              </a:p>
+              <a:p>
+                <a:pPr algn="l"/>
+                <a14:m xmlns:m="http://schemas.openxmlformats.org/officeDocument/2006/math" xmlns:mc="http://schemas.openxmlformats.org/markup-compatibility/2006" xmlns:ho="http://schemas.haansoft.com/office/8.0" mc:Ignorable="ho" ho:hncCreate="1">
+                  <m:oMathPara>
+                    <m:oMathParaPr>
+                      <m:jc m:val="left"/>
+                    </m:oMathParaPr>
+                    <m:oMath xmlns:m="http://schemas.openxmlformats.org/officeDocument/2006/math">
+                      <m:sSub>
+                        <m:sSubPr>
+                          <m:ctrlPr>
+                            <a:rPr sz="1600" i="1">
+                              <a:solidFill>
+                                <a:srgbClr val="000000"/>
+                              </a:solidFill>
+                              <a:latin typeface="Cambria Math"/>
+                              <a:sym typeface="Cambria Math"/>
+                            </a:rPr>
+                          </m:ctrlPr>
+                        </m:sSubPr>
+                        <m:e>
+                          <m:r>
+                            <a:rPr sz="1600" i="1">
+                              <a:solidFill>
+                                <a:srgbClr val="000000"/>
+                              </a:solidFill>
+                              <a:latin typeface="Cambria Math"/>
+                              <a:sym typeface="Cambria Math"/>
+                            </a:rPr>
+                            <m:t>ℎ'</m:t>
+                          </m:r>
+                        </m:e>
+                        <m:sub>
+                          <m:r>
+                            <a:rPr sz="1600" i="1">
+                              <a:solidFill>
+                                <a:srgbClr val="000000"/>
+                              </a:solidFill>
+                              <a:latin typeface="Cambria Math"/>
+                              <a:sym typeface="Cambria Math"/>
+                            </a:rPr>
+                            <m:t>𝑏</m:t>
+                          </m:r>
+                          <m:r>
+                            <a:rPr sz="1600" i="1">
+                              <a:solidFill>
+                                <a:srgbClr val="000000"/>
+                              </a:solidFill>
+                              <a:latin typeface="Cambria Math"/>
+                              <a:sym typeface="Cambria Math"/>
+                            </a:rPr>
+                            <m:t>𝑠</m:t>
+                          </m:r>
+                        </m:sub>
+                      </m:sSub>
+                      <m:r>
+                        <a:rPr sz="1600" i="1">
+                          <a:solidFill>
+                            <a:srgbClr val="000000"/>
+                          </a:solidFill>
+                          <a:latin typeface="Cambria Math"/>
+                          <a:sym typeface="Cambria Math"/>
+                        </a:rPr>
+                        <m:t xml:space="preserve"> : </m:t>
+                      </m:r>
+                      <m:r>
+                        <a:rPr sz="1600" i="1">
+                          <a:solidFill>
+                            <a:srgbClr val="000000"/>
+                          </a:solidFill>
+                          <a:latin typeface="Cambria Math"/>
+                          <a:sym typeface="Cambria Math"/>
+                        </a:rPr>
+                        <m:t>𝐵</m:t>
+                      </m:r>
+                      <m:r>
+                        <a:rPr sz="1600" i="1">
+                          <a:solidFill>
+                            <a:srgbClr val="000000"/>
+                          </a:solidFill>
+                          <a:latin typeface="Cambria Math"/>
+                          <a:sym typeface="Cambria Math"/>
+                        </a:rPr>
+                        <m:t>𝑎</m:t>
+                      </m:r>
+                      <m:r>
+                        <a:rPr sz="1600" i="1">
+                          <a:solidFill>
+                            <a:srgbClr val="000000"/>
+                          </a:solidFill>
+                          <a:latin typeface="Cambria Math"/>
+                          <a:sym typeface="Cambria Math"/>
+                        </a:rPr>
+                        <m:t>𝑠</m:t>
+                      </m:r>
+                      <m:r>
+                        <a:rPr sz="1600" i="1">
+                          <a:solidFill>
+                            <a:srgbClr val="000000"/>
+                          </a:solidFill>
+                          <a:latin typeface="Cambria Math"/>
+                          <a:sym typeface="Cambria Math"/>
+                        </a:rPr>
+                        <m:t>𝑒</m:t>
+                      </m:r>
+                      <m:r>
+                        <a:rPr sz="1600" i="1">
+                          <a:solidFill>
+                            <a:srgbClr val="000000"/>
+                          </a:solidFill>
+                          <a:latin typeface="Cambria Math"/>
+                          <a:sym typeface="Cambria Math"/>
+                        </a:rPr>
+                        <m:t>𝑠</m:t>
+                      </m:r>
+                      <m:r>
+                        <a:rPr sz="1600" i="1">
+                          <a:solidFill>
+                            <a:srgbClr val="000000"/>
+                          </a:solidFill>
+                          <a:latin typeface="Cambria Math"/>
+                          <a:sym typeface="Cambria Math"/>
+                        </a:rPr>
+                        <m:t>𝑡</m:t>
+                      </m:r>
+                      <m:r>
+                        <a:rPr sz="1600" i="1">
+                          <a:solidFill>
+                            <a:srgbClr val="000000"/>
+                          </a:solidFill>
+                          <a:latin typeface="Cambria Math"/>
+                          <a:sym typeface="Cambria Math"/>
+                        </a:rPr>
+                        <m:t>𝑎</m:t>
+                      </m:r>
+                      <m:r>
+                        <a:rPr sz="1600" i="1">
+                          <a:solidFill>
+                            <a:srgbClr val="000000"/>
+                          </a:solidFill>
+                          <a:latin typeface="Cambria Math"/>
+                          <a:sym typeface="Cambria Math"/>
+                        </a:rPr>
+                        <m:t>𝑡</m:t>
+                      </m:r>
+                      <m:r>
+                        <a:rPr sz="1600" i="1">
+                          <a:solidFill>
+                            <a:srgbClr val="000000"/>
+                          </a:solidFill>
+                          <a:latin typeface="Cambria Math"/>
+                          <a:sym typeface="Cambria Math"/>
+                        </a:rPr>
+                        <m:t>𝑖</m:t>
+                      </m:r>
+                      <m:r>
+                        <a:rPr sz="1600" i="1">
+                          <a:solidFill>
+                            <a:srgbClr val="000000"/>
+                          </a:solidFill>
+                          <a:latin typeface="Cambria Math"/>
+                          <a:sym typeface="Cambria Math"/>
+                        </a:rPr>
+                        <m:t>𝑜</m:t>
+                      </m:r>
+                      <m:r>
+                        <a:rPr sz="1600" i="1">
+                          <a:solidFill>
+                            <a:srgbClr val="000000"/>
+                          </a:solidFill>
+                          <a:latin typeface="Cambria Math"/>
+                          <a:sym typeface="Cambria Math"/>
+                        </a:rPr>
+                        <m:t>𝑛</m:t>
+                      </m:r>
+                      <m:r>
+                        <a:rPr sz="1600" i="1">
+                          <a:solidFill>
+                            <a:srgbClr val="000000"/>
+                          </a:solidFill>
+                          <a:latin typeface="Cambria Math"/>
+                          <a:sym typeface="Cambria Math"/>
+                        </a:rPr>
+                        <m:t>의 안테나 높이</m:t>
+                      </m:r>
+                    </m:oMath>
+                  </m:oMathPara>
+                </a14:m>
+              </a:p>
+              <a:p>
+                <a:pPr algn="l"/>
+                <a14:m xmlns:m="http://schemas.openxmlformats.org/officeDocument/2006/math" xmlns:mc="http://schemas.openxmlformats.org/markup-compatibility/2006" xmlns:ho="http://schemas.haansoft.com/office/8.0" mc:Ignorable="ho" ho:hncCreate="1">
+                  <m:oMathPara>
+                    <m:oMathParaPr>
+                      <m:jc m:val="left"/>
+                    </m:oMathParaPr>
+                    <m:oMath xmlns:m="http://schemas.openxmlformats.org/officeDocument/2006/math">
+                      <m:sSub>
+                        <m:sSubPr>
+                          <m:ctrlPr>
+                            <a:rPr sz="1600" i="1">
+                              <a:solidFill>
+                                <a:srgbClr val="000000"/>
+                              </a:solidFill>
+                              <a:latin typeface="Cambria Math"/>
+                              <a:sym typeface="Cambria Math"/>
+                            </a:rPr>
+                          </m:ctrlPr>
+                        </m:sSubPr>
+                        <m:e>
+                          <m:r>
+                            <a:rPr sz="1600" i="1">
+                              <a:solidFill>
+                                <a:srgbClr val="000000"/>
+                              </a:solidFill>
+                              <a:latin typeface="Cambria Math"/>
+                              <a:sym typeface="Cambria Math"/>
+                            </a:rPr>
+                            <m:t>ℎ'</m:t>
+                          </m:r>
+                        </m:e>
+                        <m:sub>
+                          <m:r>
+                            <a:rPr sz="1600" i="1">
+                              <a:solidFill>
+                                <a:srgbClr val="000000"/>
+                              </a:solidFill>
+                              <a:latin typeface="Cambria Math"/>
+                              <a:sym typeface="Cambria Math"/>
+                            </a:rPr>
+                            <m:t>𝑚</m:t>
+                          </m:r>
+                          <m:r>
+                            <a:rPr sz="1600" i="1">
+                              <a:solidFill>
+                                <a:srgbClr val="000000"/>
+                              </a:solidFill>
+                              <a:latin typeface="Cambria Math"/>
+                              <a:sym typeface="Cambria Math"/>
+                            </a:rPr>
+                            <m:t>𝑠</m:t>
+                          </m:r>
+                        </m:sub>
+                      </m:sSub>
+                      <m:r>
+                        <a:rPr sz="1600" i="1">
+                          <a:solidFill>
+                            <a:srgbClr val="000000"/>
+                          </a:solidFill>
+                          <a:latin typeface="Cambria Math"/>
+                          <a:sym typeface="Cambria Math"/>
+                        </a:rPr>
+                        <m:t>: 차량의 안테나 높이</m:t>
+                      </m:r>
+                    </m:oMath>
+                  </m:oMathPara>
+                </a14:m>
+              </a:p>
+              <a:p>
+                <a:pPr algn="l"/>
+                <a14:m xmlns:m="http://schemas.openxmlformats.org/officeDocument/2006/math" xmlns:mc="http://schemas.openxmlformats.org/markup-compatibility/2006" xmlns:ho="http://schemas.haansoft.com/office/8.0" mc:Ignorable="ho" ho:hncCreate="1">
+                  <m:oMathPara>
+                    <m:oMathParaPr>
+                      <m:jc m:val="left"/>
+                    </m:oMathParaPr>
+                    <m:oMath xmlns:m="http://schemas.openxmlformats.org/officeDocument/2006/math">
+                      <m:r>
+                        <a:rPr sz="1600" i="1">
+                          <a:solidFill>
+                            <a:srgbClr val="000000"/>
+                          </a:solidFill>
+                          <a:latin typeface="Cambria Math"/>
+                          <a:sym typeface="Cambria Math"/>
+                        </a:rPr>
+                        <m:t xml:space="preserve"> </m:t>
+                      </m:r>
+                    </m:oMath>
+                  </m:oMathPara>
+                </a14:m>
+              </a:p>
+              <a:p>
+                <a:pPr algn="l"/>
+                <a14:m xmlns:m="http://schemas.openxmlformats.org/officeDocument/2006/math" xmlns:mc="http://schemas.openxmlformats.org/markup-compatibility/2006" xmlns:ho="http://schemas.haansoft.com/office/8.0" mc:Ignorable="ho" ho:hncCreate="1">
+                  <m:oMathPara>
+                    <m:oMathParaPr>
+                      <m:jc m:val="left"/>
+                    </m:oMathParaPr>
+                    <m:oMath xmlns:m="http://schemas.openxmlformats.org/officeDocument/2006/math">
+                      <m:sSub>
+                        <m:sSubPr>
+                          <m:ctrlPr>
+                            <a:rPr sz="1600" i="1">
+                              <a:solidFill>
+                                <a:srgbClr val="000000"/>
+                              </a:solidFill>
+                              <a:latin typeface="Cambria Math"/>
+                              <a:sym typeface="Cambria Math"/>
+                            </a:rPr>
+                          </m:ctrlPr>
+                        </m:sSubPr>
+                        <m:e>
+                          <m:r>
+                            <a:rPr sz="1600" i="1">
+                              <a:solidFill>
+                                <a:srgbClr val="000000"/>
+                              </a:solidFill>
+                              <a:latin typeface="Cambria Math"/>
+                              <a:sym typeface="Cambria Math"/>
+                            </a:rPr>
+                            <m:t>𝑛</m:t>
+                          </m:r>
+                        </m:e>
+                        <m:sub>
+                          <m:r>
+                            <a:rPr sz="1600" i="1">
+                              <a:solidFill>
+                                <a:srgbClr val="000000"/>
+                              </a:solidFill>
+                              <a:latin typeface="Cambria Math"/>
+                              <a:sym typeface="Cambria Math"/>
+                            </a:rPr>
+                            <m:t>𝑗</m:t>
+                          </m:r>
+                        </m:sub>
+                      </m:sSub>
+                      <m:r>
+                        <a:rPr sz="1600" i="1">
+                          <a:solidFill>
+                            <a:srgbClr val="000000"/>
+                          </a:solidFill>
+                          <a:latin typeface="Cambria Math"/>
+                          <a:sym typeface="Cambria Math"/>
+                        </a:rPr>
+                        <m:t xml:space="preserve"> : </m:t>
+                      </m:r>
+                      <m:r>
+                        <a:rPr sz="1600" i="1">
+                          <a:solidFill>
+                            <a:srgbClr val="000000"/>
+                          </a:solidFill>
+                          <a:latin typeface="Cambria Math"/>
+                          <a:sym typeface="Cambria Math"/>
+                        </a:rPr>
+                        <m:t>𝑚</m:t>
+                      </m:r>
+                      <m:r>
+                        <a:rPr sz="1600" i="1">
+                          <a:solidFill>
+                            <a:srgbClr val="000000"/>
+                          </a:solidFill>
+                          <a:latin typeface="Cambria Math"/>
+                          <a:sym typeface="Cambria Math"/>
+                        </a:rPr>
+                        <m:t>𝑎</m:t>
+                      </m:r>
+                      <m:r>
+                        <a:rPr sz="1600" i="1">
+                          <a:solidFill>
+                            <a:srgbClr val="000000"/>
+                          </a:solidFill>
+                          <a:latin typeface="Cambria Math"/>
+                          <a:sym typeface="Cambria Math"/>
+                        </a:rPr>
+                        <m:t>𝑥</m:t>
+                      </m:r>
+                      <m:r>
+                        <a:rPr sz="1600" i="1">
+                          <a:solidFill>
+                            <a:srgbClr val="000000"/>
+                          </a:solidFill>
+                          <a:latin typeface="Cambria Math"/>
+                          <a:sym typeface="Cambria Math"/>
+                        </a:rPr>
+                        <m:t>(2.8-0.0024</m:t>
+                      </m:r>
+                      <m:sSub>
+                        <m:sSubPr>
+                          <m:ctrlPr>
+                            <a:rPr sz="1600" i="1">
+                              <a:solidFill>
+                                <a:srgbClr val="000000"/>
+                              </a:solidFill>
+                              <a:latin typeface="Cambria Math"/>
+                              <a:sym typeface="Cambria Math"/>
+                            </a:rPr>
+                          </m:ctrlPr>
+                        </m:sSubPr>
+                        <m:e>
+                          <m:r>
+                            <a:rPr sz="1600" i="1">
+                              <a:solidFill>
+                                <a:srgbClr val="000000"/>
+                              </a:solidFill>
+                              <a:latin typeface="Cambria Math"/>
+                              <a:sym typeface="Cambria Math"/>
+                            </a:rPr>
+                            <m:t>𝑑</m:t>
+                          </m:r>
+                        </m:e>
+                        <m:sub>
+                          <m:r>
+                            <a:rPr sz="1600" i="1">
+                              <a:solidFill>
+                                <a:srgbClr val="000000"/>
+                              </a:solidFill>
+                              <a:latin typeface="Cambria Math"/>
+                              <a:sym typeface="Cambria Math"/>
+                            </a:rPr>
+                            <m:t>𝑘</m:t>
+                          </m:r>
+                        </m:sub>
+                      </m:sSub>
+                      <m:r>
+                        <a:rPr sz="1600" i="1">
+                          <a:solidFill>
+                            <a:srgbClr val="000000"/>
+                          </a:solidFill>
+                          <a:latin typeface="Cambria Math"/>
+                          <a:sym typeface="Cambria Math"/>
+                        </a:rPr>
+                        <m:t xml:space="preserve">, 1.84)  </m:t>
+                      </m:r>
+                    </m:oMath>
+                  </m:oMathPara>
+                </a14:m>
+              </a:p>
+              <a:p>
+                <a:pPr algn="l"/>
+                <a14:m xmlns:m="http://schemas.openxmlformats.org/officeDocument/2006/math" xmlns:mc="http://schemas.openxmlformats.org/markup-compatibility/2006" xmlns:ho="http://schemas.haansoft.com/office/8.0" mc:Ignorable="ho" ho:hncCreate="1">
+                  <m:oMathPara>
+                    <m:oMathParaPr>
+                      <m:jc m:val="left"/>
+                    </m:oMathParaPr>
+                    <m:oMath xmlns:m="http://schemas.openxmlformats.org/officeDocument/2006/math">
+                      <m:sSub>
+                        <m:sSubPr>
+                          <m:ctrlPr>
+                            <a:rPr sz="1600" i="1">
+                              <a:solidFill>
+                                <a:srgbClr val="000000"/>
+                              </a:solidFill>
+                              <a:latin typeface="Cambria Math"/>
+                              <a:sym typeface="Cambria Math"/>
+                            </a:rPr>
+                          </m:ctrlPr>
+                        </m:sSubPr>
+                        <m:e>
+                          <m:r>
+                            <a:rPr sz="1600" i="1">
+                              <a:solidFill>
+                                <a:srgbClr val="000000"/>
+                              </a:solidFill>
+                              <a:latin typeface="Cambria Math"/>
+                              <a:sym typeface="Cambria Math"/>
+                            </a:rPr>
+                            <m:t>𝑃</m:t>
+                          </m:r>
+                          <m:r>
+                            <a:rPr sz="1600" i="1">
+                              <a:solidFill>
+                                <a:srgbClr val="000000"/>
+                              </a:solidFill>
+                              <a:latin typeface="Cambria Math"/>
+                              <a:sym typeface="Cambria Math"/>
+                            </a:rPr>
+                            <m:t>𝐿</m:t>
+                          </m:r>
+                        </m:e>
+                        <m:sub>
+                          <m:r>
+                            <a:rPr sz="1600" i="1">
+                              <a:solidFill>
+                                <a:srgbClr val="000000"/>
+                              </a:solidFill>
+                              <a:latin typeface="Cambria Math"/>
+                              <a:sym typeface="Cambria Math"/>
+                            </a:rPr>
+                            <m:t>𝐿</m:t>
+                          </m:r>
+                          <m:r>
+                            <a:rPr sz="1600" i="1">
+                              <a:solidFill>
+                                <a:srgbClr val="000000"/>
+                              </a:solidFill>
+                              <a:latin typeface="Cambria Math"/>
+                              <a:sym typeface="Cambria Math"/>
+                            </a:rPr>
+                            <m:t>𝑂</m:t>
+                          </m:r>
+                          <m:r>
+                            <a:rPr sz="1600" i="1">
+                              <a:solidFill>
+                                <a:srgbClr val="000000"/>
+                              </a:solidFill>
+                              <a:latin typeface="Cambria Math"/>
+                              <a:sym typeface="Cambria Math"/>
+                            </a:rPr>
+                            <m:t>𝑆</m:t>
+                          </m:r>
+                        </m:sub>
+                      </m:sSub>
+                      <m:r>
+                        <a:rPr sz="1600" i="1">
+                          <a:solidFill>
+                            <a:srgbClr val="000000"/>
+                          </a:solidFill>
+                          <a:latin typeface="Cambria Math"/>
+                          <a:sym typeface="Cambria Math"/>
+                        </a:rPr>
+                        <m:t xml:space="preserve"> </m:t>
+                      </m:r>
+                      <m:r>
+                        <a:rPr sz="1600" i="1">
+                          <a:solidFill>
+                            <a:srgbClr val="000000"/>
+                          </a:solidFill>
+                          <a:latin typeface="Cambria Math"/>
+                          <a:sym typeface="Cambria Math"/>
+                        </a:rPr>
+                        <m:t>𝑖</m:t>
+                      </m:r>
+                      <m:r>
+                        <a:rPr sz="1600" i="1">
+                          <a:solidFill>
+                            <a:srgbClr val="000000"/>
+                          </a:solidFill>
+                          <a:latin typeface="Cambria Math"/>
+                          <a:sym typeface="Cambria Math"/>
+                        </a:rPr>
+                        <m:t>𝑠</m:t>
+                      </m:r>
+                      <m:r>
+                        <a:rPr sz="1600" i="1">
+                          <a:solidFill>
+                            <a:srgbClr val="000000"/>
+                          </a:solidFill>
+                          <a:latin typeface="Cambria Math"/>
+                          <a:sym typeface="Cambria Math"/>
+                        </a:rPr>
+                        <m:t xml:space="preserve"> </m:t>
+                      </m:r>
+                      <m:r>
+                        <a:rPr sz="1600" i="1">
+                          <a:solidFill>
+                            <a:srgbClr val="000000"/>
+                          </a:solidFill>
+                          <a:latin typeface="Cambria Math"/>
+                          <a:sym typeface="Cambria Math"/>
+                        </a:rPr>
+                        <m:t>𝑡</m:t>
+                      </m:r>
+                      <m:r>
+                        <a:rPr sz="1600" i="1">
+                          <a:solidFill>
+                            <a:srgbClr val="000000"/>
+                          </a:solidFill>
+                          <a:latin typeface="Cambria Math"/>
+                          <a:sym typeface="Cambria Math"/>
+                        </a:rPr>
+                        <m:t>ℎ</m:t>
+                      </m:r>
+                      <m:r>
+                        <a:rPr sz="1600" i="1">
+                          <a:solidFill>
+                            <a:srgbClr val="000000"/>
+                          </a:solidFill>
+                          <a:latin typeface="Cambria Math"/>
+                          <a:sym typeface="Cambria Math"/>
+                        </a:rPr>
+                        <m:t>𝑒</m:t>
+                      </m:r>
+                      <m:r>
+                        <a:rPr sz="1600" i="1">
+                          <a:solidFill>
+                            <a:srgbClr val="000000"/>
+                          </a:solidFill>
+                          <a:latin typeface="Cambria Math"/>
+                          <a:sym typeface="Cambria Math"/>
+                        </a:rPr>
+                        <m:t xml:space="preserve"> </m:t>
+                      </m:r>
+                      <m:r>
+                        <a:rPr sz="1600" i="1">
+                          <a:solidFill>
+                            <a:srgbClr val="000000"/>
+                          </a:solidFill>
+                          <a:latin typeface="Cambria Math"/>
+                          <a:sym typeface="Cambria Math"/>
+                        </a:rPr>
+                        <m:t>𝑝</m:t>
+                      </m:r>
+                      <m:r>
+                        <a:rPr sz="1600" i="1">
+                          <a:solidFill>
+                            <a:srgbClr val="000000"/>
+                          </a:solidFill>
+                          <a:latin typeface="Cambria Math"/>
+                          <a:sym typeface="Cambria Math"/>
+                        </a:rPr>
+                        <m:t>𝑎</m:t>
+                      </m:r>
+                      <m:r>
+                        <a:rPr sz="1600" i="1">
+                          <a:solidFill>
+                            <a:srgbClr val="000000"/>
+                          </a:solidFill>
+                          <a:latin typeface="Cambria Math"/>
+                          <a:sym typeface="Cambria Math"/>
+                        </a:rPr>
+                        <m:t>𝑡</m:t>
+                      </m:r>
+                      <m:r>
+                        <a:rPr sz="1600" i="1">
+                          <a:solidFill>
+                            <a:srgbClr val="000000"/>
+                          </a:solidFill>
+                          <a:latin typeface="Cambria Math"/>
+                          <a:sym typeface="Cambria Math"/>
+                        </a:rPr>
+                        <m:t>ℎ</m:t>
+                      </m:r>
+                      <m:r>
+                        <a:rPr sz="1600" i="1">
+                          <a:solidFill>
+                            <a:srgbClr val="000000"/>
+                          </a:solidFill>
+                          <a:latin typeface="Cambria Math"/>
+                          <a:sym typeface="Cambria Math"/>
+                        </a:rPr>
+                        <m:t>𝑙</m:t>
+                      </m:r>
+                      <m:r>
+                        <a:rPr sz="1600" i="1">
+                          <a:solidFill>
+                            <a:srgbClr val="000000"/>
+                          </a:solidFill>
+                          <a:latin typeface="Cambria Math"/>
+                          <a:sym typeface="Cambria Math"/>
+                        </a:rPr>
+                        <m:t>𝑜</m:t>
+                      </m:r>
+                      <m:r>
+                        <a:rPr sz="1600" i="1">
+                          <a:solidFill>
+                            <a:srgbClr val="000000"/>
+                          </a:solidFill>
+                          <a:latin typeface="Cambria Math"/>
+                          <a:sym typeface="Cambria Math"/>
+                        </a:rPr>
+                        <m:t>𝑠</m:t>
+                      </m:r>
+                      <m:r>
+                        <a:rPr sz="1600" i="1">
+                          <a:solidFill>
+                            <a:srgbClr val="000000"/>
+                          </a:solidFill>
+                          <a:latin typeface="Cambria Math"/>
+                          <a:sym typeface="Cambria Math"/>
+                        </a:rPr>
+                        <m:t>𝑠</m:t>
+                      </m:r>
+                      <m:r>
+                        <a:rPr sz="1600" i="1">
+                          <a:solidFill>
+                            <a:srgbClr val="000000"/>
+                          </a:solidFill>
+                          <a:latin typeface="Cambria Math"/>
+                          <a:sym typeface="Cambria Math"/>
+                        </a:rPr>
+                        <m:t xml:space="preserve"> </m:t>
+                      </m:r>
+                      <m:r>
+                        <a:rPr sz="1600" i="1">
+                          <a:solidFill>
+                            <a:srgbClr val="000000"/>
+                          </a:solidFill>
+                          <a:latin typeface="Cambria Math"/>
+                          <a:sym typeface="Cambria Math"/>
+                        </a:rPr>
+                        <m:t>𝑜</m:t>
+                      </m:r>
+                      <m:r>
+                        <a:rPr sz="1600" i="1">
+                          <a:solidFill>
+                            <a:srgbClr val="000000"/>
+                          </a:solidFill>
+                          <a:latin typeface="Cambria Math"/>
+                          <a:sym typeface="Cambria Math"/>
+                        </a:rPr>
+                        <m:t>𝑓</m:t>
+                      </m:r>
+                      <m:r>
+                        <a:rPr sz="1600" i="1">
+                          <a:solidFill>
+                            <a:srgbClr val="000000"/>
+                          </a:solidFill>
+                          <a:latin typeface="Cambria Math"/>
+                          <a:sym typeface="Cambria Math"/>
+                        </a:rPr>
+                        <m:t xml:space="preserve"> </m:t>
+                      </m:r>
+                      <m:r>
+                        <a:rPr sz="1600" i="1">
+                          <a:solidFill>
+                            <a:srgbClr val="000000"/>
+                          </a:solidFill>
+                          <a:latin typeface="Cambria Math"/>
+                          <a:sym typeface="Cambria Math"/>
+                        </a:rPr>
+                        <m:t>𝐿</m:t>
+                      </m:r>
+                      <m:r>
+                        <a:rPr sz="1600" i="1">
+                          <a:solidFill>
+                            <a:srgbClr val="000000"/>
+                          </a:solidFill>
+                          <a:latin typeface="Cambria Math"/>
+                          <a:sym typeface="Cambria Math"/>
+                        </a:rPr>
+                        <m:t>𝑂</m:t>
+                      </m:r>
+                      <m:r>
+                        <a:rPr sz="1600" i="1">
+                          <a:solidFill>
+                            <a:srgbClr val="000000"/>
+                          </a:solidFill>
+                          <a:latin typeface="Cambria Math"/>
+                          <a:sym typeface="Cambria Math"/>
+                        </a:rPr>
+                        <m:t>𝑆</m:t>
+                      </m:r>
+                      <m:r>
+                        <a:rPr sz="1600" i="1">
+                          <a:solidFill>
+                            <a:srgbClr val="000000"/>
+                          </a:solidFill>
+                          <a:latin typeface="Cambria Math"/>
+                          <a:sym typeface="Cambria Math"/>
+                        </a:rPr>
+                        <m:t xml:space="preserve"> </m:t>
+                      </m:r>
+                      <m:r>
+                        <a:rPr sz="1600" i="1">
+                          <a:solidFill>
+                            <a:srgbClr val="000000"/>
+                          </a:solidFill>
+                          <a:latin typeface="Cambria Math"/>
+                          <a:sym typeface="Cambria Math"/>
+                        </a:rPr>
+                        <m:t>𝑠</m:t>
+                      </m:r>
+                      <m:r>
+                        <a:rPr sz="1600" i="1">
+                          <a:solidFill>
+                            <a:srgbClr val="000000"/>
+                          </a:solidFill>
+                          <a:latin typeface="Cambria Math"/>
+                          <a:sym typeface="Cambria Math"/>
+                        </a:rPr>
+                        <m:t>𝑐</m:t>
+                      </m:r>
+                      <m:r>
+                        <a:rPr sz="1600" i="1">
+                          <a:solidFill>
+                            <a:srgbClr val="000000"/>
+                          </a:solidFill>
+                          <a:latin typeface="Cambria Math"/>
+                          <a:sym typeface="Cambria Math"/>
+                        </a:rPr>
+                        <m:t>𝑒</m:t>
+                      </m:r>
+                      <m:r>
+                        <a:rPr sz="1600" i="1">
+                          <a:solidFill>
+                            <a:srgbClr val="000000"/>
+                          </a:solidFill>
+                          <a:latin typeface="Cambria Math"/>
+                          <a:sym typeface="Cambria Math"/>
+                        </a:rPr>
+                        <m:t>𝑛</m:t>
+                      </m:r>
+                      <m:r>
+                        <a:rPr sz="1600" i="1">
+                          <a:solidFill>
+                            <a:srgbClr val="000000"/>
+                          </a:solidFill>
+                          <a:latin typeface="Cambria Math"/>
+                          <a:sym typeface="Cambria Math"/>
+                        </a:rPr>
+                        <m:t>𝑎</m:t>
+                      </m:r>
+                      <m:r>
+                        <a:rPr sz="1600" i="1">
+                          <a:solidFill>
+                            <a:srgbClr val="000000"/>
+                          </a:solidFill>
+                          <a:latin typeface="Cambria Math"/>
+                          <a:sym typeface="Cambria Math"/>
+                        </a:rPr>
+                        <m:t>𝑟</m:t>
+                      </m:r>
+                      <m:r>
+                        <a:rPr sz="1600" i="1">
+                          <a:solidFill>
+                            <a:srgbClr val="000000"/>
+                          </a:solidFill>
+                          <a:latin typeface="Cambria Math"/>
+                          <a:sym typeface="Cambria Math"/>
+                        </a:rPr>
+                        <m:t>𝑖</m:t>
+                      </m:r>
+                      <m:r>
+                        <a:rPr sz="1600" i="1">
+                          <a:solidFill>
+                            <a:srgbClr val="000000"/>
+                          </a:solidFill>
+                          <a:latin typeface="Cambria Math"/>
+                          <a:sym typeface="Cambria Math"/>
+                        </a:rPr>
+                        <m:t>𝑜</m:t>
+                      </m:r>
+                      <m:r>
+                        <a:rPr sz="1600" i="1">
+                          <a:solidFill>
+                            <a:srgbClr val="000000"/>
+                          </a:solidFill>
+                          <a:latin typeface="Cambria Math"/>
+                          <a:sym typeface="Cambria Math"/>
+                        </a:rPr>
+                        <m:t xml:space="preserve"> </m:t>
+                      </m:r>
+                      <m:r>
+                        <a:rPr sz="1600" i="1">
+                          <a:solidFill>
+                            <a:srgbClr val="000000"/>
+                          </a:solidFill>
+                          <a:latin typeface="Cambria Math"/>
+                          <a:sym typeface="Cambria Math"/>
+                        </a:rPr>
+                        <m:t>𝑎</m:t>
+                      </m:r>
+                      <m:r>
+                        <a:rPr sz="1600" i="1">
+                          <a:solidFill>
+                            <a:srgbClr val="000000"/>
+                          </a:solidFill>
+                          <a:latin typeface="Cambria Math"/>
+                          <a:sym typeface="Cambria Math"/>
+                        </a:rPr>
+                        <m:t>𝑛</m:t>
+                      </m:r>
+                      <m:r>
+                        <a:rPr sz="1600" i="1">
+                          <a:solidFill>
+                            <a:srgbClr val="000000"/>
+                          </a:solidFill>
+                          <a:latin typeface="Cambria Math"/>
+                          <a:sym typeface="Cambria Math"/>
+                        </a:rPr>
+                        <m:t>𝑑</m:t>
+                      </m:r>
+                      <m:r>
+                        <a:rPr sz="1600" i="1">
+                          <a:solidFill>
+                            <a:srgbClr val="000000"/>
+                          </a:solidFill>
+                          <a:latin typeface="Cambria Math"/>
+                          <a:sym typeface="Cambria Math"/>
+                        </a:rPr>
+                        <m:t xml:space="preserve"> </m:t>
+                      </m:r>
+                      <m:r>
+                        <a:rPr sz="1600" i="1">
+                          <a:solidFill>
+                            <a:srgbClr val="000000"/>
+                          </a:solidFill>
+                          <a:latin typeface="Cambria Math"/>
+                          <a:sym typeface="Cambria Math"/>
+                        </a:rPr>
+                        <m:t>𝑘</m:t>
+                      </m:r>
+                      <m:r>
+                        <a:rPr sz="1600" i="1">
+                          <a:solidFill>
+                            <a:srgbClr val="000000"/>
+                          </a:solidFill>
+                          <a:latin typeface="Cambria Math"/>
+                          <a:sym typeface="Cambria Math"/>
+                        </a:rPr>
+                        <m:t>,</m:t>
+                      </m:r>
+                      <m:r>
+                        <a:rPr sz="1600" i="1">
+                          <a:solidFill>
+                            <a:srgbClr val="000000"/>
+                          </a:solidFill>
+                          <a:latin typeface="Cambria Math"/>
+                          <a:sym typeface="Cambria Math"/>
+                        </a:rPr>
+                        <m:t>𝑙</m:t>
+                      </m:r>
+                      <m:r>
+                        <a:rPr sz="1600" i="1">
+                          <a:solidFill>
+                            <a:srgbClr val="000000"/>
+                          </a:solidFill>
+                          <a:latin typeface="Cambria Math"/>
+                          <a:sym typeface="Cambria Math"/>
+                        </a:rPr>
+                        <m:t>∈</m:t>
+                      </m:r>
+                      <m:r>
+                        <a:rPr sz="1600" i="1">
+                          <a:solidFill>
+                            <a:srgbClr val="000000"/>
+                          </a:solidFill>
+                          <a:latin typeface="Cambria Math"/>
+                          <a:sym typeface="Cambria Math"/>
+                        </a:rPr>
+                        <m:t xml:space="preserve">{1,2} </m:t>
+                      </m:r>
+                      <m:r>
+                        <a:rPr sz="1600" i="1">
+                          <a:solidFill>
+                            <a:srgbClr val="000000"/>
+                          </a:solidFill>
+                          <a:latin typeface="Cambria Math"/>
+                          <a:sym typeface="Cambria Math"/>
+                        </a:rPr>
+                        <m:t xml:space="preserve"> </m:t>
+                      </m:r>
+                    </m:oMath>
+                  </m:oMathPara>
+                </a14:m>
+              </a:p>
+            </p:txBody>
+          </p:sp>
+        </mc:Choice>
+        <mc:Fallback>
+          <p:sp>
+            <p:nvSpPr>
+              <p:cNvPr id="304" name=""/>
+              <p:cNvSpPr txBox="1"/>
+              <p:nvPr/>
+            </p:nvSpPr>
+            <p:spPr>
+              <a:xfrm>
+                <a:off x="179512" y="1543050"/>
+                <a:ext cx="9220200" cy="5248275"/>
+              </a:xfrm>
+              <a:prstGeom prst="rect">
+                <a:avLst/>
+              </a:prstGeom>
+              <a:blipFill rotWithShape="1">
+                <a:blip r:embed="rId3"/>
+                <a:stretch>
+                  <a:fillRect/>
+                </a:stretch>
+              </a:blipFill>
+            </p:spPr>
+          </p:sp>
+        </mc:Fallback>
+      </mc:AlternateContent>
+    </p:spTree>
+  </p:cSld>
+  <p:clrMapOvr>
+    <a:masterClrMapping/>
+  </p:clrMapOvr>
+  <mc:AlternateContent xmlns:mc="http://schemas.openxmlformats.org/markup-compatibility/2006">
+    <mc:Choice xmlns:p14="http://schemas.microsoft.com/office/powerpoint/2010/main" Requires="p14">
+      <p:transition xmlns:mc="http://schemas.openxmlformats.org/markup-compatibility/2006" xmlns:p14="http://schemas.microsoft.com/office/powerpoint/2010/main" mc:Ignorable="p14" p14:dur="500"/>
+    </mc:Choice>
+    <mc:Fallback>
+      <p:transition/>
+    </mc:Fallback>
+  </mc:AlternateContent>
+</p:sld>
+</file>
+
+<file path=ppt/slides/slide14.xml><?xml version="1.0" encoding="utf-8"?>
 <p:sld xmlns:a="http://schemas.openxmlformats.org/drawingml/2006/main" xmlns:r="http://schemas.openxmlformats.org/officeDocument/2006/relationships" xmlns:p="http://schemas.openxmlformats.org/presentationml/2006/main">
   <p:cSld>
     <p:spTree>
@@ -3820,7 +12377,7 @@
 </p:sld>
 </file>
 
-<file path=ppt/slides/slide11.xml><?xml version="1.0" encoding="utf-8"?>
+<file path=ppt/slides/slide15.xml><?xml version="1.0" encoding="utf-8"?>
 <p:sld xmlns:a="http://schemas.openxmlformats.org/drawingml/2006/main" xmlns:r="http://schemas.openxmlformats.org/officeDocument/2006/relationships" xmlns:p="http://schemas.openxmlformats.org/presentationml/2006/main">
   <p:cSld>
     <p:spTree>
@@ -4707,7 +13264,7 @@
 </p:sld>
 </file>
 
-<file path=ppt/slides/slide12.xml><?xml version="1.0" encoding="utf-8"?>
+<file path=ppt/slides/slide16.xml><?xml version="1.0" encoding="utf-8"?>
 <p:sld xmlns:r="http://schemas.openxmlformats.org/officeDocument/2006/relationships" xmlns:c="http://schemas.openxmlformats.org/drawingml/2006/chart" xmlns:a="http://schemas.openxmlformats.org/drawingml/2006/main" xmlns:dgm="http://schemas.openxmlformats.org/drawingml/2006/diagram" xmlns:dsp="http://schemas.microsoft.com/office/drawing/2008/diagram" xmlns:p="http://schemas.openxmlformats.org/presentationml/2006/main">
   <p:cSld>
     <p:spTree>
@@ -4896,9 +13453,9 @@
             </a:pPr>
             <a:r>
               <a:rPr lang="en-US" altLang="ko-KR" sz="2400"/>
-              <a:t>Symbols</a:t>
-            </a:r>
-            <a:endParaRPr lang="ko-KR" altLang="en-US" sz="2400"/>
+              <a:t>Terminology</a:t>
+            </a:r>
+            <a:endParaRPr lang="en-US" altLang="ko-KR" sz="2400"/>
           </a:p>
           <a:p>
             <a:pPr lvl="0">
@@ -5166,7 +13723,7 @@
         <p:spPr>
           <a:xfrm>
             <a:off x="159668" y="872716"/>
-            <a:ext cx="8824664" cy="1135154"/>
+            <a:ext cx="8824664" cy="1687604"/>
           </a:xfrm>
           <a:prstGeom prst="rect">
             <a:avLst/>
@@ -5185,24 +13742,34 @@
             <a:spAutoFit/>
           </a:bodyPr>
           <a:p>
-            <a:pPr marL="342900" indent="-342900" eaLnBrk="0" hangingPunct="0">
+            <a:pPr marL="0" indent="0" eaLnBrk="0" hangingPunct="0">
               <a:spcBef>
                 <a:spcPct val="20000"/>
               </a:spcBef>
               <a:buSzPct val="120000"/>
               <a:buFont typeface="Wingdings"/>
-              <a:buChar char="§"/>
+              <a:buNone/>
               <a:defRPr/>
             </a:pPr>
             <a:r>
-              <a:rPr lang="en-US" altLang="ko-KR" sz="1500">
+              <a:rPr lang="ko-KR" altLang="en-US" sz="1500">
                 <a:solidFill>
                   <a:srgbClr val="000000"/>
                 </a:solidFill>
                 <a:latin typeface="+mn-lt"/>
                 <a:ea typeface="맑은 고딕"/>
               </a:rPr>
-              <a:t>PC5 :</a:t>
+              <a:t>■</a:t>
+            </a:r>
+            <a:r>
+              <a:rPr lang="en-US" altLang="ko-KR" sz="1500">
+                <a:solidFill>
+                  <a:srgbClr val="000000"/>
+                </a:solidFill>
+                <a:latin typeface="+mn-lt"/>
+                <a:ea typeface="맑은 고딕"/>
+              </a:rPr>
+              <a:t> PC5 :</a:t>
             </a:r>
             <a:r>
               <a:rPr lang="ko-KR" altLang="en-US" sz="1500">
@@ -5362,6 +13929,42 @@
               </a:rPr>
               <a:t>.)</a:t>
             </a:r>
+            <a:endParaRPr lang="en-US" altLang="ko-KR" sz="1500">
+              <a:solidFill>
+                <a:srgbClr val="000000"/>
+              </a:solidFill>
+              <a:latin typeface="+mn-lt"/>
+              <a:ea typeface="맑은 고딕"/>
+            </a:endParaRPr>
+          </a:p>
+          <a:p>
+            <a:pPr marL="0" indent="0" eaLnBrk="0" hangingPunct="0">
+              <a:spcBef>
+                <a:spcPct val="20000"/>
+              </a:spcBef>
+              <a:buSzPct val="120000"/>
+              <a:buFont typeface="Wingdings"/>
+              <a:buNone/>
+              <a:defRPr/>
+            </a:pPr>
+            <a:endParaRPr lang="ko-KR" altLang="en-US" sz="1500">
+              <a:solidFill>
+                <a:srgbClr val="000000"/>
+              </a:solidFill>
+              <a:latin typeface="+mn-lt"/>
+              <a:ea typeface="맑은 고딕"/>
+            </a:endParaRPr>
+          </a:p>
+          <a:p>
+            <a:pPr marL="0" indent="0" eaLnBrk="0" hangingPunct="0">
+              <a:spcBef>
+                <a:spcPct val="20000"/>
+              </a:spcBef>
+              <a:buSzPct val="120000"/>
+              <a:buFont typeface="Wingdings"/>
+              <a:buNone/>
+              <a:defRPr/>
+            </a:pPr>
             <a:endParaRPr lang="en-US" altLang="ko-KR" sz="1500">
               <a:solidFill>
                 <a:srgbClr val="000000"/>

--- a/V2V DQN Study/C-V2X 3GPP Release 14 채널 시뮬레이션 ppt/20210915_C-V2X 3GPP Release 14 채널 시뮬레이션_한동희_발표자료.pptx
+++ b/V2V DQN Study/C-V2X 3GPP Release 14 채널 시뮬레이션 ppt/20210915_C-V2X 3GPP Release 14 채널 시뮬레이션_한동희_발표자료.pptx
@@ -1,33 +1,34 @@
 
 <file path=ppt/presentation.xml><?xml version="1.0" encoding="utf-8"?>
-<p:presentation xmlns:a="http://schemas.openxmlformats.org/drawingml/2006/main" xmlns:r="http://schemas.openxmlformats.org/officeDocument/2006/relationships" xmlns:p="http://schemas.openxmlformats.org/presentationml/2006/main">
+<p:presentation xmlns:r="http://schemas.openxmlformats.org/officeDocument/2006/relationships" xmlns:c="http://schemas.openxmlformats.org/drawingml/2006/chart" xmlns:a="http://schemas.openxmlformats.org/drawingml/2006/main" xmlns:dgm="http://schemas.openxmlformats.org/drawingml/2006/diagram" xmlns:dsp="http://schemas.microsoft.com/office/drawing/2008/diagram" xmlns:p="http://schemas.openxmlformats.org/presentationml/2006/main">
   <p:sldMasterIdLst>
-    <p:sldMasterId id="2147484257" r:id="rId1"/>
+    <p:sldMasterId id="2147484237" r:id="rId1"/>
   </p:sldMasterIdLst>
   <p:notesMasterIdLst>
-    <p:notesMasterId r:id="rId19"/>
+    <p:notesMasterId r:id="rId2"/>
   </p:notesMasterIdLst>
   <p:handoutMasterIdLst>
-    <p:handoutMasterId r:id="rId20"/>
+    <p:handoutMasterId r:id="rId3"/>
   </p:handoutMasterIdLst>
   <p:sldIdLst>
-    <p:sldId id="256" r:id="rId2"/>
-    <p:sldId id="257" r:id="rId3"/>
-    <p:sldId id="300" r:id="rId4"/>
-    <p:sldId id="301" r:id="rId5"/>
-    <p:sldId id="302" r:id="rId6"/>
-    <p:sldId id="303" r:id="rId7"/>
-    <p:sldId id="304" r:id="rId8"/>
-    <p:sldId id="305" r:id="rId9"/>
-    <p:sldId id="306" r:id="rId10"/>
-    <p:sldId id="312" r:id="rId11"/>
-    <p:sldId id="308" r:id="rId12"/>
-    <p:sldId id="309" r:id="rId13"/>
-    <p:sldId id="310" r:id="rId14"/>
-    <p:sldId id="311" r:id="rId15"/>
-    <p:sldId id="280" r:id="rId16"/>
-    <p:sldId id="266" r:id="rId17"/>
-    <p:sldId id="307" r:id="rId18"/>
+    <p:sldId id="256" r:id="rId4"/>
+    <p:sldId id="257" r:id="rId5"/>
+    <p:sldId id="300" r:id="rId6"/>
+    <p:sldId id="301" r:id="rId7"/>
+    <p:sldId id="302" r:id="rId8"/>
+    <p:sldId id="303" r:id="rId9"/>
+    <p:sldId id="304" r:id="rId10"/>
+    <p:sldId id="305" r:id="rId11"/>
+    <p:sldId id="306" r:id="rId12"/>
+    <p:sldId id="312" r:id="rId13"/>
+    <p:sldId id="308" r:id="rId14"/>
+    <p:sldId id="309" r:id="rId15"/>
+    <p:sldId id="310" r:id="rId16"/>
+    <p:sldId id="311" r:id="rId17"/>
+    <p:sldId id="313" r:id="rId18"/>
+    <p:sldId id="280" r:id="rId19"/>
+    <p:sldId id="266" r:id="rId20"/>
+    <p:sldId id="307" r:id="rId21"/>
   </p:sldIdLst>
   <p:sldSz cx="9144000" cy="6858000" type="screen4x3"/>
   <p:notesSz cx="9926638" cy="6797675"/>
@@ -156,55 +157,24 @@
       </a:defRPr>
     </a:lvl9pPr>
   </p:defaultTextStyle>
-  <p:extLst>
-    <p:ext uri="{EFAFB233-063F-42B5-8137-9DF3F51BA10A}">
-      <p15:sldGuideLst xmlns:p15="http://schemas.microsoft.com/office/powerpoint/2012/main">
-        <p15:guide id="1" orient="horz" pos="2158">
-          <p15:clr>
-            <a:srgbClr val="A4A3A4"/>
-          </p15:clr>
-        </p15:guide>
-        <p15:guide id="2" pos="2878">
-          <p15:clr>
-            <a:srgbClr val="A4A3A4"/>
-          </p15:clr>
-        </p15:guide>
-      </p15:sldGuideLst>
-    </p:ext>
-    <p:ext uri="{2D200454-40CA-4A62-9FC3-DE9A4176ACB9}">
-      <p15:notesGuideLst xmlns:p15="http://schemas.microsoft.com/office/powerpoint/2012/main">
-        <p15:guide id="1" orient="horz" pos="2139">
-          <p15:clr>
-            <a:srgbClr val="A4A3A4"/>
-          </p15:clr>
-        </p15:guide>
-        <p15:guide id="2" pos="3126">
-          <p15:clr>
-            <a:srgbClr val="A4A3A4"/>
-          </p15:clr>
-        </p15:guide>
-      </p15:notesGuideLst>
-    </p:ext>
-  </p:extLst>
 </p:presentation>
 </file>
 
 <file path=ppt/commentAuthors.xml><?xml version="1.0" encoding="utf-8"?>
-<p:cmAuthorLst xmlns:a="http://schemas.openxmlformats.org/drawingml/2006/main" xmlns:r="http://schemas.openxmlformats.org/officeDocument/2006/relationships" xmlns:p="http://schemas.openxmlformats.org/presentationml/2006/main">
+<p:cmAuthorLst xmlns:r="http://schemas.openxmlformats.org/officeDocument/2006/relationships" xmlns:c="http://schemas.openxmlformats.org/drawingml/2006/chart" xmlns:a="http://schemas.openxmlformats.org/drawingml/2006/main" xmlns:dgm="http://schemas.openxmlformats.org/drawingml/2006/diagram" xmlns:dsp="http://schemas.microsoft.com/office/drawing/2008/diagram" xmlns:p="http://schemas.openxmlformats.org/presentationml/2006/main">
   <p:cmAuthor id="1" name="prof" initials="p" lastIdx="3" clrIdx="0"/>
   <p:cmAuthor id="2" name="cnlab" initials="." lastIdx="0" clrIdx="1"/>
 </p:cmAuthorLst>
 </file>
 
 <file path=ppt/handoutMasters/handoutMaster1.xml><?xml version="1.0" encoding="utf-8"?>
-<p:handoutMaster xmlns:a="http://schemas.openxmlformats.org/drawingml/2006/main" xmlns:r="http://schemas.openxmlformats.org/officeDocument/2006/relationships" xmlns:p="http://schemas.openxmlformats.org/presentationml/2006/main">
+<p:handoutMaster xmlns:r="http://schemas.openxmlformats.org/officeDocument/2006/relationships" xmlns:c="http://schemas.openxmlformats.org/drawingml/2006/chart" xmlns:a="http://schemas.openxmlformats.org/drawingml/2006/main" xmlns:dgm="http://schemas.openxmlformats.org/drawingml/2006/diagram" xmlns:dsp="http://schemas.microsoft.com/office/drawing/2008/diagram" xmlns:p="http://schemas.openxmlformats.org/presentationml/2006/main">
   <p:cSld>
     <p:bg>
-      <p:bgPr>
+      <p:bgPr shadeToTitle="0">
         <a:solidFill>
           <a:schemeClr val="bg1"/>
         </a:solidFill>
-        <a:effectLst/>
       </p:bgPr>
     </p:bg>
     <p:spTree>
@@ -228,7 +198,7 @@
             <a:spLocks noGrp="1" noChangeArrowheads="1"/>
           </p:cNvSpPr>
           <p:nvPr>
-            <p:ph type="hdr" sz="quarter"/>
+            <p:ph type="hdr" sz="quarter" idx="0"/>
           </p:nvPr>
         </p:nvSpPr>
         <p:spPr>
@@ -264,6 +234,10 @@
             <a:pPr>
               <a:defRPr/>
             </a:pPr>
+            <a:r>
+              <a:rPr lang="ko-KR" altLang="en-US"/>
+              <a:t/>
+            </a:r>
             <a:endParaRPr lang="ko-KR" altLang="en-US"/>
           </a:p>
         </p:txBody>
@@ -311,6 +285,10 @@
             <a:pPr>
               <a:defRPr/>
             </a:pPr>
+            <a:r>
+              <a:rPr lang="ko-KR" altLang="en-US"/>
+              <a:t/>
+            </a:r>
             <a:endParaRPr lang="ko-KR" altLang="en-US"/>
           </a:p>
         </p:txBody>
@@ -358,6 +336,10 @@
             <a:pPr>
               <a:defRPr/>
             </a:pPr>
+            <a:r>
+              <a:rPr lang="ko-KR" altLang="en-US"/>
+              <a:t/>
+            </a:r>
             <a:endParaRPr lang="ko-KR" altLang="en-US"/>
           </a:p>
         </p:txBody>
@@ -416,25 +398,19 @@
         </p:txBody>
       </p:sp>
     </p:spTree>
-    <p:extLst>
-      <p:ext uri="{BB962C8B-B14F-4D97-AF65-F5344CB8AC3E}">
-        <p14:creationId xmlns:p14="http://schemas.microsoft.com/office/powerpoint/2010/main" val="1"/>
-      </p:ext>
-    </p:extLst>
   </p:cSld>
   <p:clrMap bg1="lt1" tx1="dk1" bg2="lt2" tx2="dk2" accent1="accent1" accent2="accent2" accent3="accent3" accent4="accent4" accent5="accent5" accent6="accent6" hlink="hlink" folHlink="folHlink"/>
 </p:handoutMaster>
 </file>
 
 <file path=ppt/notesMasters/notesMaster1.xml><?xml version="1.0" encoding="utf-8"?>
-<p:notesMaster xmlns:a="http://schemas.openxmlformats.org/drawingml/2006/main" xmlns:r="http://schemas.openxmlformats.org/officeDocument/2006/relationships" xmlns:p="http://schemas.openxmlformats.org/presentationml/2006/main">
+<p:notesMaster xmlns:r="http://schemas.openxmlformats.org/officeDocument/2006/relationships" xmlns:c="http://schemas.openxmlformats.org/drawingml/2006/chart" xmlns:a="http://schemas.openxmlformats.org/drawingml/2006/main" xmlns:dgm="http://schemas.openxmlformats.org/drawingml/2006/diagram" xmlns:dsp="http://schemas.microsoft.com/office/drawing/2008/diagram" xmlns:p="http://schemas.openxmlformats.org/presentationml/2006/main">
   <p:cSld>
     <p:bg>
-      <p:bgPr>
+      <p:bgPr shadeToTitle="0">
         <a:solidFill>
           <a:schemeClr val="bg1"/>
         </a:solidFill>
-        <a:effectLst/>
       </p:bgPr>
     </p:bg>
     <p:spTree>
@@ -458,7 +434,7 @@
             <a:spLocks noGrp="1" noChangeArrowheads="1"/>
           </p:cNvSpPr>
           <p:nvPr>
-            <p:ph type="hdr" sz="quarter"/>
+            <p:ph type="hdr" sz="quarter" idx="0"/>
           </p:nvPr>
         </p:nvSpPr>
         <p:spPr>
@@ -494,6 +470,10 @@
             <a:pPr>
               <a:defRPr/>
             </a:pPr>
+            <a:r>
+              <a:rPr lang="ko-KR" altLang="en-US"/>
+              <a:t/>
+            </a:r>
             <a:endParaRPr lang="ko-KR" altLang="en-US"/>
           </a:p>
         </p:txBody>
@@ -541,6 +521,10 @@
             <a:pPr>
               <a:defRPr/>
             </a:pPr>
+            <a:r>
+              <a:rPr lang="ko-KR" altLang="en-US"/>
+              <a:t/>
+            </a:r>
             <a:endParaRPr lang="ko-KR" altLang="en-US"/>
           </a:p>
         </p:txBody>
@@ -612,6 +596,7 @@
               <a:rPr lang="ko-KR" altLang="en-US"/>
               <a:t>마스터 텍스트 스타일을 편집합니다</a:t>
             </a:r>
+            <a:endParaRPr lang="ko-KR" altLang="en-US"/>
           </a:p>
           <a:p>
             <a:pPr lvl="1">
@@ -621,6 +606,7 @@
               <a:rPr lang="ko-KR" altLang="en-US"/>
               <a:t>둘째 수준</a:t>
             </a:r>
+            <a:endParaRPr lang="ko-KR" altLang="en-US"/>
           </a:p>
           <a:p>
             <a:pPr lvl="2">
@@ -630,6 +616,7 @@
               <a:rPr lang="ko-KR" altLang="en-US"/>
               <a:t>셋째 수준</a:t>
             </a:r>
+            <a:endParaRPr lang="ko-KR" altLang="en-US"/>
           </a:p>
           <a:p>
             <a:pPr lvl="3">
@@ -639,6 +626,7 @@
               <a:rPr lang="ko-KR" altLang="en-US"/>
               <a:t>넷째 수준</a:t>
             </a:r>
+            <a:endParaRPr lang="ko-KR" altLang="en-US"/>
           </a:p>
           <a:p>
             <a:pPr lvl="4">
@@ -648,6 +636,7 @@
               <a:rPr lang="ko-KR" altLang="en-US"/>
               <a:t>다섯째 수준</a:t>
             </a:r>
+            <a:endParaRPr lang="ko-KR" altLang="en-US"/>
           </a:p>
         </p:txBody>
       </p:sp>
@@ -694,6 +683,10 @@
             <a:pPr>
               <a:defRPr/>
             </a:pPr>
+            <a:r>
+              <a:rPr lang="ko-KR" altLang="en-US"/>
+              <a:t/>
+            </a:r>
             <a:endParaRPr lang="ko-KR" altLang="en-US"/>
           </a:p>
         </p:txBody>
@@ -881,7 +874,7 @@
 </file>
 
 <file path=ppt/notesSlides/notesSlide1.xml><?xml version="1.0" encoding="utf-8"?>
-<p:notes xmlns:a="http://schemas.openxmlformats.org/drawingml/2006/main" xmlns:r="http://schemas.openxmlformats.org/officeDocument/2006/relationships" xmlns:p="http://schemas.openxmlformats.org/presentationml/2006/main">
+<p:notes xmlns:r="http://schemas.openxmlformats.org/officeDocument/2006/relationships" xmlns:c="http://schemas.openxmlformats.org/drawingml/2006/chart" xmlns:a="http://schemas.openxmlformats.org/drawingml/2006/main" xmlns:dgm="http://schemas.openxmlformats.org/drawingml/2006/diagram" xmlns:dsp="http://schemas.microsoft.com/office/drawing/2008/diagram" xmlns:p="http://schemas.openxmlformats.org/presentationml/2006/main">
   <p:cSld>
     <p:spTree>
       <p:nvGrpSpPr>
@@ -904,7 +897,7 @@
             <a:spLocks noGrp="1" noRot="1" noChangeAspect="1" noTextEdit="1"/>
           </p:cNvSpPr>
           <p:nvPr>
-            <p:ph type="sldImg"/>
+            <p:ph type="sldImg" idx="0"/>
           </p:nvPr>
         </p:nvSpPr>
         <p:spPr/>
@@ -935,6 +928,10 @@
             <a:pPr lvl="0">
               <a:defRPr/>
             </a:pPr>
+            <a:r>
+              <a:rPr lang="ko-KR" altLang="en-US"/>
+              <a:t/>
+            </a:r>
             <a:endParaRPr lang="ko-KR" altLang="en-US"/>
           </a:p>
         </p:txBody>
@@ -948,7 +945,7 @@
 </file>
 
 <file path=ppt/notesSlides/notesSlide10.xml><?xml version="1.0" encoding="utf-8"?>
-<p:notes xmlns:a="http://schemas.openxmlformats.org/drawingml/2006/main" xmlns:r="http://schemas.openxmlformats.org/officeDocument/2006/relationships" xmlns:p="http://schemas.openxmlformats.org/presentationml/2006/main">
+<p:notes xmlns:r="http://schemas.openxmlformats.org/officeDocument/2006/relationships" xmlns:c="http://schemas.openxmlformats.org/drawingml/2006/chart" xmlns:a="http://schemas.openxmlformats.org/drawingml/2006/main" xmlns:dgm="http://schemas.openxmlformats.org/drawingml/2006/diagram" xmlns:dsp="http://schemas.microsoft.com/office/drawing/2008/diagram" xmlns:p="http://schemas.openxmlformats.org/presentationml/2006/main">
   <p:cSld>
     <p:spTree>
       <p:nvGrpSpPr>
@@ -971,7 +968,7 @@
             <a:spLocks noGrp="1" noRot="1" noChangeAspect="1" noTextEdit="1"/>
           </p:cNvSpPr>
           <p:nvPr>
-            <p:ph type="sldImg"/>
+            <p:ph type="sldImg" idx="0"/>
           </p:nvPr>
         </p:nvSpPr>
         <p:spPr/>
@@ -998,6 +995,7 @@
               <a:rPr lang="en-US" altLang="ko-KR"/>
               <a:t>3GPP TR 36.885 V14.0.0 (2016-06) p64</a:t>
             </a:r>
+            <a:endParaRPr lang="en-US" altLang="ko-KR"/>
           </a:p>
           <a:p>
             <a:pPr lvl="0">
@@ -1007,6 +1005,7 @@
               <a:rPr lang="en-US" altLang="ko-KR"/>
               <a:t>Table A.1.2-1: Details of vehicle UE drop and mobility model</a:t>
             </a:r>
+            <a:endParaRPr lang="en-US" altLang="ko-KR"/>
           </a:p>
         </p:txBody>
       </p:sp>
@@ -1040,11 +1039,6 @@
         </p:txBody>
       </p:sp>
     </p:spTree>
-    <p:extLst>
-      <p:ext uri="{BB962C8B-B14F-4D97-AF65-F5344CB8AC3E}">
-        <p14:creationId xmlns:p14="http://schemas.microsoft.com/office/powerpoint/2010/main" val="3461161445"/>
-      </p:ext>
-    </p:extLst>
   </p:cSld>
   <p:clrMapOvr>
     <a:masterClrMapping/>
@@ -1053,7 +1047,7 @@
 </file>
 
 <file path=ppt/notesSlides/notesSlide11.xml><?xml version="1.0" encoding="utf-8"?>
-<p:notes xmlns:a="http://schemas.openxmlformats.org/drawingml/2006/main" xmlns:r="http://schemas.openxmlformats.org/officeDocument/2006/relationships" xmlns:p="http://schemas.openxmlformats.org/presentationml/2006/main">
+<p:notes xmlns:r="http://schemas.openxmlformats.org/officeDocument/2006/relationships" xmlns:c="http://schemas.openxmlformats.org/drawingml/2006/chart" xmlns:a="http://schemas.openxmlformats.org/drawingml/2006/main" xmlns:dgm="http://schemas.openxmlformats.org/drawingml/2006/diagram" xmlns:dsp="http://schemas.microsoft.com/office/drawing/2008/diagram" xmlns:p="http://schemas.openxmlformats.org/presentationml/2006/main">
   <p:cSld>
     <p:spTree>
       <p:nvGrpSpPr>
@@ -1076,7 +1070,7 @@
             <a:spLocks noGrp="1" noRot="1" noChangeAspect="1" noTextEdit="1"/>
           </p:cNvSpPr>
           <p:nvPr>
-            <p:ph type="sldImg"/>
+            <p:ph type="sldImg" idx="0"/>
           </p:nvPr>
         </p:nvSpPr>
         <p:spPr/>
@@ -1103,6 +1097,7 @@
               <a:rPr lang="en-US" altLang="ko-KR"/>
               <a:t>3GPP TR 36.885 V14.0.0 (2016-06) p64</a:t>
             </a:r>
+            <a:endParaRPr lang="en-US" altLang="ko-KR"/>
           </a:p>
           <a:p>
             <a:pPr lvl="0">
@@ -1112,6 +1107,7 @@
               <a:rPr lang="en-US" altLang="ko-KR"/>
               <a:t>Table A.1.2-1: Details of vehicle UE drop and mobility model</a:t>
             </a:r>
+            <a:endParaRPr lang="en-US" altLang="ko-KR"/>
           </a:p>
         </p:txBody>
       </p:sp>
@@ -1153,7 +1149,7 @@
 </file>
 
 <file path=ppt/notesSlides/notesSlide12.xml><?xml version="1.0" encoding="utf-8"?>
-<p:notes xmlns:a="http://schemas.openxmlformats.org/drawingml/2006/main" xmlns:r="http://schemas.openxmlformats.org/officeDocument/2006/relationships" xmlns:p="http://schemas.openxmlformats.org/presentationml/2006/main">
+<p:notes xmlns:r="http://schemas.openxmlformats.org/officeDocument/2006/relationships" xmlns:c="http://schemas.openxmlformats.org/drawingml/2006/chart" xmlns:a="http://schemas.openxmlformats.org/drawingml/2006/main" xmlns:dgm="http://schemas.openxmlformats.org/drawingml/2006/diagram" xmlns:dsp="http://schemas.microsoft.com/office/drawing/2008/diagram" xmlns:p="http://schemas.openxmlformats.org/presentationml/2006/main">
   <p:cSld>
     <p:spTree>
       <p:nvGrpSpPr>
@@ -1176,7 +1172,7 @@
             <a:spLocks noGrp="1" noRot="1" noChangeAspect="1" noTextEdit="1"/>
           </p:cNvSpPr>
           <p:nvPr>
-            <p:ph type="sldImg"/>
+            <p:ph type="sldImg" idx="0"/>
           </p:nvPr>
         </p:nvSpPr>
         <p:spPr/>
@@ -1203,6 +1199,7 @@
               <a:rPr lang="en-US" altLang="ko-KR"/>
               <a:t>3GPP TR 36.885 V14.0.0 (2016-06) p7 Table A.1.4-1: Assumptions for vehicle-to-vehicle channel</a:t>
             </a:r>
+            <a:endParaRPr lang="en-US" altLang="ko-KR"/>
           </a:p>
           <a:p>
             <a:pPr lvl="0">
@@ -1212,6 +1209,7 @@
               <a:rPr lang="en-US" altLang="ko-KR"/>
               <a:t>WINNER II channel models (Febuary 2008) Page 44 Table 4-4 Summary table of the path-loss models</a:t>
             </a:r>
+            <a:endParaRPr lang="en-US" altLang="ko-KR"/>
           </a:p>
           <a:p>
             <a:pPr lvl="0">
@@ -1271,7 +1269,7 @@
 </file>
 
 <file path=ppt/notesSlides/notesSlide13.xml><?xml version="1.0" encoding="utf-8"?>
-<p:notes xmlns:a="http://schemas.openxmlformats.org/drawingml/2006/main" xmlns:r="http://schemas.openxmlformats.org/officeDocument/2006/relationships" xmlns:p="http://schemas.openxmlformats.org/presentationml/2006/main">
+<p:notes xmlns:r="http://schemas.openxmlformats.org/officeDocument/2006/relationships" xmlns:c="http://schemas.openxmlformats.org/drawingml/2006/chart" xmlns:a="http://schemas.openxmlformats.org/drawingml/2006/main" xmlns:dgm="http://schemas.openxmlformats.org/drawingml/2006/diagram" xmlns:dsp="http://schemas.microsoft.com/office/drawing/2008/diagram" xmlns:p="http://schemas.openxmlformats.org/presentationml/2006/main">
   <p:cSld>
     <p:spTree>
       <p:nvGrpSpPr>
@@ -1294,7 +1292,7 @@
             <a:spLocks noGrp="1" noRot="1" noChangeAspect="1" noTextEdit="1"/>
           </p:cNvSpPr>
           <p:nvPr>
-            <p:ph type="sldImg"/>
+            <p:ph type="sldImg" idx="0"/>
           </p:nvPr>
         </p:nvSpPr>
         <p:spPr/>
@@ -1321,6 +1319,7 @@
               <a:rPr lang="en-US" altLang="ko-KR"/>
               <a:t>WINNER II channel models (Febuary 2008) Page 44 Table 4-4 Summary table of the path-loss models</a:t>
             </a:r>
+            <a:endParaRPr lang="en-US" altLang="ko-KR"/>
           </a:p>
           <a:p>
             <a:pPr lvl="0">
@@ -1386,7 +1385,7 @@
 </file>
 
 <file path=ppt/notesSlides/notesSlide14.xml><?xml version="1.0" encoding="utf-8"?>
-<p:notes xmlns:a="http://schemas.openxmlformats.org/drawingml/2006/main" xmlns:r="http://schemas.openxmlformats.org/officeDocument/2006/relationships" xmlns:p="http://schemas.openxmlformats.org/presentationml/2006/main">
+<p:notes xmlns:r="http://schemas.openxmlformats.org/officeDocument/2006/relationships" xmlns:c="http://schemas.openxmlformats.org/drawingml/2006/chart" xmlns:a="http://schemas.openxmlformats.org/drawingml/2006/main" xmlns:dgm="http://schemas.openxmlformats.org/drawingml/2006/diagram" xmlns:dsp="http://schemas.microsoft.com/office/drawing/2008/diagram" xmlns:p="http://schemas.openxmlformats.org/presentationml/2006/main">
   <p:cSld>
     <p:spTree>
       <p:nvGrpSpPr>
@@ -1409,7 +1408,7 @@
             <a:spLocks noGrp="1" noRot="1" noChangeAspect="1" noTextEdit="1"/>
           </p:cNvSpPr>
           <p:nvPr>
-            <p:ph type="sldImg"/>
+            <p:ph type="sldImg" idx="0"/>
           </p:nvPr>
         </p:nvSpPr>
         <p:spPr/>
@@ -1436,6 +1435,7 @@
               <a:rPr lang="en-US" altLang="ko-KR"/>
               <a:t>WINNER II channel models (Febuary 2008) Page 44 Table 4-4 Summary table of the path-loss models</a:t>
             </a:r>
+            <a:endParaRPr lang="en-US" altLang="ko-KR"/>
           </a:p>
           <a:p>
             <a:pPr lvl="0">
@@ -1501,7 +1501,7 @@
 </file>
 
 <file path=ppt/notesSlides/notesSlide15.xml><?xml version="1.0" encoding="utf-8"?>
-<p:notes xmlns:a="http://schemas.openxmlformats.org/drawingml/2006/main" xmlns:r="http://schemas.openxmlformats.org/officeDocument/2006/relationships" xmlns:p="http://schemas.openxmlformats.org/presentationml/2006/main">
+<p:notes xmlns:r="http://schemas.openxmlformats.org/officeDocument/2006/relationships" xmlns:c="http://schemas.openxmlformats.org/drawingml/2006/chart" xmlns:a="http://schemas.openxmlformats.org/drawingml/2006/main" xmlns:dgm="http://schemas.openxmlformats.org/drawingml/2006/diagram" xmlns:dsp="http://schemas.microsoft.com/office/drawing/2008/diagram" xmlns:p="http://schemas.openxmlformats.org/presentationml/2006/main">
   <p:cSld>
     <p:spTree>
       <p:nvGrpSpPr>
@@ -1524,7 +1524,7 @@
             <a:spLocks noGrp="1" noRot="1" noChangeAspect="1" noTextEdit="1"/>
           </p:cNvSpPr>
           <p:nvPr>
-            <p:ph type="sldImg"/>
+            <p:ph type="sldImg" idx="0"/>
           </p:nvPr>
         </p:nvSpPr>
         <p:spPr/>
@@ -1547,7 +1547,35 @@
             <a:pPr lvl="0">
               <a:defRPr/>
             </a:pPr>
-            <a:endParaRPr lang="ko-KR" altLang="en-US"/>
+            <a:r>
+              <a:rPr lang="en-US" altLang="ko-KR"/>
+              <a:t>WINNER II channel models (Febuary 2008) Page 44 Table 4-4 Summary table of the path-loss models</a:t>
+            </a:r>
+            <a:endParaRPr lang="en-US" altLang="ko-KR"/>
+          </a:p>
+          <a:p>
+            <a:pPr lvl="0">
+              <a:defRPr/>
+            </a:pPr>
+            <a:endParaRPr lang="en-US" altLang="ko-KR"/>
+          </a:p>
+          <a:p>
+            <a:pPr lvl="0">
+              <a:defRPr/>
+            </a:pPr>
+            <a:endParaRPr lang="en-US" altLang="ko-KR"/>
+          </a:p>
+          <a:p>
+            <a:pPr lvl="0">
+              <a:defRPr/>
+            </a:pPr>
+            <a:endParaRPr lang="en-US" altLang="ko-KR"/>
+          </a:p>
+          <a:p>
+            <a:pPr lvl="0">
+              <a:defRPr/>
+            </a:pPr>
+            <a:endParaRPr lang="en-US" altLang="ko-KR"/>
           </a:p>
         </p:txBody>
       </p:sp>
@@ -1589,7 +1617,7 @@
 </file>
 
 <file path=ppt/notesSlides/notesSlide16.xml><?xml version="1.0" encoding="utf-8"?>
-<p:notes xmlns:a="http://schemas.openxmlformats.org/drawingml/2006/main" xmlns:r="http://schemas.openxmlformats.org/officeDocument/2006/relationships" xmlns:p="http://schemas.openxmlformats.org/presentationml/2006/main">
+<p:notes xmlns:r="http://schemas.openxmlformats.org/officeDocument/2006/relationships" xmlns:c="http://schemas.openxmlformats.org/drawingml/2006/chart" xmlns:a="http://schemas.openxmlformats.org/drawingml/2006/main" xmlns:dgm="http://schemas.openxmlformats.org/drawingml/2006/diagram" xmlns:dsp="http://schemas.microsoft.com/office/drawing/2008/diagram" xmlns:p="http://schemas.openxmlformats.org/presentationml/2006/main">
   <p:cSld>
     <p:spTree>
       <p:nvGrpSpPr>
@@ -1612,7 +1640,7 @@
             <a:spLocks noGrp="1" noRot="1" noChangeAspect="1" noTextEdit="1"/>
           </p:cNvSpPr>
           <p:nvPr>
-            <p:ph type="sldImg"/>
+            <p:ph type="sldImg" idx="0"/>
           </p:nvPr>
         </p:nvSpPr>
         <p:spPr/>
@@ -1635,6 +1663,10 @@
             <a:pPr lvl="0">
               <a:defRPr/>
             </a:pPr>
+            <a:r>
+              <a:rPr lang="ko-KR" altLang="en-US"/>
+              <a:t/>
+            </a:r>
             <a:endParaRPr lang="ko-KR" altLang="en-US"/>
           </a:p>
         </p:txBody>
@@ -1662,7 +1694,7 @@
               <a:pPr lvl="0">
                 <a:defRPr/>
               </a:pPr>
-              <a:t>16</a:t>
+              <a:t>15</a:t>
             </a:fld>
             <a:endParaRPr lang="en-US" altLang="en-US"/>
           </a:p>
@@ -1676,8 +1708,8 @@
 </p:notes>
 </file>
 
-<file path=ppt/notesSlides/notesSlide2.xml><?xml version="1.0" encoding="utf-8"?>
-<p:notes xmlns:a="http://schemas.openxmlformats.org/drawingml/2006/main" xmlns:r="http://schemas.openxmlformats.org/officeDocument/2006/relationships" xmlns:p="http://schemas.openxmlformats.org/presentationml/2006/main">
+<file path=ppt/notesSlides/notesSlide17.xml><?xml version="1.0" encoding="utf-8"?>
+<p:notes xmlns:r="http://schemas.openxmlformats.org/officeDocument/2006/relationships" xmlns:c="http://schemas.openxmlformats.org/drawingml/2006/chart" xmlns:a="http://schemas.openxmlformats.org/drawingml/2006/main" xmlns:dgm="http://schemas.openxmlformats.org/drawingml/2006/diagram" xmlns:dsp="http://schemas.microsoft.com/office/drawing/2008/diagram" xmlns:p="http://schemas.openxmlformats.org/presentationml/2006/main">
   <p:cSld>
     <p:spTree>
       <p:nvGrpSpPr>
@@ -1700,7 +1732,7 @@
             <a:spLocks noGrp="1" noRot="1" noChangeAspect="1" noTextEdit="1"/>
           </p:cNvSpPr>
           <p:nvPr>
-            <p:ph type="sldImg"/>
+            <p:ph type="sldImg" idx="0"/>
           </p:nvPr>
         </p:nvSpPr>
         <p:spPr/>
@@ -1723,6 +1755,10 @@
             <a:pPr lvl="0">
               <a:defRPr/>
             </a:pPr>
+            <a:r>
+              <a:rPr lang="ko-KR" altLang="en-US"/>
+              <a:t/>
+            </a:r>
             <a:endParaRPr lang="ko-KR" altLang="en-US"/>
           </a:p>
         </p:txBody>
@@ -1750,7 +1786,7 @@
               <a:pPr lvl="0">
                 <a:defRPr/>
               </a:pPr>
-              <a:t>2</a:t>
+              <a:t>16</a:t>
             </a:fld>
             <a:endParaRPr lang="en-US" altLang="en-US"/>
           </a:p>
@@ -1764,8 +1800,8 @@
 </p:notes>
 </file>
 
-<file path=ppt/notesSlides/notesSlide3.xml><?xml version="1.0" encoding="utf-8"?>
-<p:notes xmlns:a="http://schemas.openxmlformats.org/drawingml/2006/main" xmlns:r="http://schemas.openxmlformats.org/officeDocument/2006/relationships" xmlns:p="http://schemas.openxmlformats.org/presentationml/2006/main">
+<file path=ppt/notesSlides/notesSlide2.xml><?xml version="1.0" encoding="utf-8"?>
+<p:notes xmlns:r="http://schemas.openxmlformats.org/officeDocument/2006/relationships" xmlns:c="http://schemas.openxmlformats.org/drawingml/2006/chart" xmlns:a="http://schemas.openxmlformats.org/drawingml/2006/main" xmlns:dgm="http://schemas.openxmlformats.org/drawingml/2006/diagram" xmlns:dsp="http://schemas.microsoft.com/office/drawing/2008/diagram" xmlns:p="http://schemas.openxmlformats.org/presentationml/2006/main">
   <p:cSld>
     <p:spTree>
       <p:nvGrpSpPr>
@@ -1788,7 +1824,7 @@
             <a:spLocks noGrp="1" noRot="1" noChangeAspect="1" noTextEdit="1"/>
           </p:cNvSpPr>
           <p:nvPr>
-            <p:ph type="sldImg"/>
+            <p:ph type="sldImg" idx="0"/>
           </p:nvPr>
         </p:nvSpPr>
         <p:spPr/>
@@ -1811,6 +1847,10 @@
             <a:pPr lvl="0">
               <a:defRPr/>
             </a:pPr>
+            <a:r>
+              <a:rPr lang="ko-KR" altLang="en-US"/>
+              <a:t/>
+            </a:r>
             <a:endParaRPr lang="ko-KR" altLang="en-US"/>
           </a:p>
         </p:txBody>
@@ -1838,7 +1878,7 @@
               <a:pPr lvl="0">
                 <a:defRPr/>
               </a:pPr>
-              <a:t>3</a:t>
+              <a:t>2</a:t>
             </a:fld>
             <a:endParaRPr lang="en-US" altLang="en-US"/>
           </a:p>
@@ -1852,8 +1892,8 @@
 </p:notes>
 </file>
 
-<file path=ppt/notesSlides/notesSlide4.xml><?xml version="1.0" encoding="utf-8"?>
-<p:notes xmlns:a="http://schemas.openxmlformats.org/drawingml/2006/main" xmlns:r="http://schemas.openxmlformats.org/officeDocument/2006/relationships" xmlns:p="http://schemas.openxmlformats.org/presentationml/2006/main">
+<file path=ppt/notesSlides/notesSlide3.xml><?xml version="1.0" encoding="utf-8"?>
+<p:notes xmlns:r="http://schemas.openxmlformats.org/officeDocument/2006/relationships" xmlns:c="http://schemas.openxmlformats.org/drawingml/2006/chart" xmlns:a="http://schemas.openxmlformats.org/drawingml/2006/main" xmlns:dgm="http://schemas.openxmlformats.org/drawingml/2006/diagram" xmlns:dsp="http://schemas.microsoft.com/office/drawing/2008/diagram" xmlns:p="http://schemas.openxmlformats.org/presentationml/2006/main">
   <p:cSld>
     <p:spTree>
       <p:nvGrpSpPr>
@@ -1876,7 +1916,7 @@
             <a:spLocks noGrp="1" noRot="1" noChangeAspect="1" noTextEdit="1"/>
           </p:cNvSpPr>
           <p:nvPr>
-            <p:ph type="sldImg"/>
+            <p:ph type="sldImg" idx="0"/>
           </p:nvPr>
         </p:nvSpPr>
         <p:spPr/>
@@ -1900,30 +1940,10 @@
               <a:defRPr/>
             </a:pPr>
             <a:r>
-              <a:rPr lang="en-US" altLang="ko-KR"/>
-              <a:t>3GPP TR 36.885 V14.0.0 (2016-06) p62</a:t>
-            </a:r>
-          </a:p>
-          <a:p>
-            <a:pPr lvl="0">
-              <a:defRPr/>
-            </a:pPr>
-            <a:r>
-              <a:rPr lang="en-US" altLang="ko-KR"/>
-              <a:t>Table A.1.1-1: Details of evaluation scenarios</a:t>
-            </a:r>
-          </a:p>
-          <a:p>
-            <a:pPr lvl="0">
-              <a:defRPr/>
-            </a:pPr>
-            <a:endParaRPr lang="en-US" altLang="ko-KR"/>
-          </a:p>
-          <a:p>
-            <a:pPr lvl="0">
-              <a:defRPr/>
-            </a:pPr>
-            <a:endParaRPr lang="en-US" altLang="ko-KR"/>
+              <a:rPr lang="ko-KR" altLang="en-US"/>
+              <a:t/>
+            </a:r>
+            <a:endParaRPr lang="ko-KR" altLang="en-US"/>
           </a:p>
         </p:txBody>
       </p:sp>
@@ -1950,7 +1970,7 @@
               <a:pPr lvl="0">
                 <a:defRPr/>
               </a:pPr>
-              <a:t>4</a:t>
+              <a:t>3</a:t>
             </a:fld>
             <a:endParaRPr lang="en-US" altLang="en-US"/>
           </a:p>
@@ -1964,8 +1984,8 @@
 </p:notes>
 </file>
 
-<file path=ppt/notesSlides/notesSlide5.xml><?xml version="1.0" encoding="utf-8"?>
-<p:notes xmlns:a="http://schemas.openxmlformats.org/drawingml/2006/main" xmlns:r="http://schemas.openxmlformats.org/officeDocument/2006/relationships" xmlns:p="http://schemas.openxmlformats.org/presentationml/2006/main">
+<file path=ppt/notesSlides/notesSlide4.xml><?xml version="1.0" encoding="utf-8"?>
+<p:notes xmlns:r="http://schemas.openxmlformats.org/officeDocument/2006/relationships" xmlns:c="http://schemas.openxmlformats.org/drawingml/2006/chart" xmlns:a="http://schemas.openxmlformats.org/drawingml/2006/main" xmlns:dgm="http://schemas.openxmlformats.org/drawingml/2006/diagram" xmlns:dsp="http://schemas.microsoft.com/office/drawing/2008/diagram" xmlns:p="http://schemas.openxmlformats.org/presentationml/2006/main">
   <p:cSld>
     <p:spTree>
       <p:nvGrpSpPr>
@@ -1988,7 +2008,7 @@
             <a:spLocks noGrp="1" noRot="1" noChangeAspect="1" noTextEdit="1"/>
           </p:cNvSpPr>
           <p:nvPr>
-            <p:ph type="sldImg"/>
+            <p:ph type="sldImg" idx="0"/>
           </p:nvPr>
         </p:nvSpPr>
         <p:spPr/>
@@ -2013,8 +2033,9 @@
             </a:pPr>
             <a:r>
               <a:rPr lang="en-US" altLang="ko-KR"/>
-              <a:t>3GPP TR 36.885 V14.0.0 (2016-06) p68</a:t>
-            </a:r>
+              <a:t>3GPP TR 36.885 V14.0.0 (2016-06) p62</a:t>
+            </a:r>
+            <a:endParaRPr lang="en-US" altLang="ko-KR"/>
           </a:p>
           <a:p>
             <a:pPr lvl="0">
@@ -2022,8 +2043,9 @@
             </a:pPr>
             <a:r>
               <a:rPr lang="en-US" altLang="ko-KR"/>
-              <a:t>A.1.4 Channel model</a:t>
-            </a:r>
+              <a:t>Table A.1.1-1: Details of evaluation scenarios</a:t>
+            </a:r>
+            <a:endParaRPr lang="en-US" altLang="ko-KR"/>
           </a:p>
           <a:p>
             <a:pPr lvl="0">
@@ -2062,7 +2084,7 @@
               <a:pPr lvl="0">
                 <a:defRPr/>
               </a:pPr>
-              <a:t>5</a:t>
+              <a:t>4</a:t>
             </a:fld>
             <a:endParaRPr lang="en-US" altLang="en-US"/>
           </a:p>
@@ -2076,8 +2098,8 @@
 </p:notes>
 </file>
 
-<file path=ppt/notesSlides/notesSlide6.xml><?xml version="1.0" encoding="utf-8"?>
-<p:notes xmlns:a="http://schemas.openxmlformats.org/drawingml/2006/main" xmlns:r="http://schemas.openxmlformats.org/officeDocument/2006/relationships" xmlns:p="http://schemas.openxmlformats.org/presentationml/2006/main">
+<file path=ppt/notesSlides/notesSlide5.xml><?xml version="1.0" encoding="utf-8"?>
+<p:notes xmlns:r="http://schemas.openxmlformats.org/officeDocument/2006/relationships" xmlns:c="http://schemas.openxmlformats.org/drawingml/2006/chart" xmlns:a="http://schemas.openxmlformats.org/drawingml/2006/main" xmlns:dgm="http://schemas.openxmlformats.org/drawingml/2006/diagram" xmlns:dsp="http://schemas.microsoft.com/office/drawing/2008/diagram" xmlns:p="http://schemas.openxmlformats.org/presentationml/2006/main">
   <p:cSld>
     <p:spTree>
       <p:nvGrpSpPr>
@@ -2100,7 +2122,7 @@
             <a:spLocks noGrp="1" noRot="1" noChangeAspect="1" noTextEdit="1"/>
           </p:cNvSpPr>
           <p:nvPr>
-            <p:ph type="sldImg"/>
+            <p:ph type="sldImg" idx="0"/>
           </p:nvPr>
         </p:nvSpPr>
         <p:spPr/>
@@ -2125,8 +2147,9 @@
             </a:pPr>
             <a:r>
               <a:rPr lang="en-US" altLang="ko-KR"/>
-              <a:t>3GPP TR 36.885 V14.0.0 (2016-06) p64</a:t>
-            </a:r>
+              <a:t>3GPP TR 36.885 V14.0.0 (2016-06) p68</a:t>
+            </a:r>
+            <a:endParaRPr lang="en-US" altLang="ko-KR"/>
           </a:p>
           <a:p>
             <a:pPr lvl="0">
@@ -2134,8 +2157,21 @@
             </a:pPr>
             <a:r>
               <a:rPr lang="en-US" altLang="ko-KR"/>
-              <a:t>Table A.1.2-1: Details of vehicle UE drop and mobility model</a:t>
-            </a:r>
+              <a:t>A.1.4 Channel model</a:t>
+            </a:r>
+            <a:endParaRPr lang="en-US" altLang="ko-KR"/>
+          </a:p>
+          <a:p>
+            <a:pPr lvl="0">
+              <a:defRPr/>
+            </a:pPr>
+            <a:endParaRPr lang="en-US" altLang="ko-KR"/>
+          </a:p>
+          <a:p>
+            <a:pPr lvl="0">
+              <a:defRPr/>
+            </a:pPr>
+            <a:endParaRPr lang="en-US" altLang="ko-KR"/>
           </a:p>
         </p:txBody>
       </p:sp>
@@ -2162,7 +2198,7 @@
               <a:pPr lvl="0">
                 <a:defRPr/>
               </a:pPr>
-              <a:t>6</a:t>
+              <a:t>5</a:t>
             </a:fld>
             <a:endParaRPr lang="en-US" altLang="en-US"/>
           </a:p>
@@ -2176,8 +2212,8 @@
 </p:notes>
 </file>
 
-<file path=ppt/notesSlides/notesSlide7.xml><?xml version="1.0" encoding="utf-8"?>
-<p:notes xmlns:a="http://schemas.openxmlformats.org/drawingml/2006/main" xmlns:r="http://schemas.openxmlformats.org/officeDocument/2006/relationships" xmlns:p="http://schemas.openxmlformats.org/presentationml/2006/main">
+<file path=ppt/notesSlides/notesSlide6.xml><?xml version="1.0" encoding="utf-8"?>
+<p:notes xmlns:r="http://schemas.openxmlformats.org/officeDocument/2006/relationships" xmlns:c="http://schemas.openxmlformats.org/drawingml/2006/chart" xmlns:a="http://schemas.openxmlformats.org/drawingml/2006/main" xmlns:dgm="http://schemas.openxmlformats.org/drawingml/2006/diagram" xmlns:dsp="http://schemas.microsoft.com/office/drawing/2008/diagram" xmlns:p="http://schemas.openxmlformats.org/presentationml/2006/main">
   <p:cSld>
     <p:spTree>
       <p:nvGrpSpPr>
@@ -2200,7 +2236,7 @@
             <a:spLocks noGrp="1" noRot="1" noChangeAspect="1" noTextEdit="1"/>
           </p:cNvSpPr>
           <p:nvPr>
-            <p:ph type="sldImg"/>
+            <p:ph type="sldImg" idx="0"/>
           </p:nvPr>
         </p:nvSpPr>
         <p:spPr/>
@@ -2227,6 +2263,7 @@
               <a:rPr lang="en-US" altLang="ko-KR"/>
               <a:t>3GPP TR 36.885 V14.0.0 (2016-06) p64</a:t>
             </a:r>
+            <a:endParaRPr lang="en-US" altLang="ko-KR"/>
           </a:p>
           <a:p>
             <a:pPr lvl="0">
@@ -2234,8 +2271,9 @@
             </a:pPr>
             <a:r>
               <a:rPr lang="en-US" altLang="ko-KR"/>
-              <a:t>Figure A.1.2-1:Road configuration for urban case</a:t>
-            </a:r>
+              <a:t>Table A.1.2-1: Details of vehicle UE drop and mobility model</a:t>
+            </a:r>
+            <a:endParaRPr lang="en-US" altLang="ko-KR"/>
           </a:p>
         </p:txBody>
       </p:sp>
@@ -2262,7 +2300,7 @@
               <a:pPr lvl="0">
                 <a:defRPr/>
               </a:pPr>
-              <a:t>7</a:t>
+              <a:t>6</a:t>
             </a:fld>
             <a:endParaRPr lang="en-US" altLang="en-US"/>
           </a:p>
@@ -2276,8 +2314,8 @@
 </p:notes>
 </file>
 
-<file path=ppt/notesSlides/notesSlide8.xml><?xml version="1.0" encoding="utf-8"?>
-<p:notes xmlns:a="http://schemas.openxmlformats.org/drawingml/2006/main" xmlns:r="http://schemas.openxmlformats.org/officeDocument/2006/relationships" xmlns:p="http://schemas.openxmlformats.org/presentationml/2006/main">
+<file path=ppt/notesSlides/notesSlide7.xml><?xml version="1.0" encoding="utf-8"?>
+<p:notes xmlns:r="http://schemas.openxmlformats.org/officeDocument/2006/relationships" xmlns:c="http://schemas.openxmlformats.org/drawingml/2006/chart" xmlns:a="http://schemas.openxmlformats.org/drawingml/2006/main" xmlns:dgm="http://schemas.openxmlformats.org/drawingml/2006/diagram" xmlns:dsp="http://schemas.microsoft.com/office/drawing/2008/diagram" xmlns:p="http://schemas.openxmlformats.org/presentationml/2006/main">
   <p:cSld>
     <p:spTree>
       <p:nvGrpSpPr>
@@ -2300,7 +2338,7 @@
             <a:spLocks noGrp="1" noRot="1" noChangeAspect="1" noTextEdit="1"/>
           </p:cNvSpPr>
           <p:nvPr>
-            <p:ph type="sldImg"/>
+            <p:ph type="sldImg" idx="0"/>
           </p:nvPr>
         </p:nvSpPr>
         <p:spPr/>
@@ -2325,8 +2363,9 @@
             </a:pPr>
             <a:r>
               <a:rPr lang="en-US" altLang="ko-KR"/>
-              <a:t>3GPP TR 36.885 V14.0.0 (2016-06) p65, p66</a:t>
-            </a:r>
+              <a:t>3GPP TR 36.885 V14.0.0 (2016-06) p64</a:t>
+            </a:r>
+            <a:endParaRPr lang="en-US" altLang="ko-KR"/>
           </a:p>
           <a:p>
             <a:pPr lvl="0">
@@ -2334,8 +2373,9 @@
             </a:pPr>
             <a:r>
               <a:rPr lang="en-US" altLang="ko-KR"/>
-              <a:t>Figure A.1.3-1 : Wrap around model for urban case</a:t>
-            </a:r>
+              <a:t>Figure A.1.2-1:Road configuration for urban case</a:t>
+            </a:r>
+            <a:endParaRPr lang="en-US" altLang="ko-KR"/>
           </a:p>
         </p:txBody>
       </p:sp>
@@ -2362,7 +2402,7 @@
               <a:pPr lvl="0">
                 <a:defRPr/>
               </a:pPr>
-              <a:t>8</a:t>
+              <a:t>7</a:t>
             </a:fld>
             <a:endParaRPr lang="en-US" altLang="en-US"/>
           </a:p>
@@ -2376,8 +2416,8 @@
 </p:notes>
 </file>
 
-<file path=ppt/notesSlides/notesSlide9.xml><?xml version="1.0" encoding="utf-8"?>
-<p:notes xmlns:a="http://schemas.openxmlformats.org/drawingml/2006/main" xmlns:r="http://schemas.openxmlformats.org/officeDocument/2006/relationships" xmlns:p="http://schemas.openxmlformats.org/presentationml/2006/main">
+<file path=ppt/notesSlides/notesSlide8.xml><?xml version="1.0" encoding="utf-8"?>
+<p:notes xmlns:r="http://schemas.openxmlformats.org/officeDocument/2006/relationships" xmlns:c="http://schemas.openxmlformats.org/drawingml/2006/chart" xmlns:a="http://schemas.openxmlformats.org/drawingml/2006/main" xmlns:dgm="http://schemas.openxmlformats.org/drawingml/2006/diagram" xmlns:dsp="http://schemas.microsoft.com/office/drawing/2008/diagram" xmlns:p="http://schemas.openxmlformats.org/presentationml/2006/main">
   <p:cSld>
     <p:spTree>
       <p:nvGrpSpPr>
@@ -2400,7 +2440,7 @@
             <a:spLocks noGrp="1" noRot="1" noChangeAspect="1" noTextEdit="1"/>
           </p:cNvSpPr>
           <p:nvPr>
-            <p:ph type="sldImg"/>
+            <p:ph type="sldImg" idx="0"/>
           </p:nvPr>
         </p:nvSpPr>
         <p:spPr/>
@@ -2425,8 +2465,9 @@
             </a:pPr>
             <a:r>
               <a:rPr lang="en-US" altLang="ko-KR"/>
-              <a:t>3GPP TR 36.885 V14.0.0 (2016-06) p64</a:t>
-            </a:r>
+              <a:t>3GPP TR 36.885 V14.0.0 (2016-06) p65, p66</a:t>
+            </a:r>
+            <a:endParaRPr lang="en-US" altLang="ko-KR"/>
           </a:p>
           <a:p>
             <a:pPr lvl="0">
@@ -2434,8 +2475,111 @@
             </a:pPr>
             <a:r>
               <a:rPr lang="en-US" altLang="ko-KR"/>
+              <a:t>Figure A.1.3-1 : Wrap around model for urban case</a:t>
+            </a:r>
+            <a:endParaRPr lang="en-US" altLang="ko-KR"/>
+          </a:p>
+        </p:txBody>
+      </p:sp>
+      <p:sp>
+        <p:nvSpPr>
+          <p:cNvPr id="4" name="슬라이드 번호 개체 틀 3"/>
+          <p:cNvSpPr>
+            <a:spLocks noGrp="1"/>
+          </p:cNvSpPr>
+          <p:nvPr>
+            <p:ph type="sldNum" sz="quarter" idx="5"/>
+          </p:nvPr>
+        </p:nvSpPr>
+        <p:spPr/>
+        <p:txBody>
+          <a:bodyPr/>
+          <a:lstStyle/>
+          <a:p>
+            <a:pPr lvl="0">
+              <a:defRPr/>
+            </a:pPr>
+            <a:fld id="{C0EA918C-B119-4499-AB94-F10A27BF33A4}" type="slidenum">
+              <a:rPr lang="en-US" altLang="en-US"/>
+              <a:pPr lvl="0">
+                <a:defRPr/>
+              </a:pPr>
+              <a:t>8</a:t>
+            </a:fld>
+            <a:endParaRPr lang="en-US" altLang="en-US"/>
+          </a:p>
+        </p:txBody>
+      </p:sp>
+    </p:spTree>
+  </p:cSld>
+  <p:clrMapOvr>
+    <a:masterClrMapping/>
+  </p:clrMapOvr>
+</p:notes>
+</file>
+
+<file path=ppt/notesSlides/notesSlide9.xml><?xml version="1.0" encoding="utf-8"?>
+<p:notes xmlns:r="http://schemas.openxmlformats.org/officeDocument/2006/relationships" xmlns:c="http://schemas.openxmlformats.org/drawingml/2006/chart" xmlns:a="http://schemas.openxmlformats.org/drawingml/2006/main" xmlns:dgm="http://schemas.openxmlformats.org/drawingml/2006/diagram" xmlns:dsp="http://schemas.microsoft.com/office/drawing/2008/diagram" xmlns:p="http://schemas.openxmlformats.org/presentationml/2006/main">
+  <p:cSld>
+    <p:spTree>
+      <p:nvGrpSpPr>
+        <p:cNvPr id="1" name=""/>
+        <p:cNvGrpSpPr/>
+        <p:nvPr/>
+      </p:nvGrpSpPr>
+      <p:grpSpPr>
+        <a:xfrm>
+          <a:off x="0" y="0"/>
+          <a:ext cx="0" cy="0"/>
+          <a:chOff x="0" y="0"/>
+          <a:chExt cx="0" cy="0"/>
+        </a:xfrm>
+      </p:grpSpPr>
+      <p:sp>
+        <p:nvSpPr>
+          <p:cNvPr id="2" name="슬라이드 이미지 개체 틀 1"/>
+          <p:cNvSpPr>
+            <a:spLocks noGrp="1" noRot="1" noChangeAspect="1" noTextEdit="1"/>
+          </p:cNvSpPr>
+          <p:nvPr>
+            <p:ph type="sldImg" idx="0"/>
+          </p:nvPr>
+        </p:nvSpPr>
+        <p:spPr/>
+      </p:sp>
+      <p:sp>
+        <p:nvSpPr>
+          <p:cNvPr id="3" name="슬라이드 노트 개체 틀 2"/>
+          <p:cNvSpPr>
+            <a:spLocks noGrp="1"/>
+          </p:cNvSpPr>
+          <p:nvPr>
+            <p:ph type="body" idx="1"/>
+          </p:nvPr>
+        </p:nvSpPr>
+        <p:spPr/>
+        <p:txBody>
+          <a:bodyPr/>
+          <a:lstStyle/>
+          <a:p>
+            <a:pPr lvl="0">
+              <a:defRPr/>
+            </a:pPr>
+            <a:r>
+              <a:rPr lang="en-US" altLang="ko-KR"/>
+              <a:t>3GPP TR 36.885 V14.0.0 (2016-06) p64</a:t>
+            </a:r>
+            <a:endParaRPr lang="en-US" altLang="ko-KR"/>
+          </a:p>
+          <a:p>
+            <a:pPr lvl="0">
+              <a:defRPr/>
+            </a:pPr>
+            <a:r>
+              <a:rPr lang="en-US" altLang="ko-KR"/>
               <a:t>Table A.1.2-1: Details of vehicle UE drop and mobility model</a:t>
             </a:r>
+            <a:endParaRPr lang="en-US" altLang="ko-KR"/>
           </a:p>
         </p:txBody>
       </p:sp>
@@ -4161,7 +4305,7 @@
 </file>
 
 <file path=ppt/slides/slide10.xml><?xml version="1.0" encoding="utf-8"?>
-<p:sld xmlns:a="http://schemas.openxmlformats.org/drawingml/2006/main" xmlns:r="http://schemas.openxmlformats.org/officeDocument/2006/relationships" xmlns:p="http://schemas.openxmlformats.org/presentationml/2006/main">
+<p:sld xmlns:r="http://schemas.openxmlformats.org/officeDocument/2006/relationships" xmlns:c="http://schemas.openxmlformats.org/drawingml/2006/chart" xmlns:a="http://schemas.openxmlformats.org/drawingml/2006/main" xmlns:dgm="http://schemas.openxmlformats.org/drawingml/2006/diagram" xmlns:dsp="http://schemas.microsoft.com/office/drawing/2008/diagram" xmlns:p="http://schemas.openxmlformats.org/presentationml/2006/main">
   <p:cSld>
     <p:spTree>
       <p:nvGrpSpPr>
@@ -4184,7 +4328,7 @@
             <a:spLocks noGrp="1"/>
           </p:cNvSpPr>
           <p:nvPr>
-            <p:ph type="title"/>
+            <p:ph type="title" idx="0"/>
           </p:nvPr>
         </p:nvSpPr>
         <p:spPr/>
@@ -4196,7 +4340,7 @@
               <a:defRPr/>
             </a:pPr>
             <a:r>
-              <a:rPr lang="en-US" altLang="ko-KR" sz="2700" dirty="0">
+              <a:rPr lang="en-US" altLang="ko-KR" sz="2700">
                 <a:solidFill>
                   <a:schemeClr val="tx2"/>
                 </a:solidFill>
@@ -4206,42 +4350,31 @@
               <a:t>Set vehicle UE’s </a:t>
             </a:r>
             <a:r>
-              <a:rPr lang="en-US" altLang="ko-KR" sz="2700" dirty="0"/>
+              <a:rPr lang="en-US" altLang="ko-KR" sz="2700"/>
               <a:t>state</a:t>
             </a:r>
+            <a:endParaRPr lang="en-US" altLang="ko-KR" sz="2700"/>
           </a:p>
         </p:txBody>
       </p:sp>
       <p:pic>
         <p:nvPicPr>
-          <p:cNvPr id="4" name="그림 3">
-            <a:extLst>
-              <a:ext uri="{FF2B5EF4-FFF2-40B4-BE49-F238E27FC236}">
-                <a16:creationId xmlns:a16="http://schemas.microsoft.com/office/drawing/2014/main" id="{C6273C5C-6729-45AC-8A7F-8CA351C0EB05}"/>
-              </a:ext>
-            </a:extLst>
-          </p:cNvPr>
+          <p:cNvPr id="5" name=""/>
           <p:cNvPicPr>
             <a:picLocks noChangeAspect="1"/>
           </p:cNvPicPr>
           <p:nvPr/>
         </p:nvPicPr>
-        <p:blipFill>
-          <a:blip r:embed="rId3">
-            <a:extLst>
-              <a:ext uri="{28A0092B-C50C-407E-A947-70E740481C1C}">
-                <a14:useLocalDpi xmlns:a14="http://schemas.microsoft.com/office/drawing/2010/main" val="0"/>
-              </a:ext>
-            </a:extLst>
-          </a:blip>
+        <p:blipFill rotWithShape="1">
+          <a:blip r:embed="rId3"/>
           <a:stretch>
             <a:fillRect/>
           </a:stretch>
         </p:blipFill>
         <p:spPr>
           <a:xfrm>
-            <a:off x="1000455" y="1484784"/>
-            <a:ext cx="7143090" cy="4649570"/>
+            <a:off x="2267744" y="1016732"/>
+            <a:ext cx="3951560" cy="5364596"/>
           </a:xfrm>
           <a:prstGeom prst="rect">
             <a:avLst/>
@@ -4249,20 +4382,15 @@
         </p:spPr>
       </p:pic>
     </p:spTree>
-    <p:extLst>
-      <p:ext uri="{BB962C8B-B14F-4D97-AF65-F5344CB8AC3E}">
-        <p14:creationId xmlns:p14="http://schemas.microsoft.com/office/powerpoint/2010/main" val="1130013928"/>
-      </p:ext>
-    </p:extLst>
   </p:cSld>
   <p:clrMapOvr>
     <a:masterClrMapping/>
   </p:clrMapOvr>
-  <mc:AlternateContent xmlns:mc="http://schemas.openxmlformats.org/markup-compatibility/2006" xmlns:p14="http://schemas.microsoft.com/office/powerpoint/2010/main">
-    <mc:Choice Requires="p14">
-      <p:transition/>
+  <mc:AlternateContent xmlns:mc="http://schemas.openxmlformats.org/markup-compatibility/2006">
+    <mc:Choice xmlns:p14="http://schemas.microsoft.com/office/powerpoint/2010/main" Requires="p14">
+      <p:transition xmlns:mc="http://schemas.openxmlformats.org/markup-compatibility/2006" xmlns:p14="http://schemas.microsoft.com/office/powerpoint/2010/main" mc:Ignorable="p14" p14:dur="500"/>
     </mc:Choice>
-    <mc:Fallback xmlns:dsp="http://schemas.microsoft.com/office/drawing/2008/diagram" xmlns:dgm="http://schemas.openxmlformats.org/drawingml/2006/diagram" xmlns:c="http://schemas.openxmlformats.org/drawingml/2006/chart" xmlns="">
+    <mc:Fallback>
       <p:transition/>
     </mc:Fallback>
   </mc:AlternateContent>
@@ -4270,7 +4398,7 @@
 </file>
 
 <file path=ppt/slides/slide11.xml><?xml version="1.0" encoding="utf-8"?>
-<p:sld xmlns:a="http://schemas.openxmlformats.org/drawingml/2006/main" xmlns:r="http://schemas.openxmlformats.org/officeDocument/2006/relationships" xmlns:p="http://schemas.openxmlformats.org/presentationml/2006/main">
+<p:sld xmlns:r="http://schemas.openxmlformats.org/officeDocument/2006/relationships" xmlns:c="http://schemas.openxmlformats.org/drawingml/2006/chart" xmlns:a="http://schemas.openxmlformats.org/drawingml/2006/main" xmlns:dgm="http://schemas.openxmlformats.org/drawingml/2006/diagram" xmlns:dsp="http://schemas.microsoft.com/office/drawing/2008/diagram" xmlns:p="http://schemas.openxmlformats.org/presentationml/2006/main">
   <p:cSld>
     <p:spTree>
       <p:nvGrpSpPr>
@@ -4293,7 +4421,7 @@
             <a:spLocks noGrp="1"/>
           </p:cNvSpPr>
           <p:nvPr>
-            <p:ph type="title"/>
+            <p:ph type="title" idx="0"/>
           </p:nvPr>
         </p:nvSpPr>
         <p:spPr/>
@@ -4326,6 +4454,13 @@
               </a:rPr>
               <a:t>Initialize V2V(Vehicle to Vehicle) link  </a:t>
             </a:r>
+            <a:endParaRPr lang="en-US" altLang="ko-KR" sz="2700">
+              <a:solidFill>
+                <a:schemeClr val="tx2"/>
+              </a:solidFill>
+              <a:latin typeface="+mj-lt"/>
+              <a:ea typeface="맑은 고딕"/>
+            </a:endParaRPr>
           </a:p>
         </p:txBody>
       </p:sp>
@@ -4336,7 +4471,7 @@
           <p:nvPr/>
         </p:nvGrpSpPr>
         <p:grpSpPr>
-          <a:xfrm>
+          <a:xfrm rot="0">
             <a:off x="179512" y="1628800"/>
             <a:ext cx="4644516" cy="4140460"/>
             <a:chOff x="3617893" y="1024967"/>
@@ -4375,7 +4510,7 @@
             <p:nvPr/>
           </p:nvGrpSpPr>
           <p:grpSpPr>
-            <a:xfrm>
+            <a:xfrm rot="0">
               <a:off x="3905926" y="1700808"/>
               <a:ext cx="119384" cy="80243"/>
               <a:chOff x="1439652" y="1484784"/>
@@ -4397,7 +4532,7 @@
                 <a:avLst/>
               </a:prstGeom>
               <a:solidFill>
-                <a:srgbClr val="FF0000"/>
+                <a:srgbClr val="ff0000"/>
               </a:solidFill>
               <a:ln w="12700" cap="flat" cmpd="sng" algn="ctr">
                 <a:noFill/>
@@ -4454,7 +4589,7 @@
                 <a:avLst/>
               </a:prstGeom>
               <a:solidFill>
-                <a:srgbClr val="FF0000"/>
+                <a:srgbClr val="ff0000"/>
               </a:solidFill>
               <a:ln w="12700" cap="flat" cmpd="sng" algn="ctr">
                 <a:noFill/>
@@ -4631,7 +4766,7 @@
                 </a:avLst>
               </a:prstGeom>
               <a:solidFill>
-                <a:srgbClr val="42C7F1"/>
+                <a:srgbClr val="42c7f1"/>
               </a:solidFill>
               <a:ln w="12700" cap="flat" cmpd="sng" algn="ctr">
                 <a:solidFill>
@@ -4692,7 +4827,7 @@
                 </a:avLst>
               </a:prstGeom>
               <a:solidFill>
-                <a:srgbClr val="42C7F1"/>
+                <a:srgbClr val="42c7f1"/>
               </a:solidFill>
               <a:ln w="12700" cap="flat" cmpd="sng" algn="ctr">
                 <a:solidFill>
@@ -4744,7 +4879,7 @@
             <p:nvPr/>
           </p:nvGrpSpPr>
           <p:grpSpPr>
-            <a:xfrm>
+            <a:xfrm rot="0">
               <a:off x="5010677" y="1132979"/>
               <a:ext cx="119384" cy="80243"/>
               <a:chOff x="1439652" y="1484784"/>
@@ -4766,7 +4901,7 @@
                 <a:avLst/>
               </a:prstGeom>
               <a:solidFill>
-                <a:srgbClr val="FF0000"/>
+                <a:srgbClr val="ff0000"/>
               </a:solidFill>
               <a:ln w="12700" cap="flat" cmpd="sng" algn="ctr">
                 <a:noFill/>
@@ -4823,7 +4958,7 @@
                 <a:avLst/>
               </a:prstGeom>
               <a:solidFill>
-                <a:srgbClr val="FF0000"/>
+                <a:srgbClr val="ff0000"/>
               </a:solidFill>
               <a:ln w="12700" cap="flat" cmpd="sng" algn="ctr">
                 <a:noFill/>
@@ -5000,7 +5135,7 @@
                 </a:avLst>
               </a:prstGeom>
               <a:solidFill>
-                <a:srgbClr val="42C7F1"/>
+                <a:srgbClr val="42c7f1"/>
               </a:solidFill>
               <a:ln w="12700" cap="flat" cmpd="sng" algn="ctr">
                 <a:solidFill>
@@ -5061,7 +5196,7 @@
                 </a:avLst>
               </a:prstGeom>
               <a:solidFill>
-                <a:srgbClr val="42C7F1"/>
+                <a:srgbClr val="42c7f1"/>
               </a:solidFill>
               <a:ln w="12700" cap="flat" cmpd="sng" algn="ctr">
                 <a:solidFill>
@@ -5113,7 +5248,7 @@
             <p:nvPr/>
           </p:nvGrpSpPr>
           <p:grpSpPr>
-            <a:xfrm>
+            <a:xfrm rot="0">
               <a:off x="4218589" y="2636912"/>
               <a:ext cx="119384" cy="80243"/>
               <a:chOff x="1439652" y="1484784"/>
@@ -5135,7 +5270,7 @@
                 <a:avLst/>
               </a:prstGeom>
               <a:solidFill>
-                <a:srgbClr val="FF0000"/>
+                <a:srgbClr val="ff0000"/>
               </a:solidFill>
               <a:ln w="12700" cap="flat" cmpd="sng" algn="ctr">
                 <a:noFill/>
@@ -5192,7 +5327,7 @@
                 <a:avLst/>
               </a:prstGeom>
               <a:solidFill>
-                <a:srgbClr val="FF0000"/>
+                <a:srgbClr val="ff0000"/>
               </a:solidFill>
               <a:ln w="12700" cap="flat" cmpd="sng" algn="ctr">
                 <a:noFill/>
@@ -5369,7 +5504,7 @@
                 </a:avLst>
               </a:prstGeom>
               <a:solidFill>
-                <a:srgbClr val="42C7F1"/>
+                <a:srgbClr val="42c7f1"/>
               </a:solidFill>
               <a:ln w="12700" cap="flat" cmpd="sng" algn="ctr">
                 <a:solidFill>
@@ -5430,7 +5565,7 @@
                 </a:avLst>
               </a:prstGeom>
               <a:solidFill>
-                <a:srgbClr val="42C7F1"/>
+                <a:srgbClr val="42c7f1"/>
               </a:solidFill>
               <a:ln w="12700" cap="flat" cmpd="sng" algn="ctr">
                 <a:solidFill>
@@ -5484,7 +5619,7 @@
         </p:nvSpPr>
         <p:spPr>
           <a:xfrm>
-            <a:off x="4860032" y="1808910"/>
+            <a:off x="4860032" y="1952836"/>
             <a:ext cx="4283968" cy="3240179"/>
           </a:xfrm>
           <a:prstGeom prst="rect">
@@ -5515,36 +5650,26 @@
               <a:defRPr/>
             </a:pPr>
             <a:r>
-              <a:rPr lang="ko-KR" altLang="en-US" sz="2200">
+              <a:rPr lang="en-US" altLang="ko-KR" sz="2200">
                 <a:solidFill>
                   <a:srgbClr val="000000"/>
                 </a:solidFill>
                 <a:latin typeface="+mn-lt"/>
                 <a:ea typeface="맑은 고딕"/>
               </a:rPr>
-              <a:t>차량의 수가 </a:t>
-            </a:r>
-            <a:r>
-              <a:rPr lang="en-US" altLang="ko-KR" sz="2200">
+              <a:t>N ：</a:t>
+            </a:r>
+            <a:r>
+              <a:rPr lang="ko-KR" altLang="en-US" sz="2200">
                 <a:solidFill>
                   <a:srgbClr val="000000"/>
                 </a:solidFill>
                 <a:latin typeface="+mn-lt"/>
                 <a:ea typeface="맑은 고딕"/>
               </a:rPr>
-              <a:t>N</a:t>
-            </a:r>
-            <a:r>
-              <a:rPr lang="ko-KR" altLang="en-US" sz="2200">
-                <a:solidFill>
-                  <a:srgbClr val="000000"/>
-                </a:solidFill>
-                <a:latin typeface="+mn-lt"/>
-                <a:ea typeface="맑은 고딕"/>
-              </a:rPr>
-              <a:t>대</a:t>
-            </a:r>
-            <a:endParaRPr lang="en-US" altLang="ko-KR" sz="2200">
+              <a:t>시뮬레이션 차량 수</a:t>
+            </a:r>
+            <a:endParaRPr lang="ko-KR" altLang="en-US" sz="2200">
               <a:solidFill>
                 <a:srgbClr val="000000"/>
               </a:solidFill>
@@ -5570,7 +5695,7 @@
                 <a:latin typeface="+mn-lt"/>
                 <a:ea typeface="맑은 고딕"/>
               </a:rPr>
-              <a:t>Resource block</a:t>
+              <a:t>R</a:t>
             </a:r>
             <a:r>
               <a:rPr lang="ko-KR" altLang="en-US" sz="2200">
@@ -5580,7 +5705,7 @@
                 <a:latin typeface="+mn-lt"/>
                 <a:ea typeface="맑은 고딕"/>
               </a:rPr>
-              <a:t>이 </a:t>
+              <a:t>  </a:t>
             </a:r>
             <a:r>
               <a:rPr lang="en-US" altLang="ko-KR" sz="2200">
@@ -5590,7 +5715,7 @@
                 <a:latin typeface="+mn-lt"/>
                 <a:ea typeface="맑은 고딕"/>
               </a:rPr>
-              <a:t>R</a:t>
+              <a:t>:</a:t>
             </a:r>
             <a:r>
               <a:rPr lang="ko-KR" altLang="en-US" sz="2200">
@@ -5600,9 +5725,29 @@
                 <a:latin typeface="+mn-lt"/>
                 <a:ea typeface="맑은 고딕"/>
               </a:rPr>
-              <a:t>개</a:t>
-            </a:r>
-            <a:endParaRPr lang="en-US" altLang="ko-KR" sz="2200">
+              <a:t> </a:t>
+            </a:r>
+            <a:r>
+              <a:rPr lang="en-US" altLang="ko-KR" sz="2200">
+                <a:solidFill>
+                  <a:srgbClr val="000000"/>
+                </a:solidFill>
+                <a:latin typeface="+mn-lt"/>
+                <a:ea typeface="맑은 고딕"/>
+              </a:rPr>
+              <a:t>Resource block</a:t>
+            </a:r>
+            <a:r>
+              <a:rPr lang="ko-KR" altLang="en-US" sz="2200">
+                <a:solidFill>
+                  <a:srgbClr val="000000"/>
+                </a:solidFill>
+                <a:latin typeface="+mn-lt"/>
+                <a:ea typeface="맑은 고딕"/>
+              </a:rPr>
+              <a:t> 수</a:t>
+            </a:r>
+            <a:endParaRPr lang="ko-KR" altLang="en-US" sz="2200">
               <a:solidFill>
                 <a:srgbClr val="000000"/>
               </a:solidFill>
@@ -5668,6 +5813,13 @@
               </a:rPr>
               <a:t>Large scale fading</a:t>
             </a:r>
+            <a:endParaRPr lang="en-US" altLang="ko-KR" sz="2200">
+              <a:solidFill>
+                <a:srgbClr val="000000"/>
+              </a:solidFill>
+              <a:latin typeface="+mn-lt"/>
+              <a:ea typeface="맑은 고딕"/>
+            </a:endParaRPr>
           </a:p>
           <a:p>
             <a:pPr marL="0" indent="0" eaLnBrk="0" hangingPunct="0">
@@ -5709,6 +5861,13 @@
               </a:rPr>
               <a:t>fading (NxN matrix)</a:t>
             </a:r>
+            <a:endParaRPr lang="en-US" altLang="ko-KR" sz="2200">
+              <a:solidFill>
+                <a:srgbClr val="000000"/>
+              </a:solidFill>
+              <a:latin typeface="+mn-lt"/>
+              <a:ea typeface="맑은 고딕"/>
+            </a:endParaRPr>
           </a:p>
           <a:p>
             <a:pPr marL="0" indent="0" eaLnBrk="0" hangingPunct="0">
@@ -5730,6 +5889,13 @@
               </a:rPr>
               <a:t>    - Pathloss (NxN matrix)</a:t>
             </a:r>
+            <a:endParaRPr lang="en-US" altLang="ko-KR" sz="2200">
+              <a:solidFill>
+                <a:srgbClr val="000000"/>
+              </a:solidFill>
+              <a:latin typeface="+mn-lt"/>
+              <a:ea typeface="맑은 고딕"/>
+            </a:endParaRPr>
           </a:p>
           <a:p>
             <a:pPr marL="0" indent="0" eaLnBrk="0" hangingPunct="0">
@@ -5751,6 +5917,13 @@
               </a:rPr>
               <a:t>2. Small scale fading</a:t>
             </a:r>
+            <a:endParaRPr lang="en-US" altLang="ko-KR" sz="2200">
+              <a:solidFill>
+                <a:srgbClr val="000000"/>
+              </a:solidFill>
+              <a:latin typeface="+mn-lt"/>
+              <a:ea typeface="맑은 고딕"/>
+            </a:endParaRPr>
           </a:p>
           <a:p>
             <a:pPr marL="0" indent="0" eaLnBrk="0" hangingPunct="0">
@@ -5772,6 +5945,13 @@
               </a:rPr>
               <a:t>    - Fast fading (NxNxR matrix)</a:t>
             </a:r>
+            <a:endParaRPr lang="en-US" altLang="ko-KR" sz="2200">
+              <a:solidFill>
+                <a:srgbClr val="000000"/>
+              </a:solidFill>
+              <a:latin typeface="+mn-lt"/>
+              <a:ea typeface="맑은 고딕"/>
+            </a:endParaRPr>
           </a:p>
         </p:txBody>
       </p:sp>
@@ -5780,11 +5960,11 @@
   <p:clrMapOvr>
     <a:masterClrMapping/>
   </p:clrMapOvr>
-  <mc:AlternateContent xmlns:mc="http://schemas.openxmlformats.org/markup-compatibility/2006" xmlns:p14="http://schemas.microsoft.com/office/powerpoint/2010/main">
-    <mc:Choice Requires="p14">
-      <p:transition/>
+  <mc:AlternateContent xmlns:mc="http://schemas.openxmlformats.org/markup-compatibility/2006">
+    <mc:Choice xmlns:p14="http://schemas.microsoft.com/office/powerpoint/2010/main" Requires="p14">
+      <p:transition xmlns:mc="http://schemas.openxmlformats.org/markup-compatibility/2006" xmlns:p14="http://schemas.microsoft.com/office/powerpoint/2010/main" mc:Ignorable="p14" p14:dur="500"/>
     </mc:Choice>
-    <mc:Fallback xmlns:dsp="http://schemas.microsoft.com/office/drawing/2008/diagram" xmlns:dgm="http://schemas.openxmlformats.org/drawingml/2006/diagram" xmlns:c="http://schemas.openxmlformats.org/drawingml/2006/chart" xmlns="">
+    <mc:Fallback>
       <p:transition/>
     </mc:Fallback>
   </mc:AlternateContent>
@@ -5792,7 +5972,7 @@
 </file>
 
 <file path=ppt/slides/slide12.xml><?xml version="1.0" encoding="utf-8"?>
-<p:sld xmlns:a="http://schemas.openxmlformats.org/drawingml/2006/main" xmlns:r="http://schemas.openxmlformats.org/officeDocument/2006/relationships" xmlns:p="http://schemas.openxmlformats.org/presentationml/2006/main">
+<p:sld xmlns:r="http://schemas.openxmlformats.org/officeDocument/2006/relationships" xmlns:c="http://schemas.openxmlformats.org/drawingml/2006/chart" xmlns:a="http://schemas.openxmlformats.org/drawingml/2006/main" xmlns:dgm="http://schemas.openxmlformats.org/drawingml/2006/diagram" xmlns:dsp="http://schemas.microsoft.com/office/drawing/2008/diagram" xmlns:p="http://schemas.openxmlformats.org/presentationml/2006/main">
   <p:cSld>
     <p:spTree>
       <p:nvGrpSpPr>
@@ -5815,7 +5995,7 @@
             <a:spLocks noGrp="1"/>
           </p:cNvSpPr>
           <p:nvPr>
-            <p:ph type="title"/>
+            <p:ph type="title" idx="0"/>
           </p:nvPr>
         </p:nvSpPr>
         <p:spPr/>
@@ -5848,6 +6028,13 @@
               </a:rPr>
               <a:t>Initialize V2V(Vehicle to Vehicle) link  </a:t>
             </a:r>
+            <a:endParaRPr lang="en-US" altLang="ko-KR" sz="2700">
+              <a:solidFill>
+                <a:schemeClr val="tx2"/>
+              </a:solidFill>
+              <a:latin typeface="+mj-lt"/>
+              <a:ea typeface="맑은 고딕"/>
+            </a:endParaRPr>
           </a:p>
         </p:txBody>
       </p:sp>
@@ -5858,7 +6045,7 @@
           <p:nvPr/>
         </p:nvGrpSpPr>
         <p:grpSpPr>
-          <a:xfrm>
+          <a:xfrm rot="0">
             <a:off x="635880" y="2888940"/>
             <a:ext cx="6060356" cy="3446870"/>
             <a:chOff x="612576" y="1160748"/>
@@ -6006,6 +6193,13 @@
               </a:rPr>
               <a:t>36.885</a:t>
             </a:r>
+            <a:endParaRPr lang="en-US" altLang="ko-KR" sz="1900">
+              <a:solidFill>
+                <a:srgbClr val="000000"/>
+              </a:solidFill>
+              <a:latin typeface="+mn-lt"/>
+              <a:ea typeface="맑은 고딕"/>
+            </a:endParaRPr>
           </a:p>
           <a:p>
             <a:pPr marL="0" indent="0" eaLnBrk="0" hangingPunct="0">
@@ -6027,6 +6221,13 @@
               </a:rPr>
               <a:t>Release 14</a:t>
             </a:r>
+            <a:endParaRPr lang="en-US" altLang="ko-KR" sz="1900">
+              <a:solidFill>
+                <a:srgbClr val="000000"/>
+              </a:solidFill>
+              <a:latin typeface="+mn-lt"/>
+              <a:ea typeface="맑은 고딕"/>
+            </a:endParaRPr>
           </a:p>
         </p:txBody>
       </p:sp>
@@ -6078,6 +6279,13 @@
               </a:rPr>
               <a:t>WINNER+ B1 </a:t>
             </a:r>
+            <a:endParaRPr lang="en-US" altLang="ko-KR" sz="1900">
+              <a:solidFill>
+                <a:srgbClr val="000000"/>
+              </a:solidFill>
+              <a:latin typeface="+mn-lt"/>
+              <a:ea typeface="맑은 고딕"/>
+            </a:endParaRPr>
           </a:p>
           <a:p>
             <a:pPr marL="0" indent="0" eaLnBrk="0" hangingPunct="0">
@@ -6099,6 +6307,13 @@
               </a:rPr>
               <a:t>Manhattan grid layout</a:t>
             </a:r>
+            <a:endParaRPr lang="en-US" altLang="ko-KR" sz="1900">
+              <a:solidFill>
+                <a:srgbClr val="000000"/>
+              </a:solidFill>
+              <a:latin typeface="+mn-lt"/>
+              <a:ea typeface="맑은 고딕"/>
+            </a:endParaRPr>
           </a:p>
         </p:txBody>
       </p:sp>
@@ -6107,11 +6322,11 @@
   <p:clrMapOvr>
     <a:masterClrMapping/>
   </p:clrMapOvr>
-  <mc:AlternateContent xmlns:mc="http://schemas.openxmlformats.org/markup-compatibility/2006" xmlns:p14="http://schemas.microsoft.com/office/powerpoint/2010/main">
-    <mc:Choice Requires="p14">
-      <p:transition/>
+  <mc:AlternateContent xmlns:mc="http://schemas.openxmlformats.org/markup-compatibility/2006">
+    <mc:Choice xmlns:p14="http://schemas.microsoft.com/office/powerpoint/2010/main" Requires="p14">
+      <p:transition xmlns:mc="http://schemas.openxmlformats.org/markup-compatibility/2006" xmlns:p14="http://schemas.microsoft.com/office/powerpoint/2010/main" mc:Ignorable="p14" p14:dur="500"/>
     </mc:Choice>
-    <mc:Fallback xmlns:dsp="http://schemas.microsoft.com/office/drawing/2008/diagram" xmlns:dgm="http://schemas.openxmlformats.org/drawingml/2006/diagram" xmlns:c="http://schemas.openxmlformats.org/drawingml/2006/chart" xmlns="">
+    <mc:Fallback>
       <p:transition/>
     </mc:Fallback>
   </mc:AlternateContent>
@@ -7564,7 +7779,7 @@
 </file>
 
 <file path=ppt/slides/slide14.xml><?xml version="1.0" encoding="utf-8"?>
-<p:sld xmlns:a="http://schemas.openxmlformats.org/drawingml/2006/main" xmlns:r="http://schemas.openxmlformats.org/officeDocument/2006/relationships" xmlns:p="http://schemas.openxmlformats.org/presentationml/2006/main">
+<p:sld xmlns:r="http://schemas.openxmlformats.org/officeDocument/2006/relationships" xmlns:c="http://schemas.openxmlformats.org/drawingml/2006/chart" xmlns:a="http://schemas.openxmlformats.org/drawingml/2006/main" xmlns:dgm="http://schemas.openxmlformats.org/drawingml/2006/diagram" xmlns:dsp="http://schemas.microsoft.com/office/drawing/2008/diagram" xmlns:p="http://schemas.openxmlformats.org/presentationml/2006/main" xmlns:mc="http://schemas.openxmlformats.org/markup-compatibility/2006" xmlns:a14="http://schemas.microsoft.com/office/drawing/2010/main" mc:Ignorable="a14 ">
   <p:cSld>
     <p:spTree>
       <p:nvGrpSpPr>
@@ -7587,7 +7802,7 @@
             <a:spLocks noGrp="1"/>
           </p:cNvSpPr>
           <p:nvPr>
-            <p:ph type="title"/>
+            <p:ph type="title" idx="0"/>
           </p:nvPr>
         </p:nvSpPr>
         <p:spPr/>
@@ -7620,6 +7835,13 @@
               </a:rPr>
               <a:t>Initialize V2V(Vehicle to Vehicle) link  </a:t>
             </a:r>
+            <a:endParaRPr lang="en-US" altLang="ko-KR" sz="2700">
+              <a:solidFill>
+                <a:schemeClr val="tx2"/>
+              </a:solidFill>
+              <a:latin typeface="+mj-lt"/>
+              <a:ea typeface="맑은 고딕"/>
+            </a:endParaRPr>
           </a:p>
         </p:txBody>
       </p:sp>
@@ -7691,6 +7913,13 @@
               </a:rPr>
               <a:t>)</a:t>
             </a:r>
+            <a:endParaRPr lang="ko-KR" altLang="en-US" sz="2200">
+              <a:solidFill>
+                <a:srgbClr val="000000"/>
+              </a:solidFill>
+              <a:latin typeface="+mn-lt"/>
+              <a:ea typeface="맑은 고딕"/>
+            </a:endParaRPr>
           </a:p>
           <a:p>
             <a:pPr marL="0" indent="0" eaLnBrk="0" hangingPunct="0">
@@ -7712,6 +7941,13 @@
               </a:rPr>
               <a:t>    - Path loss model (NxN matrix)</a:t>
             </a:r>
+            <a:endParaRPr lang="en-US" altLang="ko-KR" sz="2200">
+              <a:solidFill>
+                <a:srgbClr val="000000"/>
+              </a:solidFill>
+              <a:latin typeface="+mn-lt"/>
+              <a:ea typeface="맑은 고딕"/>
+            </a:endParaRPr>
           </a:p>
           <a:p>
             <a:pPr marL="0" indent="0" eaLnBrk="0" hangingPunct="0">
@@ -7733,6 +7969,13 @@
               </a:rPr>
               <a:t>　　</a:t>
             </a:r>
+            <a:endParaRPr lang="en-US" altLang="ko-KR" sz="2200">
+              <a:solidFill>
+                <a:srgbClr val="000000"/>
+              </a:solidFill>
+              <a:latin typeface="+mn-lt"/>
+              <a:ea typeface="맑은 고딕"/>
+            </a:endParaRPr>
           </a:p>
           <a:p>
             <a:pPr marL="0" indent="0" eaLnBrk="0" hangingPunct="0">
@@ -7846,6 +8089,13 @@
               </a:rPr>
               <a:t>    </a:t>
             </a:r>
+            <a:endParaRPr lang="en-US" altLang="ko-KR" sz="2200">
+              <a:solidFill>
+                <a:srgbClr val="000000"/>
+              </a:solidFill>
+              <a:latin typeface="+mn-lt"/>
+              <a:ea typeface="맑은 고딕"/>
+            </a:endParaRPr>
           </a:p>
           <a:p>
             <a:pPr marL="0" indent="0" eaLnBrk="0" hangingPunct="0">
@@ -7939,8 +8189,8 @@
           </a:p>
         </p:txBody>
       </p:sp>
-      <mc:AlternateContent xmlns:mc="http://schemas.openxmlformats.org/markup-compatibility/2006" xmlns:a14="http://schemas.microsoft.com/office/drawing/2010/main">
-        <mc:Choice Requires="a14">
+      <mc:AlternateContent xmlns:mc="http://schemas.openxmlformats.org/markup-compatibility/2006">
+        <mc:Choice xmlns:a14="http://schemas.microsoft.com/office/drawing/2010/main" Requires="a14">
           <p:sp>
             <p:nvSpPr>
               <p:cNvPr id="304" name="자유형: 도형 303"/>
@@ -7949,13 +8199,12 @@
             </p:nvSpPr>
             <p:spPr>
               <a:xfrm>
-                <a:off x="179512" y="1543050"/>
-                <a:ext cx="9220200" cy="5248275"/>
+                <a:off x="640221" y="1600918"/>
+                <a:ext cx="7496174" cy="4924425"/>
               </a:xfrm>
               <a:custGeom>
                 <a:avLst/>
                 <a:gdLst/>
-                <a:ahLst/>
                 <a:cxnLst>
                   <a:cxn ang="3cd4">
                     <a:pos x="hc" y="t"/>
@@ -7995,8 +8244,8 @@
               <a:lstStyle/>
               <a:p>
                 <a:pPr algn="l"/>
-                <a14:m>
-                  <m:oMathPara xmlns:m="http://schemas.openxmlformats.org/officeDocument/2006/math">
+                <a14:m xmlns:m="http://schemas.openxmlformats.org/officeDocument/2006/math" xmlns:mc="http://schemas.openxmlformats.org/markup-compatibility/2006" xmlns:ho="http://schemas.haansoft.com/office/8.0" mc:Ignorable="ho" ho:hncCreate="1">
+                  <m:oMathPara>
                     <m:oMathParaPr>
                       <m:jc m:val="left"/>
                     </m:oMathParaPr>
@@ -8009,7 +8258,7 @@
                           <a:latin typeface="Cambria Math"/>
                           <a:sym typeface="Cambria Math"/>
                         </a:rPr>
-                        <m:t>𝑃𝑎𝑡h𝑙𝑜𝑠𝑠</m:t>
+                        <m:t>𝑃</m:t>
                       </m:r>
                       <m:r>
                         <a:rPr sz="2500" i="1">
@@ -8019,7 +8268,7 @@
                           <a:latin typeface="Cambria Math"/>
                           <a:sym typeface="Cambria Math"/>
                         </a:rPr>
-                        <m:t> </m:t>
+                        <m:t>𝑎</m:t>
                       </m:r>
                       <m:r>
                         <a:rPr sz="2500" i="1">
@@ -8029,7 +8278,7 @@
                           <a:latin typeface="Cambria Math"/>
                           <a:sym typeface="Cambria Math"/>
                         </a:rPr>
-                        <m:t>𝑚𝑎𝑡𝑟𝑖𝑥</m:t>
+                        <m:t>𝑡</m:t>
                       </m:r>
                       <m:r>
                         <a:rPr sz="2500" i="1">
@@ -8039,7 +8288,127 @@
                           <a:latin typeface="Cambria Math"/>
                           <a:sym typeface="Cambria Math"/>
                         </a:rPr>
-                        <m:t> : </m:t>
+                        <m:t>ℎ</m:t>
+                      </m:r>
+                      <m:r>
+                        <a:rPr sz="2500" i="1">
+                          <a:solidFill>
+                            <a:srgbClr val="000000"/>
+                          </a:solidFill>
+                          <a:latin typeface="Cambria Math"/>
+                          <a:sym typeface="Cambria Math"/>
+                        </a:rPr>
+                        <m:t>𝑙</m:t>
+                      </m:r>
+                      <m:r>
+                        <a:rPr sz="2500" i="1">
+                          <a:solidFill>
+                            <a:srgbClr val="000000"/>
+                          </a:solidFill>
+                          <a:latin typeface="Cambria Math"/>
+                          <a:sym typeface="Cambria Math"/>
+                        </a:rPr>
+                        <m:t>𝑜</m:t>
+                      </m:r>
+                      <m:r>
+                        <a:rPr sz="2500" i="1">
+                          <a:solidFill>
+                            <a:srgbClr val="000000"/>
+                          </a:solidFill>
+                          <a:latin typeface="Cambria Math"/>
+                          <a:sym typeface="Cambria Math"/>
+                        </a:rPr>
+                        <m:t>𝑠</m:t>
+                      </m:r>
+                      <m:r>
+                        <a:rPr sz="2500" i="1">
+                          <a:solidFill>
+                            <a:srgbClr val="000000"/>
+                          </a:solidFill>
+                          <a:latin typeface="Cambria Math"/>
+                          <a:sym typeface="Cambria Math"/>
+                        </a:rPr>
+                        <m:t>𝑠</m:t>
+                      </m:r>
+                      <m:r>
+                        <a:rPr sz="2500" i="1">
+                          <a:solidFill>
+                            <a:srgbClr val="000000"/>
+                          </a:solidFill>
+                          <a:latin typeface="Cambria Math"/>
+                          <a:sym typeface="Cambria Math"/>
+                        </a:rPr>
+                        <m:t xml:space="preserve"> </m:t>
+                      </m:r>
+                      <m:r>
+                        <a:rPr sz="2500" i="1">
+                          <a:solidFill>
+                            <a:srgbClr val="000000"/>
+                          </a:solidFill>
+                          <a:latin typeface="Cambria Math"/>
+                          <a:sym typeface="Cambria Math"/>
+                        </a:rPr>
+                        <m:t>𝑚</m:t>
+                      </m:r>
+                      <m:r>
+                        <a:rPr sz="2500" i="1">
+                          <a:solidFill>
+                            <a:srgbClr val="000000"/>
+                          </a:solidFill>
+                          <a:latin typeface="Cambria Math"/>
+                          <a:sym typeface="Cambria Math"/>
+                        </a:rPr>
+                        <m:t>𝑎</m:t>
+                      </m:r>
+                      <m:r>
+                        <a:rPr sz="2500" i="1">
+                          <a:solidFill>
+                            <a:srgbClr val="000000"/>
+                          </a:solidFill>
+                          <a:latin typeface="Cambria Math"/>
+                          <a:sym typeface="Cambria Math"/>
+                        </a:rPr>
+                        <m:t>𝑡</m:t>
+                      </m:r>
+                      <m:r>
+                        <a:rPr sz="2500" i="1">
+                          <a:solidFill>
+                            <a:srgbClr val="000000"/>
+                          </a:solidFill>
+                          <a:latin typeface="Cambria Math"/>
+                          <a:sym typeface="Cambria Math"/>
+                        </a:rPr>
+                        <m:t>𝑟</m:t>
+                      </m:r>
+                      <m:r>
+                        <a:rPr sz="2500" i="1">
+                          <a:solidFill>
+                            <a:srgbClr val="000000"/>
+                          </a:solidFill>
+                          <a:latin typeface="Cambria Math"/>
+                          <a:sym typeface="Cambria Math"/>
+                        </a:rPr>
+                        <m:t>𝑖</m:t>
+                      </m:r>
+                      <m:r>
+                        <a:rPr sz="2500" i="1">
+                          <a:solidFill>
+                            <a:srgbClr val="000000"/>
+                          </a:solidFill>
+                          <a:latin typeface="Cambria Math"/>
+                          <a:sym typeface="Cambria Math"/>
+                        </a:rPr>
+                        <m:t>𝑥</m:t>
+                      </m:r>
+                      <m:r>
+                        <a:rPr sz="2500" i="1">
+                          <a:solidFill>
+                            <a:srgbClr val="000000"/>
+                          </a:solidFill>
+                          <a:latin typeface="Cambria Math"/>
+                          <a:sym typeface="Cambria Math"/>
+                        </a:rPr>
+                        <m:t xml:space="preserve"> : </m:t>
                       </m:r>
                       <m:d>
                         <m:dPr>
@@ -8050,7 +8419,7 @@
                               <a:solidFill>
                                 <a:srgbClr val="000000"/>
                               </a:solidFill>
-                              <a:latin typeface="Cambria Math" panose="02040503050406030204" pitchFamily="18" charset="0"/>
+                              <a:latin typeface="Cambria Math"/>
                               <a:sym typeface="Cambria Math"/>
                             </a:rPr>
                           </m:ctrlPr>
@@ -8071,7 +8440,7 @@
                                   <a:solidFill>
                                     <a:srgbClr val="000000"/>
                                   </a:solidFill>
-                                  <a:latin typeface="Cambria Math" panose="02040503050406030204" pitchFamily="18" charset="0"/>
+                                  <a:latin typeface="Cambria Math"/>
                                   <a:sym typeface="Cambria Math"/>
                                 </a:rPr>
                               </m:ctrlPr>
@@ -8085,7 +8454,7 @@
                                         <a:solidFill>
                                           <a:srgbClr val="000000"/>
                                         </a:solidFill>
-                                        <a:latin typeface="Cambria Math" panose="02040503050406030204" pitchFamily="18" charset="0"/>
+                                        <a:latin typeface="Cambria Math"/>
                                         <a:sym typeface="Cambria Math"/>
                                       </a:rPr>
                                     </m:ctrlPr>
@@ -8136,7 +8505,7 @@
                                         <a:solidFill>
                                           <a:srgbClr val="000000"/>
                                         </a:solidFill>
-                                        <a:latin typeface="Cambria Math" panose="02040503050406030204" pitchFamily="18" charset="0"/>
+                                        <a:latin typeface="Cambria Math"/>
                                         <a:sym typeface="Cambria Math"/>
                                       </a:rPr>
                                     </m:ctrlPr>
@@ -8162,7 +8531,7 @@
                                         <a:latin typeface="Cambria Math"/>
                                         <a:sym typeface="Cambria Math"/>
                                       </a:rPr>
-                                      <m:t>0 </m:t>
+                                      <m:t xml:space="preserve">0 </m:t>
                                     </m:r>
                                     <m:r>
                                       <a:rPr sz="2500" i="1">
@@ -8225,7 +8594,7 @@
                                         <a:solidFill>
                                           <a:srgbClr val="000000"/>
                                         </a:solidFill>
-                                        <a:latin typeface="Cambria Math" panose="02040503050406030204" pitchFamily="18" charset="0"/>
+                                        <a:latin typeface="Cambria Math"/>
                                         <a:sym typeface="Cambria Math"/>
                                       </a:rPr>
                                     </m:ctrlPr>
@@ -8261,7 +8630,7 @@
                                         <a:latin typeface="Cambria Math"/>
                                         <a:sym typeface="Cambria Math"/>
                                       </a:rPr>
-                                      <m:t> 0</m:t>
+                                      <m:t xml:space="preserve"> 0</m:t>
                                     </m:r>
                                   </m:sub>
                                 </m:sSub>
@@ -8286,7 +8655,7 @@
                                         <a:solidFill>
                                           <a:srgbClr val="000000"/>
                                         </a:solidFill>
-                                        <a:latin typeface="Cambria Math" panose="02040503050406030204" pitchFamily="18" charset="0"/>
+                                        <a:latin typeface="Cambria Math"/>
                                         <a:sym typeface="Cambria Math"/>
                                       </a:rPr>
                                     </m:ctrlPr>
@@ -8322,7 +8691,7 @@
                                         <a:latin typeface="Cambria Math"/>
                                         <a:sym typeface="Cambria Math"/>
                                       </a:rPr>
-                                      <m:t> </m:t>
+                                      <m:t xml:space="preserve"> </m:t>
                                     </m:r>
                                     <m:r>
                                       <a:rPr sz="2500" i="1">
@@ -8344,12 +8713,11 @@
                     </m:oMath>
                   </m:oMathPara>
                 </a14:m>
-                <a:endParaRPr/>
               </a:p>
               <a:p>
                 <a:pPr algn="l"/>
-                <a14:m>
-                  <m:oMathPara xmlns:m="http://schemas.openxmlformats.org/officeDocument/2006/math">
+                <a14:m xmlns:m="http://schemas.openxmlformats.org/officeDocument/2006/math" xmlns:mc="http://schemas.openxmlformats.org/markup-compatibility/2006" xmlns:ho="http://schemas.haansoft.com/office/8.0" mc:Ignorable="ho" ho:hncCreate="1">
+                  <m:oMathPara>
                     <m:oMathParaPr>
                       <m:jc m:val="left"/>
                     </m:oMathParaPr>
@@ -8362,46 +8730,45 @@
                           <a:latin typeface="Cambria Math"/>
                           <a:sym typeface="Cambria Math"/>
                         </a:rPr>
-                        <m:t> </m:t>
+                        <m:t xml:space="preserve"> </m:t>
                       </m:r>
                     </m:oMath>
                   </m:oMathPara>
                 </a14:m>
-                <a:endParaRPr/>
               </a:p>
               <a:p>
                 <a:pPr algn="l"/>
-                <a14:m>
-                  <m:oMathPara xmlns:m="http://schemas.openxmlformats.org/officeDocument/2006/math">
+                <a14:m xmlns:m="http://schemas.openxmlformats.org/officeDocument/2006/math" xmlns:mc="http://schemas.openxmlformats.org/markup-compatibility/2006" xmlns:ho="http://schemas.haansoft.com/office/8.0" mc:Ignorable="ho" ho:hncCreate="1">
+                  <m:oMathPara>
                     <m:oMathParaPr>
                       <m:jc m:val="left"/>
                     </m:oMathParaPr>
                     <m:oMath xmlns:m="http://schemas.openxmlformats.org/officeDocument/2006/math">
                       <m:r>
-                        <a:rPr sz="1600" i="1">
+                        <a:rPr sz="1200" i="1">
                           <a:solidFill>
                             <a:srgbClr val="000000"/>
                           </a:solidFill>
                           <a:latin typeface="Cambria Math"/>
                           <a:sym typeface="Cambria Math"/>
                         </a:rPr>
-                        <m:t> </m:t>
+                        <m:t xml:space="preserve"> </m:t>
                       </m:r>
                       <m:sSub>
                         <m:sSubPr>
                           <m:ctrlPr>
-                            <a:rPr sz="1600" i="1">
+                            <a:rPr sz="1200" i="1">
                               <a:solidFill>
                                 <a:srgbClr val="000000"/>
                               </a:solidFill>
-                              <a:latin typeface="Cambria Math" panose="02040503050406030204" pitchFamily="18" charset="0"/>
+                              <a:latin typeface="Cambria Math"/>
                               <a:sym typeface="Cambria Math"/>
                             </a:rPr>
                           </m:ctrlPr>
                         </m:sSubPr>
                         <m:e>
                           <m:r>
-                            <a:rPr sz="1600" i="1">
+                            <a:rPr sz="1200" i="1">
                               <a:solidFill>
                                 <a:srgbClr val="000000"/>
                               </a:solidFill>
@@ -8413,7 +8780,7 @@
                         </m:e>
                         <m:sub>
                           <m:r>
-                            <a:rPr sz="1600" i="1">
+                            <a:rPr sz="1200" i="1">
                               <a:solidFill>
                                 <a:srgbClr val="000000"/>
                               </a:solidFill>
@@ -8423,17 +8790,17 @@
                             <m:t>𝑖</m:t>
                           </m:r>
                           <m:r>
-                            <a:rPr sz="1600" i="1">
+                            <a:rPr sz="1200" i="1">
                               <a:solidFill>
                                 <a:srgbClr val="000000"/>
                               </a:solidFill>
                               <a:latin typeface="Cambria Math"/>
                               <a:sym typeface="Cambria Math"/>
                             </a:rPr>
-                            <m:t> </m:t>
+                            <m:t xml:space="preserve"> </m:t>
                           </m:r>
                           <m:r>
-                            <a:rPr sz="1600" i="1">
+                            <a:rPr sz="1200" i="1">
                               <a:solidFill>
                                 <a:srgbClr val="000000"/>
                               </a:solidFill>
@@ -8445,17 +8812,17 @@
                         </m:sub>
                       </m:sSub>
                       <m:r>
-                        <a:rPr sz="1600" i="1">
+                        <a:rPr sz="1200" i="1">
                           <a:solidFill>
                             <a:srgbClr val="000000"/>
                           </a:solidFill>
                           <a:latin typeface="Cambria Math"/>
                           <a:sym typeface="Cambria Math"/>
                         </a:rPr>
-                        <m:t> : </m:t>
+                        <m:t xml:space="preserve"> : </m:t>
                       </m:r>
                       <m:r>
-                        <a:rPr sz="1600" i="1">
+                        <a:rPr sz="1200" i="1">
                           <a:solidFill>
                             <a:srgbClr val="000000"/>
                           </a:solidFill>
@@ -8465,7 +8832,7 @@
                         <m:t>𝑖</m:t>
                       </m:r>
                       <m:r>
-                        <a:rPr sz="1600" i="1">
+                        <a:rPr sz="1200" i="1">
                           <a:solidFill>
                             <a:srgbClr val="000000"/>
                           </a:solidFill>
@@ -8475,17 +8842,17 @@
                         <m:t>번째</m:t>
                       </m:r>
                       <m:r>
-                        <a:rPr sz="1600" i="1">
+                        <a:rPr sz="1200" i="1">
                           <a:solidFill>
                             <a:srgbClr val="000000"/>
                           </a:solidFill>
                           <a:latin typeface="Cambria Math"/>
                           <a:sym typeface="Cambria Math"/>
                         </a:rPr>
-                        <m:t> </m:t>
+                        <m:t xml:space="preserve"> </m:t>
                       </m:r>
                       <m:r>
-                        <a:rPr sz="1600" i="1">
+                        <a:rPr sz="1200" i="1">
                           <a:solidFill>
                             <a:srgbClr val="000000"/>
                           </a:solidFill>
@@ -8495,17 +8862,17 @@
                         <m:t>차량에서</m:t>
                       </m:r>
                       <m:r>
-                        <a:rPr sz="1600" i="1">
+                        <a:rPr sz="1200" i="1">
                           <a:solidFill>
                             <a:srgbClr val="000000"/>
                           </a:solidFill>
                           <a:latin typeface="Cambria Math"/>
                           <a:sym typeface="Cambria Math"/>
                         </a:rPr>
-                        <m:t> </m:t>
+                        <m:t xml:space="preserve"> </m:t>
                       </m:r>
                       <m:r>
-                        <a:rPr sz="1600" i="1">
+                        <a:rPr sz="1200" i="1">
                           <a:solidFill>
                             <a:srgbClr val="000000"/>
                           </a:solidFill>
@@ -8515,7 +8882,7 @@
                         <m:t>𝑗</m:t>
                       </m:r>
                       <m:r>
-                        <a:rPr sz="1600" i="1">
+                        <a:rPr sz="1200" i="1">
                           <a:solidFill>
                             <a:srgbClr val="000000"/>
                           </a:solidFill>
@@ -8525,17 +8892,17 @@
                         <m:t>번째</m:t>
                       </m:r>
                       <m:r>
-                        <a:rPr sz="1600" i="1">
+                        <a:rPr sz="1200" i="1">
                           <a:solidFill>
                             <a:srgbClr val="000000"/>
                           </a:solidFill>
                           <a:latin typeface="Cambria Math"/>
                           <a:sym typeface="Cambria Math"/>
                         </a:rPr>
-                        <m:t> </m:t>
+                        <m:t xml:space="preserve"> </m:t>
                       </m:r>
                       <m:r>
-                        <a:rPr sz="1600" i="1">
+                        <a:rPr sz="1200" i="1">
                           <a:solidFill>
                             <a:srgbClr val="000000"/>
                           </a:solidFill>
@@ -8545,17 +8912,17 @@
                         <m:t>차량으로</m:t>
                       </m:r>
                       <m:r>
-                        <a:rPr sz="1600" i="1">
+                        <a:rPr sz="1200" i="1">
                           <a:solidFill>
                             <a:srgbClr val="000000"/>
                           </a:solidFill>
                           <a:latin typeface="Cambria Math"/>
                           <a:sym typeface="Cambria Math"/>
                         </a:rPr>
-                        <m:t> </m:t>
+                        <m:t xml:space="preserve"> </m:t>
                       </m:r>
                       <m:r>
-                        <a:rPr sz="1600" i="1">
+                        <a:rPr sz="1200" i="1">
                           <a:solidFill>
                             <a:srgbClr val="000000"/>
                           </a:solidFill>
@@ -8565,34 +8932,103 @@
                         <m:t>전송할때</m:t>
                       </m:r>
                       <m:r>
-                        <a:rPr sz="1600" i="1">
+                        <a:rPr sz="1200" i="1">
                           <a:solidFill>
                             <a:srgbClr val="000000"/>
                           </a:solidFill>
                           <a:latin typeface="Cambria Math"/>
                           <a:sym typeface="Cambria Math"/>
                         </a:rPr>
-                        <m:t>  </m:t>
+                        <m:t xml:space="preserve">  </m:t>
                       </m:r>
                       <m:r>
-                        <a:rPr sz="1600" i="1">
+                        <a:rPr sz="1200" i="1">
                           <a:solidFill>
                             <a:srgbClr val="000000"/>
                           </a:solidFill>
                           <a:latin typeface="Cambria Math"/>
                           <a:sym typeface="Cambria Math"/>
                         </a:rPr>
-                        <m:t>𝑃𝑎𝑡h𝑙𝑜𝑠𝑠</m:t>
+                        <m:t>𝑃</m:t>
+                      </m:r>
+                      <m:r>
+                        <a:rPr sz="1200" i="1">
+                          <a:solidFill>
+                            <a:srgbClr val="000000"/>
+                          </a:solidFill>
+                          <a:latin typeface="Cambria Math"/>
+                          <a:sym typeface="Cambria Math"/>
+                        </a:rPr>
+                        <m:t>𝑎</m:t>
+                      </m:r>
+                      <m:r>
+                        <a:rPr sz="1200" i="1">
+                          <a:solidFill>
+                            <a:srgbClr val="000000"/>
+                          </a:solidFill>
+                          <a:latin typeface="Cambria Math"/>
+                          <a:sym typeface="Cambria Math"/>
+                        </a:rPr>
+                        <m:t>𝑡</m:t>
+                      </m:r>
+                      <m:r>
+                        <a:rPr sz="1200" i="1">
+                          <a:solidFill>
+                            <a:srgbClr val="000000"/>
+                          </a:solidFill>
+                          <a:latin typeface="Cambria Math"/>
+                          <a:sym typeface="Cambria Math"/>
+                        </a:rPr>
+                        <m:t>ℎ</m:t>
+                      </m:r>
+                      <m:r>
+                        <a:rPr sz="1200" i="1">
+                          <a:solidFill>
+                            <a:srgbClr val="000000"/>
+                          </a:solidFill>
+                          <a:latin typeface="Cambria Math"/>
+                          <a:sym typeface="Cambria Math"/>
+                        </a:rPr>
+                        <m:t>𝑙</m:t>
+                      </m:r>
+                      <m:r>
+                        <a:rPr sz="1200" i="1">
+                          <a:solidFill>
+                            <a:srgbClr val="000000"/>
+                          </a:solidFill>
+                          <a:latin typeface="Cambria Math"/>
+                          <a:sym typeface="Cambria Math"/>
+                        </a:rPr>
+                        <m:t>𝑜</m:t>
+                      </m:r>
+                      <m:r>
+                        <a:rPr sz="1200" i="1">
+                          <a:solidFill>
+                            <a:srgbClr val="000000"/>
+                          </a:solidFill>
+                          <a:latin typeface="Cambria Math"/>
+                          <a:sym typeface="Cambria Math"/>
+                        </a:rPr>
+                        <m:t>𝑠</m:t>
+                      </m:r>
+                      <m:r>
+                        <a:rPr sz="1200" i="1">
+                          <a:solidFill>
+                            <a:srgbClr val="000000"/>
+                          </a:solidFill>
+                          <a:latin typeface="Cambria Math"/>
+                          <a:sym typeface="Cambria Math"/>
+                        </a:rPr>
+                        <m:t>𝑠</m:t>
                       </m:r>
                     </m:oMath>
                   </m:oMathPara>
                 </a14:m>
-                <a:endParaRPr/>
               </a:p>
               <a:p>
                 <a:pPr algn="l"/>
-                <a14:m>
-                  <m:oMathPara xmlns:m="http://schemas.openxmlformats.org/officeDocument/2006/math">
+                <a14:m xmlns:m="http://schemas.openxmlformats.org/officeDocument/2006/math" xmlns:mc="http://schemas.openxmlformats.org/markup-compatibility/2006" xmlns:ho="http://schemas.haansoft.com/office/8.0" mc:Ignorable="ho" ho:hncCreate="1">
+                  <m:oMathPara>
                     <m:oMathParaPr>
                       <m:jc m:val="left"/>
                     </m:oMathParaPr>
@@ -8600,28 +9036,28 @@
                       <m:sSub>
                         <m:sSubPr>
                           <m:ctrlPr>
-                            <a:rPr sz="1600" i="1">
+                            <a:rPr sz="1200" i="1">
                               <a:solidFill>
                                 <a:srgbClr val="000000"/>
                               </a:solidFill>
-                              <a:latin typeface="Cambria Math" panose="02040503050406030204" pitchFamily="18" charset="0"/>
+                              <a:latin typeface="Cambria Math"/>
                               <a:sym typeface="Cambria Math"/>
                             </a:rPr>
                           </m:ctrlPr>
                         </m:sSubPr>
                         <m:e>
                           <m:r>
-                            <a:rPr sz="1600" i="1">
+                            <a:rPr sz="1200" i="1">
                               <a:solidFill>
                                 <a:srgbClr val="000000"/>
                               </a:solidFill>
                               <a:latin typeface="Cambria Math"/>
                               <a:sym typeface="Cambria Math"/>
                             </a:rPr>
-                            <m:t> </m:t>
+                            <m:t xml:space="preserve"> </m:t>
                           </m:r>
                           <m:r>
-                            <a:rPr sz="1600" i="1">
+                            <a:rPr sz="1200" i="1">
                               <a:solidFill>
                                 <a:srgbClr val="000000"/>
                               </a:solidFill>
@@ -8633,7 +9069,7 @@
                         </m:e>
                         <m:sub>
                           <m:r>
-                            <a:rPr sz="1600" i="1">
+                            <a:rPr sz="1200" i="1">
                               <a:solidFill>
                                 <a:srgbClr val="000000"/>
                               </a:solidFill>
@@ -8643,17 +9079,17 @@
                             <m:t>𝑖</m:t>
                           </m:r>
                           <m:r>
-                            <a:rPr sz="1600" i="1">
+                            <a:rPr sz="1200" i="1">
                               <a:solidFill>
                                 <a:srgbClr val="000000"/>
                               </a:solidFill>
                               <a:latin typeface="Cambria Math"/>
                               <a:sym typeface="Cambria Math"/>
                             </a:rPr>
-                            <m:t> </m:t>
+                            <m:t xml:space="preserve"> </m:t>
                           </m:r>
                           <m:r>
-                            <a:rPr sz="1600" i="1">
+                            <a:rPr sz="1200" i="1">
                               <a:solidFill>
                                 <a:srgbClr val="000000"/>
                               </a:solidFill>
@@ -8665,25 +9101,25 @@
                         </m:sub>
                       </m:sSub>
                       <m:r>
-                        <a:rPr sz="1600" i="1">
+                        <a:rPr sz="1200" i="1">
                           <a:solidFill>
                             <a:srgbClr val="000000"/>
                           </a:solidFill>
                           <a:latin typeface="Cambria Math"/>
                           <a:sym typeface="Cambria Math"/>
                         </a:rPr>
-                        <m:t>  = </m:t>
+                        <m:t xml:space="preserve">  = </m:t>
                       </m:r>
                       <m:d>
                         <m:dPr>
                           <m:begChr m:val="{"/>
                           <m:endChr m:val=""/>
                           <m:ctrlPr>
-                            <a:rPr sz="1600" i="1">
+                            <a:rPr sz="1200" i="1">
                               <a:solidFill>
                                 <a:srgbClr val="000000"/>
                               </a:solidFill>
-                              <a:latin typeface="Cambria Math" panose="02040503050406030204" pitchFamily="18" charset="0"/>
+                              <a:latin typeface="Cambria Math"/>
                               <a:sym typeface="Cambria Math"/>
                             </a:rPr>
                           </m:ctrlPr>
@@ -8692,64 +9128,154 @@
                           <m:eqArr>
                             <m:eqArrPr>
                               <m:ctrlPr>
-                                <a:rPr sz="1600" i="1">
+                                <a:rPr sz="1200" i="1">
                                   <a:solidFill>
                                     <a:srgbClr val="000000"/>
                                   </a:solidFill>
-                                  <a:latin typeface="Cambria Math" panose="02040503050406030204" pitchFamily="18" charset="0"/>
+                                  <a:latin typeface="Cambria Math"/>
                                   <a:sym typeface="Cambria Math"/>
                                 </a:rPr>
                               </m:ctrlPr>
                             </m:eqArrPr>
                             <m:e>
                               <m:r>
-                                <a:rPr sz="1600" i="1">
+                                <a:rPr sz="1200" i="1">
                                   <a:solidFill>
                                     <a:srgbClr val="000000"/>
                                   </a:solidFill>
                                   <a:latin typeface="Cambria Math"/>
                                   <a:sym typeface="Cambria Math"/>
                                 </a:rPr>
-                                <m:t>𝑖𝑓</m:t>
+                                <m:t>𝑖</m:t>
                               </m:r>
                               <m:r>
-                                <a:rPr sz="1600" i="1">
+                                <a:rPr sz="1200" i="1">
                                   <a:solidFill>
                                     <a:srgbClr val="000000"/>
                                   </a:solidFill>
                                   <a:latin typeface="Cambria Math"/>
                                   <a:sym typeface="Cambria Math"/>
                                 </a:rPr>
-                                <m:t> </m:t>
+                                <m:t>𝑓</m:t>
                               </m:r>
                               <m:r>
-                                <a:rPr sz="1600" i="1">
+                                <a:rPr sz="1200" i="1">
                                   <a:solidFill>
                                     <a:srgbClr val="000000"/>
                                   </a:solidFill>
                                   <a:latin typeface="Cambria Math"/>
                                   <a:sym typeface="Cambria Math"/>
                                 </a:rPr>
-                                <m:t>𝐿𝑂𝑆</m:t>
+                                <m:t xml:space="preserve"> </m:t>
                               </m:r>
                               <m:r>
-                                <a:rPr sz="1600" i="1">
+                                <a:rPr sz="1200" i="1">
                                   <a:solidFill>
                                     <a:srgbClr val="000000"/>
                                   </a:solidFill>
                                   <a:latin typeface="Cambria Math"/>
                                   <a:sym typeface="Cambria Math"/>
                                 </a:rPr>
-                                <m:t> </m:t>
+                                <m:t>𝐿</m:t>
+                              </m:r>
+                              <m:r>
+                                <a:rPr sz="1200" i="1">
+                                  <a:solidFill>
+                                    <a:srgbClr val="000000"/>
+                                  </a:solidFill>
+                                  <a:latin typeface="Cambria Math"/>
+                                  <a:sym typeface="Cambria Math"/>
+                                </a:rPr>
+                                <m:t>𝑂</m:t>
+                              </m:r>
+                              <m:r>
+                                <a:rPr sz="1200" i="1">
+                                  <a:solidFill>
+                                    <a:srgbClr val="000000"/>
+                                  </a:solidFill>
+                                  <a:latin typeface="Cambria Math"/>
+                                  <a:sym typeface="Cambria Math"/>
+                                </a:rPr>
+                                <m:t>𝑆</m:t>
+                              </m:r>
+                              <m:r>
+                                <a:rPr sz="1200" i="1">
+                                  <a:solidFill>
+                                    <a:srgbClr val="000000"/>
+                                  </a:solidFill>
+                                  <a:latin typeface="Cambria Math"/>
+                                  <a:sym typeface="Cambria Math"/>
+                                </a:rPr>
+                                <m:t>(</m:t>
+                              </m:r>
+                              <m:r>
+                                <a:rPr sz="1200" i="1">
+                                  <a:solidFill>
+                                    <a:srgbClr val="000000"/>
+                                  </a:solidFill>
+                                  <a:latin typeface="Cambria Math"/>
+                                  <a:sym typeface="Cambria Math"/>
+                                </a:rPr>
+                                <m:t>𝑑</m:t>
+                              </m:r>
+                              <m:r>
+                                <a:rPr sz="1200" i="1">
+                                  <a:solidFill>
+                                    <a:srgbClr val="000000"/>
+                                  </a:solidFill>
+                                  <a:latin typeface="Cambria Math"/>
+                                  <a:sym typeface="Cambria Math"/>
+                                </a:rPr>
+                                <m:t xml:space="preserve"> </m:t>
+                              </m:r>
+                              <m:r>
+                                <a:rPr sz="1200" i="1">
+                                  <a:solidFill>
+                                    <a:srgbClr val="000000"/>
+                                  </a:solidFill>
+                                  <a:latin typeface="Cambria Math"/>
+                                  <a:sym typeface="Cambria Math"/>
+                                </a:rPr>
+                                <m:t>≥</m:t>
+                              </m:r>
+                              <m:r>
+                                <a:rPr sz="1200" i="1">
+                                  <a:solidFill>
+                                    <a:srgbClr val="000000"/>
+                                  </a:solidFill>
+                                  <a:latin typeface="Cambria Math"/>
+                                  <a:sym typeface="Cambria Math"/>
+                                </a:rPr>
+                                <m:t xml:space="preserve"> 3</m:t>
+                              </m:r>
+                              <m:r>
+                                <a:rPr sz="1200" i="1">
+                                  <a:solidFill>
+                                    <a:srgbClr val="000000"/>
+                                  </a:solidFill>
+                                  <a:latin typeface="Cambria Math"/>
+                                  <a:sym typeface="Cambria Math"/>
+                                </a:rPr>
+                                <m:t>𝑚</m:t>
+                              </m:r>
+                              <m:r>
+                                <a:rPr sz="1200" i="1">
+                                  <a:solidFill>
+                                    <a:srgbClr val="000000"/>
+                                  </a:solidFill>
+                                  <a:latin typeface="Cambria Math"/>
+                                  <a:sym typeface="Cambria Math"/>
+                                </a:rPr>
+                                <m:t>)</m:t>
                               </m:r>
                               <m:func>
                                 <m:funcPr>
                                   <m:ctrlPr>
-                                    <a:rPr sz="1600" i="1">
+                                    <a:rPr sz="1200" i="1">
                                       <a:solidFill>
                                         <a:srgbClr val="000000"/>
                                       </a:solidFill>
-                                      <a:latin typeface="Cambria Math" panose="02040503050406030204" pitchFamily="18" charset="0"/>
+                                      <a:latin typeface="Cambria Math"/>
                                       <a:sym typeface="Cambria Math"/>
                                     </a:rPr>
                                   </m:ctrlPr>
@@ -8758,28 +9284,28 @@
                                   <m:sSub>
                                     <m:sSubPr>
                                       <m:ctrlPr>
-                                        <a:rPr sz="1600" i="1">
+                                        <a:rPr sz="1200" i="1">
                                           <a:solidFill>
                                             <a:srgbClr val="000000"/>
                                           </a:solidFill>
-                                          <a:latin typeface="Cambria Math" panose="02040503050406030204" pitchFamily="18" charset="0"/>
+                                          <a:latin typeface="Cambria Math"/>
                                           <a:sym typeface="Cambria Math"/>
                                         </a:rPr>
                                       </m:ctrlPr>
                                     </m:sSubPr>
                                     <m:e>
                                       <m:r>
-                                        <a:rPr sz="1600" i="1">
+                                        <a:rPr sz="1200" i="1">
                                           <a:solidFill>
                                             <a:srgbClr val="000000"/>
                                           </a:solidFill>
                                           <a:latin typeface="Cambria Math"/>
                                           <a:sym typeface="Cambria Math"/>
                                         </a:rPr>
-                                        <m:t>       </m:t>
+                                        <m:t xml:space="preserve">   </m:t>
                                       </m:r>
                                       <m:r>
-                                        <a:rPr sz="1600" i="0">
+                                        <a:rPr sz="1200" i="0">
                                           <a:solidFill>
                                             <a:srgbClr val="000000"/>
                                           </a:solidFill>
@@ -8792,7 +9318,7 @@
                                         <m:rPr>
                                           <m:sty m:val="p"/>
                                         </m:rPr>
-                                        <a:rPr sz="1600" i="0">
+                                        <a:rPr sz="1200" i="0">
                                           <a:solidFill>
                                             <a:srgbClr val="000000"/>
                                           </a:solidFill>
@@ -8804,7 +9330,7 @@
                                     </m:e>
                                     <m:sub>
                                       <m:r>
-                                        <a:rPr sz="1600" i="1">
+                                        <a:rPr sz="1200" i="1">
                                           <a:solidFill>
                                             <a:srgbClr val="000000"/>
                                           </a:solidFill>
@@ -8816,7 +9342,7 @@
                                     </m:sub>
                                   </m:sSub>
                                   <m:r>
-                                    <a:rPr sz="1600" i="1">
+                                    <a:rPr sz="1200" i="1">
                                       <a:solidFill>
                                         <a:srgbClr val="000000"/>
                                       </a:solidFill>
@@ -8826,7 +9352,7 @@
                                     <m:t>(</m:t>
                                   </m:r>
                                   <m:r>
-                                    <a:rPr sz="1600" i="1">
+                                    <a:rPr sz="1200" i="1">
                                       <a:solidFill>
                                         <a:srgbClr val="000000"/>
                                       </a:solidFill>
@@ -8836,7 +9362,7 @@
                                     <m:t>𝑑</m:t>
                                   </m:r>
                                   <m:r>
-                                    <a:rPr sz="1600" i="1">
+                                    <a:rPr sz="1200" i="1">
                                       <a:solidFill>
                                         <a:srgbClr val="000000"/>
                                       </a:solidFill>
@@ -8848,7 +9374,7 @@
                                 </m:fName>
                                 <m:e>
                                   <m:r>
-                                    <a:rPr sz="1600" i="1">
+                                    <a:rPr sz="1200" i="1">
                                       <a:solidFill>
                                         <a:srgbClr val="000000"/>
                                       </a:solidFill>
@@ -8860,11 +9386,11 @@
                                   <m:func>
                                     <m:funcPr>
                                       <m:ctrlPr>
-                                        <a:rPr sz="1600" i="1">
+                                        <a:rPr sz="1200" i="1">
                                           <a:solidFill>
                                             <a:srgbClr val="000000"/>
                                           </a:solidFill>
-                                          <a:latin typeface="Cambria Math" panose="02040503050406030204" pitchFamily="18" charset="0"/>
+                                          <a:latin typeface="Cambria Math"/>
                                           <a:sym typeface="Cambria Math"/>
                                         </a:rPr>
                                       </m:ctrlPr>
@@ -8873,11 +9399,11 @@
                                       <m:sSub>
                                         <m:sSubPr>
                                           <m:ctrlPr>
-                                            <a:rPr sz="1600" i="1">
+                                            <a:rPr sz="1200" i="1">
                                               <a:solidFill>
                                                 <a:srgbClr val="000000"/>
                                               </a:solidFill>
-                                              <a:latin typeface="Cambria Math" panose="02040503050406030204" pitchFamily="18" charset="0"/>
+                                              <a:latin typeface="Cambria Math"/>
                                               <a:sym typeface="Cambria Math"/>
                                             </a:rPr>
                                           </m:ctrlPr>
@@ -8887,7 +9413,7 @@
                                             <m:rPr>
                                               <m:sty m:val="p"/>
                                             </m:rPr>
-                                            <a:rPr sz="1600" i="0">
+                                            <a:rPr sz="1200" i="0">
                                               <a:solidFill>
                                                 <a:srgbClr val="000000"/>
                                               </a:solidFill>
@@ -8899,7 +9425,7 @@
                                         </m:e>
                                         <m:sub>
                                           <m:r>
-                                            <a:rPr sz="1600" i="1">
+                                            <a:rPr sz="1200" i="1">
                                               <a:solidFill>
                                                 <a:srgbClr val="000000"/>
                                               </a:solidFill>
@@ -8911,7 +9437,7 @@
                                         </m:sub>
                                       </m:sSub>
                                       <m:r>
-                                        <a:rPr sz="1600" i="1">
+                                        <a:rPr sz="1200" i="1">
                                           <a:solidFill>
                                             <a:srgbClr val="000000"/>
                                           </a:solidFill>
@@ -8923,28 +9449,28 @@
                                       <m:sSub>
                                         <m:sSubPr>
                                           <m:ctrlPr>
-                                            <a:rPr sz="1600" i="1">
+                                            <a:rPr sz="1200" i="1">
                                               <a:solidFill>
                                                 <a:srgbClr val="000000"/>
                                               </a:solidFill>
-                                              <a:latin typeface="Cambria Math" panose="02040503050406030204" pitchFamily="18" charset="0"/>
+                                              <a:latin typeface="Cambria Math"/>
                                               <a:sym typeface="Cambria Math"/>
                                             </a:rPr>
                                           </m:ctrlPr>
                                         </m:sSubPr>
                                         <m:e>
                                           <m:r>
-                                            <a:rPr sz="1600" i="1">
+                                            <a:rPr sz="1200" i="1">
                                               <a:solidFill>
                                                 <a:srgbClr val="000000"/>
                                               </a:solidFill>
                                               <a:latin typeface="Cambria Math"/>
                                               <a:sym typeface="Cambria Math"/>
                                             </a:rPr>
-                                            <m:t>h</m:t>
+                                            <m:t>ℎ</m:t>
                                           </m:r>
                                           <m:r>
-                                            <a:rPr sz="1600" i="1">
+                                            <a:rPr sz="1200" i="1">
                                               <a:solidFill>
                                                 <a:srgbClr val="000000"/>
                                               </a:solidFill>
@@ -8956,19 +9482,29 @@
                                         </m:e>
                                         <m:sub>
                                           <m:r>
-                                            <a:rPr sz="1600" i="1">
+                                            <a:rPr sz="1200" i="1">
                                               <a:solidFill>
                                                 <a:srgbClr val="000000"/>
                                               </a:solidFill>
                                               <a:latin typeface="Cambria Math"/>
                                               <a:sym typeface="Cambria Math"/>
                                             </a:rPr>
-                                            <m:t>𝑏𝑠</m:t>
+                                            <m:t>𝑏</m:t>
+                                          </m:r>
+                                          <m:r>
+                                            <a:rPr sz="1200" i="1">
+                                              <a:solidFill>
+                                                <a:srgbClr val="000000"/>
+                                              </a:solidFill>
+                                              <a:latin typeface="Cambria Math"/>
+                                              <a:sym typeface="Cambria Math"/>
+                                            </a:rPr>
+                                            <m:t>𝑠</m:t>
                                           </m:r>
                                         </m:sub>
                                       </m:sSub>
                                       <m:r>
-                                        <a:rPr sz="1600" i="1">
+                                        <a:rPr sz="1200" i="1">
                                           <a:solidFill>
                                             <a:srgbClr val="000000"/>
                                           </a:solidFill>
@@ -8980,7 +9516,7 @@
                                     </m:fName>
                                     <m:e>
                                       <m:r>
-                                        <a:rPr sz="1600" i="1">
+                                        <a:rPr sz="1200" i="1">
                                           <a:solidFill>
                                             <a:srgbClr val="000000"/>
                                           </a:solidFill>
@@ -8992,11 +9528,11 @@
                                       <m:func>
                                         <m:funcPr>
                                           <m:ctrlPr>
-                                            <a:rPr sz="1600" i="1">
+                                            <a:rPr sz="1200" i="1">
                                               <a:solidFill>
                                                 <a:srgbClr val="000000"/>
                                               </a:solidFill>
-                                              <a:latin typeface="Cambria Math" panose="02040503050406030204" pitchFamily="18" charset="0"/>
+                                              <a:latin typeface="Cambria Math"/>
                                               <a:sym typeface="Cambria Math"/>
                                             </a:rPr>
                                           </m:ctrlPr>
@@ -9005,11 +9541,11 @@
                                           <m:sSub>
                                             <m:sSubPr>
                                               <m:ctrlPr>
-                                                <a:rPr sz="1600" i="1">
+                                                <a:rPr sz="1200" i="1">
                                                   <a:solidFill>
                                                     <a:srgbClr val="000000"/>
                                                   </a:solidFill>
-                                                  <a:latin typeface="Cambria Math" panose="02040503050406030204" pitchFamily="18" charset="0"/>
+                                                  <a:latin typeface="Cambria Math"/>
                                                   <a:sym typeface="Cambria Math"/>
                                                 </a:rPr>
                                               </m:ctrlPr>
@@ -9019,7 +9555,7 @@
                                                 <m:rPr>
                                                   <m:sty m:val="p"/>
                                                 </m:rPr>
-                                                <a:rPr sz="1600" i="0">
+                                                <a:rPr sz="1200" i="0">
                                                   <a:solidFill>
                                                     <a:srgbClr val="000000"/>
                                                   </a:solidFill>
@@ -9031,7 +9567,7 @@
                                             </m:e>
                                             <m:sub>
                                               <m:r>
-                                                <a:rPr sz="1600" i="1">
+                                                <a:rPr sz="1200" i="1">
                                                   <a:solidFill>
                                                     <a:srgbClr val="000000"/>
                                                   </a:solidFill>
@@ -9043,7 +9579,7 @@
                                             </m:sub>
                                           </m:sSub>
                                           <m:r>
-                                            <a:rPr sz="1600" i="1">
+                                            <a:rPr sz="1200" i="1">
                                               <a:solidFill>
                                                 <a:srgbClr val="000000"/>
                                               </a:solidFill>
@@ -9055,28 +9591,28 @@
                                           <m:sSub>
                                             <m:sSubPr>
                                               <m:ctrlPr>
-                                                <a:rPr sz="1600" i="1">
+                                                <a:rPr sz="1200" i="1">
                                                   <a:solidFill>
                                                     <a:srgbClr val="000000"/>
                                                   </a:solidFill>
-                                                  <a:latin typeface="Cambria Math" panose="02040503050406030204" pitchFamily="18" charset="0"/>
+                                                  <a:latin typeface="Cambria Math"/>
                                                   <a:sym typeface="Cambria Math"/>
                                                 </a:rPr>
                                               </m:ctrlPr>
                                             </m:sSubPr>
                                             <m:e>
                                               <m:r>
-                                                <a:rPr sz="1600" i="1">
+                                                <a:rPr sz="1200" i="1">
                                                   <a:solidFill>
                                                     <a:srgbClr val="000000"/>
                                                   </a:solidFill>
                                                   <a:latin typeface="Cambria Math"/>
                                                   <a:sym typeface="Cambria Math"/>
                                                 </a:rPr>
-                                                <m:t>h</m:t>
+                                                <m:t>ℎ</m:t>
                                               </m:r>
                                               <m:r>
-                                                <a:rPr sz="1600" i="1">
+                                                <a:rPr sz="1200" i="1">
                                                   <a:solidFill>
                                                     <a:srgbClr val="000000"/>
                                                   </a:solidFill>
@@ -9088,19 +9624,29 @@
                                             </m:e>
                                             <m:sub>
                                               <m:r>
-                                                <a:rPr sz="1600" i="1">
+                                                <a:rPr sz="1200" i="1">
                                                   <a:solidFill>
                                                     <a:srgbClr val="000000"/>
                                                   </a:solidFill>
                                                   <a:latin typeface="Cambria Math"/>
                                                   <a:sym typeface="Cambria Math"/>
                                                 </a:rPr>
-                                                <m:t>𝑚𝑠</m:t>
+                                                <m:t>𝑚</m:t>
+                                              </m:r>
+                                              <m:r>
+                                                <a:rPr sz="1200" i="1">
+                                                  <a:solidFill>
+                                                    <a:srgbClr val="000000"/>
+                                                  </a:solidFill>
+                                                  <a:latin typeface="Cambria Math"/>
+                                                  <a:sym typeface="Cambria Math"/>
+                                                </a:rPr>
+                                                <m:t>𝑠</m:t>
                                               </m:r>
                                             </m:sub>
                                           </m:sSub>
                                           <m:r>
-                                            <a:rPr sz="1600" i="1">
+                                            <a:rPr sz="1200" i="1">
                                               <a:solidFill>
                                                 <a:srgbClr val="000000"/>
                                               </a:solidFill>
@@ -9112,7 +9658,7 @@
                                         </m:fName>
                                         <m:e>
                                           <m:r>
-                                            <a:rPr sz="1600" i="1">
+                                            <a:rPr sz="1200" i="1">
                                               <a:solidFill>
                                                 <a:srgbClr val="000000"/>
                                               </a:solidFill>
@@ -9124,11 +9670,11 @@
                                           <m:func>
                                             <m:funcPr>
                                               <m:ctrlPr>
-                                                <a:rPr sz="1600" i="1">
+                                                <a:rPr sz="1200" i="1">
                                                   <a:solidFill>
                                                     <a:srgbClr val="000000"/>
                                                   </a:solidFill>
-                                                  <a:latin typeface="Cambria Math" panose="02040503050406030204" pitchFamily="18" charset="0"/>
+                                                  <a:latin typeface="Cambria Math"/>
                                                   <a:sym typeface="Cambria Math"/>
                                                 </a:rPr>
                                               </m:ctrlPr>
@@ -9137,11 +9683,11 @@
                                               <m:sSub>
                                                 <m:sSubPr>
                                                   <m:ctrlPr>
-                                                    <a:rPr sz="1600" i="1">
+                                                    <a:rPr sz="1200" i="1">
                                                       <a:solidFill>
                                                         <a:srgbClr val="000000"/>
                                                       </a:solidFill>
-                                                      <a:latin typeface="Cambria Math" panose="02040503050406030204" pitchFamily="18" charset="0"/>
+                                                      <a:latin typeface="Cambria Math"/>
                                                       <a:sym typeface="Cambria Math"/>
                                                     </a:rPr>
                                                   </m:ctrlPr>
@@ -9151,7 +9697,7 @@
                                                     <m:rPr>
                                                       <m:sty m:val="p"/>
                                                     </m:rPr>
-                                                    <a:rPr sz="1600" i="0">
+                                                    <a:rPr sz="1200" i="0">
                                                       <a:solidFill>
                                                         <a:srgbClr val="000000"/>
                                                       </a:solidFill>
@@ -9163,7 +9709,7 @@
                                                 </m:e>
                                                 <m:sub>
                                                   <m:r>
-                                                    <a:rPr sz="1600" i="1">
+                                                    <a:rPr sz="1200" i="1">
                                                       <a:solidFill>
                                                         <a:srgbClr val="000000"/>
                                                       </a:solidFill>
@@ -9175,7 +9721,7 @@
                                                 </m:sub>
                                               </m:sSub>
                                               <m:r>
-                                                <a:rPr sz="1600" i="1">
+                                                <a:rPr sz="1200" i="1">
                                                   <a:solidFill>
                                                     <a:srgbClr val="000000"/>
                                                   </a:solidFill>
@@ -9187,18 +9733,18 @@
                                               <m:sSub>
                                                 <m:sSubPr>
                                                   <m:ctrlPr>
-                                                    <a:rPr sz="1600" i="1">
+                                                    <a:rPr sz="1200" i="1">
                                                       <a:solidFill>
                                                         <a:srgbClr val="000000"/>
                                                       </a:solidFill>
-                                                      <a:latin typeface="Cambria Math" panose="02040503050406030204" pitchFamily="18" charset="0"/>
+                                                      <a:latin typeface="Cambria Math"/>
                                                       <a:sym typeface="Cambria Math"/>
                                                     </a:rPr>
                                                   </m:ctrlPr>
                                                 </m:sSubPr>
                                                 <m:e>
                                                   <m:r>
-                                                    <a:rPr sz="1600" i="1">
+                                                    <a:rPr sz="1200" i="1">
                                                       <a:solidFill>
                                                         <a:srgbClr val="000000"/>
                                                       </a:solidFill>
@@ -9210,7 +9756,7 @@
                                                 </m:e>
                                                 <m:sub>
                                                   <m:r>
-                                                    <a:rPr sz="1600" i="1">
+                                                    <a:rPr sz="1200" i="1">
                                                       <a:solidFill>
                                                         <a:srgbClr val="000000"/>
                                                       </a:solidFill>
@@ -9222,7 +9768,7 @@
                                                 </m:sub>
                                               </m:sSub>
                                               <m:r>
-                                                <a:rPr sz="1600" i="1">
+                                                <a:rPr sz="1200" i="1">
                                                   <a:solidFill>
                                                     <a:srgbClr val="000000"/>
                                                   </a:solidFill>
@@ -9232,7 +9778,18 @@
                                                 <m:t>/5.0)</m:t>
                                               </m:r>
                                             </m:fName>
-                                            <m:e/>
+                                            <m:e>
+                                              <m:r>
+                                                <a:rPr sz="1200" i="1">
+                                                  <a:solidFill>
+                                                    <a:srgbClr val="000000"/>
+                                                  </a:solidFill>
+                                                  <a:latin typeface="Cambria Math"/>
+                                                  <a:sym typeface="Cambria Math"/>
+                                                </a:rPr>
+                                                <m:t xml:space="preserve">    </m:t>
+                                              </m:r>
+                                            </m:e>
                                           </m:func>
                                         </m:e>
                                       </m:func>
@@ -9240,60 +9797,549 @@
                                   </m:func>
                                 </m:e>
                               </m:func>
-                            </m:e>
-                            <m:e>
                               <m:r>
-                                <a:rPr sz="1600" i="1">
+                                <a:rPr sz="1200" i="1">
                                   <a:solidFill>
                                     <a:srgbClr val="000000"/>
                                   </a:solidFill>
                                   <a:latin typeface="Cambria Math"/>
                                   <a:sym typeface="Cambria Math"/>
                                 </a:rPr>
-                                <m:t>𝑖𝑓</m:t>
+                                <m:t xml:space="preserve"> </m:t>
                               </m:r>
+                            </m:e>
+                            <m:e>
                               <m:r>
-                                <a:rPr sz="1600" i="1">
+                                <a:rPr sz="1200" i="1">
                                   <a:solidFill>
                                     <a:srgbClr val="000000"/>
                                   </a:solidFill>
                                   <a:latin typeface="Cambria Math"/>
                                   <a:sym typeface="Cambria Math"/>
                                 </a:rPr>
-                                <m:t> </m:t>
+                                <m:t>𝑖</m:t>
                               </m:r>
                               <m:r>
-                                <a:rPr sz="1600" i="1">
+                                <a:rPr sz="1200" i="1">
                                   <a:solidFill>
                                     <a:srgbClr val="000000"/>
                                   </a:solidFill>
                                   <a:latin typeface="Cambria Math"/>
                                   <a:sym typeface="Cambria Math"/>
                                 </a:rPr>
-                                <m:t>𝑁𝐿𝑂𝑆</m:t>
+                                <m:t>𝑓</m:t>
                               </m:r>
                               <m:r>
-                                <a:rPr sz="1600" i="1">
+                                <a:rPr sz="1200" i="1">
                                   <a:solidFill>
                                     <a:srgbClr val="000000"/>
                                   </a:solidFill>
                                   <a:latin typeface="Cambria Math"/>
                                   <a:sym typeface="Cambria Math"/>
                                 </a:rPr>
-                                <m:t>       </m:t>
+                                <m:t xml:space="preserve"> </m:t>
                               </m:r>
                               <m:r>
-                                <a:rPr sz="1600" i="1">
+                                <a:rPr sz="1200" i="1">
                                   <a:solidFill>
                                     <a:srgbClr val="000000"/>
                                   </a:solidFill>
                                   <a:latin typeface="Cambria Math"/>
                                   <a:sym typeface="Cambria Math"/>
                                 </a:rPr>
-                                <m:t>𝑚𝑖𝑛</m:t>
+                                <m:t>𝐿</m:t>
                               </m:r>
                               <m:r>
-                                <a:rPr sz="1600" i="1">
+                                <a:rPr sz="1200" i="1">
+                                  <a:solidFill>
+                                    <a:srgbClr val="000000"/>
+                                  </a:solidFill>
+                                  <a:latin typeface="Cambria Math"/>
+                                  <a:sym typeface="Cambria Math"/>
+                                </a:rPr>
+                                <m:t>𝑂</m:t>
+                              </m:r>
+                              <m:r>
+                                <a:rPr sz="1200" i="1">
+                                  <a:solidFill>
+                                    <a:srgbClr val="000000"/>
+                                  </a:solidFill>
+                                  <a:latin typeface="Cambria Math"/>
+                                  <a:sym typeface="Cambria Math"/>
+                                </a:rPr>
+                                <m:t>𝑆</m:t>
+                              </m:r>
+                              <m:r>
+                                <a:rPr sz="1200" i="1">
+                                  <a:solidFill>
+                                    <a:srgbClr val="000000"/>
+                                  </a:solidFill>
+                                  <a:latin typeface="Cambria Math"/>
+                                  <a:sym typeface="Cambria Math"/>
+                                </a:rPr>
+                                <m:t>(</m:t>
+                              </m:r>
+                              <m:r>
+                                <a:rPr sz="1200" i="1">
+                                  <a:solidFill>
+                                    <a:srgbClr val="000000"/>
+                                  </a:solidFill>
+                                  <a:latin typeface="Cambria Math"/>
+                                  <a:sym typeface="Cambria Math"/>
+                                </a:rPr>
+                                <m:t>𝑑</m:t>
+                              </m:r>
+                              <m:r>
+                                <a:rPr sz="1200" i="1">
+                                  <a:solidFill>
+                                    <a:srgbClr val="000000"/>
+                                  </a:solidFill>
+                                  <a:latin typeface="Cambria Math"/>
+                                  <a:sym typeface="Cambria Math"/>
+                                </a:rPr>
+                                <m:t xml:space="preserve"> </m:t>
+                              </m:r>
+                              <m:r>
+                                <a:rPr sz="1200" i="1">
+                                  <a:solidFill>
+                                    <a:srgbClr val="000000"/>
+                                  </a:solidFill>
+                                  <a:latin typeface="Cambria Math"/>
+                                  <a:sym typeface="Cambria Math"/>
+                                </a:rPr>
+                                <m:t>&lt;</m:t>
+                              </m:r>
+                              <m:r>
+                                <a:rPr sz="1200" i="1">
+                                  <a:solidFill>
+                                    <a:srgbClr val="000000"/>
+                                  </a:solidFill>
+                                  <a:latin typeface="Cambria Math"/>
+                                  <a:sym typeface="Cambria Math"/>
+                                </a:rPr>
+                                <m:t xml:space="preserve"> 3</m:t>
+                              </m:r>
+                              <m:r>
+                                <a:rPr sz="1200" i="1">
+                                  <a:solidFill>
+                                    <a:srgbClr val="000000"/>
+                                  </a:solidFill>
+                                  <a:latin typeface="Cambria Math"/>
+                                  <a:sym typeface="Cambria Math"/>
+                                </a:rPr>
+                                <m:t>𝑚</m:t>
+                              </m:r>
+                              <m:r>
+                                <a:rPr sz="1200" i="1">
+                                  <a:solidFill>
+                                    <a:srgbClr val="000000"/>
+                                  </a:solidFill>
+                                  <a:latin typeface="Cambria Math"/>
+                                  <a:sym typeface="Cambria Math"/>
+                                </a:rPr>
+                                <m:t>)</m:t>
+                              </m:r>
+                              <m:func>
+                                <m:funcPr>
+                                  <m:ctrlPr>
+                                    <a:rPr sz="1200" i="1">
+                                      <a:solidFill>
+                                        <a:srgbClr val="000000"/>
+                                      </a:solidFill>
+                                      <a:latin typeface="Cambria Math"/>
+                                      <a:sym typeface="Cambria Math"/>
+                                    </a:rPr>
+                                  </m:ctrlPr>
+                                </m:funcPr>
+                                <m:fName>
+                                  <m:sSub>
+                                    <m:sSubPr>
+                                      <m:ctrlPr>
+                                        <a:rPr sz="1200" i="1">
+                                          <a:solidFill>
+                                            <a:srgbClr val="000000"/>
+                                          </a:solidFill>
+                                          <a:latin typeface="Cambria Math"/>
+                                          <a:sym typeface="Cambria Math"/>
+                                        </a:rPr>
+                                      </m:ctrlPr>
+                                    </m:sSubPr>
+                                    <m:e>
+                                      <m:r>
+                                        <a:rPr sz="1200" i="1">
+                                          <a:solidFill>
+                                            <a:srgbClr val="000000"/>
+                                          </a:solidFill>
+                                          <a:latin typeface="Cambria Math"/>
+                                          <a:sym typeface="Cambria Math"/>
+                                        </a:rPr>
+                                        <m:t xml:space="preserve">   22.7</m:t>
+                                      </m:r>
+                                      <m:r>
+                                        <m:rPr>
+                                          <m:sty m:val="p"/>
+                                        </m:rPr>
+                                        <a:rPr sz="1200" i="0">
+                                          <a:solidFill>
+                                            <a:srgbClr val="000000"/>
+                                          </a:solidFill>
+                                          <a:latin typeface="Cambria Math"/>
+                                          <a:sym typeface="Cambria Math"/>
+                                        </a:rPr>
+                                        <m:t>log</m:t>
+                                      </m:r>
+                                    </m:e>
+                                    <m:sub>
+                                      <m:r>
+                                        <a:rPr sz="1200" i="1">
+                                          <a:solidFill>
+                                            <a:srgbClr val="000000"/>
+                                          </a:solidFill>
+                                          <a:latin typeface="Cambria Math"/>
+                                          <a:sym typeface="Cambria Math"/>
+                                        </a:rPr>
+                                        <m:t>10</m:t>
+                                      </m:r>
+                                    </m:sub>
+                                  </m:sSub>
+                                  <m:r>
+                                    <a:rPr sz="1200" i="1">
+                                      <a:solidFill>
+                                        <a:srgbClr val="000000"/>
+                                      </a:solidFill>
+                                      <a:latin typeface="Cambria Math"/>
+                                      <a:sym typeface="Cambria Math"/>
+                                    </a:rPr>
+                                    <m:t>(</m:t>
+                                  </m:r>
+                                  <m:r>
+                                    <a:rPr sz="1200" i="1">
+                                      <a:solidFill>
+                                        <a:srgbClr val="000000"/>
+                                      </a:solidFill>
+                                      <a:latin typeface="Cambria Math"/>
+                                      <a:sym typeface="Cambria Math"/>
+                                    </a:rPr>
+                                    <m:t>𝑑</m:t>
+                                  </m:r>
+                                  <m:r>
+                                    <a:rPr sz="1200" i="1">
+                                      <a:solidFill>
+                                        <a:srgbClr val="000000"/>
+                                      </a:solidFill>
+                                      <a:latin typeface="Cambria Math"/>
+                                      <a:sym typeface="Cambria Math"/>
+                                    </a:rPr>
+                                    <m:t>)</m:t>
+                                  </m:r>
+                                </m:fName>
+                                <m:e>
+                                  <m:r>
+                                    <a:rPr sz="1200" i="1">
+                                      <a:solidFill>
+                                        <a:srgbClr val="000000"/>
+                                      </a:solidFill>
+                                      <a:latin typeface="Cambria Math"/>
+                                      <a:sym typeface="Cambria Math"/>
+                                    </a:rPr>
+                                    <m:t xml:space="preserve">+ </m:t>
+                                  </m:r>
+                                  <m:r>
+                                    <a:rPr sz="1200" i="1">
+                                      <a:solidFill>
+                                        <a:srgbClr val="000000"/>
+                                      </a:solidFill>
+                                      <a:latin typeface="Cambria Math"/>
+                                      <a:sym typeface="Cambria Math"/>
+                                    </a:rPr>
+                                    <m:t>41.0</m:t>
+                                  </m:r>
+                                  <m:func>
+                                    <m:funcPr>
+                                      <m:ctrlPr>
+                                        <a:rPr sz="1200" i="1">
+                                          <a:solidFill>
+                                            <a:srgbClr val="000000"/>
+                                          </a:solidFill>
+                                          <a:latin typeface="Cambria Math"/>
+                                          <a:sym typeface="Cambria Math"/>
+                                        </a:rPr>
+                                      </m:ctrlPr>
+                                    </m:funcPr>
+                                    <m:fName>
+                                      <m:r>
+                                        <a:rPr sz="1200" i="1">
+                                          <a:solidFill>
+                                            <a:srgbClr val="000000"/>
+                                          </a:solidFill>
+                                          <a:latin typeface="Cambria Math"/>
+                                          <a:sym typeface="Cambria Math"/>
+                                        </a:rPr>
+                                        <m:t>+</m:t>
+                                      </m:r>
+                                      <m:r>
+                                        <a:rPr sz="1200" i="1">
+                                          <a:solidFill>
+                                            <a:srgbClr val="000000"/>
+                                          </a:solidFill>
+                                          <a:latin typeface="Cambria Math"/>
+                                          <a:sym typeface="Cambria Math"/>
+                                        </a:rPr>
+                                        <m:t>20</m:t>
+                                      </m:r>
+                                      <m:func>
+                                        <m:funcPr>
+                                          <m:ctrlPr>
+                                            <a:rPr sz="1200" i="1">
+                                              <a:solidFill>
+                                                <a:srgbClr val="000000"/>
+                                              </a:solidFill>
+                                              <a:latin typeface="Cambria Math"/>
+                                              <a:sym typeface="Cambria Math"/>
+                                            </a:rPr>
+                                          </m:ctrlPr>
+                                        </m:funcPr>
+                                        <m:fName>
+                                          <m:sSub>
+                                            <m:sSubPr>
+                                              <m:ctrlPr>
+                                                <a:rPr sz="1200" i="1">
+                                                  <a:solidFill>
+                                                    <a:srgbClr val="000000"/>
+                                                  </a:solidFill>
+                                                  <a:latin typeface="Cambria Math"/>
+                                                  <a:sym typeface="Cambria Math"/>
+                                                </a:rPr>
+                                              </m:ctrlPr>
+                                            </m:sSubPr>
+                                            <m:e>
+                                              <m:r>
+                                                <m:rPr>
+                                                  <m:sty m:val="p"/>
+                                                </m:rPr>
+                                                <a:rPr sz="1200" i="0">
+                                                  <a:solidFill>
+                                                    <a:srgbClr val="000000"/>
+                                                  </a:solidFill>
+                                                  <a:latin typeface="Cambria Math"/>
+                                                  <a:sym typeface="Cambria Math"/>
+                                                </a:rPr>
+                                                <m:t>log</m:t>
+                                              </m:r>
+                                            </m:e>
+                                            <m:sub>
+                                              <m:r>
+                                                <a:rPr sz="1200" i="1">
+                                                  <a:solidFill>
+                                                    <a:srgbClr val="000000"/>
+                                                  </a:solidFill>
+                                                  <a:latin typeface="Cambria Math"/>
+                                                  <a:sym typeface="Cambria Math"/>
+                                                </a:rPr>
+                                                <m:t>10</m:t>
+                                              </m:r>
+                                            </m:sub>
+                                          </m:sSub>
+                                          <m:r>
+                                            <a:rPr sz="1200" i="1">
+                                              <a:solidFill>
+                                                <a:srgbClr val="000000"/>
+                                              </a:solidFill>
+                                              <a:latin typeface="Cambria Math"/>
+                                              <a:sym typeface="Cambria Math"/>
+                                            </a:rPr>
+                                            <m:t>(</m:t>
+                                          </m:r>
+                                          <m:sSub>
+                                            <m:sSubPr>
+                                              <m:ctrlPr>
+                                                <a:rPr sz="1200" i="1">
+                                                  <a:solidFill>
+                                                    <a:srgbClr val="000000"/>
+                                                  </a:solidFill>
+                                                  <a:latin typeface="Cambria Math"/>
+                                                  <a:sym typeface="Cambria Math"/>
+                                                </a:rPr>
+                                              </m:ctrlPr>
+                                            </m:sSubPr>
+                                            <m:e>
+                                              <m:r>
+                                                <a:rPr sz="1200" i="1">
+                                                  <a:solidFill>
+                                                    <a:srgbClr val="000000"/>
+                                                  </a:solidFill>
+                                                  <a:latin typeface="Cambria Math"/>
+                                                  <a:sym typeface="Cambria Math"/>
+                                                </a:rPr>
+                                                <m:t>𝑓</m:t>
+                                              </m:r>
+                                            </m:e>
+                                            <m:sub>
+                                              <m:r>
+                                                <a:rPr sz="1200" i="1">
+                                                  <a:solidFill>
+                                                    <a:srgbClr val="000000"/>
+                                                  </a:solidFill>
+                                                  <a:latin typeface="Cambria Math"/>
+                                                  <a:sym typeface="Cambria Math"/>
+                                                </a:rPr>
+                                                <m:t>𝑐</m:t>
+                                              </m:r>
+                                            </m:sub>
+                                          </m:sSub>
+                                          <m:r>
+                                            <a:rPr sz="1200" i="1">
+                                              <a:solidFill>
+                                                <a:srgbClr val="000000"/>
+                                              </a:solidFill>
+                                              <a:latin typeface="Cambria Math"/>
+                                              <a:sym typeface="Cambria Math"/>
+                                            </a:rPr>
+                                            <m:t>/5.0)</m:t>
+                                          </m:r>
+                                          <m:r>
+                                            <a:rPr sz="1200" i="1">
+                                              <a:solidFill>
+                                                <a:srgbClr val="000000"/>
+                                              </a:solidFill>
+                                              <a:latin typeface="Cambria Math"/>
+                                              <a:sym typeface="Cambria Math"/>
+                                            </a:rPr>
+                                            <m:t xml:space="preserve">             </m:t>
+                                          </m:r>
+                                        </m:fName>
+                                        <m:e>
+                                          <m:r>
+                                            <a:rPr sz="1200" i="1">
+                                              <a:solidFill>
+                                                <a:srgbClr val="000000"/>
+                                              </a:solidFill>
+                                              <a:latin typeface="Cambria Math"/>
+                                              <a:sym typeface="Cambria Math"/>
+                                            </a:rPr>
+                                            <m:t xml:space="preserve">                                                         </m:t>
+                                          </m:r>
+                                        </m:e>
+                                      </m:func>
+                                    </m:fName>
+                                    <m:e/>
+                                  </m:func>
+                                </m:e>
+                              </m:func>
+                            </m:e>
+                            <m:e>
+                              <m:r>
+                                <a:rPr sz="1200" i="1">
+                                  <a:solidFill>
+                                    <a:srgbClr val="000000"/>
+                                  </a:solidFill>
+                                  <a:latin typeface="Cambria Math"/>
+                                  <a:sym typeface="Cambria Math"/>
+                                </a:rPr>
+                                <m:t>𝑖</m:t>
+                              </m:r>
+                              <m:r>
+                                <a:rPr sz="1200" i="1">
+                                  <a:solidFill>
+                                    <a:srgbClr val="000000"/>
+                                  </a:solidFill>
+                                  <a:latin typeface="Cambria Math"/>
+                                  <a:sym typeface="Cambria Math"/>
+                                </a:rPr>
+                                <m:t>𝑓</m:t>
+                              </m:r>
+                              <m:r>
+                                <a:rPr sz="1200" i="1">
+                                  <a:solidFill>
+                                    <a:srgbClr val="000000"/>
+                                  </a:solidFill>
+                                  <a:latin typeface="Cambria Math"/>
+                                  <a:sym typeface="Cambria Math"/>
+                                </a:rPr>
+                                <m:t xml:space="preserve"> </m:t>
+                              </m:r>
+                              <m:r>
+                                <a:rPr sz="1200" i="1">
+                                  <a:solidFill>
+                                    <a:srgbClr val="000000"/>
+                                  </a:solidFill>
+                                  <a:latin typeface="Cambria Math"/>
+                                  <a:sym typeface="Cambria Math"/>
+                                </a:rPr>
+                                <m:t>𝑁</m:t>
+                              </m:r>
+                              <m:r>
+                                <a:rPr sz="1200" i="1">
+                                  <a:solidFill>
+                                    <a:srgbClr val="000000"/>
+                                  </a:solidFill>
+                                  <a:latin typeface="Cambria Math"/>
+                                  <a:sym typeface="Cambria Math"/>
+                                </a:rPr>
+                                <m:t>𝐿</m:t>
+                              </m:r>
+                              <m:r>
+                                <a:rPr sz="1200" i="1">
+                                  <a:solidFill>
+                                    <a:srgbClr val="000000"/>
+                                  </a:solidFill>
+                                  <a:latin typeface="Cambria Math"/>
+                                  <a:sym typeface="Cambria Math"/>
+                                </a:rPr>
+                                <m:t>𝑂</m:t>
+                              </m:r>
+                              <m:r>
+                                <a:rPr sz="1200" i="1">
+                                  <a:solidFill>
+                                    <a:srgbClr val="000000"/>
+                                  </a:solidFill>
+                                  <a:latin typeface="Cambria Math"/>
+                                  <a:sym typeface="Cambria Math"/>
+                                </a:rPr>
+                                <m:t>𝑆</m:t>
+                              </m:r>
+                              <m:r>
+                                <a:rPr sz="1200" i="1">
+                                  <a:solidFill>
+                                    <a:srgbClr val="000000"/>
+                                  </a:solidFill>
+                                  <a:latin typeface="Cambria Math"/>
+                                  <a:sym typeface="Cambria Math"/>
+                                </a:rPr>
+                                <m:t xml:space="preserve">   </m:t>
+                              </m:r>
+                              <m:r>
+                                <a:rPr sz="1200" i="1">
+                                  <a:solidFill>
+                                    <a:srgbClr val="000000"/>
+                                  </a:solidFill>
+                                  <a:latin typeface="Cambria Math"/>
+                                  <a:sym typeface="Cambria Math"/>
+                                </a:rPr>
+                                <m:t>𝑚</m:t>
+                              </m:r>
+                              <m:r>
+                                <a:rPr sz="1200" i="1">
+                                  <a:solidFill>
+                                    <a:srgbClr val="000000"/>
+                                  </a:solidFill>
+                                  <a:latin typeface="Cambria Math"/>
+                                  <a:sym typeface="Cambria Math"/>
+                                </a:rPr>
+                                <m:t>𝑖</m:t>
+                              </m:r>
+                              <m:r>
+                                <a:rPr sz="1200" i="1">
+                                  <a:solidFill>
+                                    <a:srgbClr val="000000"/>
+                                  </a:solidFill>
+                                  <a:latin typeface="Cambria Math"/>
+                                  <a:sym typeface="Cambria Math"/>
+                                </a:rPr>
+                                <m:t>𝑛</m:t>
+                              </m:r>
+                              <m:r>
+                                <a:rPr sz="1200" i="1">
                                   <a:solidFill>
                                     <a:srgbClr val="000000"/>
                                   </a:solidFill>
@@ -9305,42 +10351,82 @@
                               <m:sSub>
                                 <m:sSubPr>
                                   <m:ctrlPr>
-                                    <a:rPr sz="1600" i="1">
+                                    <a:rPr sz="1200" i="1">
                                       <a:solidFill>
                                         <a:srgbClr val="000000"/>
                                       </a:solidFill>
-                                      <a:latin typeface="Cambria Math" panose="02040503050406030204" pitchFamily="18" charset="0"/>
+                                      <a:latin typeface="Cambria Math"/>
                                       <a:sym typeface="Cambria Math"/>
                                     </a:rPr>
                                   </m:ctrlPr>
                                 </m:sSubPr>
                                 <m:e>
                                   <m:r>
-                                    <a:rPr sz="1600" i="1">
+                                    <a:rPr sz="1200" i="1">
                                       <a:solidFill>
                                         <a:srgbClr val="000000"/>
                                       </a:solidFill>
                                       <a:latin typeface="Cambria Math"/>
                                       <a:sym typeface="Cambria Math"/>
                                     </a:rPr>
-                                    <m:t>𝑃𝐿</m:t>
+                                    <m:t>𝑃</m:t>
                                   </m:r>
-                                </m:e>
-                                <m:sub>
                                   <m:r>
-                                    <a:rPr sz="1600" i="1">
+                                    <a:rPr sz="1200" i="1">
                                       <a:solidFill>
                                         <a:srgbClr val="000000"/>
                                       </a:solidFill>
                                       <a:latin typeface="Cambria Math"/>
                                       <a:sym typeface="Cambria Math"/>
                                     </a:rPr>
-                                    <m:t>𝑁𝐿𝑂𝑆</m:t>
+                                    <m:t>𝐿</m:t>
+                                  </m:r>
+                                </m:e>
+                                <m:sub>
+                                  <m:r>
+                                    <a:rPr sz="1200" i="1">
+                                      <a:solidFill>
+                                        <a:srgbClr val="000000"/>
+                                      </a:solidFill>
+                                      <a:latin typeface="Cambria Math"/>
+                                      <a:sym typeface="Cambria Math"/>
+                                    </a:rPr>
+                                    <m:t>𝑁</m:t>
+                                  </m:r>
+                                  <m:r>
+                                    <a:rPr sz="1200" i="1">
+                                      <a:solidFill>
+                                        <a:srgbClr val="000000"/>
+                                      </a:solidFill>
+                                      <a:latin typeface="Cambria Math"/>
+                                      <a:sym typeface="Cambria Math"/>
+                                    </a:rPr>
+                                    <m:t>𝐿</m:t>
+                                  </m:r>
+                                  <m:r>
+                                    <a:rPr sz="1200" i="1">
+                                      <a:solidFill>
+                                        <a:srgbClr val="000000"/>
+                                      </a:solidFill>
+                                      <a:latin typeface="Cambria Math"/>
+                                      <a:sym typeface="Cambria Math"/>
+                                    </a:rPr>
+                                    <m:t>𝑂</m:t>
+                                  </m:r>
+                                  <m:r>
+                                    <a:rPr sz="1200" i="1">
+                                      <a:solidFill>
+                                        <a:srgbClr val="000000"/>
+                                      </a:solidFill>
+                                      <a:latin typeface="Cambria Math"/>
+                                      <a:sym typeface="Cambria Math"/>
+                                    </a:rPr>
+                                    <m:t>𝑆</m:t>
                                   </m:r>
                                 </m:sub>
                               </m:sSub>
                               <m:r>
-                                <a:rPr sz="1600" i="1">
+                                <a:rPr sz="1200" i="1">
                                   <a:solidFill>
                                     <a:srgbClr val="000000"/>
                                   </a:solidFill>
@@ -9352,18 +10438,18 @@
                               <m:sSub>
                                 <m:sSubPr>
                                   <m:ctrlPr>
-                                    <a:rPr sz="1600" i="1">
+                                    <a:rPr sz="1200" i="1">
                                       <a:solidFill>
                                         <a:srgbClr val="000000"/>
                                       </a:solidFill>
-                                      <a:latin typeface="Cambria Math" panose="02040503050406030204" pitchFamily="18" charset="0"/>
+                                      <a:latin typeface="Cambria Math"/>
                                       <a:sym typeface="Cambria Math"/>
                                     </a:rPr>
                                   </m:ctrlPr>
                                 </m:sSubPr>
                                 <m:e>
                                   <m:r>
-                                    <a:rPr sz="1600" i="1">
+                                    <a:rPr sz="1200" i="1">
                                       <a:solidFill>
                                         <a:srgbClr val="000000"/>
                                       </a:solidFill>
@@ -9375,7 +10461,7 @@
                                 </m:e>
                                 <m:sub>
                                   <m:r>
-                                    <a:rPr sz="1600" i="1">
+                                    <a:rPr sz="1200" i="1">
                                       <a:solidFill>
                                         <a:srgbClr val="000000"/>
                                       </a:solidFill>
@@ -9387,7 +10473,7 @@
                                 </m:sub>
                               </m:sSub>
                               <m:r>
-                                <a:rPr sz="1600" i="1">
+                                <a:rPr sz="1200" i="1">
                                   <a:solidFill>
                                     <a:srgbClr val="000000"/>
                                   </a:solidFill>
@@ -9399,18 +10485,18 @@
                               <m:sSub>
                                 <m:sSubPr>
                                   <m:ctrlPr>
-                                    <a:rPr sz="1600" i="1">
+                                    <a:rPr sz="1200" i="1">
                                       <a:solidFill>
                                         <a:srgbClr val="000000"/>
                                       </a:solidFill>
-                                      <a:latin typeface="Cambria Math" panose="02040503050406030204" pitchFamily="18" charset="0"/>
+                                      <a:latin typeface="Cambria Math"/>
                                       <a:sym typeface="Cambria Math"/>
                                     </a:rPr>
                                   </m:ctrlPr>
                                 </m:sSubPr>
                                 <m:e>
                                   <m:r>
-                                    <a:rPr sz="1600" i="1">
+                                    <a:rPr sz="1200" i="1">
                                       <a:solidFill>
                                         <a:srgbClr val="000000"/>
                                       </a:solidFill>
@@ -9422,7 +10508,7 @@
                                 </m:e>
                                 <m:sub>
                                   <m:r>
-                                    <a:rPr sz="1600" i="1">
+                                    <a:rPr sz="1200" i="1">
                                       <a:solidFill>
                                         <a:srgbClr val="000000"/>
                                       </a:solidFill>
@@ -9434,54 +10520,94 @@
                                 </m:sub>
                               </m:sSub>
                               <m:r>
-                                <a:rPr sz="1600" i="1">
+                                <a:rPr sz="1200" i="1">
                                   <a:solidFill>
                                     <a:srgbClr val="000000"/>
                                   </a:solidFill>
                                   <a:latin typeface="Cambria Math"/>
                                   <a:sym typeface="Cambria Math"/>
                                 </a:rPr>
-                                <m:t>), </m:t>
+                                <m:t xml:space="preserve">), </m:t>
                               </m:r>
                               <m:sSub>
                                 <m:sSubPr>
                                   <m:ctrlPr>
-                                    <a:rPr sz="1600" i="1">
+                                    <a:rPr sz="1200" i="1">
                                       <a:solidFill>
                                         <a:srgbClr val="000000"/>
                                       </a:solidFill>
-                                      <a:latin typeface="Cambria Math" panose="02040503050406030204" pitchFamily="18" charset="0"/>
+                                      <a:latin typeface="Cambria Math"/>
                                       <a:sym typeface="Cambria Math"/>
                                     </a:rPr>
                                   </m:ctrlPr>
                                 </m:sSubPr>
                                 <m:e>
                                   <m:r>
-                                    <a:rPr sz="1600" i="1">
+                                    <a:rPr sz="1200" i="1">
                                       <a:solidFill>
                                         <a:srgbClr val="000000"/>
                                       </a:solidFill>
                                       <a:latin typeface="Cambria Math"/>
                                       <a:sym typeface="Cambria Math"/>
                                     </a:rPr>
-                                    <m:t>𝑃𝐿</m:t>
+                                    <m:t>𝑃</m:t>
                                   </m:r>
-                                </m:e>
-                                <m:sub>
                                   <m:r>
-                                    <a:rPr sz="1600" i="1">
+                                    <a:rPr sz="1200" i="1">
                                       <a:solidFill>
                                         <a:srgbClr val="000000"/>
                                       </a:solidFill>
                                       <a:latin typeface="Cambria Math"/>
                                       <a:sym typeface="Cambria Math"/>
                                     </a:rPr>
-                                    <m:t>𝑁𝐿𝑂𝑆</m:t>
+                                    <m:t>𝐿</m:t>
+                                  </m:r>
+                                </m:e>
+                                <m:sub>
+                                  <m:r>
+                                    <a:rPr sz="1200" i="1">
+                                      <a:solidFill>
+                                        <a:srgbClr val="000000"/>
+                                      </a:solidFill>
+                                      <a:latin typeface="Cambria Math"/>
+                                      <a:sym typeface="Cambria Math"/>
+                                    </a:rPr>
+                                    <m:t>𝑁</m:t>
+                                  </m:r>
+                                  <m:r>
+                                    <a:rPr sz="1200" i="1">
+                                      <a:solidFill>
+                                        <a:srgbClr val="000000"/>
+                                      </a:solidFill>
+                                      <a:latin typeface="Cambria Math"/>
+                                      <a:sym typeface="Cambria Math"/>
+                                    </a:rPr>
+                                    <m:t>𝐿</m:t>
+                                  </m:r>
+                                  <m:r>
+                                    <a:rPr sz="1200" i="1">
+                                      <a:solidFill>
+                                        <a:srgbClr val="000000"/>
+                                      </a:solidFill>
+                                      <a:latin typeface="Cambria Math"/>
+                                      <a:sym typeface="Cambria Math"/>
+                                    </a:rPr>
+                                    <m:t>𝑂</m:t>
+                                  </m:r>
+                                  <m:r>
+                                    <a:rPr sz="1200" i="1">
+                                      <a:solidFill>
+                                        <a:srgbClr val="000000"/>
+                                      </a:solidFill>
+                                      <a:latin typeface="Cambria Math"/>
+                                      <a:sym typeface="Cambria Math"/>
+                                    </a:rPr>
+                                    <m:t>𝑆</m:t>
                                   </m:r>
                                 </m:sub>
                               </m:sSub>
                               <m:r>
-                                <a:rPr sz="1600" i="1">
+                                <a:rPr sz="1200" i="1">
                                   <a:solidFill>
                                     <a:srgbClr val="000000"/>
                                   </a:solidFill>
@@ -9493,18 +10619,18 @@
                               <m:sSub>
                                 <m:sSubPr>
                                   <m:ctrlPr>
-                                    <a:rPr sz="1600" i="1">
+                                    <a:rPr sz="1200" i="1">
                                       <a:solidFill>
                                         <a:srgbClr val="000000"/>
                                       </a:solidFill>
-                                      <a:latin typeface="Cambria Math" panose="02040503050406030204" pitchFamily="18" charset="0"/>
+                                      <a:latin typeface="Cambria Math"/>
                                       <a:sym typeface="Cambria Math"/>
                                     </a:rPr>
                                   </m:ctrlPr>
                                 </m:sSubPr>
                                 <m:e>
                                   <m:r>
-                                    <a:rPr sz="1600" i="1">
+                                    <a:rPr sz="1200" i="1">
                                       <a:solidFill>
                                         <a:srgbClr val="000000"/>
                                       </a:solidFill>
@@ -9516,7 +10642,7 @@
                                 </m:e>
                                 <m:sub>
                                   <m:r>
-                                    <a:rPr sz="1600" i="1">
+                                    <a:rPr sz="1200" i="1">
                                       <a:solidFill>
                                         <a:srgbClr val="000000"/>
                                       </a:solidFill>
@@ -9528,7 +10654,7 @@
                                 </m:sub>
                               </m:sSub>
                               <m:r>
-                                <a:rPr sz="1600" i="1">
+                                <a:rPr sz="1200" i="1">
                                   <a:solidFill>
                                     <a:srgbClr val="000000"/>
                                   </a:solidFill>
@@ -9540,18 +10666,18 @@
                               <m:sSub>
                                 <m:sSubPr>
                                   <m:ctrlPr>
-                                    <a:rPr sz="1600" i="1">
+                                    <a:rPr sz="1200" i="1">
                                       <a:solidFill>
                                         <a:srgbClr val="000000"/>
                                       </a:solidFill>
-                                      <a:latin typeface="Cambria Math" panose="02040503050406030204" pitchFamily="18" charset="0"/>
+                                      <a:latin typeface="Cambria Math"/>
                                       <a:sym typeface="Cambria Math"/>
                                     </a:rPr>
                                   </m:ctrlPr>
                                 </m:sSubPr>
                                 <m:e>
                                   <m:r>
-                                    <a:rPr sz="1600" i="1">
+                                    <a:rPr sz="1200" i="1">
                                       <a:solidFill>
                                         <a:srgbClr val="000000"/>
                                       </a:solidFill>
@@ -9563,7 +10689,7 @@
                                 </m:e>
                                 <m:sub>
                                   <m:r>
-                                    <a:rPr sz="1600" i="1">
+                                    <a:rPr sz="1200" i="1">
                                       <a:solidFill>
                                         <a:srgbClr val="000000"/>
                                       </a:solidFill>
@@ -9575,14 +10701,34 @@
                                 </m:sub>
                               </m:sSub>
                               <m:r>
-                                <a:rPr sz="1600" i="1">
+                                <a:rPr sz="1200" i="1">
                                   <a:solidFill>
                                     <a:srgbClr val="000000"/>
                                   </a:solidFill>
                                   <a:latin typeface="Cambria Math"/>
                                   <a:sym typeface="Cambria Math"/>
                                 </a:rPr>
-                                <m:t>))                                                                                    </m:t>
+                                <m:t>))</m:t>
+                              </m:r>
+                              <m:r>
+                                <a:rPr sz="1200" i="1">
+                                  <a:solidFill>
+                                    <a:srgbClr val="000000"/>
+                                  </a:solidFill>
+                                  <a:latin typeface="Cambria Math"/>
+                                  <a:sym typeface="Cambria Math"/>
+                                </a:rPr>
+                                <m:t xml:space="preserve">                 </m:t>
+                              </m:r>
+                              <m:r>
+                                <a:rPr sz="1200" i="1">
+                                  <a:solidFill>
+                                    <a:srgbClr val="000000"/>
+                                  </a:solidFill>
+                                  <a:latin typeface="Cambria Math"/>
+                                  <a:sym typeface="Cambria Math"/>
+                                </a:rPr>
+                                <m:t xml:space="preserve">                                                                                    </m:t>
                               </m:r>
                             </m:e>
                           </m:eqArr>
@@ -9591,12 +10737,55 @@
                     </m:oMath>
                   </m:oMathPara>
                 </a14:m>
-                <a:endParaRPr/>
               </a:p>
               <a:p>
                 <a:pPr algn="l"/>
-                <a14:m>
-                  <m:oMathPara xmlns:m="http://schemas.openxmlformats.org/officeDocument/2006/math">
+                <a14:m xmlns:m="http://schemas.openxmlformats.org/officeDocument/2006/math" xmlns:mc="http://schemas.openxmlformats.org/markup-compatibility/2006" xmlns:ho="http://schemas.haansoft.com/office/8.0" mc:Ignorable="ho" ho:hncCreate="1">
+                  <m:oMathPara>
+                    <m:oMathParaPr>
+                      <m:jc m:val="left"/>
+                    </m:oMathParaPr>
+                    <m:oMath xmlns:m="http://schemas.openxmlformats.org/officeDocument/2006/math">
+                      <m:r>
+                        <a:rPr sz="1200" i="1">
+                          <a:solidFill>
+                            <a:srgbClr val="000000"/>
+                          </a:solidFill>
+                          <a:latin typeface="Cambria Math"/>
+                          <a:sym typeface="Cambria Math"/>
+                        </a:rPr>
+                        <m:t xml:space="preserve"> </m:t>
+                      </m:r>
+                    </m:oMath>
+                  </m:oMathPara>
+                </a14:m>
+              </a:p>
+              <a:p>
+                <a:pPr algn="l"/>
+                <a14:m xmlns:m="http://schemas.openxmlformats.org/officeDocument/2006/math" xmlns:mc="http://schemas.openxmlformats.org/markup-compatibility/2006" xmlns:ho="http://schemas.haansoft.com/office/8.0" mc:Ignorable="ho" ho:hncCreate="1">
+                  <m:oMathPara>
+                    <m:oMathParaPr>
+                      <m:jc m:val="left"/>
+                    </m:oMathParaPr>
+                    <m:oMath xmlns:m="http://schemas.openxmlformats.org/officeDocument/2006/math">
+                      <m:r>
+                        <a:rPr sz="1200" i="1">
+                          <a:solidFill>
+                            <a:srgbClr val="000000"/>
+                          </a:solidFill>
+                          <a:latin typeface="Cambria Math"/>
+                          <a:sym typeface="Cambria Math"/>
+                        </a:rPr>
+                        <m:t xml:space="preserve"> </m:t>
+                      </m:r>
+                    </m:oMath>
+                  </m:oMathPara>
+                </a14:m>
+              </a:p>
+              <a:p>
+                <a:pPr algn="l"/>
+                <a14:m xmlns:m="http://schemas.openxmlformats.org/officeDocument/2006/math" xmlns:mc="http://schemas.openxmlformats.org/markup-compatibility/2006" xmlns:ho="http://schemas.haansoft.com/office/8.0" mc:Ignorable="ho" ho:hncCreate="1">
+                  <m:oMathPara>
                     <m:oMathParaPr>
                       <m:jc m:val="left"/>
                     </m:oMathParaPr>
@@ -9604,11 +10793,500 @@
                       <m:sSub>
                         <m:sSubPr>
                           <m:ctrlPr>
-                            <a:rPr sz="1600" i="1">
+                            <a:rPr sz="1200" i="1">
                               <a:solidFill>
                                 <a:srgbClr val="000000"/>
                               </a:solidFill>
-                              <a:latin typeface="Cambria Math" panose="02040503050406030204" pitchFamily="18" charset="0"/>
+                              <a:latin typeface="Cambria Math"/>
+                              <a:sym typeface="Cambria Math"/>
+                            </a:rPr>
+                          </m:ctrlPr>
+                        </m:sSubPr>
+                        <m:e>
+                          <m:r>
+                            <a:rPr sz="1200" i="1">
+                              <a:solidFill>
+                                <a:srgbClr val="000000"/>
+                              </a:solidFill>
+                              <a:latin typeface="Cambria Math"/>
+                              <a:sym typeface="Cambria Math"/>
+                            </a:rPr>
+                            <m:t>𝑃</m:t>
+                          </m:r>
+                          <m:r>
+                            <a:rPr sz="1200" i="1">
+                              <a:solidFill>
+                                <a:srgbClr val="000000"/>
+                              </a:solidFill>
+                              <a:latin typeface="Cambria Math"/>
+                              <a:sym typeface="Cambria Math"/>
+                            </a:rPr>
+                            <m:t>𝐿</m:t>
+                          </m:r>
+                        </m:e>
+                        <m:sub>
+                          <m:r>
+                            <a:rPr sz="1200" i="1">
+                              <a:solidFill>
+                                <a:srgbClr val="000000"/>
+                              </a:solidFill>
+                              <a:latin typeface="Cambria Math"/>
+                              <a:sym typeface="Cambria Math"/>
+                            </a:rPr>
+                            <m:t>𝐿</m:t>
+                          </m:r>
+                          <m:r>
+                            <a:rPr sz="1200" i="1">
+                              <a:solidFill>
+                                <a:srgbClr val="000000"/>
+                              </a:solidFill>
+                              <a:latin typeface="Cambria Math"/>
+                              <a:sym typeface="Cambria Math"/>
+                            </a:rPr>
+                            <m:t>𝑂</m:t>
+                          </m:r>
+                          <m:r>
+                            <a:rPr sz="1200" i="1">
+                              <a:solidFill>
+                                <a:srgbClr val="000000"/>
+                              </a:solidFill>
+                              <a:latin typeface="Cambria Math"/>
+                              <a:sym typeface="Cambria Math"/>
+                            </a:rPr>
+                            <m:t>𝑆</m:t>
+                          </m:r>
+                        </m:sub>
+                      </m:sSub>
+                      <m:r>
+                        <a:rPr sz="1200" i="1">
+                          <a:solidFill>
+                            <a:srgbClr val="000000"/>
+                          </a:solidFill>
+                          <a:latin typeface="Cambria Math"/>
+                          <a:sym typeface="Cambria Math"/>
+                        </a:rPr>
+                        <m:t xml:space="preserve"> </m:t>
+                      </m:r>
+                      <m:r>
+                        <a:rPr sz="1200" i="1">
+                          <a:solidFill>
+                            <a:srgbClr val="000000"/>
+                          </a:solidFill>
+                          <a:latin typeface="Cambria Math"/>
+                          <a:sym typeface="Cambria Math"/>
+                        </a:rPr>
+                        <m:t>𝑖</m:t>
+                      </m:r>
+                      <m:r>
+                        <a:rPr sz="1200" i="1">
+                          <a:solidFill>
+                            <a:srgbClr val="000000"/>
+                          </a:solidFill>
+                          <a:latin typeface="Cambria Math"/>
+                          <a:sym typeface="Cambria Math"/>
+                        </a:rPr>
+                        <m:t>𝑠</m:t>
+                      </m:r>
+                      <m:r>
+                        <a:rPr sz="1200" i="1">
+                          <a:solidFill>
+                            <a:srgbClr val="000000"/>
+                          </a:solidFill>
+                          <a:latin typeface="Cambria Math"/>
+                          <a:sym typeface="Cambria Math"/>
+                        </a:rPr>
+                        <m:t xml:space="preserve"> </m:t>
+                      </m:r>
+                      <m:r>
+                        <a:rPr sz="1200" i="1">
+                          <a:solidFill>
+                            <a:srgbClr val="000000"/>
+                          </a:solidFill>
+                          <a:latin typeface="Cambria Math"/>
+                          <a:sym typeface="Cambria Math"/>
+                        </a:rPr>
+                        <m:t>𝑡</m:t>
+                      </m:r>
+                      <m:r>
+                        <a:rPr sz="1200" i="1">
+                          <a:solidFill>
+                            <a:srgbClr val="000000"/>
+                          </a:solidFill>
+                          <a:latin typeface="Cambria Math"/>
+                          <a:sym typeface="Cambria Math"/>
+                        </a:rPr>
+                        <m:t>ℎ</m:t>
+                      </m:r>
+                      <m:r>
+                        <a:rPr sz="1200" i="1">
+                          <a:solidFill>
+                            <a:srgbClr val="000000"/>
+                          </a:solidFill>
+                          <a:latin typeface="Cambria Math"/>
+                          <a:sym typeface="Cambria Math"/>
+                        </a:rPr>
+                        <m:t>𝑒</m:t>
+                      </m:r>
+                      <m:r>
+                        <a:rPr sz="1200" i="1">
+                          <a:solidFill>
+                            <a:srgbClr val="000000"/>
+                          </a:solidFill>
+                          <a:latin typeface="Cambria Math"/>
+                          <a:sym typeface="Cambria Math"/>
+                        </a:rPr>
+                        <m:t xml:space="preserve"> </m:t>
+                      </m:r>
+                      <m:r>
+                        <a:rPr sz="1200" i="1">
+                          <a:solidFill>
+                            <a:srgbClr val="000000"/>
+                          </a:solidFill>
+                          <a:latin typeface="Cambria Math"/>
+                          <a:sym typeface="Cambria Math"/>
+                        </a:rPr>
+                        <m:t>𝑝</m:t>
+                      </m:r>
+                      <m:r>
+                        <a:rPr sz="1200" i="1">
+                          <a:solidFill>
+                            <a:srgbClr val="000000"/>
+                          </a:solidFill>
+                          <a:latin typeface="Cambria Math"/>
+                          <a:sym typeface="Cambria Math"/>
+                        </a:rPr>
+                        <m:t>𝑎</m:t>
+                      </m:r>
+                      <m:r>
+                        <a:rPr sz="1200" i="1">
+                          <a:solidFill>
+                            <a:srgbClr val="000000"/>
+                          </a:solidFill>
+                          <a:latin typeface="Cambria Math"/>
+                          <a:sym typeface="Cambria Math"/>
+                        </a:rPr>
+                        <m:t>𝑡</m:t>
+                      </m:r>
+                      <m:r>
+                        <a:rPr sz="1200" i="1">
+                          <a:solidFill>
+                            <a:srgbClr val="000000"/>
+                          </a:solidFill>
+                          <a:latin typeface="Cambria Math"/>
+                          <a:sym typeface="Cambria Math"/>
+                        </a:rPr>
+                        <m:t>ℎ</m:t>
+                      </m:r>
+                      <m:r>
+                        <a:rPr sz="1200" i="1">
+                          <a:solidFill>
+                            <a:srgbClr val="000000"/>
+                          </a:solidFill>
+                          <a:latin typeface="Cambria Math"/>
+                          <a:sym typeface="Cambria Math"/>
+                        </a:rPr>
+                        <m:t>𝑙</m:t>
+                      </m:r>
+                      <m:r>
+                        <a:rPr sz="1200" i="1">
+                          <a:solidFill>
+                            <a:srgbClr val="000000"/>
+                          </a:solidFill>
+                          <a:latin typeface="Cambria Math"/>
+                          <a:sym typeface="Cambria Math"/>
+                        </a:rPr>
+                        <m:t>𝑜</m:t>
+                      </m:r>
+                      <m:r>
+                        <a:rPr sz="1200" i="1">
+                          <a:solidFill>
+                            <a:srgbClr val="000000"/>
+                          </a:solidFill>
+                          <a:latin typeface="Cambria Math"/>
+                          <a:sym typeface="Cambria Math"/>
+                        </a:rPr>
+                        <m:t>𝑠</m:t>
+                      </m:r>
+                      <m:r>
+                        <a:rPr sz="1200" i="1">
+                          <a:solidFill>
+                            <a:srgbClr val="000000"/>
+                          </a:solidFill>
+                          <a:latin typeface="Cambria Math"/>
+                          <a:sym typeface="Cambria Math"/>
+                        </a:rPr>
+                        <m:t>𝑠</m:t>
+                      </m:r>
+                      <m:r>
+                        <a:rPr sz="1200" i="1">
+                          <a:solidFill>
+                            <a:srgbClr val="000000"/>
+                          </a:solidFill>
+                          <a:latin typeface="Cambria Math"/>
+                          <a:sym typeface="Cambria Math"/>
+                        </a:rPr>
+                        <m:t xml:space="preserve"> </m:t>
+                      </m:r>
+                      <m:r>
+                        <a:rPr sz="1200" i="1">
+                          <a:solidFill>
+                            <a:srgbClr val="000000"/>
+                          </a:solidFill>
+                          <a:latin typeface="Cambria Math"/>
+                          <a:sym typeface="Cambria Math"/>
+                        </a:rPr>
+                        <m:t>𝑜</m:t>
+                      </m:r>
+                      <m:r>
+                        <a:rPr sz="1200" i="1">
+                          <a:solidFill>
+                            <a:srgbClr val="000000"/>
+                          </a:solidFill>
+                          <a:latin typeface="Cambria Math"/>
+                          <a:sym typeface="Cambria Math"/>
+                        </a:rPr>
+                        <m:t>𝑓</m:t>
+                      </m:r>
+                      <m:r>
+                        <a:rPr sz="1200" i="1">
+                          <a:solidFill>
+                            <a:srgbClr val="000000"/>
+                          </a:solidFill>
+                          <a:latin typeface="Cambria Math"/>
+                          <a:sym typeface="Cambria Math"/>
+                        </a:rPr>
+                        <m:t xml:space="preserve"> </m:t>
+                      </m:r>
+                      <m:r>
+                        <a:rPr sz="1200" i="1">
+                          <a:solidFill>
+                            <a:srgbClr val="000000"/>
+                          </a:solidFill>
+                          <a:latin typeface="Cambria Math"/>
+                          <a:sym typeface="Cambria Math"/>
+                        </a:rPr>
+                        <m:t>𝐿</m:t>
+                      </m:r>
+                      <m:r>
+                        <a:rPr sz="1200" i="1">
+                          <a:solidFill>
+                            <a:srgbClr val="000000"/>
+                          </a:solidFill>
+                          <a:latin typeface="Cambria Math"/>
+                          <a:sym typeface="Cambria Math"/>
+                        </a:rPr>
+                        <m:t>𝑂</m:t>
+                      </m:r>
+                      <m:r>
+                        <a:rPr sz="1200" i="1">
+                          <a:solidFill>
+                            <a:srgbClr val="000000"/>
+                          </a:solidFill>
+                          <a:latin typeface="Cambria Math"/>
+                          <a:sym typeface="Cambria Math"/>
+                        </a:rPr>
+                        <m:t>𝑆</m:t>
+                      </m:r>
+                      <m:r>
+                        <a:rPr sz="1200" i="1">
+                          <a:solidFill>
+                            <a:srgbClr val="000000"/>
+                          </a:solidFill>
+                          <a:latin typeface="Cambria Math"/>
+                          <a:sym typeface="Cambria Math"/>
+                        </a:rPr>
+                        <m:t xml:space="preserve"> </m:t>
+                      </m:r>
+                      <m:r>
+                        <a:rPr sz="1200" i="1">
+                          <a:solidFill>
+                            <a:srgbClr val="000000"/>
+                          </a:solidFill>
+                          <a:latin typeface="Cambria Math"/>
+                          <a:sym typeface="Cambria Math"/>
+                        </a:rPr>
+                        <m:t>𝑠</m:t>
+                      </m:r>
+                      <m:r>
+                        <a:rPr sz="1200" i="1">
+                          <a:solidFill>
+                            <a:srgbClr val="000000"/>
+                          </a:solidFill>
+                          <a:latin typeface="Cambria Math"/>
+                          <a:sym typeface="Cambria Math"/>
+                        </a:rPr>
+                        <m:t>𝑐</m:t>
+                      </m:r>
+                      <m:r>
+                        <a:rPr sz="1200" i="1">
+                          <a:solidFill>
+                            <a:srgbClr val="000000"/>
+                          </a:solidFill>
+                          <a:latin typeface="Cambria Math"/>
+                          <a:sym typeface="Cambria Math"/>
+                        </a:rPr>
+                        <m:t>𝑒</m:t>
+                      </m:r>
+                      <m:r>
+                        <a:rPr sz="1200" i="1">
+                          <a:solidFill>
+                            <a:srgbClr val="000000"/>
+                          </a:solidFill>
+                          <a:latin typeface="Cambria Math"/>
+                          <a:sym typeface="Cambria Math"/>
+                        </a:rPr>
+                        <m:t>𝑛</m:t>
+                      </m:r>
+                      <m:r>
+                        <a:rPr sz="1200" i="1">
+                          <a:solidFill>
+                            <a:srgbClr val="000000"/>
+                          </a:solidFill>
+                          <a:latin typeface="Cambria Math"/>
+                          <a:sym typeface="Cambria Math"/>
+                        </a:rPr>
+                        <m:t>𝑎</m:t>
+                      </m:r>
+                      <m:r>
+                        <a:rPr sz="1200" i="1">
+                          <a:solidFill>
+                            <a:srgbClr val="000000"/>
+                          </a:solidFill>
+                          <a:latin typeface="Cambria Math"/>
+                          <a:sym typeface="Cambria Math"/>
+                        </a:rPr>
+                        <m:t>𝑟</m:t>
+                      </m:r>
+                      <m:r>
+                        <a:rPr sz="1200" i="1">
+                          <a:solidFill>
+                            <a:srgbClr val="000000"/>
+                          </a:solidFill>
+                          <a:latin typeface="Cambria Math"/>
+                          <a:sym typeface="Cambria Math"/>
+                        </a:rPr>
+                        <m:t>𝑖</m:t>
+                      </m:r>
+                      <m:r>
+                        <a:rPr sz="1200" i="1">
+                          <a:solidFill>
+                            <a:srgbClr val="000000"/>
+                          </a:solidFill>
+                          <a:latin typeface="Cambria Math"/>
+                          <a:sym typeface="Cambria Math"/>
+                        </a:rPr>
+                        <m:t>𝑜</m:t>
+                      </m:r>
+                      <m:r>
+                        <a:rPr sz="1200" i="1">
+                          <a:solidFill>
+                            <a:srgbClr val="000000"/>
+                          </a:solidFill>
+                          <a:latin typeface="Cambria Math"/>
+                          <a:sym typeface="Cambria Math"/>
+                        </a:rPr>
+                        <m:t xml:space="preserve"> </m:t>
+                      </m:r>
+                      <m:r>
+                        <a:rPr sz="1200" i="1">
+                          <a:solidFill>
+                            <a:srgbClr val="000000"/>
+                          </a:solidFill>
+                          <a:latin typeface="Cambria Math"/>
+                          <a:sym typeface="Cambria Math"/>
+                        </a:rPr>
+                        <m:t>𝑎</m:t>
+                      </m:r>
+                      <m:r>
+                        <a:rPr sz="1200" i="1">
+                          <a:solidFill>
+                            <a:srgbClr val="000000"/>
+                          </a:solidFill>
+                          <a:latin typeface="Cambria Math"/>
+                          <a:sym typeface="Cambria Math"/>
+                        </a:rPr>
+                        <m:t>𝑛</m:t>
+                      </m:r>
+                      <m:r>
+                        <a:rPr sz="1200" i="1">
+                          <a:solidFill>
+                            <a:srgbClr val="000000"/>
+                          </a:solidFill>
+                          <a:latin typeface="Cambria Math"/>
+                          <a:sym typeface="Cambria Math"/>
+                        </a:rPr>
+                        <m:t>𝑑</m:t>
+                      </m:r>
+                      <m:r>
+                        <a:rPr sz="1200" i="1">
+                          <a:solidFill>
+                            <a:srgbClr val="000000"/>
+                          </a:solidFill>
+                          <a:latin typeface="Cambria Math"/>
+                          <a:sym typeface="Cambria Math"/>
+                        </a:rPr>
+                        <m:t xml:space="preserve"> </m:t>
+                      </m:r>
+                      <m:r>
+                        <a:rPr sz="1200" i="1">
+                          <a:solidFill>
+                            <a:srgbClr val="000000"/>
+                          </a:solidFill>
+                          <a:latin typeface="Cambria Math"/>
+                          <a:sym typeface="Cambria Math"/>
+                        </a:rPr>
+                        <m:t>𝑘</m:t>
+                      </m:r>
+                      <m:r>
+                        <a:rPr sz="1200" i="1">
+                          <a:solidFill>
+                            <a:srgbClr val="000000"/>
+                          </a:solidFill>
+                          <a:latin typeface="Cambria Math"/>
+                          <a:sym typeface="Cambria Math"/>
+                        </a:rPr>
+                        <m:t>,</m:t>
+                      </m:r>
+                      <m:r>
+                        <a:rPr sz="1200" i="1">
+                          <a:solidFill>
+                            <a:srgbClr val="000000"/>
+                          </a:solidFill>
+                          <a:latin typeface="Cambria Math"/>
+                          <a:sym typeface="Cambria Math"/>
+                        </a:rPr>
+                        <m:t>𝑙</m:t>
+                      </m:r>
+                      <m:r>
+                        <a:rPr sz="1200" i="1">
+                          <a:solidFill>
+                            <a:srgbClr val="000000"/>
+                          </a:solidFill>
+                          <a:latin typeface="Cambria Math"/>
+                          <a:sym typeface="Cambria Math"/>
+                        </a:rPr>
+                        <m:t xml:space="preserve">∈{1,2}  </m:t>
+                      </m:r>
+                    </m:oMath>
+                  </m:oMathPara>
+                </a14:m>
+              </a:p>
+              <a:p>
+                <a:pPr algn="l"/>
+                <a14:m xmlns:m="http://schemas.openxmlformats.org/officeDocument/2006/math" xmlns:mc="http://schemas.openxmlformats.org/markup-compatibility/2006" xmlns:ho="http://schemas.haansoft.com/office/8.0" mc:Ignorable="ho" ho:hncCreate="1">
+                  <m:oMathPara>
+                    <m:oMathParaPr>
+                      <m:jc m:val="left"/>
+                    </m:oMathParaPr>
+                    <m:oMath xmlns:m="http://schemas.openxmlformats.org/officeDocument/2006/math">
+                      <m:sSub>
+                        <m:sSubPr>
+                          <m:ctrlPr>
+                            <a:rPr sz="1200" i="1">
+                              <a:solidFill>
+                                <a:srgbClr val="000000"/>
+                              </a:solidFill>
+                              <a:latin typeface="Cambria Math"/>
                               <a:sym typeface="Cambria Math"/>
                             </a:rPr>
                           </m:ctrlPr>
@@ -9617,42 +11295,82 @@
                           <m:sSub>
                             <m:sSubPr>
                               <m:ctrlPr>
-                                <a:rPr sz="1600" i="1">
+                                <a:rPr sz="1200" i="1">
                                   <a:solidFill>
                                     <a:srgbClr val="000000"/>
                                   </a:solidFill>
-                                  <a:latin typeface="Cambria Math" panose="02040503050406030204" pitchFamily="18" charset="0"/>
+                                  <a:latin typeface="Cambria Math"/>
                                   <a:sym typeface="Cambria Math"/>
                                 </a:rPr>
                               </m:ctrlPr>
                             </m:sSubPr>
                             <m:e>
                               <m:r>
-                                <a:rPr sz="1600" i="1">
+                                <a:rPr sz="1200" i="1">
                                   <a:solidFill>
                                     <a:srgbClr val="000000"/>
                                   </a:solidFill>
                                   <a:latin typeface="Cambria Math"/>
                                   <a:sym typeface="Cambria Math"/>
                                 </a:rPr>
-                                <m:t>𝑃𝐿</m:t>
+                                <m:t>𝑃</m:t>
                               </m:r>
-                            </m:e>
-                            <m:sub>
                               <m:r>
-                                <a:rPr sz="1600" i="1">
+                                <a:rPr sz="1200" i="1">
                                   <a:solidFill>
                                     <a:srgbClr val="000000"/>
                                   </a:solidFill>
                                   <a:latin typeface="Cambria Math"/>
                                   <a:sym typeface="Cambria Math"/>
                                 </a:rPr>
-                                <m:t>𝑁𝐿𝑂𝑆</m:t>
+                                <m:t>𝐿</m:t>
+                              </m:r>
+                            </m:e>
+                            <m:sub>
+                              <m:r>
+                                <a:rPr sz="1200" i="1">
+                                  <a:solidFill>
+                                    <a:srgbClr val="000000"/>
+                                  </a:solidFill>
+                                  <a:latin typeface="Cambria Math"/>
+                                  <a:sym typeface="Cambria Math"/>
+                                </a:rPr>
+                                <m:t>𝑁</m:t>
+                              </m:r>
+                              <m:r>
+                                <a:rPr sz="1200" i="1">
+                                  <a:solidFill>
+                                    <a:srgbClr val="000000"/>
+                                  </a:solidFill>
+                                  <a:latin typeface="Cambria Math"/>
+                                  <a:sym typeface="Cambria Math"/>
+                                </a:rPr>
+                                <m:t>𝐿</m:t>
+                              </m:r>
+                              <m:r>
+                                <a:rPr sz="1200" i="1">
+                                  <a:solidFill>
+                                    <a:srgbClr val="000000"/>
+                                  </a:solidFill>
+                                  <a:latin typeface="Cambria Math"/>
+                                  <a:sym typeface="Cambria Math"/>
+                                </a:rPr>
+                                <m:t>𝑂</m:t>
+                              </m:r>
+                              <m:r>
+                                <a:rPr sz="1200" i="1">
+                                  <a:solidFill>
+                                    <a:srgbClr val="000000"/>
+                                  </a:solidFill>
+                                  <a:latin typeface="Cambria Math"/>
+                                  <a:sym typeface="Cambria Math"/>
+                                </a:rPr>
+                                <m:t>𝑆</m:t>
                               </m:r>
                             </m:sub>
                           </m:sSub>
                           <m:r>
-                            <a:rPr sz="1600" i="1">
+                            <a:rPr sz="1200" i="1">
                               <a:solidFill>
                                 <a:srgbClr val="000000"/>
                               </a:solidFill>
@@ -9664,18 +11382,18 @@
                           <m:sSub>
                             <m:sSubPr>
                               <m:ctrlPr>
-                                <a:rPr sz="1600" i="1">
+                                <a:rPr sz="1200" i="1">
                                   <a:solidFill>
                                     <a:srgbClr val="000000"/>
                                   </a:solidFill>
-                                  <a:latin typeface="Cambria Math" panose="02040503050406030204" pitchFamily="18" charset="0"/>
+                                  <a:latin typeface="Cambria Math"/>
                                   <a:sym typeface="Cambria Math"/>
                                 </a:rPr>
                               </m:ctrlPr>
                             </m:sSubPr>
                             <m:e>
                               <m:r>
-                                <a:rPr sz="1600" i="1">
+                                <a:rPr sz="1200" i="1">
                                   <a:solidFill>
                                     <a:srgbClr val="000000"/>
                                   </a:solidFill>
@@ -9687,7 +11405,7 @@
                             </m:e>
                             <m:sub>
                               <m:r>
-                                <a:rPr sz="1600" i="1">
+                                <a:rPr sz="1200" i="1">
                                   <a:solidFill>
                                     <a:srgbClr val="000000"/>
                                   </a:solidFill>
@@ -9699,7 +11417,7 @@
                             </m:sub>
                           </m:sSub>
                           <m:r>
-                            <a:rPr sz="1600" i="1">
+                            <a:rPr sz="1200" i="1">
                               <a:solidFill>
                                 <a:srgbClr val="000000"/>
                               </a:solidFill>
@@ -9711,18 +11429,18 @@
                           <m:sSub>
                             <m:sSubPr>
                               <m:ctrlPr>
-                                <a:rPr sz="1600" i="1">
+                                <a:rPr sz="1200" i="1">
                                   <a:solidFill>
                                     <a:srgbClr val="000000"/>
                                   </a:solidFill>
-                                  <a:latin typeface="Cambria Math" panose="02040503050406030204" pitchFamily="18" charset="0"/>
+                                  <a:latin typeface="Cambria Math"/>
                                   <a:sym typeface="Cambria Math"/>
                                 </a:rPr>
                               </m:ctrlPr>
                             </m:sSubPr>
                             <m:e>
                               <m:r>
-                                <a:rPr sz="1600" i="1">
+                                <a:rPr sz="1200" i="1">
                                   <a:solidFill>
                                     <a:srgbClr val="000000"/>
                                   </a:solidFill>
@@ -9734,7 +11452,7 @@
                             </m:e>
                             <m:sub>
                               <m:r>
-                                <a:rPr sz="1600" i="1">
+                                <a:rPr sz="1200" i="1">
                                   <a:solidFill>
                                     <a:srgbClr val="000000"/>
                                   </a:solidFill>
@@ -9746,41 +11464,71 @@
                             </m:sub>
                           </m:sSub>
                           <m:r>
-                            <a:rPr sz="1600" i="1">
+                            <a:rPr sz="1200" i="1">
                               <a:solidFill>
                                 <a:srgbClr val="000000"/>
                               </a:solidFill>
                               <a:latin typeface="Cambria Math"/>
                               <a:sym typeface="Cambria Math"/>
                             </a:rPr>
-                            <m:t>) :  </m:t>
+                            <m:t xml:space="preserve">) :  </m:t>
                           </m:r>
                           <m:r>
-                            <a:rPr sz="1600" i="1">
+                            <a:rPr sz="1200" i="1">
                               <a:solidFill>
                                 <a:srgbClr val="000000"/>
                               </a:solidFill>
                               <a:latin typeface="Cambria Math"/>
                               <a:sym typeface="Cambria Math"/>
                             </a:rPr>
-                            <m:t>𝑃𝐿</m:t>
+                            <m:t>𝑃</m:t>
                           </m:r>
-                        </m:e>
-                        <m:sub>
                           <m:r>
-                            <a:rPr sz="1600" i="1">
+                            <a:rPr sz="1200" i="1">
                               <a:solidFill>
                                 <a:srgbClr val="000000"/>
                               </a:solidFill>
                               <a:latin typeface="Cambria Math"/>
                               <a:sym typeface="Cambria Math"/>
                             </a:rPr>
-                            <m:t>𝐿𝑂𝑆</m:t>
+                            <m:t>𝐿</m:t>
+                          </m:r>
+                        </m:e>
+                        <m:sub>
+                          <m:r>
+                            <a:rPr sz="1200" i="1">
+                              <a:solidFill>
+                                <a:srgbClr val="000000"/>
+                              </a:solidFill>
+                              <a:latin typeface="Cambria Math"/>
+                              <a:sym typeface="Cambria Math"/>
+                            </a:rPr>
+                            <m:t>𝐿</m:t>
+                          </m:r>
+                          <m:r>
+                            <a:rPr sz="1200" i="1">
+                              <a:solidFill>
+                                <a:srgbClr val="000000"/>
+                              </a:solidFill>
+                              <a:latin typeface="Cambria Math"/>
+                              <a:sym typeface="Cambria Math"/>
+                            </a:rPr>
+                            <m:t>𝑂</m:t>
+                          </m:r>
+                          <m:r>
+                            <a:rPr sz="1200" i="1">
+                              <a:solidFill>
+                                <a:srgbClr val="000000"/>
+                              </a:solidFill>
+                              <a:latin typeface="Cambria Math"/>
+                              <a:sym typeface="Cambria Math"/>
+                            </a:rPr>
+                            <m:t>𝑆</m:t>
                           </m:r>
                         </m:sub>
                       </m:sSub>
                       <m:r>
-                        <a:rPr sz="1600" i="1">
+                        <a:rPr sz="1200" i="1">
                           <a:solidFill>
                             <a:srgbClr val="000000"/>
                           </a:solidFill>
@@ -9792,18 +11540,18 @@
                       <m:sSub>
                         <m:sSubPr>
                           <m:ctrlPr>
-                            <a:rPr sz="1600" i="1">
+                            <a:rPr sz="1200" i="1">
                               <a:solidFill>
                                 <a:srgbClr val="000000"/>
                               </a:solidFill>
-                              <a:latin typeface="Cambria Math" panose="02040503050406030204" pitchFamily="18" charset="0"/>
+                              <a:latin typeface="Cambria Math"/>
                               <a:sym typeface="Cambria Math"/>
                             </a:rPr>
                           </m:ctrlPr>
                         </m:sSubPr>
                         <m:e>
                           <m:r>
-                            <a:rPr sz="1600" i="1">
+                            <a:rPr sz="1200" i="1">
                               <a:solidFill>
                                 <a:srgbClr val="000000"/>
                               </a:solidFill>
@@ -9815,7 +11563,7 @@
                         </m:e>
                         <m:sub>
                           <m:r>
-                            <a:rPr sz="1600" i="1">
+                            <a:rPr sz="1200" i="1">
                               <a:solidFill>
                                 <a:srgbClr val="000000"/>
                               </a:solidFill>
@@ -9827,7 +11575,7 @@
                         </m:sub>
                       </m:sSub>
                       <m:r>
-                        <a:rPr sz="1600" i="1">
+                        <a:rPr sz="1200" i="1">
                           <a:solidFill>
                             <a:srgbClr val="000000"/>
                           </a:solidFill>
@@ -9839,18 +11587,18 @@
                       <m:sSub>
                         <m:sSubPr>
                           <m:ctrlPr>
-                            <a:rPr sz="1600" i="1">
+                            <a:rPr sz="1200" i="1">
                               <a:solidFill>
                                 <a:srgbClr val="000000"/>
                               </a:solidFill>
-                              <a:latin typeface="Cambria Math" panose="02040503050406030204" pitchFamily="18" charset="0"/>
+                              <a:latin typeface="Cambria Math"/>
                               <a:sym typeface="Cambria Math"/>
                             </a:rPr>
                           </m:ctrlPr>
                         </m:sSubPr>
                         <m:e>
                           <m:r>
-                            <a:rPr sz="1600" i="1">
+                            <a:rPr sz="1200" i="1">
                               <a:solidFill>
                                 <a:srgbClr val="000000"/>
                               </a:solidFill>
@@ -9862,7 +11610,7 @@
                         </m:e>
                         <m:sub>
                           <m:r>
-                            <a:rPr sz="1600" i="1">
+                            <a:rPr sz="1200" i="1">
                               <a:solidFill>
                                 <a:srgbClr val="000000"/>
                               </a:solidFill>
@@ -9874,7 +11622,7 @@
                         </m:sub>
                       </m:sSub>
                       <m:r>
-                        <a:rPr sz="1600" i="1">
+                        <a:rPr sz="1200" i="1">
                           <a:solidFill>
                             <a:srgbClr val="000000"/>
                           </a:solidFill>
@@ -9886,18 +11634,18 @@
                       <m:sSub>
                         <m:sSubPr>
                           <m:ctrlPr>
-                            <a:rPr sz="1600" i="1">
+                            <a:rPr sz="1200" i="1">
                               <a:solidFill>
                                 <a:srgbClr val="000000"/>
                               </a:solidFill>
-                              <a:latin typeface="Cambria Math" panose="02040503050406030204" pitchFamily="18" charset="0"/>
+                              <a:latin typeface="Cambria Math"/>
                               <a:sym typeface="Cambria Math"/>
                             </a:rPr>
                           </m:ctrlPr>
                         </m:sSubPr>
                         <m:e>
                           <m:r>
-                            <a:rPr sz="1600" i="1">
+                            <a:rPr sz="1200" i="1">
                               <a:solidFill>
                                 <a:srgbClr val="000000"/>
                               </a:solidFill>
@@ -9909,7 +11657,7 @@
                         </m:e>
                         <m:sub>
                           <m:r>
-                            <a:rPr sz="1600" i="1">
+                            <a:rPr sz="1200" i="1">
                               <a:solidFill>
                                 <a:srgbClr val="000000"/>
                               </a:solidFill>
@@ -9923,11 +11671,11 @@
                       <m:func>
                         <m:funcPr>
                           <m:ctrlPr>
-                            <a:rPr sz="1600" i="1">
+                            <a:rPr sz="1200" i="1">
                               <a:solidFill>
                                 <a:srgbClr val="000000"/>
                               </a:solidFill>
-                              <a:latin typeface="Cambria Math" panose="02040503050406030204" pitchFamily="18" charset="0"/>
+                              <a:latin typeface="Cambria Math"/>
                               <a:sym typeface="Cambria Math"/>
                             </a:rPr>
                           </m:ctrlPr>
@@ -9936,11 +11684,11 @@
                           <m:sSub>
                             <m:sSubPr>
                               <m:ctrlPr>
-                                <a:rPr sz="1600" i="1">
+                                <a:rPr sz="1200" i="1">
                                   <a:solidFill>
                                     <a:srgbClr val="000000"/>
                                   </a:solidFill>
-                                  <a:latin typeface="Cambria Math" panose="02040503050406030204" pitchFamily="18" charset="0"/>
+                                  <a:latin typeface="Cambria Math"/>
                                   <a:sym typeface="Cambria Math"/>
                                 </a:rPr>
                               </m:ctrlPr>
@@ -9950,7 +11698,7 @@
                                 <m:rPr>
                                   <m:sty m:val="p"/>
                                 </m:rPr>
-                                <a:rPr sz="1600" i="0">
+                                <a:rPr sz="1200" i="0">
                                   <a:solidFill>
                                     <a:srgbClr val="000000"/>
                                   </a:solidFill>
@@ -9962,7 +11710,7 @@
                             </m:e>
                             <m:sub>
                               <m:r>
-                                <a:rPr sz="1600" i="1">
+                                <a:rPr sz="1200" i="1">
                                   <a:solidFill>
                                     <a:srgbClr val="000000"/>
                                   </a:solidFill>
@@ -9974,7 +11722,7 @@
                             </m:sub>
                           </m:sSub>
                           <m:r>
-                            <a:rPr sz="1600" i="1">
+                            <a:rPr sz="1200" i="1">
                               <a:solidFill>
                                 <a:srgbClr val="000000"/>
                               </a:solidFill>
@@ -9986,18 +11734,18 @@
                           <m:sSub>
                             <m:sSubPr>
                               <m:ctrlPr>
-                                <a:rPr sz="1600" i="1">
+                                <a:rPr sz="1200" i="1">
                                   <a:solidFill>
                                     <a:srgbClr val="000000"/>
                                   </a:solidFill>
-                                  <a:latin typeface="Cambria Math" panose="02040503050406030204" pitchFamily="18" charset="0"/>
+                                  <a:latin typeface="Cambria Math"/>
                                   <a:sym typeface="Cambria Math"/>
                                 </a:rPr>
                               </m:ctrlPr>
                             </m:sSubPr>
                             <m:e>
                               <m:r>
-                                <a:rPr sz="1600" i="1">
+                                <a:rPr sz="1200" i="1">
                                   <a:solidFill>
                                     <a:srgbClr val="000000"/>
                                   </a:solidFill>
@@ -10009,7 +11757,7 @@
                             </m:e>
                             <m:sub>
                               <m:r>
-                                <a:rPr sz="1600" i="1">
+                                <a:rPr sz="1200" i="1">
                                   <a:solidFill>
                                     <a:srgbClr val="000000"/>
                                   </a:solidFill>
@@ -10021,7 +11769,7 @@
                             </m:sub>
                           </m:sSub>
                           <m:r>
-                            <a:rPr sz="1600" i="1">
+                            <a:rPr sz="1200" i="1">
                               <a:solidFill>
                                 <a:srgbClr val="000000"/>
                               </a:solidFill>
@@ -10033,7 +11781,7 @@
                         </m:fName>
                         <m:e>
                           <m:r>
-                            <a:rPr sz="1600" i="1">
+                            <a:rPr sz="1200" i="1">
                               <a:solidFill>
                                 <a:srgbClr val="000000"/>
                               </a:solidFill>
@@ -10045,11 +11793,11 @@
                           <m:func>
                             <m:funcPr>
                               <m:ctrlPr>
-                                <a:rPr sz="1600" i="1">
+                                <a:rPr sz="1200" i="1">
                                   <a:solidFill>
                                     <a:srgbClr val="000000"/>
                                   </a:solidFill>
-                                  <a:latin typeface="Cambria Math" panose="02040503050406030204" pitchFamily="18" charset="0"/>
+                                  <a:latin typeface="Cambria Math"/>
                                   <a:sym typeface="Cambria Math"/>
                                 </a:rPr>
                               </m:ctrlPr>
@@ -10058,11 +11806,11 @@
                               <m:sSub>
                                 <m:sSubPr>
                                   <m:ctrlPr>
-                                    <a:rPr sz="1600" i="1">
+                                    <a:rPr sz="1200" i="1">
                                       <a:solidFill>
                                         <a:srgbClr val="000000"/>
                                       </a:solidFill>
-                                      <a:latin typeface="Cambria Math" panose="02040503050406030204" pitchFamily="18" charset="0"/>
+                                      <a:latin typeface="Cambria Math"/>
                                       <a:sym typeface="Cambria Math"/>
                                     </a:rPr>
                                   </m:ctrlPr>
@@ -10072,7 +11820,7 @@
                                     <m:rPr>
                                       <m:sty m:val="p"/>
                                     </m:rPr>
-                                    <a:rPr sz="1600" i="0">
+                                    <a:rPr sz="1200" i="0">
                                       <a:solidFill>
                                         <a:srgbClr val="000000"/>
                                       </a:solidFill>
@@ -10084,7 +11832,7 @@
                                 </m:e>
                                 <m:sub>
                                   <m:r>
-                                    <a:rPr sz="1600" i="1">
+                                    <a:rPr sz="1200" i="1">
                                       <a:solidFill>
                                         <a:srgbClr val="000000"/>
                                       </a:solidFill>
@@ -10096,7 +11844,7 @@
                                 </m:sub>
                               </m:sSub>
                               <m:r>
-                                <a:rPr sz="1600" i="1">
+                                <a:rPr sz="1200" i="1">
                                   <a:solidFill>
                                     <a:srgbClr val="000000"/>
                                   </a:solidFill>
@@ -10108,18 +11856,18 @@
                               <m:sSub>
                                 <m:sSubPr>
                                   <m:ctrlPr>
-                                    <a:rPr sz="1600" i="1">
+                                    <a:rPr sz="1200" i="1">
                                       <a:solidFill>
                                         <a:srgbClr val="000000"/>
                                       </a:solidFill>
-                                      <a:latin typeface="Cambria Math" panose="02040503050406030204" pitchFamily="18" charset="0"/>
+                                      <a:latin typeface="Cambria Math"/>
                                       <a:sym typeface="Cambria Math"/>
                                     </a:rPr>
                                   </m:ctrlPr>
                                 </m:sSubPr>
                                 <m:e>
                                   <m:r>
-                                    <a:rPr sz="1600" i="1">
+                                    <a:rPr sz="1200" i="1">
                                       <a:solidFill>
                                         <a:srgbClr val="000000"/>
                                       </a:solidFill>
@@ -10131,7 +11879,7 @@
                                 </m:e>
                                 <m:sub>
                                   <m:r>
-                                    <a:rPr sz="1600" i="1">
+                                    <a:rPr sz="1200" i="1">
                                       <a:solidFill>
                                         <a:srgbClr val="000000"/>
                                       </a:solidFill>
@@ -10143,7 +11891,7 @@
                                 </m:sub>
                               </m:sSub>
                               <m:r>
-                                <a:rPr sz="1600" i="1">
+                                <a:rPr sz="1200" i="1">
                                   <a:solidFill>
                                     <a:srgbClr val="000000"/>
                                   </a:solidFill>
@@ -10160,18 +11908,195 @@
                     </m:oMath>
                   </m:oMathPara>
                 </a14:m>
-                <a:endParaRPr/>
               </a:p>
               <a:p>
                 <a:pPr algn="l"/>
-                <a14:m>
-                  <m:oMathPara xmlns:m="http://schemas.openxmlformats.org/officeDocument/2006/math">
+                <a14:m xmlns:m="http://schemas.openxmlformats.org/officeDocument/2006/math" xmlns:mc="http://schemas.openxmlformats.org/markup-compatibility/2006" xmlns:ho="http://schemas.haansoft.com/office/8.0" mc:Ignorable="ho" ho:hncCreate="1">
+                  <m:oMathPara>
                     <m:oMathParaPr>
                       <m:jc m:val="left"/>
                     </m:oMathParaPr>
                     <m:oMath xmlns:m="http://schemas.openxmlformats.org/officeDocument/2006/math">
                       <m:r>
-                        <a:rPr sz="1600" i="1">
+                        <a:rPr sz="1200" i="1">
+                          <a:solidFill>
+                            <a:srgbClr val="000000"/>
+                          </a:solidFill>
+                          <a:latin typeface="Cambria Math"/>
+                          <a:sym typeface="Cambria Math"/>
+                        </a:rPr>
+                        <m:t xml:space="preserve"> </m:t>
+                      </m:r>
+                      <m:sSub>
+                        <m:sSubPr>
+                          <m:ctrlPr>
+                            <a:rPr sz="1200" i="1">
+                              <a:solidFill>
+                                <a:srgbClr val="000000"/>
+                              </a:solidFill>
+                              <a:latin typeface="Cambria Math"/>
+                              <a:sym typeface="Cambria Math"/>
+                            </a:rPr>
+                          </m:ctrlPr>
+                        </m:sSubPr>
+                        <m:e>
+                          <m:r>
+                            <a:rPr sz="1200" i="1">
+                              <a:solidFill>
+                                <a:srgbClr val="000000"/>
+                              </a:solidFill>
+                              <a:latin typeface="Cambria Math"/>
+                              <a:sym typeface="Cambria Math"/>
+                            </a:rPr>
+                            <m:t>𝑛</m:t>
+                          </m:r>
+                        </m:e>
+                        <m:sub>
+                          <m:r>
+                            <a:rPr sz="1200" i="1">
+                              <a:solidFill>
+                                <a:srgbClr val="000000"/>
+                              </a:solidFill>
+                              <a:latin typeface="Cambria Math"/>
+                              <a:sym typeface="Cambria Math"/>
+                            </a:rPr>
+                            <m:t>𝑗</m:t>
+                          </m:r>
+                        </m:sub>
+                      </m:sSub>
+                      <m:r>
+                        <a:rPr sz="1200" i="1">
+                          <a:solidFill>
+                            <a:srgbClr val="000000"/>
+                          </a:solidFill>
+                          <a:latin typeface="Cambria Math"/>
+                          <a:sym typeface="Cambria Math"/>
+                        </a:rPr>
+                        <m:t xml:space="preserve"> : </m:t>
+                      </m:r>
+                      <m:r>
+                        <a:rPr sz="1200" i="1">
+                          <a:solidFill>
+                            <a:srgbClr val="000000"/>
+                          </a:solidFill>
+                          <a:latin typeface="Cambria Math"/>
+                          <a:sym typeface="Cambria Math"/>
+                        </a:rPr>
+                        <m:t>𝑚</m:t>
+                      </m:r>
+                      <m:r>
+                        <a:rPr sz="1200" i="1">
+                          <a:solidFill>
+                            <a:srgbClr val="000000"/>
+                          </a:solidFill>
+                          <a:latin typeface="Cambria Math"/>
+                          <a:sym typeface="Cambria Math"/>
+                        </a:rPr>
+                        <m:t>𝑎</m:t>
+                      </m:r>
+                      <m:r>
+                        <a:rPr sz="1200" i="1">
+                          <a:solidFill>
+                            <a:srgbClr val="000000"/>
+                          </a:solidFill>
+                          <a:latin typeface="Cambria Math"/>
+                          <a:sym typeface="Cambria Math"/>
+                        </a:rPr>
+                        <m:t>𝑥</m:t>
+                      </m:r>
+                      <m:r>
+                        <a:rPr sz="1200" i="1">
+                          <a:solidFill>
+                            <a:srgbClr val="000000"/>
+                          </a:solidFill>
+                          <a:latin typeface="Cambria Math"/>
+                          <a:sym typeface="Cambria Math"/>
+                        </a:rPr>
+                        <m:t>(2.8−0.0024</m:t>
+                      </m:r>
+                      <m:sSub>
+                        <m:sSubPr>
+                          <m:ctrlPr>
+                            <a:rPr sz="1200" i="1">
+                              <a:solidFill>
+                                <a:srgbClr val="000000"/>
+                              </a:solidFill>
+                              <a:latin typeface="Cambria Math"/>
+                              <a:sym typeface="Cambria Math"/>
+                            </a:rPr>
+                          </m:ctrlPr>
+                        </m:sSubPr>
+                        <m:e>
+                          <m:r>
+                            <a:rPr sz="1200" i="1">
+                              <a:solidFill>
+                                <a:srgbClr val="000000"/>
+                              </a:solidFill>
+                              <a:latin typeface="Cambria Math"/>
+                              <a:sym typeface="Cambria Math"/>
+                            </a:rPr>
+                            <m:t>𝑑</m:t>
+                          </m:r>
+                        </m:e>
+                        <m:sub>
+                          <m:r>
+                            <a:rPr sz="1200" i="1">
+                              <a:solidFill>
+                                <a:srgbClr val="000000"/>
+                              </a:solidFill>
+                              <a:latin typeface="Cambria Math"/>
+                              <a:sym typeface="Cambria Math"/>
+                            </a:rPr>
+                            <m:t>𝑘</m:t>
+                          </m:r>
+                        </m:sub>
+                      </m:sSub>
+                      <m:r>
+                        <a:rPr sz="1200" i="1">
+                          <a:solidFill>
+                            <a:srgbClr val="000000"/>
+                          </a:solidFill>
+                          <a:latin typeface="Cambria Math"/>
+                          <a:sym typeface="Cambria Math"/>
+                        </a:rPr>
+                        <m:t xml:space="preserve">, 1.84)  </m:t>
+                      </m:r>
+                    </m:oMath>
+                  </m:oMathPara>
+                </a14:m>
+              </a:p>
+              <a:p>
+                <a:pPr algn="l"/>
+                <a14:m xmlns:m="http://schemas.openxmlformats.org/officeDocument/2006/math" xmlns:mc="http://schemas.openxmlformats.org/markup-compatibility/2006" xmlns:ho="http://schemas.haansoft.com/office/8.0" mc:Ignorable="ho" ho:hncCreate="1">
+                  <m:oMathPara>
+                    <m:oMathParaPr>
+                      <m:jc m:val="left"/>
+                    </m:oMathParaPr>
+                    <m:oMath xmlns:m="http://schemas.openxmlformats.org/officeDocument/2006/math">
+                      <m:r>
+                        <a:rPr sz="1200" i="1">
+                          <a:solidFill>
+                            <a:srgbClr val="000000"/>
+                          </a:solidFill>
+                          <a:latin typeface="Cambria Math"/>
+                          <a:sym typeface="Cambria Math"/>
+                        </a:rPr>
+                        <m:t xml:space="preserve"> </m:t>
+                      </m:r>
+                    </m:oMath>
+                  </m:oMathPara>
+                </a14:m>
+              </a:p>
+              <a:p>
+                <a:pPr algn="l"/>
+                <a14:m xmlns:m="http://schemas.openxmlformats.org/officeDocument/2006/math" xmlns:mc="http://schemas.openxmlformats.org/markup-compatibility/2006" xmlns:ho="http://schemas.haansoft.com/office/8.0" mc:Ignorable="ho" ho:hncCreate="1">
+                  <m:oMathPara>
+                    <m:oMathParaPr>
+                      <m:jc m:val="left"/>
+                    </m:oMathParaPr>
+                    <m:oMath xmlns:m="http://schemas.openxmlformats.org/officeDocument/2006/math">
+                      <m:r>
+                        <a:rPr sz="1200" i="1">
                           <a:solidFill>
                             <a:srgbClr val="000000"/>
                           </a:solidFill>
@@ -10181,17 +12106,17 @@
                         <m:t>𝑑</m:t>
                       </m:r>
                       <m:r>
-                        <a:rPr sz="1600" i="1">
+                        <a:rPr sz="1200" i="1">
                           <a:solidFill>
                             <a:srgbClr val="000000"/>
                           </a:solidFill>
                           <a:latin typeface="Cambria Math"/>
                           <a:sym typeface="Cambria Math"/>
                         </a:rPr>
-                        <m:t>   : </m:t>
+                        <m:t xml:space="preserve">   : </m:t>
                       </m:r>
                       <m:r>
-                        <a:rPr sz="1600" i="1">
+                        <a:rPr sz="1200" i="1">
                           <a:solidFill>
                             <a:srgbClr val="000000"/>
                           </a:solidFill>
@@ -10201,17 +12126,17 @@
                         <m:t>두차량의</m:t>
                       </m:r>
                       <m:r>
-                        <a:rPr sz="1600" i="1">
+                        <a:rPr sz="1200" i="1">
                           <a:solidFill>
                             <a:srgbClr val="000000"/>
                           </a:solidFill>
                           <a:latin typeface="Cambria Math"/>
                           <a:sym typeface="Cambria Math"/>
                         </a:rPr>
-                        <m:t> </m:t>
+                        <m:t xml:space="preserve"> </m:t>
                       </m:r>
                       <m:r>
-                        <a:rPr sz="1600" i="1">
+                        <a:rPr sz="1200" i="1">
                           <a:solidFill>
                             <a:srgbClr val="000000"/>
                           </a:solidFill>
@@ -10221,17 +12146,17 @@
                         <m:t>대각</m:t>
                       </m:r>
                       <m:r>
-                        <a:rPr sz="1600" i="1">
+                        <a:rPr sz="1200" i="1">
                           <a:solidFill>
                             <a:srgbClr val="000000"/>
                           </a:solidFill>
                           <a:latin typeface="Cambria Math"/>
                           <a:sym typeface="Cambria Math"/>
                         </a:rPr>
-                        <m:t> </m:t>
+                        <m:t xml:space="preserve"> </m:t>
                       </m:r>
                       <m:r>
-                        <a:rPr sz="1600" i="1">
+                        <a:rPr sz="1200" i="1">
                           <a:solidFill>
                             <a:srgbClr val="000000"/>
                           </a:solidFill>
@@ -10243,18 +12168,17 @@
                     </m:oMath>
                   </m:oMathPara>
                 </a14:m>
-                <a:endParaRPr/>
               </a:p>
               <a:p>
                 <a:pPr algn="l"/>
-                <a14:m>
-                  <m:oMathPara xmlns:m="http://schemas.openxmlformats.org/officeDocument/2006/math">
+                <a14:m xmlns:m="http://schemas.openxmlformats.org/officeDocument/2006/math" xmlns:mc="http://schemas.openxmlformats.org/markup-compatibility/2006" xmlns:ho="http://schemas.haansoft.com/office/8.0" mc:Ignorable="ho" ho:hncCreate="1">
+                  <m:oMathPara>
                     <m:oMathParaPr>
                       <m:jc m:val="left"/>
                     </m:oMathParaPr>
                     <m:oMath xmlns:m="http://schemas.openxmlformats.org/officeDocument/2006/math">
                       <m:r>
-                        <a:rPr sz="1600" i="1">
+                        <a:rPr sz="1200" i="1">
                           <a:solidFill>
                             <a:srgbClr val="000000"/>
                           </a:solidFill>
@@ -10264,110 +12188,39 @@
                         <m:t>𝑑</m:t>
                       </m:r>
                       <m:r>
-                        <a:rPr sz="1600" i="1">
+                        <a:rPr sz="1200" i="1">
                           <a:solidFill>
                             <a:srgbClr val="000000"/>
                           </a:solidFill>
                           <a:latin typeface="Cambria Math"/>
                           <a:sym typeface="Cambria Math"/>
                         </a:rPr>
-                        <m:t>1 : </m:t>
+                        <m:t xml:space="preserve">1 : </m:t>
                       </m:r>
                       <m:r>
-                        <a:rPr sz="1600" i="1">
+                        <a:rPr sz="1200" i="1">
                           <a:solidFill>
                             <a:srgbClr val="000000"/>
                           </a:solidFill>
                           <a:latin typeface="Cambria Math"/>
                           <a:sym typeface="Cambria Math"/>
                         </a:rPr>
-                        <m:t>두</m:t>
-                      </m:r>
-                      <m:r>
-                        <a:rPr sz="1600" i="1">
-                          <a:solidFill>
-                            <a:srgbClr val="000000"/>
-                          </a:solidFill>
-                          <a:latin typeface="Cambria Math"/>
-                          <a:sym typeface="Cambria Math"/>
-                        </a:rPr>
-                        <m:t> </m:t>
-                      </m:r>
-                      <m:r>
-                        <a:rPr sz="1600" i="1">
-                          <a:solidFill>
-                            <a:srgbClr val="000000"/>
-                          </a:solidFill>
-                          <a:latin typeface="Cambria Math"/>
-                          <a:sym typeface="Cambria Math"/>
-                        </a:rPr>
-                        <m:t>차량의</m:t>
-                      </m:r>
-                      <m:r>
-                        <a:rPr sz="1600" i="1">
-                          <a:solidFill>
-                            <a:srgbClr val="000000"/>
-                          </a:solidFill>
-                          <a:latin typeface="Cambria Math"/>
-                          <a:sym typeface="Cambria Math"/>
-                        </a:rPr>
-                        <m:t> </m:t>
-                      </m:r>
-                      <m:r>
-                        <a:rPr sz="1600" i="1">
-                          <a:solidFill>
-                            <a:srgbClr val="000000"/>
-                          </a:solidFill>
-                          <a:latin typeface="Cambria Math"/>
-                          <a:sym typeface="Cambria Math"/>
-                        </a:rPr>
-                        <m:t>𝑥</m:t>
-                      </m:r>
-                      <m:r>
-                        <a:rPr sz="1600" i="1">
-                          <a:solidFill>
-                            <a:srgbClr val="000000"/>
-                          </a:solidFill>
-                          <a:latin typeface="Cambria Math"/>
-                          <a:sym typeface="Cambria Math"/>
-                        </a:rPr>
-                        <m:t>축</m:t>
-                      </m:r>
-                      <m:r>
-                        <a:rPr sz="1600" i="1">
-                          <a:solidFill>
-                            <a:srgbClr val="000000"/>
-                          </a:solidFill>
-                          <a:latin typeface="Cambria Math"/>
-                          <a:sym typeface="Cambria Math"/>
-                        </a:rPr>
-                        <m:t> </m:t>
-                      </m:r>
-                      <m:r>
-                        <a:rPr sz="1600" i="1">
-                          <a:solidFill>
-                            <a:srgbClr val="000000"/>
-                          </a:solidFill>
-                          <a:latin typeface="Cambria Math"/>
-                          <a:sym typeface="Cambria Math"/>
-                        </a:rPr>
-                        <m:t>차이</m:t>
+                        <m:t>송신 차량에서 교차로 까지 거리</m:t>
                       </m:r>
                     </m:oMath>
                   </m:oMathPara>
                 </a14:m>
-                <a:endParaRPr/>
               </a:p>
               <a:p>
                 <a:pPr algn="l"/>
-                <a14:m>
-                  <m:oMathPara xmlns:m="http://schemas.openxmlformats.org/officeDocument/2006/math">
+                <a14:m xmlns:m="http://schemas.openxmlformats.org/officeDocument/2006/math" xmlns:mc="http://schemas.openxmlformats.org/markup-compatibility/2006" xmlns:ho="http://schemas.haansoft.com/office/8.0" mc:Ignorable="ho" ho:hncCreate="1">
+                  <m:oMathPara>
                     <m:oMathParaPr>
                       <m:jc m:val="left"/>
                     </m:oMathParaPr>
                     <m:oMath xmlns:m="http://schemas.openxmlformats.org/officeDocument/2006/math">
                       <m:r>
-                        <a:rPr sz="1600" i="1">
+                        <a:rPr sz="1200" i="1">
                           <a:solidFill>
                             <a:srgbClr val="000000"/>
                           </a:solidFill>
@@ -10377,84 +12230,33 @@
                         <m:t>𝑑</m:t>
                       </m:r>
                       <m:r>
-                        <a:rPr sz="1600" i="1">
+                        <a:rPr sz="1200" i="1">
                           <a:solidFill>
                             <a:srgbClr val="000000"/>
                           </a:solidFill>
                           <a:latin typeface="Cambria Math"/>
                           <a:sym typeface="Cambria Math"/>
                         </a:rPr>
-                        <m:t>2 : </m:t>
+                        <m:t xml:space="preserve">2 : </m:t>
                       </m:r>
                       <m:r>
-                        <a:rPr sz="1600" i="1">
+                        <a:rPr sz="1200" i="1">
                           <a:solidFill>
                             <a:srgbClr val="000000"/>
                           </a:solidFill>
                           <a:latin typeface="Cambria Math"/>
                           <a:sym typeface="Cambria Math"/>
                         </a:rPr>
-                        <m:t>두차량의</m:t>
-                      </m:r>
-                      <m:r>
-                        <a:rPr sz="1600" i="1">
-                          <a:solidFill>
-                            <a:srgbClr val="000000"/>
-                          </a:solidFill>
-                          <a:latin typeface="Cambria Math"/>
-                          <a:sym typeface="Cambria Math"/>
-                        </a:rPr>
-                        <m:t> </m:t>
-                      </m:r>
-                      <m:r>
-                        <a:rPr sz="1600" i="1">
-                          <a:solidFill>
-                            <a:srgbClr val="000000"/>
-                          </a:solidFill>
-                          <a:latin typeface="Cambria Math"/>
-                          <a:sym typeface="Cambria Math"/>
-                        </a:rPr>
-                        <m:t>𝑦</m:t>
-                      </m:r>
-                      <m:r>
-                        <a:rPr sz="1600" i="1">
-                          <a:solidFill>
-                            <a:srgbClr val="000000"/>
-                          </a:solidFill>
-                          <a:latin typeface="Cambria Math"/>
-                          <a:sym typeface="Cambria Math"/>
-                        </a:rPr>
-                        <m:t>축</m:t>
-                      </m:r>
-                      <m:r>
-                        <a:rPr sz="1600" i="1">
-                          <a:solidFill>
-                            <a:srgbClr val="000000"/>
-                          </a:solidFill>
-                          <a:latin typeface="Cambria Math"/>
-                          <a:sym typeface="Cambria Math"/>
-                        </a:rPr>
-                        <m:t> </m:t>
-                      </m:r>
-                      <m:r>
-                        <a:rPr sz="1600" i="1">
-                          <a:solidFill>
-                            <a:srgbClr val="000000"/>
-                          </a:solidFill>
-                          <a:latin typeface="Cambria Math"/>
-                          <a:sym typeface="Cambria Math"/>
-                        </a:rPr>
-                        <m:t>차이</m:t>
+                        <m:t>수신 차량에서 교차로 까지 거리</m:t>
                       </m:r>
                     </m:oMath>
                   </m:oMathPara>
                 </a14:m>
-                <a:endParaRPr/>
               </a:p>
               <a:p>
                 <a:pPr algn="l"/>
-                <a14:m>
-                  <m:oMathPara xmlns:m="http://schemas.openxmlformats.org/officeDocument/2006/math">
+                <a14:m xmlns:m="http://schemas.openxmlformats.org/officeDocument/2006/math" xmlns:mc="http://schemas.openxmlformats.org/markup-compatibility/2006" xmlns:ho="http://schemas.haansoft.com/office/8.0" mc:Ignorable="ho" ho:hncCreate="1">
+                  <m:oMathPara>
                     <m:oMathParaPr>
                       <m:jc m:val="left"/>
                     </m:oMathParaPr>
@@ -10462,18 +12264,18 @@
                       <m:sSub>
                         <m:sSubPr>
                           <m:ctrlPr>
-                            <a:rPr sz="1600" i="1">
+                            <a:rPr sz="1200" i="1">
                               <a:solidFill>
                                 <a:srgbClr val="000000"/>
                               </a:solidFill>
-                              <a:latin typeface="Cambria Math" panose="02040503050406030204" pitchFamily="18" charset="0"/>
+                              <a:latin typeface="Cambria Math"/>
                               <a:sym typeface="Cambria Math"/>
                             </a:rPr>
                           </m:ctrlPr>
                         </m:sSubPr>
                         <m:e>
                           <m:r>
-                            <a:rPr sz="1600" i="1">
+                            <a:rPr sz="1200" i="1">
                               <a:solidFill>
                                 <a:srgbClr val="000000"/>
                               </a:solidFill>
@@ -10485,7 +12287,7 @@
                         </m:e>
                         <m:sub>
                           <m:r>
-                            <a:rPr sz="1600" i="1">
+                            <a:rPr sz="1200" i="1">
                               <a:solidFill>
                                 <a:srgbClr val="000000"/>
                               </a:solidFill>
@@ -10497,54 +12299,193 @@
                         </m:sub>
                       </m:sSub>
                       <m:r>
-                        <a:rPr sz="1600" i="1">
+                        <a:rPr sz="1200" i="1">
                           <a:solidFill>
                             <a:srgbClr val="000000"/>
                           </a:solidFill>
                           <a:latin typeface="Cambria Math"/>
                           <a:sym typeface="Cambria Math"/>
                         </a:rPr>
-                        <m:t>  :  </m:t>
+                        <m:t xml:space="preserve">  :  </m:t>
                       </m:r>
                       <m:r>
-                        <a:rPr sz="1600" i="1">
+                        <a:rPr sz="1200" i="1">
                           <a:solidFill>
                             <a:srgbClr val="000000"/>
                           </a:solidFill>
                           <a:latin typeface="Cambria Math"/>
                           <a:sym typeface="Cambria Math"/>
                         </a:rPr>
-                        <m:t>𝐶𝑎𝑟𝑟𝑖𝑒𝑟</m:t>
+                        <m:t>𝐶</m:t>
                       </m:r>
                       <m:r>
-                        <a:rPr sz="1600" i="1">
+                        <a:rPr sz="1200" i="1">
                           <a:solidFill>
                             <a:srgbClr val="000000"/>
                           </a:solidFill>
                           <a:latin typeface="Cambria Math"/>
                           <a:sym typeface="Cambria Math"/>
                         </a:rPr>
-                        <m:t> </m:t>
+                        <m:t>𝑎</m:t>
                       </m:r>
                       <m:r>
-                        <a:rPr sz="1600" i="1">
+                        <a:rPr sz="1200" i="1">
                           <a:solidFill>
                             <a:srgbClr val="000000"/>
                           </a:solidFill>
                           <a:latin typeface="Cambria Math"/>
                           <a:sym typeface="Cambria Math"/>
                         </a:rPr>
-                        <m:t>𝑓𝑟𝑒𝑞𝑢𝑒𝑛𝑐𝑦</m:t>
+                        <m:t>𝑟</m:t>
+                      </m:r>
+                      <m:r>
+                        <a:rPr sz="1200" i="1">
+                          <a:solidFill>
+                            <a:srgbClr val="000000"/>
+                          </a:solidFill>
+                          <a:latin typeface="Cambria Math"/>
+                          <a:sym typeface="Cambria Math"/>
+                        </a:rPr>
+                        <m:t>𝑟</m:t>
+                      </m:r>
+                      <m:r>
+                        <a:rPr sz="1200" i="1">
+                          <a:solidFill>
+                            <a:srgbClr val="000000"/>
+                          </a:solidFill>
+                          <a:latin typeface="Cambria Math"/>
+                          <a:sym typeface="Cambria Math"/>
+                        </a:rPr>
+                        <m:t>𝑖</m:t>
+                      </m:r>
+                      <m:r>
+                        <a:rPr sz="1200" i="1">
+                          <a:solidFill>
+                            <a:srgbClr val="000000"/>
+                          </a:solidFill>
+                          <a:latin typeface="Cambria Math"/>
+                          <a:sym typeface="Cambria Math"/>
+                        </a:rPr>
+                        <m:t>𝑒</m:t>
+                      </m:r>
+                      <m:r>
+                        <a:rPr sz="1200" i="1">
+                          <a:solidFill>
+                            <a:srgbClr val="000000"/>
+                          </a:solidFill>
+                          <a:latin typeface="Cambria Math"/>
+                          <a:sym typeface="Cambria Math"/>
+                        </a:rPr>
+                        <m:t>𝑟</m:t>
+                      </m:r>
+                      <m:r>
+                        <a:rPr sz="1200" i="1">
+                          <a:solidFill>
+                            <a:srgbClr val="000000"/>
+                          </a:solidFill>
+                          <a:latin typeface="Cambria Math"/>
+                          <a:sym typeface="Cambria Math"/>
+                        </a:rPr>
+                        <m:t xml:space="preserve"> </m:t>
+                      </m:r>
+                      <m:r>
+                        <a:rPr sz="1200" i="1">
+                          <a:solidFill>
+                            <a:srgbClr val="000000"/>
+                          </a:solidFill>
+                          <a:latin typeface="Cambria Math"/>
+                          <a:sym typeface="Cambria Math"/>
+                        </a:rPr>
+                        <m:t>𝑓</m:t>
+                      </m:r>
+                      <m:r>
+                        <a:rPr sz="1200" i="1">
+                          <a:solidFill>
+                            <a:srgbClr val="000000"/>
+                          </a:solidFill>
+                          <a:latin typeface="Cambria Math"/>
+                          <a:sym typeface="Cambria Math"/>
+                        </a:rPr>
+                        <m:t>𝑟</m:t>
+                      </m:r>
+                      <m:r>
+                        <a:rPr sz="1200" i="1">
+                          <a:solidFill>
+                            <a:srgbClr val="000000"/>
+                          </a:solidFill>
+                          <a:latin typeface="Cambria Math"/>
+                          <a:sym typeface="Cambria Math"/>
+                        </a:rPr>
+                        <m:t>𝑒</m:t>
+                      </m:r>
+                      <m:r>
+                        <a:rPr sz="1200" i="1">
+                          <a:solidFill>
+                            <a:srgbClr val="000000"/>
+                          </a:solidFill>
+                          <a:latin typeface="Cambria Math"/>
+                          <a:sym typeface="Cambria Math"/>
+                        </a:rPr>
+                        <m:t>𝑞</m:t>
+                      </m:r>
+                      <m:r>
+                        <a:rPr sz="1200" i="1">
+                          <a:solidFill>
+                            <a:srgbClr val="000000"/>
+                          </a:solidFill>
+                          <a:latin typeface="Cambria Math"/>
+                          <a:sym typeface="Cambria Math"/>
+                        </a:rPr>
+                        <m:t>𝑢</m:t>
+                      </m:r>
+                      <m:r>
+                        <a:rPr sz="1200" i="1">
+                          <a:solidFill>
+                            <a:srgbClr val="000000"/>
+                          </a:solidFill>
+                          <a:latin typeface="Cambria Math"/>
+                          <a:sym typeface="Cambria Math"/>
+                        </a:rPr>
+                        <m:t>𝑒</m:t>
+                      </m:r>
+                      <m:r>
+                        <a:rPr sz="1200" i="1">
+                          <a:solidFill>
+                            <a:srgbClr val="000000"/>
+                          </a:solidFill>
+                          <a:latin typeface="Cambria Math"/>
+                          <a:sym typeface="Cambria Math"/>
+                        </a:rPr>
+                        <m:t>𝑛</m:t>
+                      </m:r>
+                      <m:r>
+                        <a:rPr sz="1200" i="1">
+                          <a:solidFill>
+                            <a:srgbClr val="000000"/>
+                          </a:solidFill>
+                          <a:latin typeface="Cambria Math"/>
+                          <a:sym typeface="Cambria Math"/>
+                        </a:rPr>
+                        <m:t>𝑐</m:t>
+                      </m:r>
+                      <m:r>
+                        <a:rPr sz="1200" i="1">
+                          <a:solidFill>
+                            <a:srgbClr val="000000"/>
+                          </a:solidFill>
+                          <a:latin typeface="Cambria Math"/>
+                          <a:sym typeface="Cambria Math"/>
+                        </a:rPr>
+                        <m:t>𝑦</m:t>
                       </m:r>
                     </m:oMath>
                   </m:oMathPara>
                 </a14:m>
-                <a:endParaRPr/>
               </a:p>
               <a:p>
                 <a:pPr algn="l"/>
-                <a14:m>
-                  <m:oMathPara xmlns:m="http://schemas.openxmlformats.org/officeDocument/2006/math">
+                <a14:m xmlns:m="http://schemas.openxmlformats.org/officeDocument/2006/math" xmlns:mc="http://schemas.openxmlformats.org/markup-compatibility/2006" xmlns:ho="http://schemas.haansoft.com/office/8.0" mc:Ignorable="ho" ho:hncCreate="1">
+                  <m:oMathPara>
                     <m:oMathParaPr>
                       <m:jc m:val="left"/>
                     </m:oMathParaPr>
@@ -10552,28 +12493,28 @@
                       <m:sSub>
                         <m:sSubPr>
                           <m:ctrlPr>
-                            <a:rPr sz="1600" i="1">
+                            <a:rPr sz="1200" i="1">
                               <a:solidFill>
                                 <a:srgbClr val="000000"/>
                               </a:solidFill>
-                              <a:latin typeface="Cambria Math" panose="02040503050406030204" pitchFamily="18" charset="0"/>
+                              <a:latin typeface="Cambria Math"/>
                               <a:sym typeface="Cambria Math"/>
                             </a:rPr>
                           </m:ctrlPr>
                         </m:sSubPr>
                         <m:e>
                           <m:r>
-                            <a:rPr sz="1600" i="1">
+                            <a:rPr sz="1200" i="1">
                               <a:solidFill>
                                 <a:srgbClr val="000000"/>
                               </a:solidFill>
                               <a:latin typeface="Cambria Math"/>
                               <a:sym typeface="Cambria Math"/>
                             </a:rPr>
-                            <m:t>h</m:t>
+                            <m:t>ℎ</m:t>
                           </m:r>
                           <m:r>
-                            <a:rPr sz="1600" i="1">
+                            <a:rPr sz="1200" i="1">
                               <a:solidFill>
                                 <a:srgbClr val="000000"/>
                               </a:solidFill>
@@ -10585,79 +12526,49 @@
                         </m:e>
                         <m:sub>
                           <m:r>
-                            <a:rPr sz="1600" i="1">
+                            <a:rPr sz="1200" i="1">
                               <a:solidFill>
                                 <a:srgbClr val="000000"/>
                               </a:solidFill>
                               <a:latin typeface="Cambria Math"/>
                               <a:sym typeface="Cambria Math"/>
                             </a:rPr>
-                            <m:t>𝑏𝑠</m:t>
+                            <m:t>𝑏</m:t>
+                          </m:r>
+                          <m:r>
+                            <a:rPr sz="1200" i="1">
+                              <a:solidFill>
+                                <a:srgbClr val="000000"/>
+                              </a:solidFill>
+                              <a:latin typeface="Cambria Math"/>
+                              <a:sym typeface="Cambria Math"/>
+                            </a:rPr>
+                            <m:t>𝑠</m:t>
                           </m:r>
                         </m:sub>
                       </m:sSub>
                       <m:r>
-                        <a:rPr sz="1600" i="1">
+                        <a:rPr sz="1200" i="1">
                           <a:solidFill>
                             <a:srgbClr val="000000"/>
                           </a:solidFill>
                           <a:latin typeface="Cambria Math"/>
                           <a:sym typeface="Cambria Math"/>
                         </a:rPr>
-                        <m:t> : </m:t>
+                        <m:t xml:space="preserve"> :  </m:t>
                       </m:r>
                       <m:r>
-                        <a:rPr sz="1600" i="1">
+                        <a:rPr sz="1200" i="1">
                           <a:solidFill>
                             <a:srgbClr val="000000"/>
                           </a:solidFill>
                           <a:latin typeface="Cambria Math"/>
                           <a:sym typeface="Cambria Math"/>
                         </a:rPr>
-                        <m:t>𝐵𝑎𝑠𝑒𝑠𝑡𝑎𝑡𝑖𝑜𝑛</m:t>
+                        <m:t xml:space="preserve">송신 차량의 안테나 </m:t>
                       </m:r>
                       <m:r>
-                        <a:rPr sz="1600" i="1">
-                          <a:solidFill>
-                            <a:srgbClr val="000000"/>
-                          </a:solidFill>
-                          <a:latin typeface="Cambria Math"/>
-                          <a:sym typeface="Cambria Math"/>
-                        </a:rPr>
-                        <m:t>의</m:t>
-                      </m:r>
-                      <m:r>
-                        <a:rPr sz="1600" i="1">
-                          <a:solidFill>
-                            <a:srgbClr val="000000"/>
-                          </a:solidFill>
-                          <a:latin typeface="Cambria Math"/>
-                          <a:sym typeface="Cambria Math"/>
-                        </a:rPr>
-                        <m:t> </m:t>
-                      </m:r>
-                      <m:r>
-                        <a:rPr sz="1600" i="1">
-                          <a:solidFill>
-                            <a:srgbClr val="000000"/>
-                          </a:solidFill>
-                          <a:latin typeface="Cambria Math"/>
-                          <a:sym typeface="Cambria Math"/>
-                        </a:rPr>
-                        <m:t>안테나</m:t>
-                      </m:r>
-                      <m:r>
-                        <a:rPr sz="1600" i="1">
-                          <a:solidFill>
-                            <a:srgbClr val="000000"/>
-                          </a:solidFill>
-                          <a:latin typeface="Cambria Math"/>
-                          <a:sym typeface="Cambria Math"/>
-                        </a:rPr>
-                        <m:t> </m:t>
-                      </m:r>
-                      <m:r>
-                        <a:rPr sz="1600" i="1">
+                        <a:rPr sz="1200" i="1">
                           <a:solidFill>
                             <a:srgbClr val="000000"/>
                           </a:solidFill>
@@ -10666,15 +12577,24 @@
                         </a:rPr>
                         <m:t>높이</m:t>
                       </m:r>
+                      <m:r>
+                        <a:rPr sz="1200" i="1">
+                          <a:solidFill>
+                            <a:srgbClr val="000000"/>
+                          </a:solidFill>
+                          <a:latin typeface="Cambria Math"/>
+                          <a:sym typeface="Cambria Math"/>
+                        </a:rPr>
+                        <m:t xml:space="preserve"> - 1</m:t>
+                      </m:r>
                     </m:oMath>
                   </m:oMathPara>
                 </a14:m>
-                <a:endParaRPr/>
               </a:p>
               <a:p>
                 <a:pPr algn="l"/>
-                <a14:m>
-                  <m:oMathPara xmlns:m="http://schemas.openxmlformats.org/officeDocument/2006/math">
+                <a14:m xmlns:m="http://schemas.openxmlformats.org/officeDocument/2006/math" xmlns:mc="http://schemas.openxmlformats.org/markup-compatibility/2006" xmlns:ho="http://schemas.haansoft.com/office/8.0" mc:Ignorable="ho" ho:hncCreate="1">
+                  <m:oMathPara>
                     <m:oMathParaPr>
                       <m:jc m:val="left"/>
                     </m:oMathParaPr>
@@ -10682,28 +12602,28 @@
                       <m:sSub>
                         <m:sSubPr>
                           <m:ctrlPr>
-                            <a:rPr sz="1600" i="1">
+                            <a:rPr sz="1200" i="1">
                               <a:solidFill>
                                 <a:srgbClr val="000000"/>
                               </a:solidFill>
-                              <a:latin typeface="Cambria Math" panose="02040503050406030204" pitchFamily="18" charset="0"/>
+                              <a:latin typeface="Cambria Math"/>
                               <a:sym typeface="Cambria Math"/>
                             </a:rPr>
                           </m:ctrlPr>
                         </m:sSubPr>
                         <m:e>
                           <m:r>
-                            <a:rPr sz="1600" i="1">
+                            <a:rPr sz="1200" i="1">
                               <a:solidFill>
                                 <a:srgbClr val="000000"/>
                               </a:solidFill>
                               <a:latin typeface="Cambria Math"/>
                               <a:sym typeface="Cambria Math"/>
                             </a:rPr>
-                            <m:t>h</m:t>
+                            <m:t>ℎ</m:t>
                           </m:r>
                           <m:r>
-                            <a:rPr sz="1600" i="1">
+                            <a:rPr sz="1200" i="1">
                               <a:solidFill>
                                 <a:srgbClr val="000000"/>
                               </a:solidFill>
@@ -10715,49 +12635,69 @@
                         </m:e>
                         <m:sub>
                           <m:r>
-                            <a:rPr sz="1600" i="1">
+                            <a:rPr sz="1200" i="1">
                               <a:solidFill>
                                 <a:srgbClr val="000000"/>
                               </a:solidFill>
                               <a:latin typeface="Cambria Math"/>
                               <a:sym typeface="Cambria Math"/>
                             </a:rPr>
-                            <m:t>𝑚𝑠</m:t>
+                            <m:t>𝑚</m:t>
+                          </m:r>
+                          <m:r>
+                            <a:rPr sz="1200" i="1">
+                              <a:solidFill>
+                                <a:srgbClr val="000000"/>
+                              </a:solidFill>
+                              <a:latin typeface="Cambria Math"/>
+                              <a:sym typeface="Cambria Math"/>
+                            </a:rPr>
+                            <m:t>𝑠</m:t>
                           </m:r>
                         </m:sub>
                       </m:sSub>
                       <m:r>
-                        <a:rPr sz="1600" i="1">
+                        <a:rPr sz="1200" i="1">
                           <a:solidFill>
                             <a:srgbClr val="000000"/>
                           </a:solidFill>
                           <a:latin typeface="Cambria Math"/>
                           <a:sym typeface="Cambria Math"/>
                         </a:rPr>
-                        <m:t>: </m:t>
+                        <m:t xml:space="preserve">: </m:t>
                       </m:r>
                       <m:r>
-                        <a:rPr sz="1600" i="1">
+                        <a:rPr sz="1200" i="1">
                           <a:solidFill>
                             <a:srgbClr val="000000"/>
                           </a:solidFill>
                           <a:latin typeface="Cambria Math"/>
                           <a:sym typeface="Cambria Math"/>
                         </a:rPr>
-                        <m:t>차량의</m:t>
+                        <m:t>수신 차량</m:t>
                       </m:r>
                       <m:r>
-                        <a:rPr sz="1600" i="1">
+                        <a:rPr sz="1200" i="1">
                           <a:solidFill>
                             <a:srgbClr val="000000"/>
                           </a:solidFill>
                           <a:latin typeface="Cambria Math"/>
                           <a:sym typeface="Cambria Math"/>
                         </a:rPr>
-                        <m:t> </m:t>
+                        <m:t>의</m:t>
                       </m:r>
                       <m:r>
-                        <a:rPr sz="1600" i="1">
+                        <a:rPr sz="1200" i="1">
+                          <a:solidFill>
+                            <a:srgbClr val="000000"/>
+                          </a:solidFill>
+                          <a:latin typeface="Cambria Math"/>
+                          <a:sym typeface="Cambria Math"/>
+                        </a:rPr>
+                        <m:t xml:space="preserve"> </m:t>
+                      </m:r>
+                      <m:r>
+                        <a:rPr sz="1200" i="1">
                           <a:solidFill>
                             <a:srgbClr val="000000"/>
                           </a:solidFill>
@@ -10767,17 +12707,17 @@
                         <m:t>안테나</m:t>
                       </m:r>
                       <m:r>
-                        <a:rPr sz="1600" i="1">
+                        <a:rPr sz="1200" i="1">
                           <a:solidFill>
                             <a:srgbClr val="000000"/>
                           </a:solidFill>
                           <a:latin typeface="Cambria Math"/>
                           <a:sym typeface="Cambria Math"/>
                         </a:rPr>
-                        <m:t> </m:t>
+                        <m:t xml:space="preserve"> </m:t>
                       </m:r>
                       <m:r>
-                        <a:rPr sz="1600" i="1">
+                        <a:rPr sz="1200" i="1">
                           <a:solidFill>
                             <a:srgbClr val="000000"/>
                           </a:solidFill>
@@ -10786,405 +12726,24 @@
                         </a:rPr>
                         <m:t>높이</m:t>
                       </m:r>
-                    </m:oMath>
-                  </m:oMathPara>
-                </a14:m>
-                <a:endParaRPr/>
-              </a:p>
-              <a:p>
-                <a:pPr algn="l"/>
-                <a14:m>
-                  <m:oMathPara xmlns:m="http://schemas.openxmlformats.org/officeDocument/2006/math">
-                    <m:oMathParaPr>
-                      <m:jc m:val="left"/>
-                    </m:oMathParaPr>
-                    <m:oMath xmlns:m="http://schemas.openxmlformats.org/officeDocument/2006/math">
                       <m:r>
-                        <a:rPr sz="1600" i="1">
+                        <a:rPr sz="1200" i="1">
                           <a:solidFill>
                             <a:srgbClr val="000000"/>
                           </a:solidFill>
                           <a:latin typeface="Cambria Math"/>
                           <a:sym typeface="Cambria Math"/>
                         </a:rPr>
-                        <m:t> </m:t>
+                        <m:t xml:space="preserve"> - 1</m:t>
                       </m:r>
                     </m:oMath>
                   </m:oMathPara>
                 </a14:m>
-                <a:endParaRPr/>
-              </a:p>
-              <a:p>
-                <a:pPr algn="l"/>
-                <a14:m>
-                  <m:oMathPara xmlns:m="http://schemas.openxmlformats.org/officeDocument/2006/math">
-                    <m:oMathParaPr>
-                      <m:jc m:val="left"/>
-                    </m:oMathParaPr>
-                    <m:oMath xmlns:m="http://schemas.openxmlformats.org/officeDocument/2006/math">
-                      <m:sSub>
-                        <m:sSubPr>
-                          <m:ctrlPr>
-                            <a:rPr sz="1600" i="1">
-                              <a:solidFill>
-                                <a:srgbClr val="000000"/>
-                              </a:solidFill>
-                              <a:latin typeface="Cambria Math" panose="02040503050406030204" pitchFamily="18" charset="0"/>
-                              <a:sym typeface="Cambria Math"/>
-                            </a:rPr>
-                          </m:ctrlPr>
-                        </m:sSubPr>
-                        <m:e>
-                          <m:r>
-                            <a:rPr sz="1600" i="1">
-                              <a:solidFill>
-                                <a:srgbClr val="000000"/>
-                              </a:solidFill>
-                              <a:latin typeface="Cambria Math"/>
-                              <a:sym typeface="Cambria Math"/>
-                            </a:rPr>
-                            <m:t>𝑛</m:t>
-                          </m:r>
-                        </m:e>
-                        <m:sub>
-                          <m:r>
-                            <a:rPr sz="1600" i="1">
-                              <a:solidFill>
-                                <a:srgbClr val="000000"/>
-                              </a:solidFill>
-                              <a:latin typeface="Cambria Math"/>
-                              <a:sym typeface="Cambria Math"/>
-                            </a:rPr>
-                            <m:t>𝑗</m:t>
-                          </m:r>
-                        </m:sub>
-                      </m:sSub>
-                      <m:r>
-                        <a:rPr sz="1600" i="1">
-                          <a:solidFill>
-                            <a:srgbClr val="000000"/>
-                          </a:solidFill>
-                          <a:latin typeface="Cambria Math"/>
-                          <a:sym typeface="Cambria Math"/>
-                        </a:rPr>
-                        <m:t> : </m:t>
-                      </m:r>
-                      <m:r>
-                        <a:rPr sz="1600" i="1">
-                          <a:solidFill>
-                            <a:srgbClr val="000000"/>
-                          </a:solidFill>
-                          <a:latin typeface="Cambria Math"/>
-                          <a:sym typeface="Cambria Math"/>
-                        </a:rPr>
-                        <m:t>𝑚𝑎𝑥</m:t>
-                      </m:r>
-                      <m:r>
-                        <a:rPr sz="1600" i="1">
-                          <a:solidFill>
-                            <a:srgbClr val="000000"/>
-                          </a:solidFill>
-                          <a:latin typeface="Cambria Math"/>
-                          <a:sym typeface="Cambria Math"/>
-                        </a:rPr>
-                        <m:t>(2.8−0.0024</m:t>
-                      </m:r>
-                      <m:sSub>
-                        <m:sSubPr>
-                          <m:ctrlPr>
-                            <a:rPr sz="1600" i="1">
-                              <a:solidFill>
-                                <a:srgbClr val="000000"/>
-                              </a:solidFill>
-                              <a:latin typeface="Cambria Math" panose="02040503050406030204" pitchFamily="18" charset="0"/>
-                              <a:sym typeface="Cambria Math"/>
-                            </a:rPr>
-                          </m:ctrlPr>
-                        </m:sSubPr>
-                        <m:e>
-                          <m:r>
-                            <a:rPr sz="1600" i="1">
-                              <a:solidFill>
-                                <a:srgbClr val="000000"/>
-                              </a:solidFill>
-                              <a:latin typeface="Cambria Math"/>
-                              <a:sym typeface="Cambria Math"/>
-                            </a:rPr>
-                            <m:t>𝑑</m:t>
-                          </m:r>
-                        </m:e>
-                        <m:sub>
-                          <m:r>
-                            <a:rPr sz="1600" i="1">
-                              <a:solidFill>
-                                <a:srgbClr val="000000"/>
-                              </a:solidFill>
-                              <a:latin typeface="Cambria Math"/>
-                              <a:sym typeface="Cambria Math"/>
-                            </a:rPr>
-                            <m:t>𝑘</m:t>
-                          </m:r>
-                        </m:sub>
-                      </m:sSub>
-                      <m:r>
-                        <a:rPr sz="1600" i="1">
-                          <a:solidFill>
-                            <a:srgbClr val="000000"/>
-                          </a:solidFill>
-                          <a:latin typeface="Cambria Math"/>
-                          <a:sym typeface="Cambria Math"/>
-                        </a:rPr>
-                        <m:t>, 1.84)  </m:t>
-                      </m:r>
-                    </m:oMath>
-                  </m:oMathPara>
-                </a14:m>
-                <a:endParaRPr/>
-              </a:p>
-              <a:p>
-                <a:pPr algn="l"/>
-                <a14:m>
-                  <m:oMathPara xmlns:m="http://schemas.openxmlformats.org/officeDocument/2006/math">
-                    <m:oMathParaPr>
-                      <m:jc m:val="left"/>
-                    </m:oMathParaPr>
-                    <m:oMath xmlns:m="http://schemas.openxmlformats.org/officeDocument/2006/math">
-                      <m:sSub>
-                        <m:sSubPr>
-                          <m:ctrlPr>
-                            <a:rPr sz="1600" i="1">
-                              <a:solidFill>
-                                <a:srgbClr val="000000"/>
-                              </a:solidFill>
-                              <a:latin typeface="Cambria Math" panose="02040503050406030204" pitchFamily="18" charset="0"/>
-                              <a:sym typeface="Cambria Math"/>
-                            </a:rPr>
-                          </m:ctrlPr>
-                        </m:sSubPr>
-                        <m:e>
-                          <m:r>
-                            <a:rPr sz="1600" i="1">
-                              <a:solidFill>
-                                <a:srgbClr val="000000"/>
-                              </a:solidFill>
-                              <a:latin typeface="Cambria Math"/>
-                              <a:sym typeface="Cambria Math"/>
-                            </a:rPr>
-                            <m:t>𝑃𝐿</m:t>
-                          </m:r>
-                        </m:e>
-                        <m:sub>
-                          <m:r>
-                            <a:rPr sz="1600" i="1">
-                              <a:solidFill>
-                                <a:srgbClr val="000000"/>
-                              </a:solidFill>
-                              <a:latin typeface="Cambria Math"/>
-                              <a:sym typeface="Cambria Math"/>
-                            </a:rPr>
-                            <m:t>𝐿𝑂𝑆</m:t>
-                          </m:r>
-                        </m:sub>
-                      </m:sSub>
-                      <m:r>
-                        <a:rPr sz="1600" i="1">
-                          <a:solidFill>
-                            <a:srgbClr val="000000"/>
-                          </a:solidFill>
-                          <a:latin typeface="Cambria Math"/>
-                          <a:sym typeface="Cambria Math"/>
-                        </a:rPr>
-                        <m:t> </m:t>
-                      </m:r>
-                      <m:r>
-                        <a:rPr sz="1600" i="1">
-                          <a:solidFill>
-                            <a:srgbClr val="000000"/>
-                          </a:solidFill>
-                          <a:latin typeface="Cambria Math"/>
-                          <a:sym typeface="Cambria Math"/>
-                        </a:rPr>
-                        <m:t>𝑖𝑠</m:t>
-                      </m:r>
-                      <m:r>
-                        <a:rPr sz="1600" i="1">
-                          <a:solidFill>
-                            <a:srgbClr val="000000"/>
-                          </a:solidFill>
-                          <a:latin typeface="Cambria Math"/>
-                          <a:sym typeface="Cambria Math"/>
-                        </a:rPr>
-                        <m:t> </m:t>
-                      </m:r>
-                      <m:r>
-                        <a:rPr sz="1600" i="1">
-                          <a:solidFill>
-                            <a:srgbClr val="000000"/>
-                          </a:solidFill>
-                          <a:latin typeface="Cambria Math"/>
-                          <a:sym typeface="Cambria Math"/>
-                        </a:rPr>
-                        <m:t>𝑡h𝑒</m:t>
-                      </m:r>
-                      <m:r>
-                        <a:rPr sz="1600" i="1">
-                          <a:solidFill>
-                            <a:srgbClr val="000000"/>
-                          </a:solidFill>
-                          <a:latin typeface="Cambria Math"/>
-                          <a:sym typeface="Cambria Math"/>
-                        </a:rPr>
-                        <m:t> </m:t>
-                      </m:r>
-                      <m:r>
-                        <a:rPr sz="1600" i="1">
-                          <a:solidFill>
-                            <a:srgbClr val="000000"/>
-                          </a:solidFill>
-                          <a:latin typeface="Cambria Math"/>
-                          <a:sym typeface="Cambria Math"/>
-                        </a:rPr>
-                        <m:t>𝑝𝑎𝑡h𝑙𝑜𝑠𝑠</m:t>
-                      </m:r>
-                      <m:r>
-                        <a:rPr sz="1600" i="1">
-                          <a:solidFill>
-                            <a:srgbClr val="000000"/>
-                          </a:solidFill>
-                          <a:latin typeface="Cambria Math"/>
-                          <a:sym typeface="Cambria Math"/>
-                        </a:rPr>
-                        <m:t> </m:t>
-                      </m:r>
-                      <m:r>
-                        <a:rPr sz="1600" i="1">
-                          <a:solidFill>
-                            <a:srgbClr val="000000"/>
-                          </a:solidFill>
-                          <a:latin typeface="Cambria Math"/>
-                          <a:sym typeface="Cambria Math"/>
-                        </a:rPr>
-                        <m:t>𝑜𝑓</m:t>
-                      </m:r>
-                      <m:r>
-                        <a:rPr sz="1600" i="1">
-                          <a:solidFill>
-                            <a:srgbClr val="000000"/>
-                          </a:solidFill>
-                          <a:latin typeface="Cambria Math"/>
-                          <a:sym typeface="Cambria Math"/>
-                        </a:rPr>
-                        <m:t> </m:t>
-                      </m:r>
-                      <m:r>
-                        <a:rPr sz="1600" i="1">
-                          <a:solidFill>
-                            <a:srgbClr val="000000"/>
-                          </a:solidFill>
-                          <a:latin typeface="Cambria Math"/>
-                          <a:sym typeface="Cambria Math"/>
-                        </a:rPr>
-                        <m:t>𝐿𝑂𝑆</m:t>
-                      </m:r>
-                      <m:r>
-                        <a:rPr sz="1600" i="1">
-                          <a:solidFill>
-                            <a:srgbClr val="000000"/>
-                          </a:solidFill>
-                          <a:latin typeface="Cambria Math"/>
-                          <a:sym typeface="Cambria Math"/>
-                        </a:rPr>
-                        <m:t> </m:t>
-                      </m:r>
-                      <m:r>
-                        <a:rPr sz="1600" i="1">
-                          <a:solidFill>
-                            <a:srgbClr val="000000"/>
-                          </a:solidFill>
-                          <a:latin typeface="Cambria Math"/>
-                          <a:sym typeface="Cambria Math"/>
-                        </a:rPr>
-                        <m:t>𝑠𝑐𝑒𝑛𝑎𝑟𝑖𝑜</m:t>
-                      </m:r>
-                      <m:r>
-                        <a:rPr sz="1600" i="1">
-                          <a:solidFill>
-                            <a:srgbClr val="000000"/>
-                          </a:solidFill>
-                          <a:latin typeface="Cambria Math"/>
-                          <a:sym typeface="Cambria Math"/>
-                        </a:rPr>
-                        <m:t> </m:t>
-                      </m:r>
-                      <m:r>
-                        <a:rPr sz="1600" i="1">
-                          <a:solidFill>
-                            <a:srgbClr val="000000"/>
-                          </a:solidFill>
-                          <a:latin typeface="Cambria Math"/>
-                          <a:sym typeface="Cambria Math"/>
-                        </a:rPr>
-                        <m:t>𝑎𝑛𝑑</m:t>
-                      </m:r>
-                      <m:r>
-                        <a:rPr sz="1600" i="1">
-                          <a:solidFill>
-                            <a:srgbClr val="000000"/>
-                          </a:solidFill>
-                          <a:latin typeface="Cambria Math"/>
-                          <a:sym typeface="Cambria Math"/>
-                        </a:rPr>
-                        <m:t> </m:t>
-                      </m:r>
-                      <m:r>
-                        <a:rPr sz="1600" i="1">
-                          <a:solidFill>
-                            <a:srgbClr val="000000"/>
-                          </a:solidFill>
-                          <a:latin typeface="Cambria Math"/>
-                          <a:sym typeface="Cambria Math"/>
-                        </a:rPr>
-                        <m:t>𝑘</m:t>
-                      </m:r>
-                      <m:r>
-                        <a:rPr sz="1600" i="1">
-                          <a:solidFill>
-                            <a:srgbClr val="000000"/>
-                          </a:solidFill>
-                          <a:latin typeface="Cambria Math"/>
-                          <a:sym typeface="Cambria Math"/>
-                        </a:rPr>
-                        <m:t>,</m:t>
-                      </m:r>
-                      <m:r>
-                        <a:rPr sz="1600" i="1">
-                          <a:solidFill>
-                            <a:srgbClr val="000000"/>
-                          </a:solidFill>
-                          <a:latin typeface="Cambria Math"/>
-                          <a:sym typeface="Cambria Math"/>
-                        </a:rPr>
-                        <m:t>𝑙</m:t>
-                      </m:r>
-                      <m:r>
-                        <a:rPr sz="1600" i="1">
-                          <a:solidFill>
-                            <a:srgbClr val="000000"/>
-                          </a:solidFill>
-                          <a:latin typeface="Cambria Math"/>
-                          <a:sym typeface="Cambria Math"/>
-                        </a:rPr>
-                        <m:t>∈{1,2}  </m:t>
-                      </m:r>
-                    </m:oMath>
-                  </m:oMathPara>
-                </a14:m>
-                <a:endParaRPr/>
               </a:p>
             </p:txBody>
           </p:sp>
         </mc:Choice>
-        <mc:Fallback xmlns:dsp="http://schemas.microsoft.com/office/drawing/2008/diagram" xmlns:dgm="http://schemas.openxmlformats.org/drawingml/2006/diagram" xmlns:c="http://schemas.openxmlformats.org/drawingml/2006/chart" xmlns="">
+        <mc:Fallback>
           <p:sp>
             <p:nvSpPr>
               <p:cNvPr id="304" name=""/>
@@ -11193,8 +12752,8 @@
             </p:nvSpPr>
             <p:spPr>
               <a:xfrm>
-                <a:off x="179512" y="1543050"/>
-                <a:ext cx="9220200" cy="5248275"/>
+                <a:off x="640221" y="1600918"/>
+                <a:ext cx="7496174" cy="4924425"/>
               </a:xfrm>
               <a:prstGeom prst="rect">
                 <a:avLst/>
@@ -11209,16 +12768,40 @@
           </p:sp>
         </mc:Fallback>
       </mc:AlternateContent>
+      <p:pic>
+        <p:nvPicPr>
+          <p:cNvPr id="305" name=""/>
+          <p:cNvPicPr>
+            <a:picLocks noChangeAspect="1"/>
+          </p:cNvPicPr>
+          <p:nvPr/>
+        </p:nvPicPr>
+        <p:blipFill rotWithShape="1">
+          <a:blip r:embed="rId4"/>
+          <a:stretch>
+            <a:fillRect/>
+          </a:stretch>
+        </p:blipFill>
+        <p:spPr>
+          <a:xfrm>
+            <a:off x="6084168" y="4284103"/>
+            <a:ext cx="2494042" cy="2061221"/>
+          </a:xfrm>
+          <a:prstGeom prst="rect">
+            <a:avLst/>
+          </a:prstGeom>
+        </p:spPr>
+      </p:pic>
     </p:spTree>
   </p:cSld>
   <p:clrMapOvr>
     <a:masterClrMapping/>
   </p:clrMapOvr>
-  <mc:AlternateContent xmlns:mc="http://schemas.openxmlformats.org/markup-compatibility/2006" xmlns:p14="http://schemas.microsoft.com/office/powerpoint/2010/main">
-    <mc:Choice Requires="p14">
-      <p:transition/>
+  <mc:AlternateContent xmlns:mc="http://schemas.openxmlformats.org/markup-compatibility/2006">
+    <mc:Choice xmlns:p14="http://schemas.microsoft.com/office/powerpoint/2010/main" Requires="p14">
+      <p:transition xmlns:mc="http://schemas.openxmlformats.org/markup-compatibility/2006" xmlns:p14="http://schemas.microsoft.com/office/powerpoint/2010/main" mc:Ignorable="p14" p14:dur="500"/>
     </mc:Choice>
-    <mc:Fallback xmlns:dsp="http://schemas.microsoft.com/office/drawing/2008/diagram" xmlns:dgm="http://schemas.openxmlformats.org/drawingml/2006/diagram" xmlns:c="http://schemas.openxmlformats.org/drawingml/2006/chart" xmlns="">
+    <mc:Fallback>
       <p:transition/>
     </mc:Fallback>
   </mc:AlternateContent>
@@ -11226,6 +12809,531 @@
 </file>
 
 <file path=ppt/slides/slide15.xml><?xml version="1.0" encoding="utf-8"?>
+<p:sld xmlns:r="http://schemas.openxmlformats.org/officeDocument/2006/relationships" xmlns:c="http://schemas.openxmlformats.org/drawingml/2006/chart" xmlns:a="http://schemas.openxmlformats.org/drawingml/2006/main" xmlns:dgm="http://schemas.openxmlformats.org/drawingml/2006/diagram" xmlns:dsp="http://schemas.microsoft.com/office/drawing/2008/diagram" xmlns:p="http://schemas.openxmlformats.org/presentationml/2006/main">
+  <p:cSld>
+    <p:spTree>
+      <p:nvGrpSpPr>
+        <p:cNvPr id="1" name=""/>
+        <p:cNvGrpSpPr/>
+        <p:nvPr/>
+      </p:nvGrpSpPr>
+      <p:grpSpPr>
+        <a:xfrm>
+          <a:off x="0" y="0"/>
+          <a:ext cx="0" cy="0"/>
+          <a:chOff x="0" y="0"/>
+          <a:chExt cx="0" cy="0"/>
+        </a:xfrm>
+      </p:grpSpPr>
+      <p:sp>
+        <p:nvSpPr>
+          <p:cNvPr id="2" name="제목 1"/>
+          <p:cNvSpPr>
+            <a:spLocks noGrp="1"/>
+          </p:cNvSpPr>
+          <p:nvPr>
+            <p:ph type="title" idx="0"/>
+          </p:nvPr>
+        </p:nvSpPr>
+        <p:spPr/>
+        <p:txBody>
+          <a:bodyPr/>
+          <a:lstStyle/>
+          <a:p>
+            <a:pPr marL="0" marR="0" indent="0" defTabSz="914400" rtl="0" eaLnBrk="1" latinLnBrk="0" hangingPunct="1">
+              <a:lnSpc>
+                <a:spcPct val="100000"/>
+              </a:lnSpc>
+              <a:spcBef>
+                <a:spcPct val="0"/>
+              </a:spcBef>
+              <a:spcAft>
+                <a:spcPct val="0"/>
+              </a:spcAft>
+              <a:buClrTx/>
+              <a:buFontTx/>
+              <a:buNone/>
+              <a:defRPr/>
+            </a:pPr>
+            <a:r>
+              <a:rPr lang="en-US" altLang="ko-KR" sz="2700">
+                <a:solidFill>
+                  <a:schemeClr val="tx2"/>
+                </a:solidFill>
+                <a:latin typeface="+mj-lt"/>
+                <a:ea typeface="맑은 고딕"/>
+              </a:rPr>
+              <a:t>Initialize V2V(Vehicle to Vehicle) link  </a:t>
+            </a:r>
+            <a:endParaRPr lang="en-US" altLang="ko-KR" sz="2700">
+              <a:solidFill>
+                <a:schemeClr val="tx2"/>
+              </a:solidFill>
+              <a:latin typeface="+mj-lt"/>
+              <a:ea typeface="맑은 고딕"/>
+            </a:endParaRPr>
+          </a:p>
+        </p:txBody>
+      </p:sp>
+      <p:sp>
+        <p:nvSpPr>
+          <p:cNvPr id="303" name="TextBox 302"/>
+          <p:cNvSpPr txBox="1"/>
+          <p:nvPr/>
+        </p:nvSpPr>
+        <p:spPr>
+          <a:xfrm>
+            <a:off x="161510" y="872716"/>
+            <a:ext cx="8820980" cy="5650004"/>
+          </a:xfrm>
+          <a:prstGeom prst="rect">
+            <a:avLst/>
+          </a:prstGeom>
+          <a:noFill/>
+          <a:ln w="9525">
+            <a:noFill/>
+            <a:miter/>
+          </a:ln>
+        </p:spPr>
+        <p:txBody>
+          <a:bodyPr vert="horz" wrap="square" lIns="91440" tIns="45720" rIns="91440" bIns="45720" anchor="t" anchorCtr="0">
+            <a:prstTxWarp prst="textNoShape">
+              <a:avLst/>
+            </a:prstTxWarp>
+            <a:spAutoFit/>
+          </a:bodyPr>
+          <a:lstStyle/>
+          <a:p>
+            <a:pPr marL="0" indent="0" eaLnBrk="0" hangingPunct="0">
+              <a:spcBef>
+                <a:spcPct val="20000"/>
+              </a:spcBef>
+              <a:buSzPct val="120000"/>
+              <a:buFont typeface="Wingdings"/>
+              <a:buNone/>
+              <a:defRPr/>
+            </a:pPr>
+            <a:r>
+              <a:rPr lang="en-US" altLang="ko-KR" sz="2200">
+                <a:solidFill>
+                  <a:srgbClr val="000000"/>
+                </a:solidFill>
+                <a:latin typeface="+mn-lt"/>
+                <a:ea typeface="맑은 고딕"/>
+              </a:rPr>
+              <a:t>Small scale fading(N :</a:t>
+            </a:r>
+            <a:r>
+              <a:rPr lang="ko-KR" altLang="en-US" sz="2200">
+                <a:solidFill>
+                  <a:srgbClr val="000000"/>
+                </a:solidFill>
+                <a:latin typeface="+mn-lt"/>
+                <a:ea typeface="맑은 고딕"/>
+              </a:rPr>
+              <a:t>차량의 수</a:t>
+            </a:r>
+            <a:r>
+              <a:rPr lang="en-US" altLang="ko-KR" sz="2200">
+                <a:solidFill>
+                  <a:srgbClr val="000000"/>
+                </a:solidFill>
+                <a:latin typeface="+mn-lt"/>
+                <a:ea typeface="맑은 고딕"/>
+              </a:rPr>
+              <a:t>, R : Resource block</a:t>
+            </a:r>
+            <a:r>
+              <a:rPr lang="ko-KR" altLang="en-US" sz="2200">
+                <a:solidFill>
+                  <a:srgbClr val="000000"/>
+                </a:solidFill>
+                <a:latin typeface="+mn-lt"/>
+                <a:ea typeface="맑은 고딕"/>
+              </a:rPr>
+              <a:t> </a:t>
+            </a:r>
+            <a:r>
+              <a:rPr lang="en-US" altLang="ko-KR" sz="2200">
+                <a:solidFill>
+                  <a:srgbClr val="000000"/>
+                </a:solidFill>
+                <a:latin typeface="+mn-lt"/>
+                <a:ea typeface="맑은 고딕"/>
+              </a:rPr>
+              <a:t>)</a:t>
+            </a:r>
+            <a:endParaRPr lang="en-US" altLang="ko-KR" sz="2200">
+              <a:solidFill>
+                <a:srgbClr val="000000"/>
+              </a:solidFill>
+              <a:latin typeface="+mn-lt"/>
+              <a:ea typeface="맑은 고딕"/>
+            </a:endParaRPr>
+          </a:p>
+          <a:p>
+            <a:pPr marL="0" indent="0" eaLnBrk="0" hangingPunct="0">
+              <a:spcBef>
+                <a:spcPct val="20000"/>
+              </a:spcBef>
+              <a:buSzPct val="120000"/>
+              <a:buFont typeface="Wingdings"/>
+              <a:buNone/>
+              <a:defRPr/>
+            </a:pPr>
+            <a:r>
+              <a:rPr lang="en-US" altLang="ko-KR" sz="2200">
+                <a:solidFill>
+                  <a:srgbClr val="000000"/>
+                </a:solidFill>
+                <a:latin typeface="+mn-lt"/>
+                <a:ea typeface="맑은 고딕"/>
+              </a:rPr>
+              <a:t>    - Fast fading (NxNxR matrix)</a:t>
+            </a:r>
+            <a:endParaRPr lang="en-US" altLang="ko-KR" sz="2200">
+              <a:solidFill>
+                <a:srgbClr val="000000"/>
+              </a:solidFill>
+              <a:latin typeface="+mn-lt"/>
+              <a:ea typeface="맑은 고딕"/>
+            </a:endParaRPr>
+          </a:p>
+          <a:p>
+            <a:pPr marL="0" indent="0" eaLnBrk="0" hangingPunct="0">
+              <a:spcBef>
+                <a:spcPct val="20000"/>
+              </a:spcBef>
+              <a:buSzPct val="120000"/>
+              <a:buFont typeface="Wingdings"/>
+              <a:buNone/>
+              <a:defRPr/>
+            </a:pPr>
+            <a:r>
+              <a:rPr lang="ko-KR" altLang="en-US" sz="2200">
+                <a:solidFill>
+                  <a:srgbClr val="000000"/>
+                </a:solidFill>
+                <a:latin typeface="+mn-lt"/>
+                <a:ea typeface="맑은 고딕"/>
+              </a:rPr>
+              <a:t>   </a:t>
+            </a:r>
+            <a:r>
+              <a:rPr lang="en-US" altLang="ko-KR" sz="2200">
+                <a:solidFill>
+                  <a:srgbClr val="000000"/>
+                </a:solidFill>
+                <a:latin typeface="+mn-lt"/>
+                <a:ea typeface="맑은 고딕"/>
+              </a:rPr>
+              <a:t>(Fast fading</a:t>
+            </a:r>
+            <a:r>
+              <a:rPr lang="ko-KR" altLang="en-US" sz="2200">
+                <a:solidFill>
+                  <a:srgbClr val="000000"/>
+                </a:solidFill>
+                <a:latin typeface="+mn-lt"/>
+                <a:ea typeface="맑은 고딕"/>
+              </a:rPr>
+              <a:t>은 </a:t>
+            </a:r>
+            <a:r>
+              <a:rPr lang="en-US" altLang="ko-KR" sz="2200">
+                <a:solidFill>
+                  <a:srgbClr val="000000"/>
+                </a:solidFill>
+                <a:latin typeface="+mn-lt"/>
+                <a:ea typeface="맑은 고딕"/>
+              </a:rPr>
+              <a:t>position</a:t>
+            </a:r>
+            <a:r>
+              <a:rPr lang="ko-KR" altLang="en-US" sz="2200">
+                <a:solidFill>
+                  <a:srgbClr val="000000"/>
+                </a:solidFill>
+                <a:latin typeface="+mn-lt"/>
+                <a:ea typeface="맑은 고딕"/>
+              </a:rPr>
+              <a:t>의 영향을 받지 않음</a:t>
+            </a:r>
+            <a:r>
+              <a:rPr lang="en-US" altLang="ko-KR" sz="2200">
+                <a:solidFill>
+                  <a:srgbClr val="000000"/>
+                </a:solidFill>
+                <a:latin typeface="+mn-lt"/>
+                <a:ea typeface="맑은 고딕"/>
+              </a:rPr>
+              <a:t>.)</a:t>
+            </a:r>
+            <a:endParaRPr lang="en-US" altLang="ko-KR" sz="2200">
+              <a:solidFill>
+                <a:srgbClr val="000000"/>
+              </a:solidFill>
+              <a:latin typeface="+mn-lt"/>
+              <a:ea typeface="맑은 고딕"/>
+            </a:endParaRPr>
+          </a:p>
+          <a:p>
+            <a:pPr marL="0" indent="0" eaLnBrk="0" hangingPunct="0">
+              <a:spcBef>
+                <a:spcPct val="20000"/>
+              </a:spcBef>
+              <a:buSzPct val="120000"/>
+              <a:buFont typeface="Wingdings"/>
+              <a:buNone/>
+              <a:defRPr/>
+            </a:pPr>
+            <a:r>
+              <a:rPr lang="en-US" altLang="ko-KR" sz="2200">
+                <a:solidFill>
+                  <a:srgbClr val="000000"/>
+                </a:solidFill>
+                <a:latin typeface="+mn-lt"/>
+                <a:ea typeface="맑은 고딕"/>
+              </a:rPr>
+              <a:t>　　</a:t>
+            </a:r>
+            <a:endParaRPr lang="en-US" altLang="ko-KR" sz="2200">
+              <a:solidFill>
+                <a:srgbClr val="000000"/>
+              </a:solidFill>
+              <a:latin typeface="+mn-lt"/>
+              <a:ea typeface="맑은 고딕"/>
+            </a:endParaRPr>
+          </a:p>
+          <a:p>
+            <a:pPr marL="0" indent="0" eaLnBrk="0" hangingPunct="0">
+              <a:spcBef>
+                <a:spcPct val="20000"/>
+              </a:spcBef>
+              <a:buSzPct val="120000"/>
+              <a:buFont typeface="Wingdings"/>
+              <a:buNone/>
+              <a:defRPr/>
+            </a:pPr>
+            <a:endParaRPr lang="en-US" altLang="ko-KR" sz="2200">
+              <a:solidFill>
+                <a:srgbClr val="000000"/>
+              </a:solidFill>
+              <a:latin typeface="+mn-lt"/>
+              <a:ea typeface="맑은 고딕"/>
+            </a:endParaRPr>
+          </a:p>
+          <a:p>
+            <a:pPr marL="0" indent="0" eaLnBrk="0" hangingPunct="0">
+              <a:spcBef>
+                <a:spcPct val="20000"/>
+              </a:spcBef>
+              <a:buSzPct val="120000"/>
+              <a:buFont typeface="Wingdings"/>
+              <a:buNone/>
+              <a:defRPr/>
+            </a:pPr>
+            <a:endParaRPr lang="en-US" altLang="ko-KR" sz="2200">
+              <a:solidFill>
+                <a:srgbClr val="000000"/>
+              </a:solidFill>
+              <a:latin typeface="+mn-lt"/>
+              <a:ea typeface="맑은 고딕"/>
+            </a:endParaRPr>
+          </a:p>
+          <a:p>
+            <a:pPr marL="0" indent="0" eaLnBrk="0" hangingPunct="0">
+              <a:spcBef>
+                <a:spcPct val="20000"/>
+              </a:spcBef>
+              <a:buSzPct val="120000"/>
+              <a:buFont typeface="Wingdings"/>
+              <a:buNone/>
+              <a:defRPr/>
+            </a:pPr>
+            <a:endParaRPr lang="en-US" altLang="ko-KR" sz="2200">
+              <a:solidFill>
+                <a:srgbClr val="000000"/>
+              </a:solidFill>
+              <a:latin typeface="+mn-lt"/>
+              <a:ea typeface="맑은 고딕"/>
+            </a:endParaRPr>
+          </a:p>
+          <a:p>
+            <a:pPr marL="0" indent="0" eaLnBrk="0" hangingPunct="0">
+              <a:spcBef>
+                <a:spcPct val="20000"/>
+              </a:spcBef>
+              <a:buSzPct val="120000"/>
+              <a:buFont typeface="Wingdings"/>
+              <a:buNone/>
+              <a:defRPr/>
+            </a:pPr>
+            <a:endParaRPr lang="en-US" altLang="ko-KR" sz="2200">
+              <a:solidFill>
+                <a:srgbClr val="000000"/>
+              </a:solidFill>
+              <a:latin typeface="+mn-lt"/>
+              <a:ea typeface="맑은 고딕"/>
+            </a:endParaRPr>
+          </a:p>
+          <a:p>
+            <a:pPr marL="0" indent="0" eaLnBrk="0" hangingPunct="0">
+              <a:spcBef>
+                <a:spcPct val="20000"/>
+              </a:spcBef>
+              <a:buSzPct val="120000"/>
+              <a:buFont typeface="Wingdings"/>
+              <a:buNone/>
+              <a:defRPr/>
+            </a:pPr>
+            <a:r>
+              <a:rPr lang="en-US" altLang="ko-KR" sz="2200">
+                <a:solidFill>
+                  <a:srgbClr val="000000"/>
+                </a:solidFill>
+                <a:latin typeface="+mn-lt"/>
+                <a:ea typeface="맑은 고딕"/>
+              </a:rPr>
+              <a:t>　　</a:t>
+            </a:r>
+            <a:r>
+              <a:rPr lang="ko-KR" altLang="en-US" sz="2200">
+                <a:solidFill>
+                  <a:srgbClr val="000000"/>
+                </a:solidFill>
+                <a:latin typeface="+mn-lt"/>
+                <a:ea typeface="맑은 고딕"/>
+              </a:rPr>
+              <a:t> </a:t>
+            </a:r>
+            <a:r>
+              <a:rPr lang="en-US" altLang="ko-KR" sz="2200">
+                <a:solidFill>
+                  <a:srgbClr val="000000"/>
+                </a:solidFill>
+                <a:latin typeface="+mn-lt"/>
+                <a:ea typeface="맑은 고딕"/>
+              </a:rPr>
+              <a:t>    </a:t>
+            </a:r>
+            <a:endParaRPr lang="en-US" altLang="ko-KR" sz="2200">
+              <a:solidFill>
+                <a:srgbClr val="000000"/>
+              </a:solidFill>
+              <a:latin typeface="+mn-lt"/>
+              <a:ea typeface="맑은 고딕"/>
+            </a:endParaRPr>
+          </a:p>
+          <a:p>
+            <a:pPr marL="0" indent="0" eaLnBrk="0" hangingPunct="0">
+              <a:spcBef>
+                <a:spcPct val="20000"/>
+              </a:spcBef>
+              <a:buSzPct val="120000"/>
+              <a:buFont typeface="Wingdings"/>
+              <a:buNone/>
+              <a:defRPr/>
+            </a:pPr>
+            <a:endParaRPr lang="en-US" altLang="ko-KR" sz="2200">
+              <a:solidFill>
+                <a:srgbClr val="000000"/>
+              </a:solidFill>
+              <a:latin typeface="+mn-lt"/>
+              <a:ea typeface="맑은 고딕"/>
+            </a:endParaRPr>
+          </a:p>
+          <a:p>
+            <a:pPr marL="0" indent="0" eaLnBrk="0" hangingPunct="0">
+              <a:spcBef>
+                <a:spcPct val="20000"/>
+              </a:spcBef>
+              <a:buSzPct val="120000"/>
+              <a:buFont typeface="Wingdings"/>
+              <a:buNone/>
+              <a:defRPr/>
+            </a:pPr>
+            <a:endParaRPr lang="en-US" altLang="ko-KR" sz="2200">
+              <a:solidFill>
+                <a:srgbClr val="000000"/>
+              </a:solidFill>
+              <a:latin typeface="+mn-lt"/>
+              <a:ea typeface="맑은 고딕"/>
+            </a:endParaRPr>
+          </a:p>
+          <a:p>
+            <a:pPr marL="0" indent="0" eaLnBrk="0" hangingPunct="0">
+              <a:spcBef>
+                <a:spcPct val="20000"/>
+              </a:spcBef>
+              <a:buSzPct val="120000"/>
+              <a:buFont typeface="Wingdings"/>
+              <a:buNone/>
+              <a:defRPr/>
+            </a:pPr>
+            <a:endParaRPr lang="en-US" altLang="ko-KR" sz="2200">
+              <a:solidFill>
+                <a:srgbClr val="000000"/>
+              </a:solidFill>
+              <a:latin typeface="+mn-lt"/>
+              <a:ea typeface="맑은 고딕"/>
+            </a:endParaRPr>
+          </a:p>
+          <a:p>
+            <a:pPr marL="0" indent="0" eaLnBrk="0" hangingPunct="0">
+              <a:spcBef>
+                <a:spcPct val="20000"/>
+              </a:spcBef>
+              <a:buSzPct val="120000"/>
+              <a:buFont typeface="Wingdings"/>
+              <a:buNone/>
+              <a:defRPr/>
+            </a:pPr>
+            <a:endParaRPr lang="en-US" altLang="ko-KR" sz="2200">
+              <a:solidFill>
+                <a:srgbClr val="000000"/>
+              </a:solidFill>
+              <a:latin typeface="+mn-lt"/>
+              <a:ea typeface="맑은 고딕"/>
+            </a:endParaRPr>
+          </a:p>
+          <a:p>
+            <a:pPr marL="0" indent="0" eaLnBrk="0" hangingPunct="0">
+              <a:spcBef>
+                <a:spcPct val="20000"/>
+              </a:spcBef>
+              <a:buSzPct val="120000"/>
+              <a:buFont typeface="Wingdings"/>
+              <a:buNone/>
+              <a:defRPr/>
+            </a:pPr>
+            <a:endParaRPr lang="en-US" altLang="ko-KR" sz="2200">
+              <a:solidFill>
+                <a:srgbClr val="000000"/>
+              </a:solidFill>
+              <a:latin typeface="+mn-lt"/>
+              <a:ea typeface="맑은 고딕"/>
+            </a:endParaRPr>
+          </a:p>
+        </p:txBody>
+      </p:sp>
+    </p:spTree>
+  </p:cSld>
+  <p:clrMapOvr>
+    <a:masterClrMapping/>
+  </p:clrMapOvr>
+  <mc:AlternateContent xmlns:mc="http://schemas.openxmlformats.org/markup-compatibility/2006">
+    <mc:Choice xmlns:p14="http://schemas.microsoft.com/office/powerpoint/2010/main" Requires="p14">
+      <p:transition xmlns:mc="http://schemas.openxmlformats.org/markup-compatibility/2006" xmlns:p14="http://schemas.microsoft.com/office/powerpoint/2010/main" mc:Ignorable="p14" p14:dur="500"/>
+    </mc:Choice>
+    <mc:Fallback>
+      <p:transition/>
+    </mc:Fallback>
+  </mc:AlternateContent>
+</p:sld>
+</file>
+
+<file path=ppt/slides/slide16.xml><?xml version="1.0" encoding="utf-8"?>
 <p:sld xmlns:a="http://schemas.openxmlformats.org/drawingml/2006/main" xmlns:r="http://schemas.openxmlformats.org/officeDocument/2006/relationships" xmlns:p="http://schemas.openxmlformats.org/presentationml/2006/main">
   <p:cSld>
     <p:spTree>
@@ -11398,7 +13506,7 @@
 </p:sld>
 </file>
 
-<file path=ppt/slides/slide16.xml><?xml version="1.0" encoding="utf-8"?>
+<file path=ppt/slides/slide17.xml><?xml version="1.0" encoding="utf-8"?>
 <p:sld xmlns:a="http://schemas.openxmlformats.org/drawingml/2006/main" xmlns:r="http://schemas.openxmlformats.org/officeDocument/2006/relationships" xmlns:p="http://schemas.openxmlformats.org/presentationml/2006/main">
   <p:cSld>
     <p:spTree>
@@ -12285,7 +14393,7 @@
 </p:sld>
 </file>
 
-<file path=ppt/slides/slide17.xml><?xml version="1.0" encoding="utf-8"?>
+<file path=ppt/slides/slide18.xml><?xml version="1.0" encoding="utf-8"?>
 <p:sld xmlns:a="http://schemas.openxmlformats.org/drawingml/2006/main" xmlns:r="http://schemas.openxmlformats.org/officeDocument/2006/relationships" xmlns:p="http://schemas.openxmlformats.org/presentationml/2006/main">
   <p:cSld>
     <p:spTree>
@@ -22838,41 +24946,41 @@
 </file>
 
 <file path=ppt/theme/theme1.xml><?xml version="1.0" encoding="utf-8"?>
-<a:theme xmlns:a="http://schemas.openxmlformats.org/drawingml/2006/main" name="Sample presentation slides">
+<a:theme xmlns:r="http://schemas.openxmlformats.org/officeDocument/2006/relationships" xmlns:c="http://schemas.openxmlformats.org/drawingml/2006/chart" xmlns:dgm="http://schemas.openxmlformats.org/drawingml/2006/diagram" xmlns:dsp="http://schemas.microsoft.com/office/drawing/2008/diagram" xmlns:a="http://schemas.openxmlformats.org/drawingml/2006/main" xmlns:pic="http://schemas.openxmlformats.org/drawingml/2006/picture" xmlns:wp="http://schemas.openxmlformats.org/drawingml/2006/wordprocessingDrawing" xmlns:xdr="http://schemas.openxmlformats.org/drawingml/2006/spreadsheetDrawing" xmlns:lc="http://schemas.openxmlformats.org/drawingml/2006/lockedCanvas" xmlns:p="http://schemas.openxmlformats.org/presentationml/2006/main" name="Sample presentation slides">
   <a:themeElements>
     <a:clrScheme name="Sample presentation slides 1">
       <a:dk1>
-        <a:srgbClr val="1D528D"/>
+        <a:srgbClr val="1d528d"/>
       </a:dk1>
       <a:lt1>
-        <a:srgbClr val="FFFFFF"/>
+        <a:srgbClr val="ffffff"/>
       </a:lt1>
       <a:dk2>
         <a:srgbClr val="000000"/>
       </a:dk2>
       <a:lt2>
-        <a:srgbClr val="B2B2B2"/>
+        <a:srgbClr val="b2b2b2"/>
       </a:lt2>
       <a:accent1>
-        <a:srgbClr val="2D6BC7"/>
+        <a:srgbClr val="2d6bc7"/>
       </a:accent1>
       <a:accent2>
-        <a:srgbClr val="FF9900"/>
+        <a:srgbClr val="ff9900"/>
       </a:accent2>
       <a:accent3>
-        <a:srgbClr val="FFFFFF"/>
+        <a:srgbClr val="ffffff"/>
       </a:accent3>
       <a:accent4>
         <a:srgbClr val="174578"/>
       </a:accent4>
       <a:accent5>
-        <a:srgbClr val="ADBAE0"/>
+        <a:srgbClr val="adbae0"/>
       </a:accent5>
       <a:accent6>
-        <a:srgbClr val="E78A00"/>
+        <a:srgbClr val="e78a00"/>
       </a:accent6>
       <a:hlink>
-        <a:srgbClr val="9999FF"/>
+        <a:srgbClr val="9999ff"/>
       </a:hlink>
       <a:folHlink>
         <a:srgbClr val="969696"/>
@@ -23175,19 +25283,18 @@
       </a:lstStyle>
     </a:txDef>
   </a:objectDefaults>
-  <a:extraClrSchemeLst/>
 </a:theme>
 </file>
 
 <file path=ppt/theme/theme2.xml><?xml version="1.0" encoding="utf-8"?>
-<a:theme xmlns:a="http://schemas.openxmlformats.org/drawingml/2006/main" name="Office 테마">
+<a:theme xmlns:r="http://schemas.openxmlformats.org/officeDocument/2006/relationships" xmlns:c="http://schemas.openxmlformats.org/drawingml/2006/chart" xmlns:dgm="http://schemas.openxmlformats.org/drawingml/2006/diagram" xmlns:dsp="http://schemas.microsoft.com/office/drawing/2008/diagram" xmlns:a="http://schemas.openxmlformats.org/drawingml/2006/main" xmlns:pic="http://schemas.openxmlformats.org/drawingml/2006/picture" xmlns:wp="http://schemas.openxmlformats.org/drawingml/2006/wordprocessingDrawing" xmlns:xdr="http://schemas.openxmlformats.org/drawingml/2006/spreadsheetDrawing" xmlns:lc="http://schemas.openxmlformats.org/drawingml/2006/lockedCanvas" xmlns:p="http://schemas.openxmlformats.org/presentationml/2006/main" name="Office 테마">
   <a:themeElements>
     <a:clrScheme name="">
       <a:dk1>
         <a:srgbClr val="000000"/>
       </a:dk1>
       <a:lt1>
-        <a:srgbClr val="FFFFFF"/>
+        <a:srgbClr val="ffffff"/>
       </a:lt1>
       <a:dk2>
         <a:srgbClr val="000000"/>
@@ -23196,28 +25303,28 @@
         <a:srgbClr val="808080"/>
       </a:lt2>
       <a:accent1>
-        <a:srgbClr val="BBE0E3"/>
+        <a:srgbClr val="bbe0e3"/>
       </a:accent1>
       <a:accent2>
         <a:srgbClr val="333399"/>
       </a:accent2>
       <a:accent3>
-        <a:srgbClr val="FFFFFF"/>
+        <a:srgbClr val="ffffff"/>
       </a:accent3>
       <a:accent4>
         <a:srgbClr val="000000"/>
       </a:accent4>
       <a:accent5>
-        <a:srgbClr val="DAEDEF"/>
+        <a:srgbClr val="daedef"/>
       </a:accent5>
       <a:accent6>
-        <a:srgbClr val="2D2D8A"/>
+        <a:srgbClr val="2d2d8a"/>
       </a:accent6>
       <a:hlink>
         <a:srgbClr val="009999"/>
       </a:hlink>
       <a:folHlink>
-        <a:srgbClr val="99CC00"/>
+        <a:srgbClr val="99cc00"/>
       </a:folHlink>
     </a:clrScheme>
     <a:fontScheme name="Office">
@@ -23457,20 +25564,18 @@
       </a:bgFillStyleLst>
     </a:fmtScheme>
   </a:themeElements>
-  <a:objectDefaults/>
-  <a:extraClrSchemeLst/>
 </a:theme>
 </file>
 
 <file path=ppt/theme/theme3.xml><?xml version="1.0" encoding="utf-8"?>
-<a:theme xmlns:a="http://schemas.openxmlformats.org/drawingml/2006/main" name="Office 테마">
+<a:theme xmlns:r="http://schemas.openxmlformats.org/officeDocument/2006/relationships" xmlns:c="http://schemas.openxmlformats.org/drawingml/2006/chart" xmlns:dgm="http://schemas.openxmlformats.org/drawingml/2006/diagram" xmlns:dsp="http://schemas.microsoft.com/office/drawing/2008/diagram" xmlns:a="http://schemas.openxmlformats.org/drawingml/2006/main" xmlns:pic="http://schemas.openxmlformats.org/drawingml/2006/picture" xmlns:wp="http://schemas.openxmlformats.org/drawingml/2006/wordprocessingDrawing" xmlns:xdr="http://schemas.openxmlformats.org/drawingml/2006/spreadsheetDrawing" xmlns:lc="http://schemas.openxmlformats.org/drawingml/2006/lockedCanvas" xmlns:p="http://schemas.openxmlformats.org/presentationml/2006/main" name="Office 테마">
   <a:themeElements>
     <a:clrScheme name="">
       <a:dk1>
         <a:srgbClr val="000000"/>
       </a:dk1>
       <a:lt1>
-        <a:srgbClr val="FFFFFF"/>
+        <a:srgbClr val="ffffff"/>
       </a:lt1>
       <a:dk2>
         <a:srgbClr val="000000"/>
@@ -23479,28 +25584,28 @@
         <a:srgbClr val="808080"/>
       </a:lt2>
       <a:accent1>
-        <a:srgbClr val="BBE0E3"/>
+        <a:srgbClr val="bbe0e3"/>
       </a:accent1>
       <a:accent2>
         <a:srgbClr val="333399"/>
       </a:accent2>
       <a:accent3>
-        <a:srgbClr val="FFFFFF"/>
+        <a:srgbClr val="ffffff"/>
       </a:accent3>
       <a:accent4>
         <a:srgbClr val="000000"/>
       </a:accent4>
       <a:accent5>
-        <a:srgbClr val="DAEDEF"/>
+        <a:srgbClr val="daedef"/>
       </a:accent5>
       <a:accent6>
-        <a:srgbClr val="2D2D8A"/>
+        <a:srgbClr val="2d2d8a"/>
       </a:accent6>
       <a:hlink>
         <a:srgbClr val="009999"/>
       </a:hlink>
       <a:folHlink>
-        <a:srgbClr val="99CC00"/>
+        <a:srgbClr val="99cc00"/>
       </a:folHlink>
     </a:clrScheme>
     <a:fontScheme name="Office">
@@ -23740,7 +25845,5 @@
       </a:bgFillStyleLst>
     </a:fmtScheme>
   </a:themeElements>
-  <a:objectDefaults/>
-  <a:extraClrSchemeLst/>
 </a:theme>
 </file>